--- a/Presentation/Module00-Hols.pptx
+++ b/Presentation/Module00-Hols.pptx
@@ -6,16 +6,21 @@
     <p:sldMasterId id="2147484229" r:id="rId5"/>
   </p:sldMasterIdLst>
   <p:notesMasterIdLst>
-    <p:notesMasterId r:id="rId10"/>
+    <p:notesMasterId r:id="rId15"/>
   </p:notesMasterIdLst>
   <p:handoutMasterIdLst>
-    <p:handoutMasterId r:id="rId11"/>
+    <p:handoutMasterId r:id="rId16"/>
   </p:handoutMasterIdLst>
   <p:sldIdLst>
     <p:sldId id="1309" r:id="rId6"/>
     <p:sldId id="1342" r:id="rId7"/>
     <p:sldId id="1347" r:id="rId8"/>
-    <p:sldId id="1353" r:id="rId9"/>
+    <p:sldId id="1354" r:id="rId9"/>
+    <p:sldId id="1355" r:id="rId10"/>
+    <p:sldId id="1356" r:id="rId11"/>
+    <p:sldId id="1357" r:id="rId12"/>
+    <p:sldId id="1358" r:id="rId13"/>
+    <p:sldId id="1353" r:id="rId14"/>
   </p:sldIdLst>
   <p:sldSz cx="12436475" cy="6994525"/>
   <p:notesSz cx="6858000" cy="9144000"/>
@@ -129,6 +134,11 @@
         <p14:section name="Untitled Section" id="{2F881FF2-773A-4FA9-8076-D4A28DB643D9}">
           <p14:sldIdLst>
             <p14:sldId id="1347"/>
+            <p14:sldId id="1354"/>
+            <p14:sldId id="1355"/>
+            <p14:sldId id="1356"/>
+            <p14:sldId id="1357"/>
+            <p14:sldId id="1358"/>
             <p14:sldId id="1353"/>
           </p14:sldIdLst>
         </p14:section>
@@ -265,7 +275,7 @@
               <a:rPr lang="en-US" smtClean="0">
                 <a:latin typeface="Segoe UI" pitchFamily="34" charset="0"/>
               </a:rPr>
-              <a:t>10/5/2016 5:59 PM</a:t>
+              <a:t>10/6/2016 8:00 PM</a:t>
             </a:fld>
             <a:endParaRPr lang="en-US" dirty="0">
               <a:latin typeface="Segoe UI" pitchFamily="34" charset="0"/>
@@ -543,7 +553,7 @@
           <a:p>
             <a:fld id="{196BB360-4395-422C-A729-CB974B278917}" type="datetime8">
               <a:rPr lang="en-US" smtClean="0"/>
-              <a:t>10/5/2016 5:59 PM</a:t>
+              <a:t>10/6/2016 8:00 PM</a:t>
             </a:fld>
             <a:endParaRPr lang="en-US" dirty="0"/>
           </a:p>
@@ -872,7 +882,7 @@
           <a:p>
             <a:fld id="{B9E68977-C62F-48C1-B8E5-A952982F1FDC}" type="datetime8">
               <a:rPr lang="en-US" smtClean="0"/>
-              <a:t>10/5/2016 5:59 PM</a:t>
+              <a:t>10/6/2016 8:00 PM</a:t>
             </a:fld>
             <a:endParaRPr lang="en-US" dirty="0"/>
           </a:p>
@@ -13891,6 +13901,53 @@
       </p:grpSpPr>
       <p:sp>
         <p:nvSpPr>
+          <p:cNvPr id="2" name="Text Placeholder 1"/>
+          <p:cNvSpPr>
+            <a:spLocks noGrp="1"/>
+          </p:cNvSpPr>
+          <p:nvPr>
+            <p:ph type="body" sz="quarter" idx="10"/>
+          </p:nvPr>
+        </p:nvSpPr>
+        <p:spPr/>
+        <p:txBody>
+          <a:bodyPr/>
+          <a:lstStyle/>
+          <a:p>
+            <a:r>
+              <a:rPr lang="en-US"/>
+              <a:t>Connect Azure subscription (Pass or Trial)</a:t>
+            </a:r>
+          </a:p>
+          <a:p>
+            <a:r>
+              <a:rPr lang="en-US"/>
+              <a:t>Create O365 Developer Tenant</a:t>
+            </a:r>
+          </a:p>
+          <a:p>
+            <a:r>
+              <a:rPr lang="en-US"/>
+              <a:t>Create Visual Studio online account</a:t>
+            </a:r>
+          </a:p>
+          <a:p>
+            <a:r>
+              <a:rPr lang="en-US"/>
+              <a:t>Take prepared image, walk through the tools that are available</a:t>
+            </a:r>
+          </a:p>
+          <a:p>
+            <a:r>
+              <a:rPr lang="en-US"/>
+              <a:t>Run ARM Template to scaffold out resources</a:t>
+            </a:r>
+            <a:endParaRPr lang="en-US" dirty="0"/>
+          </a:p>
+        </p:txBody>
+      </p:sp>
+      <p:sp>
+        <p:nvSpPr>
           <p:cNvPr id="3" name="Title 2"/>
           <p:cNvSpPr>
             <a:spLocks noGrp="1"/>
@@ -13901,237 +13958,14 @@
         </p:nvSpPr>
         <p:spPr/>
         <p:txBody>
-          <a:bodyPr>
-            <a:noAutofit/>
-          </a:bodyPr>
-          <a:lstStyle/>
-          <a:p>
-            <a:pPr marL="347472" indent="-347472">
-              <a:spcBef>
-                <a:spcPts val="0"/>
-              </a:spcBef>
-              <a:spcAft>
-                <a:spcPts val="0"/>
-              </a:spcAft>
-              <a:buClrTx/>
-              <a:buSzTx/>
-              <a:buFont typeface="Arial" panose="020B0604020202020204" pitchFamily="34" charset="0"/>
-              <a:buChar char="•"/>
-            </a:pPr>
-            <a:r>
-              <a:rPr lang="en-US" dirty="0"/>
-              <a:t>HOL 1</a:t>
-            </a:r>
-          </a:p>
-          <a:p>
-            <a:pPr marL="740664" indent="-283464">
-              <a:spcBef>
-                <a:spcPts val="0"/>
-              </a:spcBef>
-              <a:spcAft>
-                <a:spcPts val="0"/>
-              </a:spcAft>
-              <a:buClrTx/>
-              <a:buSzTx/>
-              <a:buFont typeface="Arial" panose="020B0604020202020204" pitchFamily="34" charset="0"/>
-              <a:buChar char="•"/>
-            </a:pPr>
-            <a:r>
-              <a:rPr lang="en-US" dirty="0"/>
-              <a:t>Setting up your developer </a:t>
-            </a:r>
-            <a:r>
-              <a:rPr lang="en-US" dirty="0" err="1"/>
-              <a:t>environmentHOL</a:t>
-            </a:r>
-            <a:r>
-              <a:rPr lang="en-US" dirty="0"/>
-              <a:t> 2</a:t>
-            </a:r>
-          </a:p>
-          <a:p>
-            <a:pPr marL="740664" indent="-283464">
-              <a:spcBef>
-                <a:spcPts val="0"/>
-              </a:spcBef>
-              <a:spcAft>
-                <a:spcPts val="0"/>
-              </a:spcAft>
-              <a:buClrTx/>
-              <a:buSzTx/>
-              <a:buFont typeface="Arial" panose="020B0604020202020204" pitchFamily="34" charset="0"/>
-              <a:buChar char="•"/>
-            </a:pPr>
-            <a:r>
-              <a:rPr lang="en-US" dirty="0"/>
-              <a:t>Building modern cloud </a:t>
-            </a:r>
-            <a:r>
-              <a:rPr lang="en-US" dirty="0" err="1"/>
-              <a:t>appsHOL</a:t>
-            </a:r>
-            <a:r>
-              <a:rPr lang="en-US" dirty="0"/>
-              <a:t> 3</a:t>
-            </a:r>
-          </a:p>
-          <a:p>
-            <a:pPr marL="740664" indent="-283464">
-              <a:spcBef>
-                <a:spcPts val="0"/>
-              </a:spcBef>
-              <a:spcAft>
-                <a:spcPts val="0"/>
-              </a:spcAft>
-              <a:buClrTx/>
-              <a:buSzTx/>
-              <a:buFont typeface="Arial" panose="020B0604020202020204" pitchFamily="34" charset="0"/>
-              <a:buChar char="•"/>
-            </a:pPr>
-            <a:r>
-              <a:rPr lang="en-US" dirty="0"/>
-              <a:t>Identity with Azure AD and Office 365 APIs</a:t>
-            </a:r>
-          </a:p>
-          <a:p>
-            <a:pPr marL="347472" indent="-347472">
-              <a:spcBef>
-                <a:spcPts val="0"/>
-              </a:spcBef>
-              <a:spcAft>
-                <a:spcPts val="0"/>
-              </a:spcAft>
-              <a:buClrTx/>
-              <a:buSzTx/>
-              <a:buFont typeface="Arial" panose="020B0604020202020204" pitchFamily="34" charset="0"/>
-              <a:buChar char="•"/>
-            </a:pPr>
-            <a:r>
-              <a:rPr lang="en-US" dirty="0"/>
-              <a:t>HOL 4</a:t>
-            </a:r>
-          </a:p>
-          <a:p>
-            <a:pPr marL="740664" indent="-283464">
-              <a:spcBef>
-                <a:spcPts val="0"/>
-              </a:spcBef>
-              <a:spcAft>
-                <a:spcPts val="0"/>
-              </a:spcAft>
-              <a:buClrTx/>
-              <a:buSzTx/>
-              <a:buFont typeface="Arial" panose="020B0604020202020204" pitchFamily="34" charset="0"/>
-              <a:buChar char="•"/>
-            </a:pPr>
-            <a:r>
-              <a:rPr lang="en-US" dirty="0"/>
-              <a:t>DevOps with Azure and Visual Studio Team Services</a:t>
-            </a:r>
-          </a:p>
-          <a:p>
-            <a:pPr marL="347472" indent="-347472">
-              <a:spcBef>
-                <a:spcPts val="0"/>
-              </a:spcBef>
-              <a:spcAft>
-                <a:spcPts val="0"/>
-              </a:spcAft>
-              <a:buClrTx/>
-              <a:buSzTx/>
-              <a:buFont typeface="Arial" panose="020B0604020202020204" pitchFamily="34" charset="0"/>
-              <a:buChar char="•"/>
-            </a:pPr>
-            <a:r>
-              <a:rPr lang="en-US" dirty="0"/>
-              <a:t>HOL 5</a:t>
-            </a:r>
-          </a:p>
-          <a:p>
-            <a:pPr marL="740664" indent="-283464">
-              <a:spcBef>
-                <a:spcPts val="0"/>
-              </a:spcBef>
-              <a:spcAft>
-                <a:spcPts val="0"/>
-              </a:spcAft>
-              <a:buClrTx/>
-              <a:buSzTx/>
-              <a:buFont typeface="Arial" panose="020B0604020202020204" pitchFamily="34" charset="0"/>
-              <a:buChar char="•"/>
-            </a:pPr>
-            <a:r>
-              <a:rPr lang="en-US" dirty="0"/>
-              <a:t>Infrastructure as code with Azure Resource Manager (ARM)</a:t>
-            </a:r>
-          </a:p>
-          <a:p>
-            <a:pPr marL="347472" indent="-347472">
-              <a:spcBef>
-                <a:spcPts val="0"/>
-              </a:spcBef>
-              <a:spcAft>
-                <a:spcPts val="0"/>
-              </a:spcAft>
-              <a:buClrTx/>
-              <a:buSzTx/>
-              <a:buFont typeface="Arial" panose="020B0604020202020204" pitchFamily="34" charset="0"/>
-              <a:buChar char="•"/>
-            </a:pPr>
-            <a:r>
-              <a:rPr lang="en-US" dirty="0"/>
-              <a:t>HOL 6</a:t>
-            </a:r>
-          </a:p>
-          <a:p>
-            <a:pPr marL="740664" indent="-283464">
-              <a:spcBef>
-                <a:spcPts val="0"/>
-              </a:spcBef>
-              <a:spcAft>
-                <a:spcPts val="0"/>
-              </a:spcAft>
-              <a:buClrTx/>
-              <a:buSzTx/>
-              <a:buFont typeface="Arial" panose="020B0604020202020204" pitchFamily="34" charset="0"/>
-              <a:buChar char="•"/>
-            </a:pPr>
-            <a:r>
-              <a:rPr lang="en-US" dirty="0"/>
-              <a:t>Monitoring applications with App Insights</a:t>
-            </a:r>
-          </a:p>
-          <a:p>
-            <a:pPr rtl="0" eaLnBrk="1" fontAlgn="auto" latinLnBrk="0" hangingPunct="1"/>
-            <a:endParaRPr lang="en-US" sz="3600" dirty="0"/>
-          </a:p>
-          <a:p>
-            <a:pPr rtl="0" eaLnBrk="1" fontAlgn="auto" latinLnBrk="0" hangingPunct="1"/>
-            <a:endParaRPr lang="en-US" sz="3600" dirty="0"/>
-          </a:p>
-        </p:txBody>
-      </p:sp>
-      <p:sp>
-        <p:nvSpPr>
-          <p:cNvPr id="2" name="Text Placeholder 1"/>
-          <p:cNvSpPr>
-            <a:spLocks noGrp="1"/>
-          </p:cNvSpPr>
-          <p:nvPr>
-            <p:ph type="body" sz="quarter" idx="10"/>
-          </p:nvPr>
-        </p:nvSpPr>
-        <p:spPr>
-          <a:xfrm>
-            <a:off x="274638" y="1212850"/>
-            <a:ext cx="11887200" cy="1292662"/>
-          </a:xfrm>
-        </p:spPr>
-        <p:txBody>
           <a:bodyPr/>
           <a:lstStyle/>
           <a:p>
-            <a:endParaRPr lang="en-US"/>
+            <a:r>
+              <a:rPr lang="en-US"/>
+              <a:t>HOL 1: Setting up your developer environment</a:t>
+            </a:r>
+            <a:endParaRPr lang="en-US" dirty="0"/>
           </a:p>
         </p:txBody>
       </p:sp>
@@ -14152,6 +13986,593 @@
 </file>
 
 <file path=ppt/slides/slide4.xml><?xml version="1.0" encoding="utf-8"?>
+<p:sld xmlns:a="http://schemas.openxmlformats.org/drawingml/2006/main" xmlns:r="http://schemas.openxmlformats.org/officeDocument/2006/relationships" xmlns:p="http://schemas.openxmlformats.org/presentationml/2006/main">
+  <p:cSld>
+    <p:spTree>
+      <p:nvGrpSpPr>
+        <p:cNvPr id="1" name=""/>
+        <p:cNvGrpSpPr/>
+        <p:nvPr/>
+      </p:nvGrpSpPr>
+      <p:grpSpPr>
+        <a:xfrm>
+          <a:off x="0" y="0"/>
+          <a:ext cx="0" cy="0"/>
+          <a:chOff x="0" y="0"/>
+          <a:chExt cx="0" cy="0"/>
+        </a:xfrm>
+      </p:grpSpPr>
+      <p:sp>
+        <p:nvSpPr>
+          <p:cNvPr id="3" name="Text Placeholder 2"/>
+          <p:cNvSpPr>
+            <a:spLocks noGrp="1"/>
+          </p:cNvSpPr>
+          <p:nvPr>
+            <p:ph type="body" sz="quarter" idx="10"/>
+          </p:nvPr>
+        </p:nvSpPr>
+        <p:spPr/>
+        <p:txBody>
+          <a:bodyPr/>
+          <a:lstStyle/>
+          <a:p>
+            <a:r>
+              <a:rPr lang="en-US" dirty="0"/>
+              <a:t>Starting with provisioned resource group</a:t>
+            </a:r>
+          </a:p>
+          <a:p>
+            <a:r>
+              <a:rPr lang="en-US" dirty="0"/>
+              <a:t>Select front end app (Node.js /.NET/ Java)</a:t>
+            </a:r>
+          </a:p>
+          <a:p>
+            <a:r>
+              <a:rPr lang="en-US" dirty="0"/>
+              <a:t>Connect to deployed API</a:t>
+            </a:r>
+          </a:p>
+          <a:p>
+            <a:r>
+              <a:rPr lang="en-US" dirty="0"/>
+              <a:t>Add blob storage</a:t>
+            </a:r>
+          </a:p>
+          <a:p>
+            <a:r>
+              <a:rPr lang="en-US" dirty="0"/>
+              <a:t>Add queueing</a:t>
+            </a:r>
+          </a:p>
+          <a:p>
+            <a:r>
+              <a:rPr lang="en-US" dirty="0"/>
+              <a:t>Add </a:t>
+            </a:r>
+            <a:r>
+              <a:rPr lang="en-US" dirty="0" err="1"/>
+              <a:t>Redis</a:t>
+            </a:r>
+            <a:r>
+              <a:rPr lang="en-US" dirty="0"/>
+              <a:t> cache</a:t>
+            </a:r>
+          </a:p>
+          <a:p>
+            <a:r>
+              <a:rPr lang="en-US" dirty="0"/>
+              <a:t>Stretch: Image resizing with Function</a:t>
+            </a:r>
+          </a:p>
+        </p:txBody>
+      </p:sp>
+      <p:sp>
+        <p:nvSpPr>
+          <p:cNvPr id="2" name="Title 1"/>
+          <p:cNvSpPr>
+            <a:spLocks noGrp="1"/>
+          </p:cNvSpPr>
+          <p:nvPr>
+            <p:ph type="title"/>
+          </p:nvPr>
+        </p:nvSpPr>
+        <p:spPr/>
+        <p:txBody>
+          <a:bodyPr/>
+          <a:lstStyle/>
+          <a:p>
+            <a:r>
+              <a:rPr lang="en-US"/>
+              <a:t>HOL 2: Building modern cloud apps</a:t>
+            </a:r>
+            <a:endParaRPr lang="en-US" dirty="0"/>
+          </a:p>
+        </p:txBody>
+      </p:sp>
+    </p:spTree>
+    <p:extLst>
+      <p:ext uri="{BB962C8B-B14F-4D97-AF65-F5344CB8AC3E}">
+        <p14:creationId xmlns:p14="http://schemas.microsoft.com/office/powerpoint/2010/main" val="103508438"/>
+      </p:ext>
+    </p:extLst>
+  </p:cSld>
+  <p:clrMapOvr>
+    <a:masterClrMapping/>
+  </p:clrMapOvr>
+  <p:transition>
+    <p:fade/>
+  </p:transition>
+</p:sld>
+</file>
+
+<file path=ppt/slides/slide5.xml><?xml version="1.0" encoding="utf-8"?>
+<p:sld xmlns:a="http://schemas.openxmlformats.org/drawingml/2006/main" xmlns:r="http://schemas.openxmlformats.org/officeDocument/2006/relationships" xmlns:p="http://schemas.openxmlformats.org/presentationml/2006/main">
+  <p:cSld>
+    <p:spTree>
+      <p:nvGrpSpPr>
+        <p:cNvPr id="1" name=""/>
+        <p:cNvGrpSpPr/>
+        <p:nvPr/>
+      </p:nvGrpSpPr>
+      <p:grpSpPr>
+        <a:xfrm>
+          <a:off x="0" y="0"/>
+          <a:ext cx="0" cy="0"/>
+          <a:chOff x="0" y="0"/>
+          <a:chExt cx="0" cy="0"/>
+        </a:xfrm>
+      </p:grpSpPr>
+      <p:sp>
+        <p:nvSpPr>
+          <p:cNvPr id="3" name="Text Placeholder 2"/>
+          <p:cNvSpPr>
+            <a:spLocks noGrp="1"/>
+          </p:cNvSpPr>
+          <p:nvPr>
+            <p:ph type="body" sz="quarter" idx="10"/>
+          </p:nvPr>
+        </p:nvSpPr>
+        <p:spPr/>
+        <p:txBody>
+          <a:bodyPr>
+            <a:normAutofit fontScale="40000" lnSpcReduction="20000"/>
+          </a:bodyPr>
+          <a:lstStyle/>
+          <a:p>
+            <a:r>
+              <a:rPr lang="en-US" dirty="0"/>
+              <a:t>Find AD </a:t>
+            </a:r>
+          </a:p>
+          <a:p>
+            <a:r>
+              <a:rPr lang="en-US" dirty="0"/>
+              <a:t>Create AD Application</a:t>
+            </a:r>
+          </a:p>
+          <a:p>
+            <a:r>
+              <a:rPr lang="en-US" dirty="0"/>
+              <a:t>Add authentication to app</a:t>
+            </a:r>
+          </a:p>
+          <a:p>
+            <a:r>
+              <a:rPr lang="en-US" dirty="0"/>
+              <a:t>Authenticate</a:t>
+            </a:r>
+          </a:p>
+          <a:p>
+            <a:r>
+              <a:rPr lang="en-US" dirty="0"/>
+              <a:t>Add profile page</a:t>
+            </a:r>
+          </a:p>
+          <a:p>
+            <a:r>
+              <a:rPr lang="en-US" dirty="0"/>
+              <a:t>Add graph API call to get user data for profile page</a:t>
+            </a:r>
+          </a:p>
+          <a:p>
+            <a:r>
+              <a:rPr lang="en-US" dirty="0"/>
+              <a:t>Populate first &amp; last name of the new incident form with first name &amp; last name from Graph/token</a:t>
+            </a:r>
+          </a:p>
+          <a:p>
+            <a:r>
+              <a:rPr lang="en-US" dirty="0"/>
+              <a:t>Send Email via Graph on new incident creation</a:t>
+            </a:r>
+          </a:p>
+          <a:p>
+            <a:r>
+              <a:rPr lang="en-US" dirty="0"/>
+              <a:t>Stretch: Add calendar event on new incident creation</a:t>
+            </a:r>
+          </a:p>
+        </p:txBody>
+      </p:sp>
+      <p:sp>
+        <p:nvSpPr>
+          <p:cNvPr id="2" name="Title 1"/>
+          <p:cNvSpPr>
+            <a:spLocks noGrp="1"/>
+          </p:cNvSpPr>
+          <p:nvPr>
+            <p:ph type="title"/>
+          </p:nvPr>
+        </p:nvSpPr>
+        <p:spPr/>
+        <p:txBody>
+          <a:bodyPr>
+            <a:normAutofit fontScale="90000"/>
+          </a:bodyPr>
+          <a:lstStyle/>
+          <a:p>
+            <a:r>
+              <a:rPr lang="en-US" dirty="0"/>
+              <a:t>HOL 3: Identity with Azure AD and Office 365 APIs</a:t>
+            </a:r>
+          </a:p>
+        </p:txBody>
+      </p:sp>
+    </p:spTree>
+    <p:extLst>
+      <p:ext uri="{BB962C8B-B14F-4D97-AF65-F5344CB8AC3E}">
+        <p14:creationId xmlns:p14="http://schemas.microsoft.com/office/powerpoint/2010/main" val="2890623480"/>
+      </p:ext>
+    </p:extLst>
+  </p:cSld>
+  <p:clrMapOvr>
+    <a:masterClrMapping/>
+  </p:clrMapOvr>
+  <p:transition>
+    <p:fade/>
+  </p:transition>
+</p:sld>
+</file>
+
+<file path=ppt/slides/slide6.xml><?xml version="1.0" encoding="utf-8"?>
+<p:sld xmlns:a="http://schemas.openxmlformats.org/drawingml/2006/main" xmlns:r="http://schemas.openxmlformats.org/officeDocument/2006/relationships" xmlns:p="http://schemas.openxmlformats.org/presentationml/2006/main">
+  <p:cSld>
+    <p:spTree>
+      <p:nvGrpSpPr>
+        <p:cNvPr id="1" name=""/>
+        <p:cNvGrpSpPr/>
+        <p:nvPr/>
+      </p:nvGrpSpPr>
+      <p:grpSpPr>
+        <a:xfrm>
+          <a:off x="0" y="0"/>
+          <a:ext cx="0" cy="0"/>
+          <a:chOff x="0" y="0"/>
+          <a:chExt cx="0" cy="0"/>
+        </a:xfrm>
+      </p:grpSpPr>
+      <p:sp>
+        <p:nvSpPr>
+          <p:cNvPr id="3" name="Text Placeholder 2"/>
+          <p:cNvSpPr>
+            <a:spLocks noGrp="1"/>
+          </p:cNvSpPr>
+          <p:nvPr>
+            <p:ph type="body" sz="quarter" idx="10"/>
+          </p:nvPr>
+        </p:nvSpPr>
+        <p:spPr/>
+        <p:txBody>
+          <a:bodyPr/>
+          <a:lstStyle/>
+          <a:p>
+            <a:r>
+              <a:rPr lang="en-US"/>
+              <a:t>Create VSTS Tenant</a:t>
+            </a:r>
+          </a:p>
+          <a:p>
+            <a:r>
+              <a:rPr lang="en-US"/>
+              <a:t>Create Git repository</a:t>
+            </a:r>
+          </a:p>
+          <a:p>
+            <a:r>
+              <a:rPr lang="en-US"/>
+              <a:t>Clone git repo locally</a:t>
+            </a:r>
+          </a:p>
+          <a:p>
+            <a:r>
+              <a:rPr lang="en-US"/>
+              <a:t>Push code into VSTS</a:t>
+            </a:r>
+          </a:p>
+          <a:p>
+            <a:r>
+              <a:rPr lang="en-US"/>
+              <a:t>Create CI pipeline to build</a:t>
+            </a:r>
+          </a:p>
+          <a:p>
+            <a:r>
+              <a:rPr lang="en-US"/>
+              <a:t>Ends with published artifacts</a:t>
+            </a:r>
+            <a:endParaRPr lang="en-US" dirty="0"/>
+          </a:p>
+        </p:txBody>
+      </p:sp>
+      <p:sp>
+        <p:nvSpPr>
+          <p:cNvPr id="2" name="Title 1"/>
+          <p:cNvSpPr>
+            <a:spLocks noGrp="1"/>
+          </p:cNvSpPr>
+          <p:nvPr>
+            <p:ph type="title"/>
+          </p:nvPr>
+        </p:nvSpPr>
+        <p:spPr/>
+        <p:txBody>
+          <a:bodyPr/>
+          <a:lstStyle/>
+          <a:p>
+            <a:r>
+              <a:rPr lang="en-US"/>
+              <a:t>HOL 4: DevOps with Azure and VSTS</a:t>
+            </a:r>
+            <a:endParaRPr lang="en-US" dirty="0"/>
+          </a:p>
+        </p:txBody>
+      </p:sp>
+    </p:spTree>
+    <p:extLst>
+      <p:ext uri="{BB962C8B-B14F-4D97-AF65-F5344CB8AC3E}">
+        <p14:creationId xmlns:p14="http://schemas.microsoft.com/office/powerpoint/2010/main" val="3481618648"/>
+      </p:ext>
+    </p:extLst>
+  </p:cSld>
+  <p:clrMapOvr>
+    <a:masterClrMapping/>
+  </p:clrMapOvr>
+  <p:transition>
+    <p:fade/>
+  </p:transition>
+</p:sld>
+</file>
+
+<file path=ppt/slides/slide7.xml><?xml version="1.0" encoding="utf-8"?>
+<p:sld xmlns:a="http://schemas.openxmlformats.org/drawingml/2006/main" xmlns:r="http://schemas.openxmlformats.org/officeDocument/2006/relationships" xmlns:p="http://schemas.openxmlformats.org/presentationml/2006/main">
+  <p:cSld>
+    <p:spTree>
+      <p:nvGrpSpPr>
+        <p:cNvPr id="1" name=""/>
+        <p:cNvGrpSpPr/>
+        <p:nvPr/>
+      </p:nvGrpSpPr>
+      <p:grpSpPr>
+        <a:xfrm>
+          <a:off x="0" y="0"/>
+          <a:ext cx="0" cy="0"/>
+          <a:chOff x="0" y="0"/>
+          <a:chExt cx="0" cy="0"/>
+        </a:xfrm>
+      </p:grpSpPr>
+      <p:sp>
+        <p:nvSpPr>
+          <p:cNvPr id="3" name="Text Placeholder 2"/>
+          <p:cNvSpPr>
+            <a:spLocks noGrp="1"/>
+          </p:cNvSpPr>
+          <p:nvPr>
+            <p:ph type="body" sz="quarter" idx="10"/>
+          </p:nvPr>
+        </p:nvSpPr>
+        <p:spPr/>
+        <p:txBody>
+          <a:bodyPr/>
+          <a:lstStyle/>
+          <a:p>
+            <a:r>
+              <a:rPr lang="en-US"/>
+              <a:t>Create ARM template for web app in VS</a:t>
+            </a:r>
+          </a:p>
+          <a:p>
+            <a:r>
+              <a:rPr lang="en-US"/>
+              <a:t>Deploy using VSTS</a:t>
+            </a:r>
+          </a:p>
+          <a:p>
+            <a:r>
+              <a:rPr lang="en-US"/>
+              <a:t>Create 3 environments</a:t>
+            </a:r>
+          </a:p>
+          <a:p>
+            <a:r>
+              <a:rPr lang="en-US"/>
+              <a:t>Configure CD</a:t>
+            </a:r>
+          </a:p>
+          <a:p>
+            <a:endParaRPr lang="en-US" dirty="0"/>
+          </a:p>
+        </p:txBody>
+      </p:sp>
+      <p:sp>
+        <p:nvSpPr>
+          <p:cNvPr id="2" name="Title 1"/>
+          <p:cNvSpPr>
+            <a:spLocks noGrp="1"/>
+          </p:cNvSpPr>
+          <p:nvPr>
+            <p:ph type="title"/>
+          </p:nvPr>
+        </p:nvSpPr>
+        <p:spPr/>
+        <p:txBody>
+          <a:bodyPr/>
+          <a:lstStyle/>
+          <a:p>
+            <a:r>
+              <a:rPr lang="en-US"/>
+              <a:t>HOL 5: Infrastructure as code with (ARM)</a:t>
+            </a:r>
+            <a:endParaRPr lang="en-US" dirty="0"/>
+          </a:p>
+        </p:txBody>
+      </p:sp>
+    </p:spTree>
+    <p:extLst>
+      <p:ext uri="{BB962C8B-B14F-4D97-AF65-F5344CB8AC3E}">
+        <p14:creationId xmlns:p14="http://schemas.microsoft.com/office/powerpoint/2010/main" val="3620859700"/>
+      </p:ext>
+    </p:extLst>
+  </p:cSld>
+  <p:clrMapOvr>
+    <a:masterClrMapping/>
+  </p:clrMapOvr>
+  <p:transition>
+    <p:fade/>
+  </p:transition>
+</p:sld>
+</file>
+
+<file path=ppt/slides/slide8.xml><?xml version="1.0" encoding="utf-8"?>
+<p:sld xmlns:a="http://schemas.openxmlformats.org/drawingml/2006/main" xmlns:r="http://schemas.openxmlformats.org/officeDocument/2006/relationships" xmlns:p="http://schemas.openxmlformats.org/presentationml/2006/main">
+  <p:cSld>
+    <p:spTree>
+      <p:nvGrpSpPr>
+        <p:cNvPr id="1" name=""/>
+        <p:cNvGrpSpPr/>
+        <p:nvPr/>
+      </p:nvGrpSpPr>
+      <p:grpSpPr>
+        <a:xfrm>
+          <a:off x="0" y="0"/>
+          <a:ext cx="0" cy="0"/>
+          <a:chOff x="0" y="0"/>
+          <a:chExt cx="0" cy="0"/>
+        </a:xfrm>
+      </p:grpSpPr>
+      <p:sp>
+        <p:nvSpPr>
+          <p:cNvPr id="3" name="Text Placeholder 2"/>
+          <p:cNvSpPr>
+            <a:spLocks noGrp="1"/>
+          </p:cNvSpPr>
+          <p:nvPr>
+            <p:ph type="body" sz="quarter" idx="10"/>
+          </p:nvPr>
+        </p:nvSpPr>
+        <p:spPr/>
+        <p:txBody>
+          <a:bodyPr/>
+          <a:lstStyle/>
+          <a:p>
+            <a:r>
+              <a:rPr lang="en-US"/>
+              <a:t>Add App Insights resource to Azure</a:t>
+            </a:r>
+          </a:p>
+          <a:p>
+            <a:r>
+              <a:rPr lang="en-US"/>
+              <a:t>Add App Insights to application</a:t>
+            </a:r>
+          </a:p>
+          <a:p>
+            <a:r>
+              <a:rPr lang="en-US"/>
+              <a:t>Add server side SDK</a:t>
+            </a:r>
+          </a:p>
+          <a:p>
+            <a:r>
+              <a:rPr lang="en-US"/>
+              <a:t>Add client side libraries</a:t>
+            </a:r>
+          </a:p>
+          <a:p>
+            <a:r>
+              <a:rPr lang="en-US"/>
+              <a:t>Create custom events</a:t>
+            </a:r>
+          </a:p>
+          <a:p>
+            <a:r>
+              <a:rPr lang="en-US"/>
+              <a:t>Create custom metric</a:t>
+            </a:r>
+          </a:p>
+          <a:p>
+            <a:r>
+              <a:rPr lang="en-US"/>
+              <a:t>Create availability test</a:t>
+            </a:r>
+          </a:p>
+          <a:p>
+            <a:r>
+              <a:rPr lang="en-US"/>
+              <a:t>View the dashboard</a:t>
+            </a:r>
+            <a:endParaRPr lang="en-US" dirty="0"/>
+          </a:p>
+        </p:txBody>
+      </p:sp>
+      <p:sp>
+        <p:nvSpPr>
+          <p:cNvPr id="2" name="Title 1"/>
+          <p:cNvSpPr>
+            <a:spLocks noGrp="1"/>
+          </p:cNvSpPr>
+          <p:nvPr>
+            <p:ph type="title"/>
+          </p:nvPr>
+        </p:nvSpPr>
+        <p:spPr/>
+        <p:txBody>
+          <a:bodyPr>
+            <a:normAutofit fontScale="90000"/>
+          </a:bodyPr>
+          <a:lstStyle/>
+          <a:p>
+            <a:r>
+              <a:rPr lang="en-US" dirty="0"/>
+              <a:t>HOL 6: Monitoring applications with App Insights</a:t>
+            </a:r>
+          </a:p>
+          <a:p>
+            <a:endParaRPr lang="en-US" dirty="0"/>
+          </a:p>
+          <a:p>
+            <a:endParaRPr lang="en-US" dirty="0"/>
+          </a:p>
+        </p:txBody>
+      </p:sp>
+    </p:spTree>
+    <p:extLst>
+      <p:ext uri="{BB962C8B-B14F-4D97-AF65-F5344CB8AC3E}">
+        <p14:creationId xmlns:p14="http://schemas.microsoft.com/office/powerpoint/2010/main" val="2211970092"/>
+      </p:ext>
+    </p:extLst>
+  </p:cSld>
+  <p:clrMapOvr>
+    <a:masterClrMapping/>
+  </p:clrMapOvr>
+  <p:transition>
+    <p:fade/>
+  </p:transition>
+</p:sld>
+</file>
+
+<file path=ppt/slides/slide9.xml><?xml version="1.0" encoding="utf-8"?>
 <p:sld xmlns:a="http://schemas.openxmlformats.org/drawingml/2006/main" xmlns:r="http://schemas.openxmlformats.org/officeDocument/2006/relationships" xmlns:p="http://schemas.openxmlformats.org/presentationml/2006/main">
   <p:cSld>
     <p:spTree>
@@ -15355,6 +15776,15 @@
 </file>
 
 <file path=customXml/item1.xml><?xml version="1.0" encoding="utf-8"?>
+<?mso-contentType ?>
+<FormTemplates xmlns="http://schemas.microsoft.com/sharepoint/v3/contenttype/forms">
+  <Display>DocumentLibraryForm</Display>
+  <Edit>DocumentLibraryForm</Edit>
+  <New>DocumentLibraryForm</New>
+</FormTemplates>
+</file>
+
+<file path=customXml/item2.xml><?xml version="1.0" encoding="utf-8"?>
 <ct:contentTypeSchema xmlns:ct="http://schemas.microsoft.com/office/2006/metadata/contentType" xmlns:ma="http://schemas.microsoft.com/office/2006/metadata/properties/metaAttributes" ct:_="" ma:_="" ma:contentTypeName="Document" ma:contentTypeID="0x010100A2B0BB5962AB3C45A9A1CE1EC4C4F647" ma:contentTypeVersion="3" ma:contentTypeDescription="Create a new document." ma:contentTypeScope="" ma:versionID="f0876370c90de824ab54c09b0bd2a056">
   <xsd:schema xmlns:xsd="http://www.w3.org/2001/XMLSchema" xmlns:xs="http://www.w3.org/2001/XMLSchema" xmlns:p="http://schemas.microsoft.com/office/2006/metadata/properties" xmlns:ns3="630a2e83-186a-4a0f-ab27-bee8a8096abc" targetNamespace="http://schemas.microsoft.com/office/2006/metadata/properties" ma:root="true" ma:fieldsID="a2a3b5ed8b4accd7c8a398d0cb075271" ns3:_="">
     <xsd:import namespace="630a2e83-186a-4a0f-ab27-bee8a8096abc"/>
@@ -15508,15 +15938,6 @@
 </ct:contentTypeSchema>
 </file>
 
-<file path=customXml/item2.xml><?xml version="1.0" encoding="utf-8"?>
-<?mso-contentType ?>
-<FormTemplates xmlns="http://schemas.microsoft.com/sharepoint/v3/contenttype/forms">
-  <Display>DocumentLibraryForm</Display>
-  <Edit>DocumentLibraryForm</Edit>
-  <New>DocumentLibraryForm</New>
-</FormTemplates>
-</file>
-
 <file path=customXml/item3.xml><?xml version="1.0" encoding="utf-8"?>
 <p:properties xmlns:p="http://schemas.microsoft.com/office/2006/metadata/properties" xmlns:xsi="http://www.w3.org/2001/XMLSchema-instance" xmlns:pc="http://schemas.microsoft.com/office/infopath/2007/PartnerControls">
   <documentManagement/>
@@ -15524,6 +15945,14 @@
 </file>
 
 <file path=customXml/itemProps1.xml><?xml version="1.0" encoding="utf-8"?>
+<ds:datastoreItem xmlns:ds="http://schemas.openxmlformats.org/officeDocument/2006/customXml" ds:itemID="{758FDAC0-319D-4A54-8D8E-1D42CB1F8004}">
+  <ds:schemaRefs>
+    <ds:schemaRef ds:uri="http://schemas.microsoft.com/sharepoint/v3/contenttype/forms"/>
+  </ds:schemaRefs>
+</ds:datastoreItem>
+</file>
+
+<file path=customXml/itemProps2.xml><?xml version="1.0" encoding="utf-8"?>
 <ds:datastoreItem xmlns:ds="http://schemas.openxmlformats.org/officeDocument/2006/customXml" ds:itemID="{F4553072-E538-48C4-90FC-3653F32D67C5}">
   <ds:schemaRefs>
     <ds:schemaRef ds:uri="http://schemas.microsoft.com/office/2006/metadata/contentType"/>
@@ -15537,14 +15966,6 @@
     <ds:schemaRef ds:uri="http://purl.org/dc/elements/1.1/"/>
     <ds:schemaRef ds:uri="http://purl.org/dc/terms/"/>
     <ds:schemaRef ds:uri="http://schemas.microsoft.com/internal/obd"/>
-  </ds:schemaRefs>
-</ds:datastoreItem>
-</file>
-
-<file path=customXml/itemProps2.xml><?xml version="1.0" encoding="utf-8"?>
-<ds:datastoreItem xmlns:ds="http://schemas.openxmlformats.org/officeDocument/2006/customXml" ds:itemID="{758FDAC0-319D-4A54-8D8E-1D42CB1F8004}">
-  <ds:schemaRefs>
-    <ds:schemaRef ds:uri="http://schemas.microsoft.com/sharepoint/v3/contenttype/forms"/>
   </ds:schemaRefs>
 </ds:datastoreItem>
 </file>

--- a/Presentation/Module00-Hols.pptx
+++ b/Presentation/Module00-Hols.pptx
@@ -6,21 +6,24 @@
     <p:sldMasterId id="2147484229" r:id="rId5"/>
   </p:sldMasterIdLst>
   <p:notesMasterIdLst>
-    <p:notesMasterId r:id="rId15"/>
+    <p:notesMasterId r:id="rId18"/>
   </p:notesMasterIdLst>
   <p:handoutMasterIdLst>
-    <p:handoutMasterId r:id="rId16"/>
+    <p:handoutMasterId r:id="rId19"/>
   </p:handoutMasterIdLst>
   <p:sldIdLst>
     <p:sldId id="1309" r:id="rId6"/>
     <p:sldId id="1342" r:id="rId7"/>
-    <p:sldId id="1347" r:id="rId8"/>
-    <p:sldId id="1354" r:id="rId9"/>
-    <p:sldId id="1355" r:id="rId10"/>
-    <p:sldId id="1356" r:id="rId11"/>
-    <p:sldId id="1357" r:id="rId12"/>
-    <p:sldId id="1358" r:id="rId13"/>
-    <p:sldId id="1353" r:id="rId14"/>
+    <p:sldId id="1361" r:id="rId8"/>
+    <p:sldId id="1359" r:id="rId9"/>
+    <p:sldId id="1360" r:id="rId10"/>
+    <p:sldId id="1347" r:id="rId11"/>
+    <p:sldId id="1354" r:id="rId12"/>
+    <p:sldId id="1355" r:id="rId13"/>
+    <p:sldId id="1356" r:id="rId14"/>
+    <p:sldId id="1357" r:id="rId15"/>
+    <p:sldId id="1358" r:id="rId16"/>
+    <p:sldId id="1353" r:id="rId17"/>
   </p:sldIdLst>
   <p:sldSz cx="12436475" cy="6994525"/>
   <p:notesSz cx="6858000" cy="9144000"/>
@@ -129,7 +132,11 @@
           </p14:sldIdLst>
         </p14:section>
         <p14:section name="Intro - X minutes" id="{262DF92D-807A-457B-83EF-C53B8BA76377}">
-          <p14:sldIdLst/>
+          <p14:sldIdLst>
+            <p14:sldId id="1361"/>
+            <p14:sldId id="1359"/>
+            <p14:sldId id="1360"/>
+          </p14:sldIdLst>
         </p14:section>
         <p14:section name="Untitled Section" id="{2F881FF2-773A-4FA9-8076-D4A28DB643D9}">
           <p14:sldIdLst>
@@ -275,7 +282,7 @@
               <a:rPr lang="en-US" smtClean="0">
                 <a:latin typeface="Segoe UI" pitchFamily="34" charset="0"/>
               </a:rPr>
-              <a:t>10/6/2016 8:00 PM</a:t>
+              <a:t>10/6/2016 8:34 PM</a:t>
             </a:fld>
             <a:endParaRPr lang="en-US" dirty="0">
               <a:latin typeface="Segoe UI" pitchFamily="34" charset="0"/>
@@ -553,7 +560,7 @@
           <a:p>
             <a:fld id="{196BB360-4395-422C-A729-CB974B278917}" type="datetime8">
               <a:rPr lang="en-US" smtClean="0"/>
-              <a:t>10/6/2016 8:00 PM</a:t>
+              <a:t>10/6/2016 8:34 PM</a:t>
             </a:fld>
             <a:endParaRPr lang="en-US" dirty="0"/>
           </a:p>
@@ -882,7 +889,7 @@
           <a:p>
             <a:fld id="{B9E68977-C62F-48C1-B8E5-A952982F1FDC}" type="datetime8">
               <a:rPr lang="en-US" smtClean="0"/>
-              <a:t>10/6/2016 8:00 PM</a:t>
+              <a:t>10/6/2016 8:34 PM</a:t>
             </a:fld>
             <a:endParaRPr lang="en-US" dirty="0"/>
           </a:p>
@@ -970,6 +977,187 @@
     <p:extLst>
       <p:ext uri="{BB962C8B-B14F-4D97-AF65-F5344CB8AC3E}">
         <p14:creationId xmlns:p14="http://schemas.microsoft.com/office/powerpoint/2010/main" val="2865388468"/>
+      </p:ext>
+    </p:extLst>
+  </p:cSld>
+  <p:clrMapOvr>
+    <a:masterClrMapping/>
+  </p:clrMapOvr>
+</p:notes>
+</file>
+
+<file path=ppt/notesSlides/notesSlide2.xml><?xml version="1.0" encoding="utf-8"?>
+<p:notes xmlns:a="http://schemas.openxmlformats.org/drawingml/2006/main" xmlns:r="http://schemas.openxmlformats.org/officeDocument/2006/relationships" xmlns:p="http://schemas.openxmlformats.org/presentationml/2006/main">
+  <p:cSld>
+    <p:spTree>
+      <p:nvGrpSpPr>
+        <p:cNvPr id="1" name=""/>
+        <p:cNvGrpSpPr/>
+        <p:nvPr/>
+      </p:nvGrpSpPr>
+      <p:grpSpPr>
+        <a:xfrm>
+          <a:off x="0" y="0"/>
+          <a:ext cx="0" cy="0"/>
+          <a:chOff x="0" y="0"/>
+          <a:chExt cx="0" cy="0"/>
+        </a:xfrm>
+      </p:grpSpPr>
+      <p:sp>
+        <p:nvSpPr>
+          <p:cNvPr id="2" name="Slide Image Placeholder 1"/>
+          <p:cNvSpPr>
+            <a:spLocks noGrp="1" noRot="1" noChangeAspect="1"/>
+          </p:cNvSpPr>
+          <p:nvPr>
+            <p:ph type="sldImg"/>
+          </p:nvPr>
+        </p:nvSpPr>
+        <p:spPr/>
+      </p:sp>
+      <p:sp>
+        <p:nvSpPr>
+          <p:cNvPr id="3" name="Notes Placeholder 2"/>
+          <p:cNvSpPr>
+            <a:spLocks noGrp="1"/>
+          </p:cNvSpPr>
+          <p:nvPr>
+            <p:ph type="body" idx="1"/>
+          </p:nvPr>
+        </p:nvSpPr>
+        <p:spPr/>
+        <p:txBody>
+          <a:bodyPr/>
+          <a:lstStyle/>
+          <a:p>
+            <a:endParaRPr lang="en-US" dirty="0"/>
+          </a:p>
+        </p:txBody>
+      </p:sp>
+      <p:sp>
+        <p:nvSpPr>
+          <p:cNvPr id="4" name="Header Placeholder 3"/>
+          <p:cNvSpPr>
+            <a:spLocks noGrp="1"/>
+          </p:cNvSpPr>
+          <p:nvPr>
+            <p:ph type="hdr" sz="quarter" idx="10"/>
+          </p:nvPr>
+        </p:nvSpPr>
+        <p:spPr/>
+        <p:txBody>
+          <a:bodyPr/>
+          <a:lstStyle/>
+          <a:p>
+            <a:endParaRPr lang="en-US" dirty="0"/>
+          </a:p>
+        </p:txBody>
+      </p:sp>
+      <p:sp>
+        <p:nvSpPr>
+          <p:cNvPr id="5" name="Footer Placeholder 4"/>
+          <p:cNvSpPr>
+            <a:spLocks noGrp="1"/>
+          </p:cNvSpPr>
+          <p:nvPr>
+            <p:ph type="ftr" sz="quarter" idx="11"/>
+          </p:nvPr>
+        </p:nvSpPr>
+        <p:spPr/>
+        <p:txBody>
+          <a:bodyPr/>
+          <a:lstStyle/>
+          <a:p>
+            <a:pPr marL="398463" defTabSz="914099" eaLnBrk="0" hangingPunct="0"/>
+            <a:r>
+              <a:rPr lang="en-US" sz="400">
+                <a:gradFill>
+                  <a:gsLst>
+                    <a:gs pos="0">
+                      <a:schemeClr val="tx1"/>
+                    </a:gs>
+                    <a:gs pos="100000">
+                      <a:schemeClr val="tx1"/>
+                    </a:gs>
+                  </a:gsLst>
+                  <a:lin ang="5400000" scaled="0"/>
+                </a:gradFill>
+                <a:latin typeface="Segoe UI" pitchFamily="34" charset="0"/>
+                <a:ea typeface="Segoe UI" pitchFamily="34" charset="0"/>
+                <a:cs typeface="Segoe UI" pitchFamily="34" charset="0"/>
+              </a:rPr>
+              <a:t>© Microsoft Corporation. All rights reserved. </a:t>
+            </a:r>
+            <a:endParaRPr lang="en-US" sz="400" dirty="0">
+              <a:gradFill>
+                <a:gsLst>
+                  <a:gs pos="0">
+                    <a:schemeClr val="tx1"/>
+                  </a:gs>
+                  <a:gs pos="100000">
+                    <a:schemeClr val="tx1"/>
+                  </a:gs>
+                </a:gsLst>
+                <a:lin ang="5400000" scaled="0"/>
+              </a:gradFill>
+              <a:latin typeface="Segoe UI" pitchFamily="34" charset="0"/>
+              <a:ea typeface="Segoe UI" pitchFamily="34" charset="0"/>
+              <a:cs typeface="Segoe UI" pitchFamily="34" charset="0"/>
+            </a:endParaRPr>
+          </a:p>
+        </p:txBody>
+      </p:sp>
+      <p:sp>
+        <p:nvSpPr>
+          <p:cNvPr id="6" name="Date Placeholder 5"/>
+          <p:cNvSpPr>
+            <a:spLocks noGrp="1"/>
+          </p:cNvSpPr>
+          <p:nvPr>
+            <p:ph type="dt" idx="12"/>
+          </p:nvPr>
+        </p:nvSpPr>
+        <p:spPr/>
+        <p:txBody>
+          <a:bodyPr/>
+          <a:lstStyle/>
+          <a:p>
+            <a:fld id="{196BB360-4395-422C-A729-CB974B278917}" type="datetime8">
+              <a:rPr lang="en-US" smtClean="0"/>
+              <a:t>10/6/2016 9:08 PM</a:t>
+            </a:fld>
+            <a:endParaRPr lang="en-US" dirty="0"/>
+          </a:p>
+        </p:txBody>
+      </p:sp>
+      <p:sp>
+        <p:nvSpPr>
+          <p:cNvPr id="7" name="Slide Number Placeholder 6"/>
+          <p:cNvSpPr>
+            <a:spLocks noGrp="1"/>
+          </p:cNvSpPr>
+          <p:nvPr>
+            <p:ph type="sldNum" sz="quarter" idx="13"/>
+          </p:nvPr>
+        </p:nvSpPr>
+        <p:spPr/>
+        <p:txBody>
+          <a:bodyPr/>
+          <a:lstStyle/>
+          <a:p>
+            <a:fld id="{B4008EB6-D09E-4580-8CD6-DDB14511944F}" type="slidenum">
+              <a:rPr lang="en-US" smtClean="0"/>
+              <a:pPr/>
+              <a:t>5</a:t>
+            </a:fld>
+            <a:endParaRPr lang="en-US" dirty="0"/>
+          </a:p>
+        </p:txBody>
+      </p:sp>
+    </p:spTree>
+    <p:extLst>
+      <p:ext uri="{BB962C8B-B14F-4D97-AF65-F5344CB8AC3E}">
+        <p14:creationId xmlns:p14="http://schemas.microsoft.com/office/powerpoint/2010/main" val="2068757368"/>
       </p:ext>
     </p:extLst>
   </p:cSld>
@@ -13770,6 +13958,266 @@
 </p:sld>
 </file>
 
+<file path=ppt/slides/slide10.xml><?xml version="1.0" encoding="utf-8"?>
+<p:sld xmlns:a="http://schemas.openxmlformats.org/drawingml/2006/main" xmlns:r="http://schemas.openxmlformats.org/officeDocument/2006/relationships" xmlns:p="http://schemas.openxmlformats.org/presentationml/2006/main">
+  <p:cSld>
+    <p:spTree>
+      <p:nvGrpSpPr>
+        <p:cNvPr id="1" name=""/>
+        <p:cNvGrpSpPr/>
+        <p:nvPr/>
+      </p:nvGrpSpPr>
+      <p:grpSpPr>
+        <a:xfrm>
+          <a:off x="0" y="0"/>
+          <a:ext cx="0" cy="0"/>
+          <a:chOff x="0" y="0"/>
+          <a:chExt cx="0" cy="0"/>
+        </a:xfrm>
+      </p:grpSpPr>
+      <p:sp>
+        <p:nvSpPr>
+          <p:cNvPr id="3" name="Text Placeholder 2"/>
+          <p:cNvSpPr>
+            <a:spLocks noGrp="1"/>
+          </p:cNvSpPr>
+          <p:nvPr>
+            <p:ph type="body" sz="quarter" idx="10"/>
+          </p:nvPr>
+        </p:nvSpPr>
+        <p:spPr/>
+        <p:txBody>
+          <a:bodyPr/>
+          <a:lstStyle/>
+          <a:p>
+            <a:r>
+              <a:rPr lang="en-US"/>
+              <a:t>Create ARM template for web app in VS</a:t>
+            </a:r>
+          </a:p>
+          <a:p>
+            <a:r>
+              <a:rPr lang="en-US"/>
+              <a:t>Deploy using VSTS</a:t>
+            </a:r>
+          </a:p>
+          <a:p>
+            <a:r>
+              <a:rPr lang="en-US"/>
+              <a:t>Create 3 environments</a:t>
+            </a:r>
+          </a:p>
+          <a:p>
+            <a:r>
+              <a:rPr lang="en-US"/>
+              <a:t>Configure CD</a:t>
+            </a:r>
+          </a:p>
+          <a:p>
+            <a:endParaRPr lang="en-US" dirty="0"/>
+          </a:p>
+        </p:txBody>
+      </p:sp>
+      <p:sp>
+        <p:nvSpPr>
+          <p:cNvPr id="2" name="Title 1"/>
+          <p:cNvSpPr>
+            <a:spLocks noGrp="1"/>
+          </p:cNvSpPr>
+          <p:nvPr>
+            <p:ph type="title"/>
+          </p:nvPr>
+        </p:nvSpPr>
+        <p:spPr/>
+        <p:txBody>
+          <a:bodyPr/>
+          <a:lstStyle/>
+          <a:p>
+            <a:r>
+              <a:rPr lang="en-US"/>
+              <a:t>HOL 5: Infrastructure as code with (ARM)</a:t>
+            </a:r>
+            <a:endParaRPr lang="en-US" dirty="0"/>
+          </a:p>
+        </p:txBody>
+      </p:sp>
+    </p:spTree>
+    <p:extLst>
+      <p:ext uri="{BB962C8B-B14F-4D97-AF65-F5344CB8AC3E}">
+        <p14:creationId xmlns:p14="http://schemas.microsoft.com/office/powerpoint/2010/main" val="3620859700"/>
+      </p:ext>
+    </p:extLst>
+  </p:cSld>
+  <p:clrMapOvr>
+    <a:masterClrMapping/>
+  </p:clrMapOvr>
+  <p:transition>
+    <p:fade/>
+  </p:transition>
+</p:sld>
+</file>
+
+<file path=ppt/slides/slide11.xml><?xml version="1.0" encoding="utf-8"?>
+<p:sld xmlns:a="http://schemas.openxmlformats.org/drawingml/2006/main" xmlns:r="http://schemas.openxmlformats.org/officeDocument/2006/relationships" xmlns:p="http://schemas.openxmlformats.org/presentationml/2006/main">
+  <p:cSld>
+    <p:spTree>
+      <p:nvGrpSpPr>
+        <p:cNvPr id="1" name=""/>
+        <p:cNvGrpSpPr/>
+        <p:nvPr/>
+      </p:nvGrpSpPr>
+      <p:grpSpPr>
+        <a:xfrm>
+          <a:off x="0" y="0"/>
+          <a:ext cx="0" cy="0"/>
+          <a:chOff x="0" y="0"/>
+          <a:chExt cx="0" cy="0"/>
+        </a:xfrm>
+      </p:grpSpPr>
+      <p:sp>
+        <p:nvSpPr>
+          <p:cNvPr id="3" name="Text Placeholder 2"/>
+          <p:cNvSpPr>
+            <a:spLocks noGrp="1"/>
+          </p:cNvSpPr>
+          <p:nvPr>
+            <p:ph type="body" sz="quarter" idx="10"/>
+          </p:nvPr>
+        </p:nvSpPr>
+        <p:spPr/>
+        <p:txBody>
+          <a:bodyPr/>
+          <a:lstStyle/>
+          <a:p>
+            <a:r>
+              <a:rPr lang="en-US"/>
+              <a:t>Add App Insights resource to Azure</a:t>
+            </a:r>
+          </a:p>
+          <a:p>
+            <a:r>
+              <a:rPr lang="en-US"/>
+              <a:t>Add App Insights to application</a:t>
+            </a:r>
+          </a:p>
+          <a:p>
+            <a:r>
+              <a:rPr lang="en-US"/>
+              <a:t>Add server side SDK</a:t>
+            </a:r>
+          </a:p>
+          <a:p>
+            <a:r>
+              <a:rPr lang="en-US"/>
+              <a:t>Add client side libraries</a:t>
+            </a:r>
+          </a:p>
+          <a:p>
+            <a:r>
+              <a:rPr lang="en-US"/>
+              <a:t>Create custom events</a:t>
+            </a:r>
+          </a:p>
+          <a:p>
+            <a:r>
+              <a:rPr lang="en-US"/>
+              <a:t>Create custom metric</a:t>
+            </a:r>
+          </a:p>
+          <a:p>
+            <a:r>
+              <a:rPr lang="en-US"/>
+              <a:t>Create availability test</a:t>
+            </a:r>
+          </a:p>
+          <a:p>
+            <a:r>
+              <a:rPr lang="en-US"/>
+              <a:t>View the dashboard</a:t>
+            </a:r>
+            <a:endParaRPr lang="en-US" dirty="0"/>
+          </a:p>
+        </p:txBody>
+      </p:sp>
+      <p:sp>
+        <p:nvSpPr>
+          <p:cNvPr id="2" name="Title 1"/>
+          <p:cNvSpPr>
+            <a:spLocks noGrp="1"/>
+          </p:cNvSpPr>
+          <p:nvPr>
+            <p:ph type="title"/>
+          </p:nvPr>
+        </p:nvSpPr>
+        <p:spPr/>
+        <p:txBody>
+          <a:bodyPr>
+            <a:normAutofit fontScale="90000"/>
+          </a:bodyPr>
+          <a:lstStyle/>
+          <a:p>
+            <a:r>
+              <a:rPr lang="en-US" dirty="0"/>
+              <a:t>HOL 6: Monitoring applications with App Insights</a:t>
+            </a:r>
+          </a:p>
+          <a:p>
+            <a:endParaRPr lang="en-US" dirty="0"/>
+          </a:p>
+          <a:p>
+            <a:endParaRPr lang="en-US" dirty="0"/>
+          </a:p>
+        </p:txBody>
+      </p:sp>
+    </p:spTree>
+    <p:extLst>
+      <p:ext uri="{BB962C8B-B14F-4D97-AF65-F5344CB8AC3E}">
+        <p14:creationId xmlns:p14="http://schemas.microsoft.com/office/powerpoint/2010/main" val="2211970092"/>
+      </p:ext>
+    </p:extLst>
+  </p:cSld>
+  <p:clrMapOvr>
+    <a:masterClrMapping/>
+  </p:clrMapOvr>
+  <p:transition>
+    <p:fade/>
+  </p:transition>
+</p:sld>
+</file>
+
+<file path=ppt/slides/slide12.xml><?xml version="1.0" encoding="utf-8"?>
+<p:sld xmlns:a="http://schemas.openxmlformats.org/drawingml/2006/main" xmlns:r="http://schemas.openxmlformats.org/officeDocument/2006/relationships" xmlns:p="http://schemas.openxmlformats.org/presentationml/2006/main">
+  <p:cSld>
+    <p:spTree>
+      <p:nvGrpSpPr>
+        <p:cNvPr id="1" name=""/>
+        <p:cNvGrpSpPr/>
+        <p:nvPr/>
+      </p:nvGrpSpPr>
+      <p:grpSpPr>
+        <a:xfrm>
+          <a:off x="0" y="0"/>
+          <a:ext cx="0" cy="0"/>
+          <a:chOff x="0" y="0"/>
+          <a:chExt cx="0" cy="0"/>
+        </a:xfrm>
+      </p:grpSpPr>
+    </p:spTree>
+    <p:extLst>
+      <p:ext uri="{BB962C8B-B14F-4D97-AF65-F5344CB8AC3E}">
+        <p14:creationId xmlns:p14="http://schemas.microsoft.com/office/powerpoint/2010/main" val="3813053244"/>
+      </p:ext>
+    </p:extLst>
+  </p:cSld>
+  <p:clrMapOvr>
+    <a:masterClrMapping/>
+  </p:clrMapOvr>
+  <p:transition>
+    <p:fade/>
+  </p:transition>
+</p:sld>
+</file>
+
 <file path=ppt/slides/slide2.xml><?xml version="1.0" encoding="utf-8"?>
 <p:sld xmlns:a="http://schemas.openxmlformats.org/drawingml/2006/main" xmlns:r="http://schemas.openxmlformats.org/officeDocument/2006/relationships" xmlns:p="http://schemas.openxmlformats.org/presentationml/2006/main">
   <p:cSld>
@@ -13899,53 +14347,30 @@
           <a:chExt cx="0" cy="0"/>
         </a:xfrm>
       </p:grpSpPr>
-      <p:sp>
-        <p:nvSpPr>
-          <p:cNvPr id="2" name="Text Placeholder 1"/>
-          <p:cNvSpPr>
-            <a:spLocks noGrp="1"/>
-          </p:cNvSpPr>
-          <p:nvPr>
-            <p:ph type="body" sz="quarter" idx="10"/>
-          </p:nvPr>
-        </p:nvSpPr>
-        <p:spPr/>
-        <p:txBody>
-          <a:bodyPr/>
-          <a:lstStyle/>
-          <a:p>
-            <a:r>
-              <a:rPr lang="en-US"/>
-              <a:t>Connect Azure subscription (Pass or Trial)</a:t>
-            </a:r>
-          </a:p>
-          <a:p>
-            <a:r>
-              <a:rPr lang="en-US"/>
-              <a:t>Create O365 Developer Tenant</a:t>
-            </a:r>
-          </a:p>
-          <a:p>
-            <a:r>
-              <a:rPr lang="en-US"/>
-              <a:t>Create Visual Studio online account</a:t>
-            </a:r>
-          </a:p>
-          <a:p>
-            <a:r>
-              <a:rPr lang="en-US"/>
-              <a:t>Take prepared image, walk through the tools that are available</a:t>
-            </a:r>
-          </a:p>
-          <a:p>
-            <a:r>
-              <a:rPr lang="en-US"/>
-              <a:t>Run ARM Template to scaffold out resources</a:t>
-            </a:r>
-            <a:endParaRPr lang="en-US" dirty="0"/>
-          </a:p>
-        </p:txBody>
-      </p:sp>
+      <p:pic>
+        <p:nvPicPr>
+          <p:cNvPr id="2" name="Picture 1"/>
+          <p:cNvPicPr>
+            <a:picLocks noChangeAspect="1"/>
+          </p:cNvPicPr>
+          <p:nvPr/>
+        </p:nvPicPr>
+        <p:blipFill>
+          <a:blip r:embed="rId2"/>
+          <a:stretch>
+            <a:fillRect/>
+          </a:stretch>
+        </p:blipFill>
+        <p:spPr>
+          <a:xfrm>
+            <a:off x="540510" y="1160547"/>
+            <a:ext cx="11392728" cy="4281207"/>
+          </a:xfrm>
+          <a:prstGeom prst="rect">
+            <a:avLst/>
+          </a:prstGeom>
+        </p:spPr>
+      </p:pic>
       <p:sp>
         <p:nvSpPr>
           <p:cNvPr id="3" name="Title 2"/>
@@ -13962,17 +14387,16 @@
           <a:lstStyle/>
           <a:p>
             <a:r>
-              <a:rPr lang="en-US"/>
-              <a:t>HOL 1: Setting up your developer environment</a:t>
-            </a:r>
-            <a:endParaRPr lang="en-US" dirty="0"/>
+              <a:rPr lang="en-US" dirty="0"/>
+              <a:t>City Power &amp; Light Outage Incident Tracker</a:t>
+            </a:r>
           </a:p>
         </p:txBody>
       </p:sp>
     </p:spTree>
     <p:extLst>
       <p:ext uri="{BB962C8B-B14F-4D97-AF65-F5344CB8AC3E}">
-        <p14:creationId xmlns:p14="http://schemas.microsoft.com/office/powerpoint/2010/main" val="4222031049"/>
+        <p14:creationId xmlns:p14="http://schemas.microsoft.com/office/powerpoint/2010/main" val="690895196"/>
       </p:ext>
     </p:extLst>
   </p:cSld>
@@ -14002,99 +14426,236 @@
           <a:chExt cx="0" cy="0"/>
         </a:xfrm>
       </p:grpSpPr>
+      <p:pic>
+        <p:nvPicPr>
+          <p:cNvPr id="31" name="Picture 30"/>
+          <p:cNvPicPr>
+            <a:picLocks noChangeAspect="1"/>
+          </p:cNvPicPr>
+          <p:nvPr/>
+        </p:nvPicPr>
+        <p:blipFill>
+          <a:blip r:embed="rId3"/>
+          <a:stretch>
+            <a:fillRect/>
+          </a:stretch>
+        </p:blipFill>
+        <p:spPr>
+          <a:xfrm>
+            <a:off x="262618" y="270782"/>
+            <a:ext cx="4804064" cy="6352583"/>
+          </a:xfrm>
+          <a:prstGeom prst="rect">
+            <a:avLst/>
+          </a:prstGeom>
+        </p:spPr>
+      </p:pic>
       <p:sp>
         <p:nvSpPr>
-          <p:cNvPr id="3" name="Text Placeholder 2"/>
-          <p:cNvSpPr>
-            <a:spLocks noGrp="1"/>
-          </p:cNvSpPr>
-          <p:nvPr>
-            <p:ph type="body" sz="quarter" idx="10"/>
-          </p:nvPr>
+          <p:cNvPr id="24" name="Rectangle 23"/>
+          <p:cNvSpPr/>
+          <p:nvPr/>
         </p:nvSpPr>
-        <p:spPr/>
+        <p:spPr bwMode="auto">
+          <a:xfrm>
+            <a:off x="4694237" y="830262"/>
+            <a:ext cx="7742238" cy="5570251"/>
+          </a:xfrm>
+          <a:prstGeom prst="rect">
+            <a:avLst/>
+          </a:prstGeom>
+          <a:solidFill>
+            <a:schemeClr val="accent1"/>
+          </a:solidFill>
+          <a:ln w="9525" cap="flat" cmpd="sng" algn="ctr">
+            <a:noFill/>
+            <a:prstDash val="solid"/>
+            <a:headEnd type="none" w="med" len="med"/>
+            <a:tailEnd type="none" w="med" len="med"/>
+          </a:ln>
+          <a:effectLst/>
+        </p:spPr>
         <p:txBody>
-          <a:bodyPr/>
+          <a:bodyPr rot="0" spcFirstLastPara="0" vertOverflow="overflow" horzOverflow="overflow" vert="horz" wrap="square" lIns="182880" tIns="146304" rIns="182880" bIns="146304" numCol="1" spcCol="0" rtlCol="0" fromWordArt="0" anchor="t" anchorCtr="0" forceAA="0" compatLnSpc="1">
+            <a:prstTxWarp prst="textNoShape">
+              <a:avLst/>
+            </a:prstTxWarp>
+            <a:noAutofit/>
+          </a:bodyPr>
           <a:lstStyle/>
           <a:p>
-            <a:r>
-              <a:rPr lang="en-US" dirty="0"/>
-              <a:t>Starting with provisioned resource group</a:t>
-            </a:r>
-          </a:p>
-          <a:p>
-            <a:r>
-              <a:rPr lang="en-US" dirty="0"/>
-              <a:t>Select front end app (Node.js /.NET/ Java)</a:t>
-            </a:r>
-          </a:p>
-          <a:p>
-            <a:r>
-              <a:rPr lang="en-US" dirty="0"/>
-              <a:t>Connect to deployed API</a:t>
-            </a:r>
-          </a:p>
-          <a:p>
-            <a:r>
-              <a:rPr lang="en-US" dirty="0"/>
-              <a:t>Add blob storage</a:t>
-            </a:r>
-          </a:p>
-          <a:p>
-            <a:r>
-              <a:rPr lang="en-US" dirty="0"/>
-              <a:t>Add queueing</a:t>
-            </a:r>
-          </a:p>
-          <a:p>
-            <a:r>
-              <a:rPr lang="en-US" dirty="0"/>
-              <a:t>Add </a:t>
-            </a:r>
-            <a:r>
-              <a:rPr lang="en-US" dirty="0" err="1"/>
-              <a:t>Redis</a:t>
-            </a:r>
-            <a:r>
-              <a:rPr lang="en-US" dirty="0"/>
-              <a:t> cache</a:t>
-            </a:r>
-          </a:p>
-          <a:p>
-            <a:r>
-              <a:rPr lang="en-US" dirty="0"/>
-              <a:t>Stretch: Image resizing with Function</a:t>
-            </a:r>
-          </a:p>
-        </p:txBody>
-      </p:sp>
-      <p:sp>
-        <p:nvSpPr>
-          <p:cNvPr id="2" name="Title 1"/>
-          <p:cNvSpPr>
-            <a:spLocks noGrp="1"/>
-          </p:cNvSpPr>
-          <p:nvPr>
-            <p:ph type="title"/>
-          </p:nvPr>
-        </p:nvSpPr>
-        <p:spPr/>
-        <p:txBody>
-          <a:bodyPr/>
-          <a:lstStyle/>
-          <a:p>
-            <a:r>
-              <a:rPr lang="en-US"/>
-              <a:t>HOL 2: Building modern cloud apps</a:t>
-            </a:r>
-            <a:endParaRPr lang="en-US" dirty="0"/>
+            <a:pPr lvl="0" defTabSz="932472" fontAlgn="base">
+              <a:lnSpc>
+                <a:spcPct val="90000"/>
+              </a:lnSpc>
+              <a:spcBef>
+                <a:spcPct val="0"/>
+              </a:spcBef>
+              <a:spcAft>
+                <a:spcPct val="0"/>
+              </a:spcAft>
+              <a:defRPr/>
+            </a:pPr>
+            <a:r>
+              <a:rPr lang="en-US" sz="3200" dirty="0">
+                <a:solidFill>
+                  <a:schemeClr val="bg1"/>
+                </a:solidFill>
+              </a:rPr>
+              <a:t>City Power &amp; Light is looking to use cloud capabilities</a:t>
+            </a:r>
+          </a:p>
+          <a:p>
+            <a:pPr lvl="0" defTabSz="932472" fontAlgn="base">
+              <a:lnSpc>
+                <a:spcPct val="90000"/>
+              </a:lnSpc>
+              <a:spcBef>
+                <a:spcPct val="0"/>
+              </a:spcBef>
+              <a:spcAft>
+                <a:spcPct val="0"/>
+              </a:spcAft>
+              <a:defRPr/>
+            </a:pPr>
+            <a:endParaRPr lang="en-US" sz="3200" dirty="0">
+              <a:solidFill>
+                <a:schemeClr val="bg1"/>
+              </a:solidFill>
+            </a:endParaRPr>
+          </a:p>
+          <a:p>
+            <a:pPr lvl="0" defTabSz="932472" fontAlgn="base">
+              <a:lnSpc>
+                <a:spcPct val="90000"/>
+              </a:lnSpc>
+              <a:spcBef>
+                <a:spcPct val="0"/>
+              </a:spcBef>
+              <a:spcAft>
+                <a:spcPct val="0"/>
+              </a:spcAft>
+              <a:defRPr/>
+            </a:pPr>
+            <a:r>
+              <a:rPr lang="en-US" sz="3200" dirty="0">
+                <a:solidFill>
+                  <a:schemeClr val="bg1"/>
+                </a:solidFill>
+              </a:rPr>
+              <a:t>Would to allow field workers the ability capture incidents</a:t>
+            </a:r>
+          </a:p>
+          <a:p>
+            <a:pPr lvl="0" defTabSz="932472" fontAlgn="base">
+              <a:lnSpc>
+                <a:spcPct val="90000"/>
+              </a:lnSpc>
+              <a:spcBef>
+                <a:spcPct val="0"/>
+              </a:spcBef>
+              <a:spcAft>
+                <a:spcPct val="0"/>
+              </a:spcAft>
+              <a:defRPr/>
+            </a:pPr>
+            <a:endParaRPr lang="en-US" sz="3200" dirty="0">
+              <a:solidFill>
+                <a:schemeClr val="bg1"/>
+              </a:solidFill>
+            </a:endParaRPr>
+          </a:p>
+          <a:p>
+            <a:pPr lvl="0" defTabSz="932472" fontAlgn="base">
+              <a:lnSpc>
+                <a:spcPct val="90000"/>
+              </a:lnSpc>
+              <a:spcBef>
+                <a:spcPct val="0"/>
+              </a:spcBef>
+              <a:spcAft>
+                <a:spcPct val="0"/>
+              </a:spcAft>
+              <a:defRPr/>
+            </a:pPr>
+            <a:r>
+              <a:rPr lang="en-US" sz="3200" dirty="0">
+                <a:solidFill>
+                  <a:schemeClr val="bg1"/>
+                </a:solidFill>
+              </a:rPr>
+              <a:t>Would like to provide photo upload capability</a:t>
+            </a:r>
+          </a:p>
+          <a:p>
+            <a:pPr lvl="0" defTabSz="932472" fontAlgn="base">
+              <a:lnSpc>
+                <a:spcPct val="90000"/>
+              </a:lnSpc>
+              <a:spcBef>
+                <a:spcPct val="0"/>
+              </a:spcBef>
+              <a:spcAft>
+                <a:spcPct val="0"/>
+              </a:spcAft>
+              <a:defRPr/>
+            </a:pPr>
+            <a:endParaRPr lang="en-US" sz="3200" dirty="0">
+              <a:solidFill>
+                <a:schemeClr val="bg1"/>
+              </a:solidFill>
+            </a:endParaRPr>
+          </a:p>
+          <a:p>
+            <a:pPr lvl="0" defTabSz="932472" fontAlgn="base">
+              <a:lnSpc>
+                <a:spcPct val="90000"/>
+              </a:lnSpc>
+              <a:spcBef>
+                <a:spcPct val="0"/>
+              </a:spcBef>
+              <a:spcAft>
+                <a:spcPct val="0"/>
+              </a:spcAft>
+              <a:defRPr/>
+            </a:pPr>
+            <a:r>
+              <a:rPr lang="en-US" sz="3200" dirty="0">
+                <a:solidFill>
+                  <a:schemeClr val="bg1"/>
+                </a:solidFill>
+              </a:rPr>
+              <a:t>Would like to consume PaaS services on Azure</a:t>
+            </a:r>
+          </a:p>
+          <a:p>
+            <a:pPr lvl="0" defTabSz="932472" fontAlgn="base">
+              <a:lnSpc>
+                <a:spcPct val="90000"/>
+              </a:lnSpc>
+              <a:spcBef>
+                <a:spcPct val="0"/>
+              </a:spcBef>
+              <a:spcAft>
+                <a:spcPct val="0"/>
+              </a:spcAft>
+              <a:defRPr/>
+            </a:pPr>
+            <a:endParaRPr lang="en-US" sz="3200" dirty="0">
+              <a:solidFill>
+                <a:schemeClr val="bg1"/>
+              </a:solidFill>
+            </a:endParaRPr>
           </a:p>
         </p:txBody>
       </p:sp>
     </p:spTree>
+    <p:custDataLst>
+      <p:tags r:id="rId1"/>
+    </p:custDataLst>
     <p:extLst>
       <p:ext uri="{BB962C8B-B14F-4D97-AF65-F5344CB8AC3E}">
-        <p14:creationId xmlns:p14="http://schemas.microsoft.com/office/powerpoint/2010/main" val="103508438"/>
+        <p14:creationId xmlns:p14="http://schemas.microsoft.com/office/powerpoint/2010/main" val="1134360015"/>
       </p:ext>
     </p:extLst>
   </p:cSld>
@@ -14104,6 +14665,133 @@
   <p:transition>
     <p:fade/>
   </p:transition>
+  <p:timing>
+    <p:tnLst>
+      <p:par>
+        <p:cTn id="1" dur="indefinite" restart="never" nodeType="tmRoot">
+          <p:childTnLst>
+            <p:seq concurrent="1" nextAc="seek">
+              <p:cTn id="2" dur="indefinite" nodeType="mainSeq">
+                <p:childTnLst>
+                  <p:par>
+                    <p:cTn id="3" fill="hold">
+                      <p:stCondLst>
+                        <p:cond delay="indefinite"/>
+                        <p:cond evt="onBegin" delay="0">
+                          <p:tn val="2"/>
+                        </p:cond>
+                      </p:stCondLst>
+                      <p:childTnLst>
+                        <p:par>
+                          <p:cTn id="4" fill="hold">
+                            <p:stCondLst>
+                              <p:cond delay="0"/>
+                            </p:stCondLst>
+                            <p:childTnLst>
+                              <p:par>
+                                <p:cTn id="5" presetID="2" presetClass="entr" presetSubtype="2" decel="100000" fill="hold" grpId="0" nodeType="withEffect">
+                                  <p:stCondLst>
+                                    <p:cond delay="0"/>
+                                  </p:stCondLst>
+                                  <p:childTnLst>
+                                    <p:set>
+                                      <p:cBhvr>
+                                        <p:cTn id="6" dur="1" fill="hold">
+                                          <p:stCondLst>
+                                            <p:cond delay="0"/>
+                                          </p:stCondLst>
+                                        </p:cTn>
+                                        <p:tgtEl>
+                                          <p:spTgt spid="24"/>
+                                        </p:tgtEl>
+                                        <p:attrNameLst>
+                                          <p:attrName>style.visibility</p:attrName>
+                                        </p:attrNameLst>
+                                      </p:cBhvr>
+                                      <p:to>
+                                        <p:strVal val="visible"/>
+                                      </p:to>
+                                    </p:set>
+                                    <p:anim calcmode="lin" valueType="num">
+                                      <p:cBhvr additive="base">
+                                        <p:cTn id="7" dur="750" fill="hold"/>
+                                        <p:tgtEl>
+                                          <p:spTgt spid="24"/>
+                                        </p:tgtEl>
+                                        <p:attrNameLst>
+                                          <p:attrName>ppt_x</p:attrName>
+                                        </p:attrNameLst>
+                                      </p:cBhvr>
+                                      <p:tavLst>
+                                        <p:tav tm="0">
+                                          <p:val>
+                                            <p:strVal val="1+#ppt_w/2"/>
+                                          </p:val>
+                                        </p:tav>
+                                        <p:tav tm="100000">
+                                          <p:val>
+                                            <p:strVal val="#ppt_x"/>
+                                          </p:val>
+                                        </p:tav>
+                                      </p:tavLst>
+                                    </p:anim>
+                                    <p:anim calcmode="lin" valueType="num">
+                                      <p:cBhvr additive="base">
+                                        <p:cTn id="8" dur="750" fill="hold"/>
+                                        <p:tgtEl>
+                                          <p:spTgt spid="24"/>
+                                        </p:tgtEl>
+                                        <p:attrNameLst>
+                                          <p:attrName>ppt_y</p:attrName>
+                                        </p:attrNameLst>
+                                      </p:cBhvr>
+                                      <p:tavLst>
+                                        <p:tav tm="0">
+                                          <p:val>
+                                            <p:strVal val="#ppt_y"/>
+                                          </p:val>
+                                        </p:tav>
+                                        <p:tav tm="100000">
+                                          <p:val>
+                                            <p:strVal val="#ppt_y"/>
+                                          </p:val>
+                                        </p:tav>
+                                      </p:tavLst>
+                                    </p:anim>
+                                  </p:childTnLst>
+                                </p:cTn>
+                              </p:par>
+                            </p:childTnLst>
+                          </p:cTn>
+                        </p:par>
+                      </p:childTnLst>
+                    </p:cTn>
+                  </p:par>
+                </p:childTnLst>
+              </p:cTn>
+              <p:prevCondLst>
+                <p:cond evt="onPrev" delay="0">
+                  <p:tgtEl>
+                    <p:sldTgt/>
+                  </p:tgtEl>
+                </p:cond>
+              </p:prevCondLst>
+              <p:nextCondLst>
+                <p:cond evt="onNext" delay="0">
+                  <p:tgtEl>
+                    <p:sldTgt/>
+                  </p:tgtEl>
+                </p:cond>
+              </p:nextCondLst>
+            </p:seq>
+          </p:childTnLst>
+        </p:cTn>
+      </p:par>
+    </p:tnLst>
+    <p:bldLst>
+      <p:bldP spid="24" grpId="0" animBg="1"/>
+    </p:bldLst>
+  </p:timing>
 </p:sld>
 </file>
 
@@ -14124,78 +14812,688 @@
           <a:chExt cx="0" cy="0"/>
         </a:xfrm>
       </p:grpSpPr>
-      <p:sp>
-        <p:nvSpPr>
-          <p:cNvPr id="3" name="Text Placeholder 2"/>
-          <p:cNvSpPr>
-            <a:spLocks noGrp="1"/>
-          </p:cNvSpPr>
-          <p:nvPr>
-            <p:ph type="body" sz="quarter" idx="10"/>
-          </p:nvPr>
-        </p:nvSpPr>
-        <p:spPr/>
-        <p:txBody>
-          <a:bodyPr>
-            <a:normAutofit fontScale="40000" lnSpcReduction="20000"/>
-          </a:bodyPr>
-          <a:lstStyle/>
-          <a:p>
-            <a:r>
-              <a:rPr lang="en-US" dirty="0"/>
-              <a:t>Find AD </a:t>
-            </a:r>
-          </a:p>
-          <a:p>
-            <a:r>
-              <a:rPr lang="en-US" dirty="0"/>
-              <a:t>Create AD Application</a:t>
-            </a:r>
-          </a:p>
-          <a:p>
-            <a:r>
-              <a:rPr lang="en-US" dirty="0"/>
-              <a:t>Add authentication to app</a:t>
-            </a:r>
-          </a:p>
-          <a:p>
-            <a:r>
-              <a:rPr lang="en-US" dirty="0"/>
-              <a:t>Authenticate</a:t>
-            </a:r>
-          </a:p>
-          <a:p>
-            <a:r>
-              <a:rPr lang="en-US" dirty="0"/>
-              <a:t>Add profile page</a:t>
-            </a:r>
-          </a:p>
-          <a:p>
-            <a:r>
-              <a:rPr lang="en-US" dirty="0"/>
-              <a:t>Add graph API call to get user data for profile page</a:t>
-            </a:r>
-          </a:p>
-          <a:p>
-            <a:r>
-              <a:rPr lang="en-US" dirty="0"/>
-              <a:t>Populate first &amp; last name of the new incident form with first name &amp; last name from Graph/token</a:t>
-            </a:r>
-          </a:p>
-          <a:p>
-            <a:r>
-              <a:rPr lang="en-US" dirty="0"/>
-              <a:t>Send Email via Graph on new incident creation</a:t>
-            </a:r>
-          </a:p>
-          <a:p>
-            <a:r>
-              <a:rPr lang="en-US" dirty="0"/>
-              <a:t>Stretch: Add calendar event on new incident creation</a:t>
-            </a:r>
-          </a:p>
-        </p:txBody>
-      </p:sp>
+      <p:grpSp>
+        <p:nvGrpSpPr>
+          <p:cNvPr id="30" name="Group 29"/>
+          <p:cNvGrpSpPr/>
+          <p:nvPr/>
+        </p:nvGrpSpPr>
+        <p:grpSpPr>
+          <a:xfrm>
+            <a:off x="324895" y="1188780"/>
+            <a:ext cx="2296022" cy="2921964"/>
+            <a:chOff x="324895" y="1188780"/>
+            <a:chExt cx="2296022" cy="2921964"/>
+          </a:xfrm>
+        </p:grpSpPr>
+        <p:pic>
+          <p:nvPicPr>
+            <p:cNvPr id="67" name="Picture 66"/>
+            <p:cNvPicPr>
+              <a:picLocks noChangeAspect="1"/>
+            </p:cNvPicPr>
+            <p:nvPr/>
+          </p:nvPicPr>
+          <p:blipFill>
+            <a:blip r:embed="rId4">
+              <a:clrChange>
+                <a:clrFrom>
+                  <a:srgbClr val="FFFFFF"/>
+                </a:clrFrom>
+                <a:clrTo>
+                  <a:srgbClr val="FFFFFF">
+                    <a:alpha val="0"/>
+                  </a:srgbClr>
+                </a:clrTo>
+              </a:clrChange>
+            </a:blip>
+            <a:stretch>
+              <a:fillRect/>
+            </a:stretch>
+          </p:blipFill>
+          <p:spPr>
+            <a:xfrm>
+              <a:off x="1371778" y="2827941"/>
+              <a:ext cx="1092527" cy="970570"/>
+            </a:xfrm>
+            <a:prstGeom prst="rect">
+              <a:avLst/>
+            </a:prstGeom>
+          </p:spPr>
+        </p:pic>
+        <p:grpSp>
+          <p:nvGrpSpPr>
+            <p:cNvPr id="3" name="Group 2"/>
+            <p:cNvGrpSpPr/>
+            <p:nvPr/>
+          </p:nvGrpSpPr>
+          <p:grpSpPr>
+            <a:xfrm>
+              <a:off x="373232" y="1549779"/>
+              <a:ext cx="1027357" cy="646272"/>
+              <a:chOff x="251502" y="1176974"/>
+              <a:chExt cx="1559428" cy="980978"/>
+            </a:xfrm>
+          </p:grpSpPr>
+          <p:pic>
+            <p:nvPicPr>
+              <p:cNvPr id="82" name="Picture 10" descr="Image result for user with pc icon"/>
+              <p:cNvPicPr>
+                <a:picLocks noChangeAspect="1" noChangeArrowheads="1"/>
+              </p:cNvPicPr>
+              <p:nvPr/>
+            </p:nvPicPr>
+            <p:blipFill>
+              <a:blip r:embed="rId5">
+                <a:duotone>
+                  <a:schemeClr val="accent3">
+                    <a:shade val="45000"/>
+                    <a:satMod val="135000"/>
+                  </a:schemeClr>
+                  <a:prstClr val="white"/>
+                </a:duotone>
+                <a:extLst>
+                  <a:ext uri="{28A0092B-C50C-407E-A947-70E740481C1C}">
+                    <a14:useLocalDpi xmlns:a14="http://schemas.microsoft.com/office/drawing/2010/main" val="0"/>
+                  </a:ext>
+                </a:extLst>
+              </a:blip>
+              <a:srcRect/>
+              <a:stretch>
+                <a:fillRect/>
+              </a:stretch>
+            </p:blipFill>
+            <p:spPr bwMode="auto">
+              <a:xfrm>
+                <a:off x="1040625" y="1195069"/>
+                <a:ext cx="770305" cy="962883"/>
+              </a:xfrm>
+              <a:prstGeom prst="rect">
+                <a:avLst/>
+              </a:prstGeom>
+              <a:noFill/>
+              <a:extLst>
+                <a:ext uri="{909E8E84-426E-40DD-AFC4-6F175D3DCCD1}">
+                  <a14:hiddenFill xmlns:a14="http://schemas.microsoft.com/office/drawing/2010/main">
+                    <a:solidFill>
+                      <a:srgbClr val="FFFFFF"/>
+                    </a:solidFill>
+                  </a14:hiddenFill>
+                </a:ext>
+              </a:extLst>
+            </p:spPr>
+          </p:pic>
+          <p:pic>
+            <p:nvPicPr>
+              <p:cNvPr id="84" name="Picture 12" descr="Image result for user with phone icon"/>
+              <p:cNvPicPr>
+                <a:picLocks noChangeAspect="1" noChangeArrowheads="1"/>
+              </p:cNvPicPr>
+              <p:nvPr/>
+            </p:nvPicPr>
+            <p:blipFill>
+              <a:blip r:embed="rId6">
+                <a:duotone>
+                  <a:schemeClr val="accent3">
+                    <a:shade val="45000"/>
+                    <a:satMod val="135000"/>
+                  </a:schemeClr>
+                  <a:prstClr val="white"/>
+                </a:duotone>
+                <a:extLst>
+                  <a:ext uri="{28A0092B-C50C-407E-A947-70E740481C1C}">
+                    <a14:useLocalDpi xmlns:a14="http://schemas.microsoft.com/office/drawing/2010/main" val="0"/>
+                  </a:ext>
+                </a:extLst>
+              </a:blip>
+              <a:srcRect/>
+              <a:stretch>
+                <a:fillRect/>
+              </a:stretch>
+            </p:blipFill>
+            <p:spPr bwMode="auto">
+              <a:xfrm>
+                <a:off x="251502" y="1176974"/>
+                <a:ext cx="870147" cy="870147"/>
+              </a:xfrm>
+              <a:prstGeom prst="rect">
+                <a:avLst/>
+              </a:prstGeom>
+              <a:noFill/>
+              <a:extLst>
+                <a:ext uri="{909E8E84-426E-40DD-AFC4-6F175D3DCCD1}">
+                  <a14:hiddenFill xmlns:a14="http://schemas.microsoft.com/office/drawing/2010/main">
+                    <a:solidFill>
+                      <a:srgbClr val="FFFFFF"/>
+                    </a:solidFill>
+                  </a14:hiddenFill>
+                </a:ext>
+              </a:extLst>
+            </p:spPr>
+          </p:pic>
+        </p:grpSp>
+        <p:cxnSp>
+          <p:nvCxnSpPr>
+            <p:cNvPr id="85" name="Connector: Elbow 84"/>
+            <p:cNvCxnSpPr>
+              <a:cxnSpLocks/>
+              <a:stCxn id="88" idx="4"/>
+              <a:endCxn id="67" idx="1"/>
+            </p:cNvCxnSpPr>
+            <p:nvPr/>
+          </p:nvCxnSpPr>
+          <p:spPr>
+            <a:xfrm rot="16200000" flipH="1">
+              <a:off x="780358" y="2721806"/>
+              <a:ext cx="697972" cy="484867"/>
+            </a:xfrm>
+            <a:prstGeom prst="bentConnector2">
+              <a:avLst/>
+            </a:prstGeom>
+            <a:ln w="15875" cap="sq">
+              <a:solidFill>
+                <a:schemeClr val="tx1"/>
+              </a:solidFill>
+              <a:miter lim="800000"/>
+              <a:tailEnd type="triangle"/>
+            </a:ln>
+          </p:spPr>
+          <p:style>
+            <a:lnRef idx="1">
+              <a:schemeClr val="accent1"/>
+            </a:lnRef>
+            <a:fillRef idx="0">
+              <a:schemeClr val="accent1"/>
+            </a:fillRef>
+            <a:effectRef idx="0">
+              <a:schemeClr val="accent1"/>
+            </a:effectRef>
+            <a:fontRef idx="minor">
+              <a:schemeClr val="tx1"/>
+            </a:fontRef>
+          </p:style>
+        </p:cxnSp>
+        <p:sp>
+          <p:nvSpPr>
+            <p:cNvPr id="86" name="Rectangle 85"/>
+            <p:cNvSpPr/>
+            <p:nvPr/>
+          </p:nvSpPr>
+          <p:spPr>
+            <a:xfrm>
+              <a:off x="324895" y="3519813"/>
+              <a:ext cx="1123126" cy="590931"/>
+            </a:xfrm>
+            <a:prstGeom prst="rect">
+              <a:avLst/>
+            </a:prstGeom>
+            <a:solidFill>
+              <a:schemeClr val="accent2"/>
+            </a:solidFill>
+            <a:ln>
+              <a:noFill/>
+            </a:ln>
+          </p:spPr>
+          <p:style>
+            <a:lnRef idx="0">
+              <a:scrgbClr r="0" g="0" b="0"/>
+            </a:lnRef>
+            <a:fillRef idx="0">
+              <a:scrgbClr r="0" g="0" b="0"/>
+            </a:fillRef>
+            <a:effectRef idx="0">
+              <a:scrgbClr r="0" g="0" b="0"/>
+            </a:effectRef>
+            <a:fontRef idx="minor">
+              <a:schemeClr val="lt1"/>
+            </a:fontRef>
+          </p:style>
+          <p:txBody>
+            <a:bodyPr wrap="square" rtlCol="0" anchor="ctr">
+              <a:spAutoFit/>
+            </a:bodyPr>
+            <a:lstStyle/>
+            <a:p>
+              <a:pPr marL="0" marR="0" lvl="0" indent="0" algn="ctr" defTabSz="914400" eaLnBrk="1" fontAlgn="auto" latinLnBrk="0" hangingPunct="1">
+                <a:lnSpc>
+                  <a:spcPct val="90000"/>
+                </a:lnSpc>
+                <a:spcBef>
+                  <a:spcPts val="0"/>
+                </a:spcBef>
+                <a:spcAft>
+                  <a:spcPts val="0"/>
+                </a:spcAft>
+                <a:buClrTx/>
+                <a:buSzTx/>
+                <a:buFontTx/>
+                <a:buNone/>
+                <a:tabLst/>
+                <a:defRPr/>
+              </a:pPr>
+              <a:r>
+                <a:rPr lang="en-US" dirty="0"/>
+                <a:t>Outage Tracker</a:t>
+              </a:r>
+            </a:p>
+          </p:txBody>
+        </p:sp>
+        <p:sp>
+          <p:nvSpPr>
+            <p:cNvPr id="87" name="TextBox 86"/>
+            <p:cNvSpPr txBox="1"/>
+            <p:nvPr/>
+          </p:nvSpPr>
+          <p:spPr>
+            <a:xfrm>
+              <a:off x="379444" y="1188780"/>
+              <a:ext cx="1014933" cy="369332"/>
+            </a:xfrm>
+            <a:prstGeom prst="rect">
+              <a:avLst/>
+            </a:prstGeom>
+            <a:noFill/>
+          </p:spPr>
+          <p:txBody>
+            <a:bodyPr wrap="square" rtlCol="0">
+              <a:spAutoFit/>
+            </a:bodyPr>
+            <a:lstStyle/>
+            <a:p>
+              <a:pPr marL="0" marR="0" lvl="0" indent="0" algn="ctr" defTabSz="914400" eaLnBrk="1" fontAlgn="auto" latinLnBrk="0" hangingPunct="1">
+                <a:lnSpc>
+                  <a:spcPct val="100000"/>
+                </a:lnSpc>
+                <a:spcBef>
+                  <a:spcPts val="0"/>
+                </a:spcBef>
+                <a:spcAft>
+                  <a:spcPts val="0"/>
+                </a:spcAft>
+                <a:buClrTx/>
+                <a:buSzTx/>
+                <a:buFontTx/>
+                <a:buNone/>
+                <a:tabLst/>
+                <a:defRPr/>
+              </a:pPr>
+              <a:r>
+                <a:rPr kumimoji="0" lang="en-US" sz="1800" b="1" i="0" u="none" strike="noStrike" kern="0" cap="none" spc="0" normalizeH="0" baseline="0" noProof="0" dirty="0">
+                  <a:ln>
+                    <a:noFill/>
+                  </a:ln>
+                  <a:solidFill>
+                    <a:schemeClr val="tx2"/>
+                  </a:solidFill>
+                  <a:effectLst/>
+                  <a:uLnTx/>
+                  <a:uFillTx/>
+                  <a:latin typeface="Segoe UI Semibold" panose="020B0702040204020203" pitchFamily="34" charset="0"/>
+                  <a:cs typeface="Segoe UI" panose="020B0502040204020203" pitchFamily="34" charset="0"/>
+                </a:rPr>
+                <a:t>START</a:t>
+              </a:r>
+            </a:p>
+          </p:txBody>
+        </p:sp>
+        <p:sp>
+          <p:nvSpPr>
+            <p:cNvPr id="88" name="Oval 87"/>
+            <p:cNvSpPr/>
+            <p:nvPr/>
+          </p:nvSpPr>
+          <p:spPr>
+            <a:xfrm>
+              <a:off x="664862" y="2189125"/>
+              <a:ext cx="444097" cy="426129"/>
+            </a:xfrm>
+            <a:prstGeom prst="ellipse">
+              <a:avLst/>
+            </a:prstGeom>
+            <a:solidFill>
+              <a:schemeClr val="accent1"/>
+            </a:solidFill>
+            <a:ln w="25400">
+              <a:noFill/>
+            </a:ln>
+          </p:spPr>
+          <p:style>
+            <a:lnRef idx="2">
+              <a:schemeClr val="accent1">
+                <a:shade val="50000"/>
+              </a:schemeClr>
+            </a:lnRef>
+            <a:fillRef idx="1">
+              <a:schemeClr val="accent1"/>
+            </a:fillRef>
+            <a:effectRef idx="0">
+              <a:schemeClr val="accent1"/>
+            </a:effectRef>
+            <a:fontRef idx="minor">
+              <a:schemeClr val="lt1"/>
+            </a:fontRef>
+          </p:style>
+          <p:txBody>
+            <a:bodyPr rtlCol="0" anchor="ctr"/>
+            <a:lstStyle/>
+            <a:p>
+              <a:pPr marL="0" marR="0" lvl="0" indent="0" algn="ctr" defTabSz="914400" eaLnBrk="1" fontAlgn="auto" latinLnBrk="0" hangingPunct="1">
+                <a:lnSpc>
+                  <a:spcPct val="100000"/>
+                </a:lnSpc>
+                <a:spcBef>
+                  <a:spcPts val="0"/>
+                </a:spcBef>
+                <a:spcAft>
+                  <a:spcPts val="0"/>
+                </a:spcAft>
+                <a:buClrTx/>
+                <a:buSzTx/>
+                <a:buFontTx/>
+                <a:buNone/>
+                <a:tabLst/>
+                <a:defRPr/>
+              </a:pPr>
+              <a:r>
+                <a:rPr kumimoji="0" lang="en-US" sz="2000" b="0" i="0" u="none" strike="noStrike" kern="0" cap="none" spc="0" normalizeH="0" baseline="0" noProof="0" dirty="0">
+                  <a:ln>
+                    <a:noFill/>
+                  </a:ln>
+                  <a:solidFill>
+                    <a:schemeClr val="bg1"/>
+                  </a:solidFill>
+                  <a:effectLst/>
+                  <a:uLnTx/>
+                  <a:uFillTx/>
+                  <a:latin typeface="Segoe UI Semibold" panose="020B0702040204020203" pitchFamily="34" charset="0"/>
+                </a:rPr>
+                <a:t>1</a:t>
+              </a:r>
+            </a:p>
+          </p:txBody>
+        </p:sp>
+        <p:sp>
+          <p:nvSpPr>
+            <p:cNvPr id="89" name="TextBox 88"/>
+            <p:cNvSpPr txBox="1"/>
+            <p:nvPr/>
+          </p:nvSpPr>
+          <p:spPr>
+            <a:xfrm>
+              <a:off x="1194021" y="2515459"/>
+              <a:ext cx="1426896" cy="369332"/>
+            </a:xfrm>
+            <a:prstGeom prst="rect">
+              <a:avLst/>
+            </a:prstGeom>
+            <a:noFill/>
+          </p:spPr>
+          <p:txBody>
+            <a:bodyPr wrap="square" rtlCol="0">
+              <a:spAutoFit/>
+            </a:bodyPr>
+            <a:lstStyle/>
+            <a:p>
+              <a:pPr marL="0" marR="0" lvl="0" indent="0" algn="ctr" defTabSz="914400" eaLnBrk="1" fontAlgn="auto" latinLnBrk="0" hangingPunct="1">
+                <a:lnSpc>
+                  <a:spcPct val="100000"/>
+                </a:lnSpc>
+                <a:spcBef>
+                  <a:spcPts val="0"/>
+                </a:spcBef>
+                <a:spcAft>
+                  <a:spcPts val="0"/>
+                </a:spcAft>
+                <a:buClrTx/>
+                <a:buSzTx/>
+                <a:buFontTx/>
+                <a:buNone/>
+                <a:tabLst/>
+                <a:defRPr/>
+              </a:pPr>
+              <a:r>
+                <a:rPr kumimoji="0" lang="en-US" sz="1800" b="0" i="0" u="none" strike="noStrike" kern="0" cap="none" spc="0" normalizeH="0" baseline="0" noProof="0" dirty="0">
+                  <a:ln>
+                    <a:noFill/>
+                  </a:ln>
+                  <a:solidFill>
+                    <a:schemeClr val="accent1"/>
+                  </a:solidFill>
+                  <a:effectLst/>
+                  <a:uLnTx/>
+                  <a:uFillTx/>
+                  <a:latin typeface="Segoe UI Semibold" panose="020B0702040204020203" pitchFamily="34" charset="0"/>
+                  <a:cs typeface="Segoe UI" panose="020B0502040204020203" pitchFamily="34" charset="0"/>
+                </a:rPr>
+                <a:t>WEB SITE</a:t>
+              </a:r>
+            </a:p>
+          </p:txBody>
+        </p:sp>
+      </p:grpSp>
+      <p:grpSp>
+        <p:nvGrpSpPr>
+          <p:cNvPr id="34" name="Group 33"/>
+          <p:cNvGrpSpPr/>
+          <p:nvPr/>
+        </p:nvGrpSpPr>
+        <p:grpSpPr>
+          <a:xfrm>
+            <a:off x="2620917" y="1373446"/>
+            <a:ext cx="2392121" cy="1512315"/>
+            <a:chOff x="2465397" y="2233620"/>
+            <a:chExt cx="2392121" cy="1512315"/>
+          </a:xfrm>
+        </p:grpSpPr>
+        <p:pic>
+          <p:nvPicPr>
+            <p:cNvPr id="113" name="Picture 112"/>
+            <p:cNvPicPr>
+              <a:picLocks noChangeAspect="1"/>
+            </p:cNvPicPr>
+            <p:nvPr/>
+          </p:nvPicPr>
+          <p:blipFill>
+            <a:blip r:embed="rId7">
+              <a:clrChange>
+                <a:clrFrom>
+                  <a:srgbClr val="FFFFFF"/>
+                </a:clrFrom>
+                <a:clrTo>
+                  <a:srgbClr val="FFFFFF">
+                    <a:alpha val="0"/>
+                  </a:srgbClr>
+                </a:clrTo>
+              </a:clrChange>
+            </a:blip>
+            <a:stretch>
+              <a:fillRect/>
+            </a:stretch>
+          </p:blipFill>
+          <p:spPr>
+            <a:xfrm>
+              <a:off x="3367790" y="2880517"/>
+              <a:ext cx="927234" cy="865418"/>
+            </a:xfrm>
+            <a:prstGeom prst="rect">
+              <a:avLst/>
+            </a:prstGeom>
+          </p:spPr>
+        </p:pic>
+        <p:cxnSp>
+          <p:nvCxnSpPr>
+            <p:cNvPr id="114" name="Straight Arrow Connector 113"/>
+            <p:cNvCxnSpPr>
+              <a:cxnSpLocks/>
+            </p:cNvCxnSpPr>
+            <p:nvPr/>
+          </p:nvCxnSpPr>
+          <p:spPr>
+            <a:xfrm>
+              <a:off x="2465397" y="3313226"/>
+              <a:ext cx="902393" cy="0"/>
+            </a:xfrm>
+            <a:prstGeom prst="straightConnector1">
+              <a:avLst/>
+            </a:prstGeom>
+            <a:ln w="15875" cap="sq">
+              <a:solidFill>
+                <a:schemeClr val="tx1"/>
+              </a:solidFill>
+              <a:miter lim="800000"/>
+              <a:tailEnd type="triangle"/>
+            </a:ln>
+          </p:spPr>
+          <p:style>
+            <a:lnRef idx="1">
+              <a:schemeClr val="accent1"/>
+            </a:lnRef>
+            <a:fillRef idx="0">
+              <a:schemeClr val="accent1"/>
+            </a:fillRef>
+            <a:effectRef idx="0">
+              <a:schemeClr val="accent1"/>
+            </a:effectRef>
+            <a:fontRef idx="minor">
+              <a:schemeClr val="tx1"/>
+            </a:fontRef>
+          </p:style>
+        </p:cxnSp>
+        <p:sp>
+          <p:nvSpPr>
+            <p:cNvPr id="115" name="TextBox 114"/>
+            <p:cNvSpPr txBox="1"/>
+            <p:nvPr/>
+          </p:nvSpPr>
+          <p:spPr>
+            <a:xfrm>
+              <a:off x="3362057" y="2233620"/>
+              <a:ext cx="1495461" cy="646331"/>
+            </a:xfrm>
+            <a:prstGeom prst="rect">
+              <a:avLst/>
+            </a:prstGeom>
+            <a:noFill/>
+          </p:spPr>
+          <p:txBody>
+            <a:bodyPr wrap="square" rtlCol="0">
+              <a:spAutoFit/>
+            </a:bodyPr>
+            <a:lstStyle/>
+            <a:p>
+              <a:pPr marL="0" marR="0" lvl="0" indent="0" defTabSz="914400" eaLnBrk="1" fontAlgn="auto" latinLnBrk="0" hangingPunct="1">
+                <a:lnSpc>
+                  <a:spcPct val="100000"/>
+                </a:lnSpc>
+                <a:spcBef>
+                  <a:spcPts val="0"/>
+                </a:spcBef>
+                <a:spcAft>
+                  <a:spcPts val="0"/>
+                </a:spcAft>
+                <a:buClrTx/>
+                <a:buSzTx/>
+                <a:buFontTx/>
+                <a:buNone/>
+                <a:tabLst/>
+                <a:defRPr/>
+              </a:pPr>
+              <a:r>
+                <a:rPr kumimoji="0" lang="en-US" sz="1800" b="0" i="0" u="none" strike="noStrike" kern="0" cap="none" spc="0" normalizeH="0" baseline="0" noProof="0" dirty="0">
+                  <a:ln>
+                    <a:noFill/>
+                  </a:ln>
+                  <a:solidFill>
+                    <a:schemeClr val="accent1"/>
+                  </a:solidFill>
+                  <a:effectLst/>
+                  <a:uLnTx/>
+                  <a:uFillTx/>
+                  <a:latin typeface="Segoe UI Semibold" panose="020B0702040204020203" pitchFamily="34" charset="0"/>
+                  <a:cs typeface="Segoe UI" panose="020B0502040204020203" pitchFamily="34" charset="0"/>
+                </a:rPr>
+                <a:t>AZURE QUEUE</a:t>
+              </a:r>
+            </a:p>
+          </p:txBody>
+        </p:sp>
+        <p:sp>
+          <p:nvSpPr>
+            <p:cNvPr id="116" name="Oval 115"/>
+            <p:cNvSpPr/>
+            <p:nvPr/>
+          </p:nvSpPr>
+          <p:spPr>
+            <a:xfrm>
+              <a:off x="2912356" y="2343721"/>
+              <a:ext cx="444097" cy="426129"/>
+            </a:xfrm>
+            <a:prstGeom prst="ellipse">
+              <a:avLst/>
+            </a:prstGeom>
+            <a:solidFill>
+              <a:schemeClr val="tx2"/>
+            </a:solidFill>
+            <a:ln w="25400">
+              <a:noFill/>
+            </a:ln>
+          </p:spPr>
+          <p:style>
+            <a:lnRef idx="2">
+              <a:schemeClr val="accent1">
+                <a:shade val="50000"/>
+              </a:schemeClr>
+            </a:lnRef>
+            <a:fillRef idx="1">
+              <a:schemeClr val="accent1"/>
+            </a:fillRef>
+            <a:effectRef idx="0">
+              <a:schemeClr val="accent1"/>
+            </a:effectRef>
+            <a:fontRef idx="minor">
+              <a:schemeClr val="lt1"/>
+            </a:fontRef>
+          </p:style>
+          <p:txBody>
+            <a:bodyPr rtlCol="0" anchor="ctr"/>
+            <a:lstStyle/>
+            <a:p>
+              <a:pPr marL="0" marR="0" lvl="0" indent="0" algn="ctr" defTabSz="914400" eaLnBrk="1" fontAlgn="auto" latinLnBrk="0" hangingPunct="1">
+                <a:lnSpc>
+                  <a:spcPct val="100000"/>
+                </a:lnSpc>
+                <a:spcBef>
+                  <a:spcPts val="0"/>
+                </a:spcBef>
+                <a:spcAft>
+                  <a:spcPts val="0"/>
+                </a:spcAft>
+                <a:buClrTx/>
+                <a:buSzTx/>
+                <a:buFontTx/>
+                <a:buNone/>
+                <a:tabLst/>
+                <a:defRPr/>
+              </a:pPr>
+              <a:r>
+                <a:rPr kumimoji="0" lang="en-US" sz="2000" b="0" i="0" u="none" strike="noStrike" kern="0" cap="none" spc="0" normalizeH="0" baseline="0" noProof="0" dirty="0">
+                  <a:ln>
+                    <a:noFill/>
+                  </a:ln>
+                  <a:solidFill>
+                    <a:schemeClr val="bg1"/>
+                  </a:solidFill>
+                  <a:effectLst/>
+                  <a:uLnTx/>
+                  <a:uFillTx/>
+                  <a:latin typeface="Segoe UI Semibold" panose="020B0702040204020203" pitchFamily="34" charset="0"/>
+                </a:rPr>
+                <a:t>3</a:t>
+              </a:r>
+            </a:p>
+          </p:txBody>
+        </p:sp>
+      </p:grpSp>
       <p:sp>
         <p:nvSpPr>
           <p:cNvPr id="2" name="Title 1"/>
@@ -14208,22 +15506,804 @@
         </p:nvSpPr>
         <p:spPr/>
         <p:txBody>
-          <a:bodyPr>
-            <a:normAutofit fontScale="90000"/>
+          <a:bodyPr/>
+          <a:lstStyle/>
+          <a:p>
+            <a:r>
+              <a:rPr lang="en-US" dirty="0"/>
+              <a:t>City Power &amp; Light App Architecture</a:t>
+            </a:r>
+          </a:p>
+        </p:txBody>
+      </p:sp>
+      <p:pic>
+        <p:nvPicPr>
+          <p:cNvPr id="90" name="Picture 6"/>
+          <p:cNvPicPr>
+            <a:picLocks noChangeAspect="1"/>
+          </p:cNvPicPr>
+          <p:nvPr/>
+        </p:nvPicPr>
+        <p:blipFill>
+          <a:blip r:embed="rId8">
+            <a:extLst>
+              <a:ext uri="{28A0092B-C50C-407E-A947-70E740481C1C}">
+                <a14:useLocalDpi xmlns:a14="http://schemas.microsoft.com/office/drawing/2010/main" val="0"/>
+              </a:ext>
+            </a:extLst>
+          </a:blip>
+          <a:srcRect/>
+          <a:stretch>
+            <a:fillRect/>
+          </a:stretch>
+        </p:blipFill>
+        <p:spPr bwMode="auto">
+          <a:xfrm>
+            <a:off x="6599237" y="5030332"/>
+            <a:ext cx="500062" cy="546100"/>
+          </a:xfrm>
+          <a:prstGeom prst="rect">
+            <a:avLst/>
+          </a:prstGeom>
+          <a:noFill/>
+          <a:ln>
+            <a:noFill/>
+          </a:ln>
+          <a:extLst>
+            <a:ext uri="{909E8E84-426E-40DD-AFC4-6F175D3DCCD1}">
+              <a14:hiddenFill xmlns:a14="http://schemas.microsoft.com/office/drawing/2010/main">
+                <a:solidFill>
+                  <a:srgbClr val="FFFFFF"/>
+                </a:solidFill>
+              </a14:hiddenFill>
+            </a:ext>
+            <a:ext uri="{91240B29-F687-4F45-9708-019B960494DF}">
+              <a14:hiddenLine xmlns:a14="http://schemas.microsoft.com/office/drawing/2010/main" w="9525">
+                <a:solidFill>
+                  <a:srgbClr val="000000"/>
+                </a:solidFill>
+                <a:miter lim="800000"/>
+                <a:headEnd/>
+                <a:tailEnd/>
+              </a14:hiddenLine>
+            </a:ext>
+          </a:extLst>
+        </p:spPr>
+      </p:pic>
+      <p:pic>
+        <p:nvPicPr>
+          <p:cNvPr id="91" name="Picture 4"/>
+          <p:cNvPicPr>
+            <a:picLocks noChangeAspect="1"/>
+          </p:cNvPicPr>
+          <p:nvPr/>
+        </p:nvPicPr>
+        <p:blipFill>
+          <a:blip r:embed="rId9">
+            <a:extLst>
+              <a:ext uri="{28A0092B-C50C-407E-A947-70E740481C1C}">
+                <a14:useLocalDpi xmlns:a14="http://schemas.microsoft.com/office/drawing/2010/main" val="0"/>
+              </a:ext>
+            </a:extLst>
+          </a:blip>
+          <a:srcRect/>
+          <a:stretch>
+            <a:fillRect/>
+          </a:stretch>
+        </p:blipFill>
+        <p:spPr bwMode="auto">
+          <a:xfrm>
+            <a:off x="3700383" y="5125810"/>
+            <a:ext cx="549275" cy="547688"/>
+          </a:xfrm>
+          <a:prstGeom prst="rect">
+            <a:avLst/>
+          </a:prstGeom>
+          <a:noFill/>
+          <a:ln>
+            <a:noFill/>
+          </a:ln>
+          <a:extLst>
+            <a:ext uri="{909E8E84-426E-40DD-AFC4-6F175D3DCCD1}">
+              <a14:hiddenFill xmlns:a14="http://schemas.microsoft.com/office/drawing/2010/main">
+                <a:solidFill>
+                  <a:srgbClr val="FFFFFF"/>
+                </a:solidFill>
+              </a14:hiddenFill>
+            </a:ext>
+            <a:ext uri="{91240B29-F687-4F45-9708-019B960494DF}">
+              <a14:hiddenLine xmlns:a14="http://schemas.microsoft.com/office/drawing/2010/main" w="9525">
+                <a:solidFill>
+                  <a:srgbClr val="000000"/>
+                </a:solidFill>
+                <a:miter lim="800000"/>
+                <a:headEnd/>
+                <a:tailEnd/>
+              </a14:hiddenLine>
+            </a:ext>
+          </a:extLst>
+        </p:spPr>
+      </p:pic>
+      <p:pic>
+        <p:nvPicPr>
+          <p:cNvPr id="92" name="Picture 5"/>
+          <p:cNvPicPr>
+            <a:picLocks noChangeAspect="1"/>
+          </p:cNvPicPr>
+          <p:nvPr/>
+        </p:nvPicPr>
+        <p:blipFill>
+          <a:blip r:embed="rId10">
+            <a:extLst>
+              <a:ext uri="{28A0092B-C50C-407E-A947-70E740481C1C}">
+                <a14:useLocalDpi xmlns:a14="http://schemas.microsoft.com/office/drawing/2010/main" val="0"/>
+              </a:ext>
+            </a:extLst>
+          </a:blip>
+          <a:srcRect/>
+          <a:stretch>
+            <a:fillRect/>
+          </a:stretch>
+        </p:blipFill>
+        <p:spPr bwMode="auto">
+          <a:xfrm>
+            <a:off x="5303837" y="3313226"/>
+            <a:ext cx="604837" cy="528638"/>
+          </a:xfrm>
+          <a:prstGeom prst="rect">
+            <a:avLst/>
+          </a:prstGeom>
+          <a:noFill/>
+          <a:ln>
+            <a:noFill/>
+          </a:ln>
+          <a:extLst>
+            <a:ext uri="{909E8E84-426E-40DD-AFC4-6F175D3DCCD1}">
+              <a14:hiddenFill xmlns:a14="http://schemas.microsoft.com/office/drawing/2010/main">
+                <a:solidFill>
+                  <a:srgbClr val="FFFFFF"/>
+                </a:solidFill>
+              </a14:hiddenFill>
+            </a:ext>
+            <a:ext uri="{91240B29-F687-4F45-9708-019B960494DF}">
+              <a14:hiddenLine xmlns:a14="http://schemas.microsoft.com/office/drawing/2010/main" w="9525">
+                <a:solidFill>
+                  <a:srgbClr val="000000"/>
+                </a:solidFill>
+                <a:miter lim="800000"/>
+                <a:headEnd/>
+                <a:tailEnd/>
+              </a14:hiddenLine>
+            </a:ext>
+          </a:extLst>
+        </p:spPr>
+      </p:pic>
+      <p:pic>
+        <p:nvPicPr>
+          <p:cNvPr id="93" name="Picture 13"/>
+          <p:cNvPicPr>
+            <a:picLocks noChangeAspect="1"/>
+          </p:cNvPicPr>
+          <p:nvPr/>
+        </p:nvPicPr>
+        <p:blipFill>
+          <a:blip r:embed="rId11">
+            <a:extLst>
+              <a:ext uri="{28A0092B-C50C-407E-A947-70E740481C1C}">
+                <a14:useLocalDpi xmlns:a14="http://schemas.microsoft.com/office/drawing/2010/main" val="0"/>
+              </a:ext>
+            </a:extLst>
+          </a:blip>
+          <a:srcRect/>
+          <a:stretch>
+            <a:fillRect/>
+          </a:stretch>
+        </p:blipFill>
+        <p:spPr bwMode="auto">
+          <a:xfrm>
+            <a:off x="1798637" y="5097462"/>
+            <a:ext cx="520700" cy="515937"/>
+          </a:xfrm>
+          <a:prstGeom prst="rect">
+            <a:avLst/>
+          </a:prstGeom>
+          <a:noFill/>
+          <a:ln>
+            <a:noFill/>
+          </a:ln>
+          <a:extLst>
+            <a:ext uri="{909E8E84-426E-40DD-AFC4-6F175D3DCCD1}">
+              <a14:hiddenFill xmlns:a14="http://schemas.microsoft.com/office/drawing/2010/main">
+                <a:solidFill>
+                  <a:srgbClr val="FFFFFF"/>
+                </a:solidFill>
+              </a14:hiddenFill>
+            </a:ext>
+            <a:ext uri="{91240B29-F687-4F45-9708-019B960494DF}">
+              <a14:hiddenLine xmlns:a14="http://schemas.microsoft.com/office/drawing/2010/main" w="9525">
+                <a:solidFill>
+                  <a:srgbClr val="000000"/>
+                </a:solidFill>
+                <a:miter lim="800000"/>
+                <a:headEnd/>
+                <a:tailEnd/>
+              </a14:hiddenLine>
+            </a:ext>
+          </a:extLst>
+        </p:spPr>
+      </p:pic>
+      <p:sp>
+        <p:nvSpPr>
+          <p:cNvPr id="94" name="TextBox 93"/>
+          <p:cNvSpPr txBox="1"/>
+          <p:nvPr/>
+        </p:nvSpPr>
+        <p:spPr>
+          <a:xfrm>
+            <a:off x="5330851" y="2666215"/>
+            <a:ext cx="1877986" cy="646331"/>
+          </a:xfrm>
+          <a:prstGeom prst="rect">
+            <a:avLst/>
+          </a:prstGeom>
+          <a:noFill/>
+        </p:spPr>
+        <p:txBody>
+          <a:bodyPr wrap="square" rtlCol="0">
+            <a:spAutoFit/>
           </a:bodyPr>
           <a:lstStyle/>
           <a:p>
-            <a:r>
-              <a:rPr lang="en-US" dirty="0"/>
-              <a:t>HOL 3: Identity with Azure AD and Office 365 APIs</a:t>
+            <a:pPr marL="0" marR="0" lvl="0" indent="0" defTabSz="914400" eaLnBrk="1" fontAlgn="auto" latinLnBrk="0" hangingPunct="1">
+              <a:lnSpc>
+                <a:spcPct val="100000"/>
+              </a:lnSpc>
+              <a:spcBef>
+                <a:spcPts val="0"/>
+              </a:spcBef>
+              <a:spcAft>
+                <a:spcPts val="0"/>
+              </a:spcAft>
+              <a:buClrTx/>
+              <a:buSzTx/>
+              <a:buFontTx/>
+              <a:buNone/>
+              <a:tabLst/>
+              <a:defRPr/>
+            </a:pPr>
+            <a:r>
+              <a:rPr kumimoji="0" lang="en-US" sz="1800" b="0" i="0" u="none" strike="noStrike" kern="0" cap="none" spc="0" normalizeH="0" baseline="0" noProof="0" dirty="0">
+                <a:ln>
+                  <a:noFill/>
+                </a:ln>
+                <a:solidFill>
+                  <a:schemeClr val="accent1"/>
+                </a:solidFill>
+                <a:effectLst/>
+                <a:uLnTx/>
+                <a:uFillTx/>
+                <a:latin typeface="Segoe UI Semibold" panose="020B0702040204020203" pitchFamily="34" charset="0"/>
+                <a:cs typeface="Segoe UI" panose="020B0502040204020203" pitchFamily="34" charset="0"/>
+              </a:rPr>
+              <a:t>AZURE BLOB</a:t>
+            </a:r>
+            <a:r>
+              <a:rPr kumimoji="0" lang="en-US" sz="1800" b="0" i="0" u="none" strike="noStrike" kern="0" cap="none" spc="0" normalizeH="0" noProof="0" dirty="0">
+                <a:ln>
+                  <a:noFill/>
+                </a:ln>
+                <a:solidFill>
+                  <a:schemeClr val="accent1"/>
+                </a:solidFill>
+                <a:effectLst/>
+                <a:uLnTx/>
+                <a:uFillTx/>
+                <a:latin typeface="Segoe UI Semibold" panose="020B0702040204020203" pitchFamily="34" charset="0"/>
+                <a:cs typeface="Segoe UI" panose="020B0502040204020203" pitchFamily="34" charset="0"/>
+              </a:rPr>
+              <a:t> STORAGE</a:t>
+            </a:r>
+            <a:endParaRPr kumimoji="0" lang="en-US" sz="1800" b="0" i="0" u="none" strike="noStrike" kern="0" cap="none" spc="0" normalizeH="0" baseline="0" noProof="0" dirty="0">
+              <a:ln>
+                <a:noFill/>
+              </a:ln>
+              <a:solidFill>
+                <a:schemeClr val="accent1"/>
+              </a:solidFill>
+              <a:effectLst/>
+              <a:uLnTx/>
+              <a:uFillTx/>
+              <a:latin typeface="Segoe UI Semibold" panose="020B0702040204020203" pitchFamily="34" charset="0"/>
+              <a:cs typeface="Segoe UI" panose="020B0502040204020203" pitchFamily="34" charset="0"/>
+            </a:endParaRPr>
+          </a:p>
+        </p:txBody>
+      </p:sp>
+      <p:sp>
+        <p:nvSpPr>
+          <p:cNvPr id="95" name="Oval 94"/>
+          <p:cNvSpPr/>
+          <p:nvPr/>
+        </p:nvSpPr>
+        <p:spPr>
+          <a:xfrm>
+            <a:off x="4881150" y="2776316"/>
+            <a:ext cx="444097" cy="426129"/>
+          </a:xfrm>
+          <a:prstGeom prst="ellipse">
+            <a:avLst/>
+          </a:prstGeom>
+          <a:solidFill>
+            <a:schemeClr val="tx2"/>
+          </a:solidFill>
+          <a:ln w="25400">
+            <a:noFill/>
+          </a:ln>
+        </p:spPr>
+        <p:style>
+          <a:lnRef idx="2">
+            <a:schemeClr val="accent1">
+              <a:shade val="50000"/>
+            </a:schemeClr>
+          </a:lnRef>
+          <a:fillRef idx="1">
+            <a:schemeClr val="accent1"/>
+          </a:fillRef>
+          <a:effectRef idx="0">
+            <a:schemeClr val="accent1"/>
+          </a:effectRef>
+          <a:fontRef idx="minor">
+            <a:schemeClr val="lt1"/>
+          </a:fontRef>
+        </p:style>
+        <p:txBody>
+          <a:bodyPr rtlCol="0" anchor="ctr"/>
+          <a:lstStyle/>
+          <a:p>
+            <a:pPr marL="0" marR="0" lvl="0" indent="0" algn="ctr" defTabSz="914400" eaLnBrk="1" fontAlgn="auto" latinLnBrk="0" hangingPunct="1">
+              <a:lnSpc>
+                <a:spcPct val="100000"/>
+              </a:lnSpc>
+              <a:spcBef>
+                <a:spcPts val="0"/>
+              </a:spcBef>
+              <a:spcAft>
+                <a:spcPts val="0"/>
+              </a:spcAft>
+              <a:buClrTx/>
+              <a:buSzTx/>
+              <a:buFontTx/>
+              <a:buNone/>
+              <a:tabLst/>
+              <a:defRPr/>
+            </a:pPr>
+            <a:r>
+              <a:rPr kumimoji="0" lang="en-US" sz="2000" b="0" i="0" u="none" strike="noStrike" kern="0" cap="none" spc="0" normalizeH="0" baseline="0" noProof="0" dirty="0">
+                <a:ln>
+                  <a:noFill/>
+                </a:ln>
+                <a:solidFill>
+                  <a:schemeClr val="bg1"/>
+                </a:solidFill>
+                <a:effectLst/>
+                <a:uLnTx/>
+                <a:uFillTx/>
+                <a:latin typeface="Segoe UI Semibold" panose="020B0702040204020203" pitchFamily="34" charset="0"/>
+              </a:rPr>
+              <a:t>3</a:t>
+            </a:r>
+          </a:p>
+        </p:txBody>
+      </p:sp>
+      <p:sp>
+        <p:nvSpPr>
+          <p:cNvPr id="96" name="TextBox 95"/>
+          <p:cNvSpPr txBox="1"/>
+          <p:nvPr/>
+        </p:nvSpPr>
+        <p:spPr>
+          <a:xfrm>
+            <a:off x="6461106" y="4375206"/>
+            <a:ext cx="1509731" cy="646331"/>
+          </a:xfrm>
+          <a:prstGeom prst="rect">
+            <a:avLst/>
+          </a:prstGeom>
+          <a:noFill/>
+        </p:spPr>
+        <p:txBody>
+          <a:bodyPr wrap="square" rtlCol="0">
+            <a:spAutoFit/>
+          </a:bodyPr>
+          <a:lstStyle/>
+          <a:p>
+            <a:pPr marL="0" marR="0" lvl="0" indent="0" defTabSz="914400" eaLnBrk="1" fontAlgn="auto" latinLnBrk="0" hangingPunct="1">
+              <a:lnSpc>
+                <a:spcPct val="100000"/>
+              </a:lnSpc>
+              <a:spcBef>
+                <a:spcPts val="0"/>
+              </a:spcBef>
+              <a:spcAft>
+                <a:spcPts val="0"/>
+              </a:spcAft>
+              <a:buClrTx/>
+              <a:buSzTx/>
+              <a:buFontTx/>
+              <a:buNone/>
+              <a:tabLst/>
+              <a:defRPr/>
+            </a:pPr>
+            <a:r>
+              <a:rPr kumimoji="0" lang="en-US" sz="1800" b="0" i="0" u="none" strike="noStrike" kern="0" cap="none" spc="0" normalizeH="0" baseline="0" noProof="0" dirty="0">
+                <a:ln>
+                  <a:noFill/>
+                </a:ln>
+                <a:solidFill>
+                  <a:schemeClr val="accent1"/>
+                </a:solidFill>
+                <a:effectLst/>
+                <a:uLnTx/>
+                <a:uFillTx/>
+                <a:latin typeface="Segoe UI Semibold" panose="020B0702040204020203" pitchFamily="34" charset="0"/>
+                <a:cs typeface="Segoe UI" panose="020B0502040204020203" pitchFamily="34" charset="0"/>
+              </a:rPr>
+              <a:t>AZURE CACHE</a:t>
+            </a:r>
+          </a:p>
+        </p:txBody>
+      </p:sp>
+      <p:sp>
+        <p:nvSpPr>
+          <p:cNvPr id="97" name="Oval 96"/>
+          <p:cNvSpPr/>
+          <p:nvPr/>
+        </p:nvSpPr>
+        <p:spPr>
+          <a:xfrm>
+            <a:off x="6011405" y="4485307"/>
+            <a:ext cx="444097" cy="426129"/>
+          </a:xfrm>
+          <a:prstGeom prst="ellipse">
+            <a:avLst/>
+          </a:prstGeom>
+          <a:solidFill>
+            <a:schemeClr val="tx2"/>
+          </a:solidFill>
+          <a:ln w="25400">
+            <a:noFill/>
+          </a:ln>
+        </p:spPr>
+        <p:style>
+          <a:lnRef idx="2">
+            <a:schemeClr val="accent1">
+              <a:shade val="50000"/>
+            </a:schemeClr>
+          </a:lnRef>
+          <a:fillRef idx="1">
+            <a:schemeClr val="accent1"/>
+          </a:fillRef>
+          <a:effectRef idx="0">
+            <a:schemeClr val="accent1"/>
+          </a:effectRef>
+          <a:fontRef idx="minor">
+            <a:schemeClr val="lt1"/>
+          </a:fontRef>
+        </p:style>
+        <p:txBody>
+          <a:bodyPr rtlCol="0" anchor="ctr"/>
+          <a:lstStyle/>
+          <a:p>
+            <a:pPr marL="0" marR="0" lvl="0" indent="0" algn="ctr" defTabSz="914400" eaLnBrk="1" fontAlgn="auto" latinLnBrk="0" hangingPunct="1">
+              <a:lnSpc>
+                <a:spcPct val="100000"/>
+              </a:lnSpc>
+              <a:spcBef>
+                <a:spcPts val="0"/>
+              </a:spcBef>
+              <a:spcAft>
+                <a:spcPts val="0"/>
+              </a:spcAft>
+              <a:buClrTx/>
+              <a:buSzTx/>
+              <a:buFontTx/>
+              <a:buNone/>
+              <a:tabLst/>
+              <a:defRPr/>
+            </a:pPr>
+            <a:r>
+              <a:rPr kumimoji="0" lang="en-US" sz="2000" b="0" i="0" u="none" strike="noStrike" kern="0" cap="none" spc="0" normalizeH="0" baseline="0" noProof="0" dirty="0">
+                <a:ln>
+                  <a:noFill/>
+                </a:ln>
+                <a:solidFill>
+                  <a:schemeClr val="bg1"/>
+                </a:solidFill>
+                <a:effectLst/>
+                <a:uLnTx/>
+                <a:uFillTx/>
+                <a:latin typeface="Segoe UI Semibold" panose="020B0702040204020203" pitchFamily="34" charset="0"/>
+              </a:rPr>
+              <a:t>3</a:t>
+            </a:r>
+          </a:p>
+        </p:txBody>
+      </p:sp>
+      <p:sp>
+        <p:nvSpPr>
+          <p:cNvPr id="98" name="TextBox 97"/>
+          <p:cNvSpPr txBox="1"/>
+          <p:nvPr/>
+        </p:nvSpPr>
+        <p:spPr>
+          <a:xfrm>
+            <a:off x="3568456" y="4451131"/>
+            <a:ext cx="1495461" cy="369332"/>
+          </a:xfrm>
+          <a:prstGeom prst="rect">
+            <a:avLst/>
+          </a:prstGeom>
+          <a:noFill/>
+        </p:spPr>
+        <p:txBody>
+          <a:bodyPr wrap="square" rtlCol="0">
+            <a:spAutoFit/>
+          </a:bodyPr>
+          <a:lstStyle/>
+          <a:p>
+            <a:pPr marL="0" marR="0" lvl="0" indent="0" defTabSz="914400" eaLnBrk="1" fontAlgn="auto" latinLnBrk="0" hangingPunct="1">
+              <a:lnSpc>
+                <a:spcPct val="100000"/>
+              </a:lnSpc>
+              <a:spcBef>
+                <a:spcPts val="0"/>
+              </a:spcBef>
+              <a:spcAft>
+                <a:spcPts val="0"/>
+              </a:spcAft>
+              <a:buClrTx/>
+              <a:buSzTx/>
+              <a:buFontTx/>
+              <a:buNone/>
+              <a:tabLst/>
+              <a:defRPr/>
+            </a:pPr>
+            <a:r>
+              <a:rPr kumimoji="0" lang="en-US" sz="1800" b="0" i="0" u="none" strike="noStrike" kern="0" cap="none" spc="0" normalizeH="0" baseline="0" noProof="0" dirty="0">
+                <a:ln>
+                  <a:noFill/>
+                </a:ln>
+                <a:solidFill>
+                  <a:schemeClr val="accent1"/>
+                </a:solidFill>
+                <a:effectLst/>
+                <a:uLnTx/>
+                <a:uFillTx/>
+                <a:latin typeface="Segoe UI Semibold" panose="020B0702040204020203" pitchFamily="34" charset="0"/>
+                <a:cs typeface="Segoe UI" panose="020B0502040204020203" pitchFamily="34" charset="0"/>
+              </a:rPr>
+              <a:t>AZURE AD</a:t>
+            </a:r>
+          </a:p>
+        </p:txBody>
+      </p:sp>
+      <p:sp>
+        <p:nvSpPr>
+          <p:cNvPr id="99" name="Oval 98"/>
+          <p:cNvSpPr/>
+          <p:nvPr/>
+        </p:nvSpPr>
+        <p:spPr>
+          <a:xfrm>
+            <a:off x="3118755" y="4561232"/>
+            <a:ext cx="444097" cy="426129"/>
+          </a:xfrm>
+          <a:prstGeom prst="ellipse">
+            <a:avLst/>
+          </a:prstGeom>
+          <a:solidFill>
+            <a:schemeClr val="tx2"/>
+          </a:solidFill>
+          <a:ln w="25400">
+            <a:noFill/>
+          </a:ln>
+        </p:spPr>
+        <p:style>
+          <a:lnRef idx="2">
+            <a:schemeClr val="accent1">
+              <a:shade val="50000"/>
+            </a:schemeClr>
+          </a:lnRef>
+          <a:fillRef idx="1">
+            <a:schemeClr val="accent1"/>
+          </a:fillRef>
+          <a:effectRef idx="0">
+            <a:schemeClr val="accent1"/>
+          </a:effectRef>
+          <a:fontRef idx="minor">
+            <a:schemeClr val="lt1"/>
+          </a:fontRef>
+        </p:style>
+        <p:txBody>
+          <a:bodyPr rtlCol="0" anchor="ctr"/>
+          <a:lstStyle/>
+          <a:p>
+            <a:pPr marL="0" marR="0" lvl="0" indent="0" algn="ctr" defTabSz="914400" eaLnBrk="1" fontAlgn="auto" latinLnBrk="0" hangingPunct="1">
+              <a:lnSpc>
+                <a:spcPct val="100000"/>
+              </a:lnSpc>
+              <a:spcBef>
+                <a:spcPts val="0"/>
+              </a:spcBef>
+              <a:spcAft>
+                <a:spcPts val="0"/>
+              </a:spcAft>
+              <a:buClrTx/>
+              <a:buSzTx/>
+              <a:buFontTx/>
+              <a:buNone/>
+              <a:tabLst/>
+              <a:defRPr/>
+            </a:pPr>
+            <a:r>
+              <a:rPr kumimoji="0" lang="en-US" sz="2000" b="0" i="0" u="none" strike="noStrike" kern="0" cap="none" spc="0" normalizeH="0" baseline="0" noProof="0" dirty="0">
+                <a:ln>
+                  <a:noFill/>
+                </a:ln>
+                <a:solidFill>
+                  <a:schemeClr val="bg1"/>
+                </a:solidFill>
+                <a:effectLst/>
+                <a:uLnTx/>
+                <a:uFillTx/>
+                <a:latin typeface="Segoe UI Semibold" panose="020B0702040204020203" pitchFamily="34" charset="0"/>
+              </a:rPr>
+              <a:t>3</a:t>
+            </a:r>
+          </a:p>
+        </p:txBody>
+      </p:sp>
+      <p:sp>
+        <p:nvSpPr>
+          <p:cNvPr id="100" name="TextBox 99"/>
+          <p:cNvSpPr txBox="1"/>
+          <p:nvPr/>
+        </p:nvSpPr>
+        <p:spPr>
+          <a:xfrm>
+            <a:off x="1672430" y="4433533"/>
+            <a:ext cx="1495461" cy="369332"/>
+          </a:xfrm>
+          <a:prstGeom prst="rect">
+            <a:avLst/>
+          </a:prstGeom>
+          <a:noFill/>
+        </p:spPr>
+        <p:txBody>
+          <a:bodyPr wrap="square" rtlCol="0">
+            <a:spAutoFit/>
+          </a:bodyPr>
+          <a:lstStyle/>
+          <a:p>
+            <a:pPr marL="0" marR="0" lvl="0" indent="0" defTabSz="914400" eaLnBrk="1" fontAlgn="auto" latinLnBrk="0" hangingPunct="1">
+              <a:lnSpc>
+                <a:spcPct val="100000"/>
+              </a:lnSpc>
+              <a:spcBef>
+                <a:spcPts val="0"/>
+              </a:spcBef>
+              <a:spcAft>
+                <a:spcPts val="0"/>
+              </a:spcAft>
+              <a:buClrTx/>
+              <a:buSzTx/>
+              <a:buFontTx/>
+              <a:buNone/>
+              <a:tabLst/>
+              <a:defRPr/>
+            </a:pPr>
+            <a:r>
+              <a:rPr kumimoji="0" lang="en-US" sz="1800" b="0" i="0" u="none" strike="noStrike" kern="0" cap="none" spc="0" normalizeH="0" baseline="0" noProof="0" dirty="0">
+                <a:ln>
+                  <a:noFill/>
+                </a:ln>
+                <a:solidFill>
+                  <a:schemeClr val="accent1"/>
+                </a:solidFill>
+                <a:effectLst/>
+                <a:uLnTx/>
+                <a:uFillTx/>
+                <a:latin typeface="Segoe UI Semibold" panose="020B0702040204020203" pitchFamily="34" charset="0"/>
+                <a:cs typeface="Segoe UI" panose="020B0502040204020203" pitchFamily="34" charset="0"/>
+              </a:rPr>
+              <a:t>VSTS</a:t>
+            </a:r>
+          </a:p>
+        </p:txBody>
+      </p:sp>
+      <p:sp>
+        <p:nvSpPr>
+          <p:cNvPr id="101" name="Oval 100"/>
+          <p:cNvSpPr/>
+          <p:nvPr/>
+        </p:nvSpPr>
+        <p:spPr>
+          <a:xfrm>
+            <a:off x="1222729" y="4543634"/>
+            <a:ext cx="444097" cy="426129"/>
+          </a:xfrm>
+          <a:prstGeom prst="ellipse">
+            <a:avLst/>
+          </a:prstGeom>
+          <a:solidFill>
+            <a:schemeClr val="tx2"/>
+          </a:solidFill>
+          <a:ln w="25400">
+            <a:noFill/>
+          </a:ln>
+        </p:spPr>
+        <p:style>
+          <a:lnRef idx="2">
+            <a:schemeClr val="accent1">
+              <a:shade val="50000"/>
+            </a:schemeClr>
+          </a:lnRef>
+          <a:fillRef idx="1">
+            <a:schemeClr val="accent1"/>
+          </a:fillRef>
+          <a:effectRef idx="0">
+            <a:schemeClr val="accent1"/>
+          </a:effectRef>
+          <a:fontRef idx="minor">
+            <a:schemeClr val="lt1"/>
+          </a:fontRef>
+        </p:style>
+        <p:txBody>
+          <a:bodyPr rtlCol="0" anchor="ctr"/>
+          <a:lstStyle/>
+          <a:p>
+            <a:pPr marL="0" marR="0" lvl="0" indent="0" algn="ctr" defTabSz="914400" eaLnBrk="1" fontAlgn="auto" latinLnBrk="0" hangingPunct="1">
+              <a:lnSpc>
+                <a:spcPct val="100000"/>
+              </a:lnSpc>
+              <a:spcBef>
+                <a:spcPts val="0"/>
+              </a:spcBef>
+              <a:spcAft>
+                <a:spcPts val="0"/>
+              </a:spcAft>
+              <a:buClrTx/>
+              <a:buSzTx/>
+              <a:buFontTx/>
+              <a:buNone/>
+              <a:tabLst/>
+              <a:defRPr/>
+            </a:pPr>
+            <a:r>
+              <a:rPr kumimoji="0" lang="en-US" sz="2000" b="0" i="0" u="none" strike="noStrike" kern="0" cap="none" spc="0" normalizeH="0" baseline="0" noProof="0" dirty="0">
+                <a:ln>
+                  <a:noFill/>
+                </a:ln>
+                <a:solidFill>
+                  <a:schemeClr val="bg1"/>
+                </a:solidFill>
+                <a:effectLst/>
+                <a:uLnTx/>
+                <a:uFillTx/>
+                <a:latin typeface="Segoe UI Semibold" panose="020B0702040204020203" pitchFamily="34" charset="0"/>
+              </a:rPr>
+              <a:t>3</a:t>
             </a:r>
           </a:p>
         </p:txBody>
       </p:sp>
     </p:spTree>
+    <p:custDataLst>
+      <p:tags r:id="rId1"/>
+    </p:custDataLst>
     <p:extLst>
       <p:ext uri="{BB962C8B-B14F-4D97-AF65-F5344CB8AC3E}">
-        <p14:creationId xmlns:p14="http://schemas.microsoft.com/office/powerpoint/2010/main" val="2890623480"/>
+        <p14:creationId xmlns:p14="http://schemas.microsoft.com/office/powerpoint/2010/main" val="2800457793"/>
       </p:ext>
     </p:extLst>
   </p:cSld>
@@ -14233,6 +16313,142 @@
   <p:transition>
     <p:fade/>
   </p:transition>
+  <p:timing>
+    <p:tnLst>
+      <p:par>
+        <p:cTn id="1" dur="indefinite" restart="never" nodeType="tmRoot">
+          <p:childTnLst>
+            <p:seq concurrent="1" nextAc="seek">
+              <p:cTn id="2" dur="indefinite" nodeType="mainSeq">
+                <p:childTnLst>
+                  <p:par>
+                    <p:cTn id="3" fill="hold">
+                      <p:stCondLst>
+                        <p:cond delay="indefinite"/>
+                      </p:stCondLst>
+                      <p:childTnLst>
+                        <p:par>
+                          <p:cTn id="4" fill="hold">
+                            <p:stCondLst>
+                              <p:cond delay="0"/>
+                            </p:stCondLst>
+                            <p:childTnLst>
+                              <p:par>
+                                <p:cTn id="5" presetID="22" presetClass="entr" presetSubtype="1" fill="hold" nodeType="clickEffect">
+                                  <p:stCondLst>
+                                    <p:cond delay="0"/>
+                                  </p:stCondLst>
+                                  <p:childTnLst>
+                                    <p:set>
+                                      <p:cBhvr>
+                                        <p:cTn id="6" dur="1" fill="hold">
+                                          <p:stCondLst>
+                                            <p:cond delay="0"/>
+                                          </p:stCondLst>
+                                        </p:cTn>
+                                        <p:tgtEl>
+                                          <p:spTgt spid="30"/>
+                                        </p:tgtEl>
+                                        <p:attrNameLst>
+                                          <p:attrName>style.visibility</p:attrName>
+                                        </p:attrNameLst>
+                                      </p:cBhvr>
+                                      <p:to>
+                                        <p:strVal val="visible"/>
+                                      </p:to>
+                                    </p:set>
+                                    <p:animEffect transition="in" filter="wipe(up)">
+                                      <p:cBhvr>
+                                        <p:cTn id="7" dur="750"/>
+                                        <p:tgtEl>
+                                          <p:spTgt spid="30"/>
+                                        </p:tgtEl>
+                                      </p:cBhvr>
+                                    </p:animEffect>
+                                  </p:childTnLst>
+                                </p:cTn>
+                              </p:par>
+                            </p:childTnLst>
+                          </p:cTn>
+                        </p:par>
+                      </p:childTnLst>
+                    </p:cTn>
+                  </p:par>
+                  <p:par>
+                    <p:cTn id="8" fill="hold">
+                      <p:stCondLst>
+                        <p:cond delay="indefinite"/>
+                      </p:stCondLst>
+                      <p:childTnLst>
+                        <p:par>
+                          <p:cTn id="9" fill="hold">
+                            <p:stCondLst>
+                              <p:cond delay="0"/>
+                            </p:stCondLst>
+                            <p:childTnLst>
+                              <p:par>
+                                <p:cTn id="10" presetID="22" presetClass="entr" presetSubtype="8" fill="hold" nodeType="clickEffect">
+                                  <p:stCondLst>
+                                    <p:cond delay="0"/>
+                                  </p:stCondLst>
+                                  <p:childTnLst>
+                                    <p:set>
+                                      <p:cBhvr>
+                                        <p:cTn id="11" dur="1" fill="hold">
+                                          <p:stCondLst>
+                                            <p:cond delay="0"/>
+                                          </p:stCondLst>
+                                        </p:cTn>
+                                        <p:tgtEl>
+                                          <p:spTgt spid="34"/>
+                                        </p:tgtEl>
+                                        <p:attrNameLst>
+                                          <p:attrName>style.visibility</p:attrName>
+                                        </p:attrNameLst>
+                                      </p:cBhvr>
+                                      <p:to>
+                                        <p:strVal val="visible"/>
+                                      </p:to>
+                                    </p:set>
+                                    <p:animEffect transition="in" filter="wipe(left)">
+                                      <p:cBhvr>
+                                        <p:cTn id="12" dur="750"/>
+                                        <p:tgtEl>
+                                          <p:spTgt spid="34"/>
+                                        </p:tgtEl>
+                                      </p:cBhvr>
+                                    </p:animEffect>
+                                  </p:childTnLst>
+                                </p:cTn>
+                              </p:par>
+                            </p:childTnLst>
+                          </p:cTn>
+                        </p:par>
+                      </p:childTnLst>
+                    </p:cTn>
+                  </p:par>
+                </p:childTnLst>
+              </p:cTn>
+              <p:prevCondLst>
+                <p:cond evt="onPrev" delay="0">
+                  <p:tgtEl>
+                    <p:sldTgt/>
+                  </p:tgtEl>
+                </p:cond>
+              </p:prevCondLst>
+              <p:nextCondLst>
+                <p:cond evt="onNext" delay="0">
+                  <p:tgtEl>
+                    <p:sldTgt/>
+                  </p:tgtEl>
+                </p:cond>
+              </p:nextCondLst>
+            </p:seq>
+          </p:childTnLst>
+        </p:cTn>
+      </p:par>
+    </p:tnLst>
+  </p:timing>
 </p:sld>
 </file>
 
@@ -14255,7 +16471,7 @@
       </p:grpSpPr>
       <p:sp>
         <p:nvSpPr>
-          <p:cNvPr id="3" name="Text Placeholder 2"/>
+          <p:cNvPr id="2" name="Text Placeholder 1"/>
           <p:cNvSpPr>
             <a:spLocks noGrp="1"/>
           </p:cNvSpPr>
@@ -14270,37 +16486,31 @@
           <a:p>
             <a:r>
               <a:rPr lang="en-US"/>
-              <a:t>Create VSTS Tenant</a:t>
+              <a:t>Connect Azure subscription (Pass or Trial)</a:t>
             </a:r>
           </a:p>
           <a:p>
             <a:r>
               <a:rPr lang="en-US"/>
-              <a:t>Create Git repository</a:t>
+              <a:t>Create O365 Developer Tenant</a:t>
             </a:r>
           </a:p>
           <a:p>
             <a:r>
               <a:rPr lang="en-US"/>
-              <a:t>Clone git repo locally</a:t>
+              <a:t>Create Visual Studio online account</a:t>
             </a:r>
           </a:p>
           <a:p>
             <a:r>
               <a:rPr lang="en-US"/>
-              <a:t>Push code into VSTS</a:t>
+              <a:t>Take prepared image, walk through the tools that are available</a:t>
             </a:r>
           </a:p>
           <a:p>
             <a:r>
               <a:rPr lang="en-US"/>
-              <a:t>Create CI pipeline to build</a:t>
-            </a:r>
-          </a:p>
-          <a:p>
-            <a:r>
-              <a:rPr lang="en-US"/>
-              <a:t>Ends with published artifacts</a:t>
+              <a:t>Run ARM Template to scaffold out resources</a:t>
             </a:r>
             <a:endParaRPr lang="en-US" dirty="0"/>
           </a:p>
@@ -14308,7 +16518,7 @@
       </p:sp>
       <p:sp>
         <p:nvSpPr>
-          <p:cNvPr id="2" name="Title 1"/>
+          <p:cNvPr id="3" name="Title 2"/>
           <p:cNvSpPr>
             <a:spLocks noGrp="1"/>
           </p:cNvSpPr>
@@ -14323,7 +16533,7 @@
           <a:p>
             <a:r>
               <a:rPr lang="en-US"/>
-              <a:t>HOL 4: DevOps with Azure and VSTS</a:t>
+              <a:t>HOL 1: Setting up your developer environment</a:t>
             </a:r>
             <a:endParaRPr lang="en-US" dirty="0"/>
           </a:p>
@@ -14332,7 +16542,7 @@
     </p:spTree>
     <p:extLst>
       <p:ext uri="{BB962C8B-B14F-4D97-AF65-F5344CB8AC3E}">
-        <p14:creationId xmlns:p14="http://schemas.microsoft.com/office/powerpoint/2010/main" val="3481618648"/>
+        <p14:creationId xmlns:p14="http://schemas.microsoft.com/office/powerpoint/2010/main" val="4222031049"/>
       </p:ext>
     </p:extLst>
   </p:cSld>
@@ -14378,30 +16588,53 @@
           <a:lstStyle/>
           <a:p>
             <a:r>
-              <a:rPr lang="en-US"/>
-              <a:t>Create ARM template for web app in VS</a:t>
-            </a:r>
-          </a:p>
-          <a:p>
-            <a:r>
-              <a:rPr lang="en-US"/>
-              <a:t>Deploy using VSTS</a:t>
-            </a:r>
-          </a:p>
-          <a:p>
-            <a:r>
-              <a:rPr lang="en-US"/>
-              <a:t>Create 3 environments</a:t>
-            </a:r>
-          </a:p>
-          <a:p>
-            <a:r>
-              <a:rPr lang="en-US"/>
-              <a:t>Configure CD</a:t>
-            </a:r>
-          </a:p>
-          <a:p>
-            <a:endParaRPr lang="en-US" dirty="0"/>
+              <a:rPr lang="en-US" dirty="0"/>
+              <a:t>Starting with provisioned resource group</a:t>
+            </a:r>
+          </a:p>
+          <a:p>
+            <a:r>
+              <a:rPr lang="en-US" dirty="0"/>
+              <a:t>Select front end app (Node.js /.NET/ Java)</a:t>
+            </a:r>
+          </a:p>
+          <a:p>
+            <a:r>
+              <a:rPr lang="en-US" dirty="0"/>
+              <a:t>Connect to deployed API</a:t>
+            </a:r>
+          </a:p>
+          <a:p>
+            <a:r>
+              <a:rPr lang="en-US" dirty="0"/>
+              <a:t>Add blob storage</a:t>
+            </a:r>
+          </a:p>
+          <a:p>
+            <a:r>
+              <a:rPr lang="en-US" dirty="0"/>
+              <a:t>Add queueing</a:t>
+            </a:r>
+          </a:p>
+          <a:p>
+            <a:r>
+              <a:rPr lang="en-US" dirty="0"/>
+              <a:t>Add </a:t>
+            </a:r>
+            <a:r>
+              <a:rPr lang="en-US" dirty="0" err="1"/>
+              <a:t>Redis</a:t>
+            </a:r>
+            <a:r>
+              <a:rPr lang="en-US" dirty="0"/>
+              <a:t> cache</a:t>
+            </a:r>
+          </a:p>
+          <a:p>
+            <a:r>
+              <a:rPr lang="en-US" dirty="0"/>
+              <a:t>Stretch: Image resizing with Function</a:t>
+            </a:r>
           </a:p>
         </p:txBody>
       </p:sp>
@@ -14422,7 +16655,7 @@
           <a:p>
             <a:r>
               <a:rPr lang="en-US"/>
-              <a:t>HOL 5: Infrastructure as code with (ARM)</a:t>
+              <a:t>HOL 2: Building modern cloud apps</a:t>
             </a:r>
             <a:endParaRPr lang="en-US" dirty="0"/>
           </a:p>
@@ -14431,7 +16664,7 @@
     </p:spTree>
     <p:extLst>
       <p:ext uri="{BB962C8B-B14F-4D97-AF65-F5344CB8AC3E}">
-        <p14:creationId xmlns:p14="http://schemas.microsoft.com/office/powerpoint/2010/main" val="3620859700"/>
+        <p14:creationId xmlns:p14="http://schemas.microsoft.com/office/powerpoint/2010/main" val="103508438"/>
       </p:ext>
     </p:extLst>
   </p:cSld>
@@ -14473,56 +16706,63 @@
         </p:nvSpPr>
         <p:spPr/>
         <p:txBody>
-          <a:bodyPr/>
+          <a:bodyPr>
+            <a:normAutofit fontScale="40000" lnSpcReduction="20000"/>
+          </a:bodyPr>
           <a:lstStyle/>
           <a:p>
             <a:r>
-              <a:rPr lang="en-US"/>
-              <a:t>Add App Insights resource to Azure</a:t>
-            </a:r>
-          </a:p>
-          <a:p>
-            <a:r>
-              <a:rPr lang="en-US"/>
-              <a:t>Add App Insights to application</a:t>
-            </a:r>
-          </a:p>
-          <a:p>
-            <a:r>
-              <a:rPr lang="en-US"/>
-              <a:t>Add server side SDK</a:t>
-            </a:r>
-          </a:p>
-          <a:p>
-            <a:r>
-              <a:rPr lang="en-US"/>
-              <a:t>Add client side libraries</a:t>
-            </a:r>
-          </a:p>
-          <a:p>
-            <a:r>
-              <a:rPr lang="en-US"/>
-              <a:t>Create custom events</a:t>
-            </a:r>
-          </a:p>
-          <a:p>
-            <a:r>
-              <a:rPr lang="en-US"/>
-              <a:t>Create custom metric</a:t>
-            </a:r>
-          </a:p>
-          <a:p>
-            <a:r>
-              <a:rPr lang="en-US"/>
-              <a:t>Create availability test</a:t>
-            </a:r>
-          </a:p>
-          <a:p>
-            <a:r>
-              <a:rPr lang="en-US"/>
-              <a:t>View the dashboard</a:t>
-            </a:r>
-            <a:endParaRPr lang="en-US" dirty="0"/>
+              <a:rPr lang="en-US" dirty="0"/>
+              <a:t>Find AD </a:t>
+            </a:r>
+          </a:p>
+          <a:p>
+            <a:r>
+              <a:rPr lang="en-US" dirty="0"/>
+              <a:t>Create AD Application</a:t>
+            </a:r>
+          </a:p>
+          <a:p>
+            <a:r>
+              <a:rPr lang="en-US" dirty="0"/>
+              <a:t>Add authentication to app</a:t>
+            </a:r>
+          </a:p>
+          <a:p>
+            <a:r>
+              <a:rPr lang="en-US" dirty="0"/>
+              <a:t>Authenticate</a:t>
+            </a:r>
+          </a:p>
+          <a:p>
+            <a:r>
+              <a:rPr lang="en-US" dirty="0"/>
+              <a:t>Add profile page</a:t>
+            </a:r>
+          </a:p>
+          <a:p>
+            <a:r>
+              <a:rPr lang="en-US" dirty="0"/>
+              <a:t>Add graph API call to get user data for profile page</a:t>
+            </a:r>
+          </a:p>
+          <a:p>
+            <a:r>
+              <a:rPr lang="en-US" dirty="0"/>
+              <a:t>Populate first &amp; last name of the new incident form with first name &amp; last name from Graph/token</a:t>
+            </a:r>
+          </a:p>
+          <a:p>
+            <a:r>
+              <a:rPr lang="en-US" dirty="0"/>
+              <a:t>Send Email via Graph on new incident creation</a:t>
+            </a:r>
+          </a:p>
+          <a:p>
+            <a:r>
+              <a:rPr lang="en-US" dirty="0"/>
+              <a:t>Stretch: Add calendar event on new incident creation</a:t>
+            </a:r>
           </a:p>
         </p:txBody>
       </p:sp>
@@ -14545,21 +16785,15 @@
           <a:p>
             <a:r>
               <a:rPr lang="en-US" dirty="0"/>
-              <a:t>HOL 6: Monitoring applications with App Insights</a:t>
-            </a:r>
-          </a:p>
-          <a:p>
-            <a:endParaRPr lang="en-US" dirty="0"/>
-          </a:p>
-          <a:p>
-            <a:endParaRPr lang="en-US" dirty="0"/>
+              <a:t>HOL 3: Identity with Azure AD and Office 365 APIs</a:t>
+            </a:r>
           </a:p>
         </p:txBody>
       </p:sp>
     </p:spTree>
     <p:extLst>
       <p:ext uri="{BB962C8B-B14F-4D97-AF65-F5344CB8AC3E}">
-        <p14:creationId xmlns:p14="http://schemas.microsoft.com/office/powerpoint/2010/main" val="2211970092"/>
+        <p14:creationId xmlns:p14="http://schemas.microsoft.com/office/powerpoint/2010/main" val="2890623480"/>
       </p:ext>
     </p:extLst>
   </p:cSld>
@@ -14589,10 +16823,86 @@
           <a:chExt cx="0" cy="0"/>
         </a:xfrm>
       </p:grpSpPr>
+      <p:sp>
+        <p:nvSpPr>
+          <p:cNvPr id="3" name="Text Placeholder 2"/>
+          <p:cNvSpPr>
+            <a:spLocks noGrp="1"/>
+          </p:cNvSpPr>
+          <p:nvPr>
+            <p:ph type="body" sz="quarter" idx="10"/>
+          </p:nvPr>
+        </p:nvSpPr>
+        <p:spPr/>
+        <p:txBody>
+          <a:bodyPr/>
+          <a:lstStyle/>
+          <a:p>
+            <a:r>
+              <a:rPr lang="en-US"/>
+              <a:t>Create VSTS Tenant</a:t>
+            </a:r>
+          </a:p>
+          <a:p>
+            <a:r>
+              <a:rPr lang="en-US"/>
+              <a:t>Create Git repository</a:t>
+            </a:r>
+          </a:p>
+          <a:p>
+            <a:r>
+              <a:rPr lang="en-US"/>
+              <a:t>Clone git repo locally</a:t>
+            </a:r>
+          </a:p>
+          <a:p>
+            <a:r>
+              <a:rPr lang="en-US"/>
+              <a:t>Push code into VSTS</a:t>
+            </a:r>
+          </a:p>
+          <a:p>
+            <a:r>
+              <a:rPr lang="en-US"/>
+              <a:t>Create CI pipeline to build</a:t>
+            </a:r>
+          </a:p>
+          <a:p>
+            <a:r>
+              <a:rPr lang="en-US"/>
+              <a:t>Ends with published artifacts</a:t>
+            </a:r>
+            <a:endParaRPr lang="en-US" dirty="0"/>
+          </a:p>
+        </p:txBody>
+      </p:sp>
+      <p:sp>
+        <p:nvSpPr>
+          <p:cNvPr id="2" name="Title 1"/>
+          <p:cNvSpPr>
+            <a:spLocks noGrp="1"/>
+          </p:cNvSpPr>
+          <p:nvPr>
+            <p:ph type="title"/>
+          </p:nvPr>
+        </p:nvSpPr>
+        <p:spPr/>
+        <p:txBody>
+          <a:bodyPr/>
+          <a:lstStyle/>
+          <a:p>
+            <a:r>
+              <a:rPr lang="en-US"/>
+              <a:t>HOL 4: DevOps with Azure and VSTS</a:t>
+            </a:r>
+            <a:endParaRPr lang="en-US" dirty="0"/>
+          </a:p>
+        </p:txBody>
+      </p:sp>
     </p:spTree>
     <p:extLst>
       <p:ext uri="{BB962C8B-B14F-4D97-AF65-F5344CB8AC3E}">
-        <p14:creationId xmlns:p14="http://schemas.microsoft.com/office/powerpoint/2010/main" val="3813053244"/>
+        <p14:creationId xmlns:p14="http://schemas.microsoft.com/office/powerpoint/2010/main" val="3481618648"/>
       </p:ext>
     </p:extLst>
   </p:cSld>
@@ -14603,6 +16913,18 @@
     <p:fade/>
   </p:transition>
 </p:sld>
+</file>
+
+<file path=ppt/tags/tag1.xml><?xml version="1.0" encoding="utf-8"?>
+<p:tagLst xmlns:a="http://schemas.openxmlformats.org/drawingml/2006/main" xmlns:r="http://schemas.openxmlformats.org/officeDocument/2006/relationships" xmlns:p="http://schemas.openxmlformats.org/presentationml/2006/main">
+  <p:tag name="TIMING" val="|11.3|1.4|19.4|4.3|4.3"/>
+</p:tagLst>
+</file>
+
+<file path=ppt/tags/tag2.xml><?xml version="1.0" encoding="utf-8"?>
+<p:tagLst xmlns:a="http://schemas.openxmlformats.org/drawingml/2006/main" xmlns:r="http://schemas.openxmlformats.org/officeDocument/2006/relationships" xmlns:p="http://schemas.openxmlformats.org/presentationml/2006/main">
+  <p:tag name="TIMING" val="|11.3|4.6|4|6.7|22.1|8.2|6|2.7|8.2"/>
+</p:tagLst>
 </file>
 
 <file path=ppt/theme/theme1.xml><?xml version="1.0" encoding="utf-8"?>
@@ -15776,12 +18098,9 @@
 </file>
 
 <file path=customXml/item1.xml><?xml version="1.0" encoding="utf-8"?>
-<?mso-contentType ?>
-<FormTemplates xmlns="http://schemas.microsoft.com/sharepoint/v3/contenttype/forms">
-  <Display>DocumentLibraryForm</Display>
-  <Edit>DocumentLibraryForm</Edit>
-  <New>DocumentLibraryForm</New>
-</FormTemplates>
+<p:properties xmlns:p="http://schemas.microsoft.com/office/2006/metadata/properties" xmlns:xsi="http://www.w3.org/2001/XMLSchema-instance" xmlns:pc="http://schemas.microsoft.com/office/infopath/2007/PartnerControls">
+  <documentManagement/>
+</p:properties>
 </file>
 
 <file path=customXml/item2.xml><?xml version="1.0" encoding="utf-8"?>
@@ -15939,15 +18258,26 @@
 </file>
 
 <file path=customXml/item3.xml><?xml version="1.0" encoding="utf-8"?>
-<p:properties xmlns:p="http://schemas.microsoft.com/office/2006/metadata/properties" xmlns:xsi="http://www.w3.org/2001/XMLSchema-instance" xmlns:pc="http://schemas.microsoft.com/office/infopath/2007/PartnerControls">
-  <documentManagement/>
-</p:properties>
+<?mso-contentType ?>
+<FormTemplates xmlns="http://schemas.microsoft.com/sharepoint/v3/contenttype/forms">
+  <Display>DocumentLibraryForm</Display>
+  <Edit>DocumentLibraryForm</Edit>
+  <New>DocumentLibraryForm</New>
+</FormTemplates>
 </file>
 
 <file path=customXml/itemProps1.xml><?xml version="1.0" encoding="utf-8"?>
-<ds:datastoreItem xmlns:ds="http://schemas.openxmlformats.org/officeDocument/2006/customXml" ds:itemID="{758FDAC0-319D-4A54-8D8E-1D42CB1F8004}">
+<ds:datastoreItem xmlns:ds="http://schemas.openxmlformats.org/officeDocument/2006/customXml" ds:itemID="{F990F116-B58F-4255-B05B-DA3808E0E5C6}">
   <ds:schemaRefs>
-    <ds:schemaRef ds:uri="http://schemas.microsoft.com/sharepoint/v3/contenttype/forms"/>
+    <ds:schemaRef ds:uri="630a2e83-186a-4a0f-ab27-bee8a8096abc"/>
+    <ds:schemaRef ds:uri="http://schemas.microsoft.com/office/2006/documentManagement/types"/>
+    <ds:schemaRef ds:uri="http://schemas.microsoft.com/office/infopath/2007/PartnerControls"/>
+    <ds:schemaRef ds:uri="http://purl.org/dc/elements/1.1/"/>
+    <ds:schemaRef ds:uri="http://schemas.microsoft.com/office/2006/metadata/properties"/>
+    <ds:schemaRef ds:uri="http://purl.org/dc/terms/"/>
+    <ds:schemaRef ds:uri="http://schemas.openxmlformats.org/package/2006/metadata/core-properties"/>
+    <ds:schemaRef ds:uri="http://www.w3.org/XML/1998/namespace"/>
+    <ds:schemaRef ds:uri="http://purl.org/dc/dcmitype/"/>
   </ds:schemaRefs>
 </ds:datastoreItem>
 </file>
@@ -15971,17 +18301,9 @@
 </file>
 
 <file path=customXml/itemProps3.xml><?xml version="1.0" encoding="utf-8"?>
-<ds:datastoreItem xmlns:ds="http://schemas.openxmlformats.org/officeDocument/2006/customXml" ds:itemID="{F990F116-B58F-4255-B05B-DA3808E0E5C6}">
+<ds:datastoreItem xmlns:ds="http://schemas.openxmlformats.org/officeDocument/2006/customXml" ds:itemID="{758FDAC0-319D-4A54-8D8E-1D42CB1F8004}">
   <ds:schemaRefs>
-    <ds:schemaRef ds:uri="630a2e83-186a-4a0f-ab27-bee8a8096abc"/>
-    <ds:schemaRef ds:uri="http://schemas.microsoft.com/office/2006/documentManagement/types"/>
-    <ds:schemaRef ds:uri="http://schemas.microsoft.com/office/infopath/2007/PartnerControls"/>
-    <ds:schemaRef ds:uri="http://purl.org/dc/elements/1.1/"/>
-    <ds:schemaRef ds:uri="http://schemas.microsoft.com/office/2006/metadata/properties"/>
-    <ds:schemaRef ds:uri="http://purl.org/dc/terms/"/>
-    <ds:schemaRef ds:uri="http://schemas.openxmlformats.org/package/2006/metadata/core-properties"/>
-    <ds:schemaRef ds:uri="http://www.w3.org/XML/1998/namespace"/>
-    <ds:schemaRef ds:uri="http://purl.org/dc/dcmitype/"/>
+    <ds:schemaRef ds:uri="http://schemas.microsoft.com/sharepoint/v3/contenttype/forms"/>
   </ds:schemaRefs>
 </ds:datastoreItem>
 </file>
--- a/Presentation/Module00-Hols.pptx
+++ b/Presentation/Module00-Hols.pptx
@@ -6,24 +6,27 @@
     <p:sldMasterId id="2147484229" r:id="rId5"/>
   </p:sldMasterIdLst>
   <p:notesMasterIdLst>
-    <p:notesMasterId r:id="rId18"/>
+    <p:notesMasterId r:id="rId21"/>
   </p:notesMasterIdLst>
   <p:handoutMasterIdLst>
-    <p:handoutMasterId r:id="rId19"/>
+    <p:handoutMasterId r:id="rId22"/>
   </p:handoutMasterIdLst>
   <p:sldIdLst>
     <p:sldId id="1309" r:id="rId6"/>
     <p:sldId id="1342" r:id="rId7"/>
-    <p:sldId id="1361" r:id="rId8"/>
-    <p:sldId id="1359" r:id="rId9"/>
-    <p:sldId id="1360" r:id="rId10"/>
-    <p:sldId id="1347" r:id="rId11"/>
-    <p:sldId id="1354" r:id="rId12"/>
-    <p:sldId id="1355" r:id="rId13"/>
-    <p:sldId id="1356" r:id="rId14"/>
-    <p:sldId id="1357" r:id="rId15"/>
-    <p:sldId id="1358" r:id="rId16"/>
-    <p:sldId id="1353" r:id="rId17"/>
+    <p:sldId id="1364" r:id="rId8"/>
+    <p:sldId id="1363" r:id="rId9"/>
+    <p:sldId id="1361" r:id="rId10"/>
+    <p:sldId id="1359" r:id="rId11"/>
+    <p:sldId id="1360" r:id="rId12"/>
+    <p:sldId id="1362" r:id="rId13"/>
+    <p:sldId id="1347" r:id="rId14"/>
+    <p:sldId id="1354" r:id="rId15"/>
+    <p:sldId id="1355" r:id="rId16"/>
+    <p:sldId id="1356" r:id="rId17"/>
+    <p:sldId id="1357" r:id="rId18"/>
+    <p:sldId id="1358" r:id="rId19"/>
+    <p:sldId id="1353" r:id="rId20"/>
   </p:sldIdLst>
   <p:sldSz cx="12436475" cy="6994525"/>
   <p:notesSz cx="6858000" cy="9144000"/>
@@ -133,9 +136,12 @@
         </p14:section>
         <p14:section name="Intro - X minutes" id="{262DF92D-807A-457B-83EF-C53B8BA76377}">
           <p14:sldIdLst>
+            <p14:sldId id="1364"/>
+            <p14:sldId id="1363"/>
             <p14:sldId id="1361"/>
             <p14:sldId id="1359"/>
             <p14:sldId id="1360"/>
+            <p14:sldId id="1362"/>
           </p14:sldIdLst>
         </p14:section>
         <p14:section name="Untitled Section" id="{2F881FF2-773A-4FA9-8076-D4A28DB643D9}">
@@ -282,7 +288,7 @@
               <a:rPr lang="en-US" smtClean="0">
                 <a:latin typeface="Segoe UI" pitchFamily="34" charset="0"/>
               </a:rPr>
-              <a:t>10/6/2016 8:34 PM</a:t>
+              <a:t>10/7/2016 6:31 PM</a:t>
             </a:fld>
             <a:endParaRPr lang="en-US" dirty="0">
               <a:latin typeface="Segoe UI" pitchFamily="34" charset="0"/>
@@ -560,7 +566,7 @@
           <a:p>
             <a:fld id="{196BB360-4395-422C-A729-CB974B278917}" type="datetime8">
               <a:rPr lang="en-US" smtClean="0"/>
-              <a:t>10/6/2016 8:34 PM</a:t>
+              <a:t>10/7/2016 6:31 PM</a:t>
             </a:fld>
             <a:endParaRPr lang="en-US" dirty="0"/>
           </a:p>
@@ -889,7 +895,7 @@
           <a:p>
             <a:fld id="{B9E68977-C62F-48C1-B8E5-A952982F1FDC}" type="datetime8">
               <a:rPr lang="en-US" smtClean="0"/>
-              <a:t>10/6/2016 8:34 PM</a:t>
+              <a:t>10/7/2016 6:31 PM</a:t>
             </a:fld>
             <a:endParaRPr lang="en-US" dirty="0"/>
           </a:p>
@@ -1030,6 +1036,46 @@
           <a:bodyPr/>
           <a:lstStyle/>
           <a:p>
+            <a:r>
+              <a:rPr lang="en-US" dirty="0"/>
+              <a:t>Demo steps</a:t>
+            </a:r>
+          </a:p>
+          <a:p>
+            <a:r>
+              <a:rPr lang="en-US" dirty="0"/>
+              <a:t>Show site</a:t>
+            </a:r>
+          </a:p>
+          <a:p>
+            <a:r>
+              <a:rPr lang="en-US" dirty="0"/>
+              <a:t>Login with Azure AD</a:t>
+            </a:r>
+          </a:p>
+          <a:p>
+            <a:r>
+              <a:rPr lang="en-US" dirty="0"/>
+              <a:t>Create</a:t>
+            </a:r>
+            <a:r>
+              <a:rPr lang="en-US" baseline="0" dirty="0"/>
+              <a:t> new incident</a:t>
+            </a:r>
+          </a:p>
+          <a:p>
+            <a:r>
+              <a:rPr lang="en-US" baseline="0" dirty="0"/>
+              <a:t>Show dashboard</a:t>
+            </a:r>
+          </a:p>
+          <a:p>
+            <a:r>
+              <a:rPr lang="en-US" baseline="0" dirty="0"/>
+              <a:t>Show profile</a:t>
+            </a:r>
+          </a:p>
+          <a:p>
             <a:endParaRPr lang="en-US" dirty="0"/>
           </a:p>
         </p:txBody>
@@ -1124,7 +1170,7 @@
           <a:p>
             <a:fld id="{196BB360-4395-422C-A729-CB974B278917}" type="datetime8">
               <a:rPr lang="en-US" smtClean="0"/>
-              <a:t>10/6/2016 9:08 PM</a:t>
+              <a:t>10/7/2016 6:47 PM</a:t>
             </a:fld>
             <a:endParaRPr lang="en-US" dirty="0"/>
           </a:p>
@@ -1148,7 +1194,188 @@
             <a:fld id="{B4008EB6-D09E-4580-8CD6-DDB14511944F}" type="slidenum">
               <a:rPr lang="en-US" smtClean="0"/>
               <a:pPr/>
-              <a:t>5</a:t>
+              <a:t>4</a:t>
+            </a:fld>
+            <a:endParaRPr lang="en-US" dirty="0"/>
+          </a:p>
+        </p:txBody>
+      </p:sp>
+    </p:spTree>
+    <p:extLst>
+      <p:ext uri="{BB962C8B-B14F-4D97-AF65-F5344CB8AC3E}">
+        <p14:creationId xmlns:p14="http://schemas.microsoft.com/office/powerpoint/2010/main" val="3853966204"/>
+      </p:ext>
+    </p:extLst>
+  </p:cSld>
+  <p:clrMapOvr>
+    <a:masterClrMapping/>
+  </p:clrMapOvr>
+</p:notes>
+</file>
+
+<file path=ppt/notesSlides/notesSlide3.xml><?xml version="1.0" encoding="utf-8"?>
+<p:notes xmlns:a="http://schemas.openxmlformats.org/drawingml/2006/main" xmlns:r="http://schemas.openxmlformats.org/officeDocument/2006/relationships" xmlns:p="http://schemas.openxmlformats.org/presentationml/2006/main">
+  <p:cSld>
+    <p:spTree>
+      <p:nvGrpSpPr>
+        <p:cNvPr id="1" name=""/>
+        <p:cNvGrpSpPr/>
+        <p:nvPr/>
+      </p:nvGrpSpPr>
+      <p:grpSpPr>
+        <a:xfrm>
+          <a:off x="0" y="0"/>
+          <a:ext cx="0" cy="0"/>
+          <a:chOff x="0" y="0"/>
+          <a:chExt cx="0" cy="0"/>
+        </a:xfrm>
+      </p:grpSpPr>
+      <p:sp>
+        <p:nvSpPr>
+          <p:cNvPr id="2" name="Slide Image Placeholder 1"/>
+          <p:cNvSpPr>
+            <a:spLocks noGrp="1" noRot="1" noChangeAspect="1"/>
+          </p:cNvSpPr>
+          <p:nvPr>
+            <p:ph type="sldImg"/>
+          </p:nvPr>
+        </p:nvSpPr>
+        <p:spPr/>
+      </p:sp>
+      <p:sp>
+        <p:nvSpPr>
+          <p:cNvPr id="3" name="Notes Placeholder 2"/>
+          <p:cNvSpPr>
+            <a:spLocks noGrp="1"/>
+          </p:cNvSpPr>
+          <p:nvPr>
+            <p:ph type="body" idx="1"/>
+          </p:nvPr>
+        </p:nvSpPr>
+        <p:spPr/>
+        <p:txBody>
+          <a:bodyPr/>
+          <a:lstStyle/>
+          <a:p>
+            <a:endParaRPr lang="en-US" dirty="0"/>
+          </a:p>
+        </p:txBody>
+      </p:sp>
+      <p:sp>
+        <p:nvSpPr>
+          <p:cNvPr id="4" name="Header Placeholder 3"/>
+          <p:cNvSpPr>
+            <a:spLocks noGrp="1"/>
+          </p:cNvSpPr>
+          <p:nvPr>
+            <p:ph type="hdr" sz="quarter" idx="10"/>
+          </p:nvPr>
+        </p:nvSpPr>
+        <p:spPr/>
+        <p:txBody>
+          <a:bodyPr/>
+          <a:lstStyle/>
+          <a:p>
+            <a:endParaRPr lang="en-US" dirty="0"/>
+          </a:p>
+        </p:txBody>
+      </p:sp>
+      <p:sp>
+        <p:nvSpPr>
+          <p:cNvPr id="5" name="Footer Placeholder 4"/>
+          <p:cNvSpPr>
+            <a:spLocks noGrp="1"/>
+          </p:cNvSpPr>
+          <p:nvPr>
+            <p:ph type="ftr" sz="quarter" idx="11"/>
+          </p:nvPr>
+        </p:nvSpPr>
+        <p:spPr/>
+        <p:txBody>
+          <a:bodyPr/>
+          <a:lstStyle/>
+          <a:p>
+            <a:pPr marL="398463" defTabSz="914099" eaLnBrk="0" hangingPunct="0"/>
+            <a:r>
+              <a:rPr lang="en-US" sz="400">
+                <a:gradFill>
+                  <a:gsLst>
+                    <a:gs pos="0">
+                      <a:schemeClr val="tx1"/>
+                    </a:gs>
+                    <a:gs pos="100000">
+                      <a:schemeClr val="tx1"/>
+                    </a:gs>
+                  </a:gsLst>
+                  <a:lin ang="5400000" scaled="0"/>
+                </a:gradFill>
+                <a:latin typeface="Segoe UI" pitchFamily="34" charset="0"/>
+                <a:ea typeface="Segoe UI" pitchFamily="34" charset="0"/>
+                <a:cs typeface="Segoe UI" pitchFamily="34" charset="0"/>
+              </a:rPr>
+              <a:t>© Microsoft Corporation. All rights reserved. </a:t>
+            </a:r>
+            <a:endParaRPr lang="en-US" sz="400" dirty="0">
+              <a:gradFill>
+                <a:gsLst>
+                  <a:gs pos="0">
+                    <a:schemeClr val="tx1"/>
+                  </a:gs>
+                  <a:gs pos="100000">
+                    <a:schemeClr val="tx1"/>
+                  </a:gs>
+                </a:gsLst>
+                <a:lin ang="5400000" scaled="0"/>
+              </a:gradFill>
+              <a:latin typeface="Segoe UI" pitchFamily="34" charset="0"/>
+              <a:ea typeface="Segoe UI" pitchFamily="34" charset="0"/>
+              <a:cs typeface="Segoe UI" pitchFamily="34" charset="0"/>
+            </a:endParaRPr>
+          </a:p>
+        </p:txBody>
+      </p:sp>
+      <p:sp>
+        <p:nvSpPr>
+          <p:cNvPr id="6" name="Date Placeholder 5"/>
+          <p:cNvSpPr>
+            <a:spLocks noGrp="1"/>
+          </p:cNvSpPr>
+          <p:nvPr>
+            <p:ph type="dt" idx="12"/>
+          </p:nvPr>
+        </p:nvSpPr>
+        <p:spPr/>
+        <p:txBody>
+          <a:bodyPr/>
+          <a:lstStyle/>
+          <a:p>
+            <a:fld id="{196BB360-4395-422C-A729-CB974B278917}" type="datetime8">
+              <a:rPr lang="en-US" smtClean="0"/>
+              <a:t>10/7/2016 6:31 PM</a:t>
+            </a:fld>
+            <a:endParaRPr lang="en-US" dirty="0"/>
+          </a:p>
+        </p:txBody>
+      </p:sp>
+      <p:sp>
+        <p:nvSpPr>
+          <p:cNvPr id="7" name="Slide Number Placeholder 6"/>
+          <p:cNvSpPr>
+            <a:spLocks noGrp="1"/>
+          </p:cNvSpPr>
+          <p:nvPr>
+            <p:ph type="sldNum" sz="quarter" idx="13"/>
+          </p:nvPr>
+        </p:nvSpPr>
+        <p:spPr/>
+        <p:txBody>
+          <a:bodyPr/>
+          <a:lstStyle/>
+          <a:p>
+            <a:fld id="{B4008EB6-D09E-4580-8CD6-DDB14511944F}" type="slidenum">
+              <a:rPr lang="en-US" smtClean="0"/>
+              <a:pPr/>
+              <a:t>7</a:t>
             </a:fld>
             <a:endParaRPr lang="en-US" dirty="0"/>
           </a:p>
@@ -1158,6 +1385,187 @@
     <p:extLst>
       <p:ext uri="{BB962C8B-B14F-4D97-AF65-F5344CB8AC3E}">
         <p14:creationId xmlns:p14="http://schemas.microsoft.com/office/powerpoint/2010/main" val="2068757368"/>
+      </p:ext>
+    </p:extLst>
+  </p:cSld>
+  <p:clrMapOvr>
+    <a:masterClrMapping/>
+  </p:clrMapOvr>
+</p:notes>
+</file>
+
+<file path=ppt/notesSlides/notesSlide4.xml><?xml version="1.0" encoding="utf-8"?>
+<p:notes xmlns:a="http://schemas.openxmlformats.org/drawingml/2006/main" xmlns:r="http://schemas.openxmlformats.org/officeDocument/2006/relationships" xmlns:p="http://schemas.openxmlformats.org/presentationml/2006/main">
+  <p:cSld>
+    <p:spTree>
+      <p:nvGrpSpPr>
+        <p:cNvPr id="1" name=""/>
+        <p:cNvGrpSpPr/>
+        <p:nvPr/>
+      </p:nvGrpSpPr>
+      <p:grpSpPr>
+        <a:xfrm>
+          <a:off x="0" y="0"/>
+          <a:ext cx="0" cy="0"/>
+          <a:chOff x="0" y="0"/>
+          <a:chExt cx="0" cy="0"/>
+        </a:xfrm>
+      </p:grpSpPr>
+      <p:sp>
+        <p:nvSpPr>
+          <p:cNvPr id="2" name="Slide Image Placeholder 1"/>
+          <p:cNvSpPr>
+            <a:spLocks noGrp="1" noRot="1" noChangeAspect="1"/>
+          </p:cNvSpPr>
+          <p:nvPr>
+            <p:ph type="sldImg"/>
+          </p:nvPr>
+        </p:nvSpPr>
+        <p:spPr/>
+      </p:sp>
+      <p:sp>
+        <p:nvSpPr>
+          <p:cNvPr id="3" name="Notes Placeholder 2"/>
+          <p:cNvSpPr>
+            <a:spLocks noGrp="1"/>
+          </p:cNvSpPr>
+          <p:nvPr>
+            <p:ph type="body" idx="1"/>
+          </p:nvPr>
+        </p:nvSpPr>
+        <p:spPr/>
+        <p:txBody>
+          <a:bodyPr/>
+          <a:lstStyle/>
+          <a:p>
+            <a:endParaRPr lang="en-US" dirty="0"/>
+          </a:p>
+        </p:txBody>
+      </p:sp>
+      <p:sp>
+        <p:nvSpPr>
+          <p:cNvPr id="4" name="Header Placeholder 3"/>
+          <p:cNvSpPr>
+            <a:spLocks noGrp="1"/>
+          </p:cNvSpPr>
+          <p:nvPr>
+            <p:ph type="hdr" sz="quarter" idx="10"/>
+          </p:nvPr>
+        </p:nvSpPr>
+        <p:spPr/>
+        <p:txBody>
+          <a:bodyPr/>
+          <a:lstStyle/>
+          <a:p>
+            <a:endParaRPr lang="en-US" dirty="0"/>
+          </a:p>
+        </p:txBody>
+      </p:sp>
+      <p:sp>
+        <p:nvSpPr>
+          <p:cNvPr id="5" name="Footer Placeholder 4"/>
+          <p:cNvSpPr>
+            <a:spLocks noGrp="1"/>
+          </p:cNvSpPr>
+          <p:nvPr>
+            <p:ph type="ftr" sz="quarter" idx="11"/>
+          </p:nvPr>
+        </p:nvSpPr>
+        <p:spPr/>
+        <p:txBody>
+          <a:bodyPr/>
+          <a:lstStyle/>
+          <a:p>
+            <a:pPr marL="398463" defTabSz="914099" eaLnBrk="0" hangingPunct="0"/>
+            <a:r>
+              <a:rPr lang="en-US" sz="400">
+                <a:gradFill>
+                  <a:gsLst>
+                    <a:gs pos="0">
+                      <a:schemeClr val="tx1"/>
+                    </a:gs>
+                    <a:gs pos="100000">
+                      <a:schemeClr val="tx1"/>
+                    </a:gs>
+                  </a:gsLst>
+                  <a:lin ang="5400000" scaled="0"/>
+                </a:gradFill>
+                <a:latin typeface="Segoe UI" pitchFamily="34" charset="0"/>
+                <a:ea typeface="Segoe UI" pitchFamily="34" charset="0"/>
+                <a:cs typeface="Segoe UI" pitchFamily="34" charset="0"/>
+              </a:rPr>
+              <a:t>© Microsoft Corporation. All rights reserved. </a:t>
+            </a:r>
+            <a:endParaRPr lang="en-US" sz="400" dirty="0">
+              <a:gradFill>
+                <a:gsLst>
+                  <a:gs pos="0">
+                    <a:schemeClr val="tx1"/>
+                  </a:gs>
+                  <a:gs pos="100000">
+                    <a:schemeClr val="tx1"/>
+                  </a:gs>
+                </a:gsLst>
+                <a:lin ang="5400000" scaled="0"/>
+              </a:gradFill>
+              <a:latin typeface="Segoe UI" pitchFamily="34" charset="0"/>
+              <a:ea typeface="Segoe UI" pitchFamily="34" charset="0"/>
+              <a:cs typeface="Segoe UI" pitchFamily="34" charset="0"/>
+            </a:endParaRPr>
+          </a:p>
+        </p:txBody>
+      </p:sp>
+      <p:sp>
+        <p:nvSpPr>
+          <p:cNvPr id="6" name="Date Placeholder 5"/>
+          <p:cNvSpPr>
+            <a:spLocks noGrp="1"/>
+          </p:cNvSpPr>
+          <p:nvPr>
+            <p:ph type="dt" idx="12"/>
+          </p:nvPr>
+        </p:nvSpPr>
+        <p:spPr/>
+        <p:txBody>
+          <a:bodyPr/>
+          <a:lstStyle/>
+          <a:p>
+            <a:fld id="{196BB360-4395-422C-A729-CB974B278917}" type="datetime8">
+              <a:rPr lang="en-US" smtClean="0"/>
+              <a:t>10/7/2016 7:00 PM</a:t>
+            </a:fld>
+            <a:endParaRPr lang="en-US" dirty="0"/>
+          </a:p>
+        </p:txBody>
+      </p:sp>
+      <p:sp>
+        <p:nvSpPr>
+          <p:cNvPr id="7" name="Slide Number Placeholder 6"/>
+          <p:cNvSpPr>
+            <a:spLocks noGrp="1"/>
+          </p:cNvSpPr>
+          <p:nvPr>
+            <p:ph type="sldNum" sz="quarter" idx="13"/>
+          </p:nvPr>
+        </p:nvSpPr>
+        <p:spPr/>
+        <p:txBody>
+          <a:bodyPr/>
+          <a:lstStyle/>
+          <a:p>
+            <a:fld id="{B4008EB6-D09E-4580-8CD6-DDB14511944F}" type="slidenum">
+              <a:rPr lang="en-US" smtClean="0"/>
+              <a:pPr/>
+              <a:t>13</a:t>
+            </a:fld>
+            <a:endParaRPr lang="en-US" dirty="0"/>
+          </a:p>
+        </p:txBody>
+      </p:sp>
+    </p:spTree>
+    <p:extLst>
+      <p:ext uri="{BB962C8B-B14F-4D97-AF65-F5344CB8AC3E}">
+        <p14:creationId xmlns:p14="http://schemas.microsoft.com/office/powerpoint/2010/main" val="2632511380"/>
       </p:ext>
     </p:extLst>
   </p:cSld>
@@ -13985,36 +14393,64 @@
             <p:ph type="body" sz="quarter" idx="10"/>
           </p:nvPr>
         </p:nvSpPr>
-        <p:spPr/>
+        <p:spPr>
+          <a:xfrm>
+            <a:off x="274638" y="1212850"/>
+            <a:ext cx="11887200" cy="4339650"/>
+          </a:xfrm>
+        </p:spPr>
         <p:txBody>
           <a:bodyPr/>
           <a:lstStyle/>
           <a:p>
             <a:r>
-              <a:rPr lang="en-US"/>
-              <a:t>Create ARM template for web app in VS</a:t>
-            </a:r>
-          </a:p>
-          <a:p>
-            <a:r>
-              <a:rPr lang="en-US"/>
-              <a:t>Deploy using VSTS</a:t>
-            </a:r>
-          </a:p>
-          <a:p>
-            <a:r>
-              <a:rPr lang="en-US"/>
-              <a:t>Create 3 environments</a:t>
-            </a:r>
-          </a:p>
-          <a:p>
-            <a:r>
-              <a:rPr lang="en-US"/>
-              <a:t>Configure CD</a:t>
-            </a:r>
-          </a:p>
-          <a:p>
-            <a:endParaRPr lang="en-US" dirty="0"/>
+              <a:rPr lang="en-US" dirty="0"/>
+              <a:t>Starting with provisioned resource group</a:t>
+            </a:r>
+          </a:p>
+          <a:p>
+            <a:r>
+              <a:rPr lang="en-US" dirty="0"/>
+              <a:t>Select front end app (.NET/Node.js/Java)</a:t>
+            </a:r>
+          </a:p>
+          <a:p>
+            <a:r>
+              <a:rPr lang="en-US" dirty="0"/>
+              <a:t>Connect to deployed API</a:t>
+            </a:r>
+          </a:p>
+          <a:p>
+            <a:r>
+              <a:rPr lang="en-US" dirty="0"/>
+              <a:t>Add blob storage</a:t>
+            </a:r>
+          </a:p>
+          <a:p>
+            <a:r>
+              <a:rPr lang="en-US" dirty="0"/>
+              <a:t>Add queueing</a:t>
+            </a:r>
+          </a:p>
+          <a:p>
+            <a:r>
+              <a:rPr lang="en-US" dirty="0"/>
+              <a:t>Add </a:t>
+            </a:r>
+            <a:r>
+              <a:rPr lang="en-US" dirty="0" err="1"/>
+              <a:t>Redis</a:t>
+            </a:r>
+            <a:r>
+              <a:rPr lang="en-US" dirty="0"/>
+              <a:t> cache</a:t>
+            </a:r>
+          </a:p>
+          <a:p>
+            <a:r>
+              <a:rPr lang="en-US" dirty="0"/>
+              <a:t>Stretch: Image resizing with Azure Functions</a:t>
+            </a:r>
           </a:p>
         </p:txBody>
       </p:sp>
@@ -14035,7 +14471,7 @@
           <a:p>
             <a:r>
               <a:rPr lang="en-US"/>
-              <a:t>HOL 5: Infrastructure as code with (ARM)</a:t>
+              <a:t>HOL 2: Building modern cloud apps</a:t>
             </a:r>
             <a:endParaRPr lang="en-US" dirty="0"/>
           </a:p>
@@ -14044,7 +14480,7 @@
     </p:spTree>
     <p:extLst>
       <p:ext uri="{BB962C8B-B14F-4D97-AF65-F5344CB8AC3E}">
-        <p14:creationId xmlns:p14="http://schemas.microsoft.com/office/powerpoint/2010/main" val="3620859700"/>
+        <p14:creationId xmlns:p14="http://schemas.microsoft.com/office/powerpoint/2010/main" val="103508438"/>
       </p:ext>
     </p:extLst>
   </p:cSld>
@@ -14084,58 +14520,58 @@
             <p:ph type="body" sz="quarter" idx="10"/>
           </p:nvPr>
         </p:nvSpPr>
-        <p:spPr/>
+        <p:spPr>
+          <a:xfrm>
+            <a:off x="274638" y="1212850"/>
+            <a:ext cx="11887200" cy="5302250"/>
+          </a:xfrm>
+        </p:spPr>
         <p:txBody>
-          <a:bodyPr/>
+          <a:bodyPr>
+            <a:normAutofit/>
+          </a:bodyPr>
           <a:lstStyle/>
           <a:p>
             <a:r>
-              <a:rPr lang="en-US"/>
-              <a:t>Add App Insights resource to Azure</a:t>
-            </a:r>
-          </a:p>
-          <a:p>
-            <a:r>
-              <a:rPr lang="en-US"/>
-              <a:t>Add App Insights to application</a:t>
-            </a:r>
-          </a:p>
-          <a:p>
-            <a:r>
-              <a:rPr lang="en-US"/>
-              <a:t>Add server side SDK</a:t>
-            </a:r>
-          </a:p>
-          <a:p>
-            <a:r>
-              <a:rPr lang="en-US"/>
-              <a:t>Add client side libraries</a:t>
-            </a:r>
-          </a:p>
-          <a:p>
-            <a:r>
-              <a:rPr lang="en-US"/>
-              <a:t>Create custom events</a:t>
-            </a:r>
-          </a:p>
-          <a:p>
-            <a:r>
-              <a:rPr lang="en-US"/>
-              <a:t>Create custom metric</a:t>
-            </a:r>
-          </a:p>
-          <a:p>
-            <a:r>
-              <a:rPr lang="en-US"/>
-              <a:t>Create availability test</a:t>
-            </a:r>
-          </a:p>
-          <a:p>
-            <a:r>
-              <a:rPr lang="en-US"/>
-              <a:t>View the dashboard</a:t>
-            </a:r>
-            <a:endParaRPr lang="en-US" dirty="0"/>
+              <a:rPr lang="en-US" dirty="0"/>
+              <a:t>Create AAD Application</a:t>
+            </a:r>
+          </a:p>
+          <a:p>
+            <a:r>
+              <a:rPr lang="en-US" dirty="0"/>
+              <a:t>Add authentication to app</a:t>
+            </a:r>
+          </a:p>
+          <a:p>
+            <a:r>
+              <a:rPr lang="en-US" dirty="0"/>
+              <a:t>Add profile page</a:t>
+            </a:r>
+          </a:p>
+          <a:p>
+            <a:r>
+              <a:rPr lang="en-US" dirty="0"/>
+              <a:t>Add graph API call to get user data for profile page</a:t>
+            </a:r>
+          </a:p>
+          <a:p>
+            <a:r>
+              <a:rPr lang="en-US" dirty="0"/>
+              <a:t>Populate first &amp; last name of the new incident form with first name &amp; last name from Graph/token</a:t>
+            </a:r>
+          </a:p>
+          <a:p>
+            <a:r>
+              <a:rPr lang="en-US" dirty="0"/>
+              <a:t>Send Email via Graph on new incident creation</a:t>
+            </a:r>
+          </a:p>
+          <a:p>
+            <a:r>
+              <a:rPr lang="en-US" dirty="0"/>
+              <a:t>Stretch: Add calendar event on new incident creation</a:t>
+            </a:r>
           </a:p>
         </p:txBody>
       </p:sp>
@@ -14158,6 +14594,364 @@
           <a:p>
             <a:r>
               <a:rPr lang="en-US" dirty="0"/>
+              <a:t>HOL 3: Identity with Azure AD and Office 365 APIs</a:t>
+            </a:r>
+          </a:p>
+        </p:txBody>
+      </p:sp>
+    </p:spTree>
+    <p:extLst>
+      <p:ext uri="{BB962C8B-B14F-4D97-AF65-F5344CB8AC3E}">
+        <p14:creationId xmlns:p14="http://schemas.microsoft.com/office/powerpoint/2010/main" val="2890623480"/>
+      </p:ext>
+    </p:extLst>
+  </p:cSld>
+  <p:clrMapOvr>
+    <a:masterClrMapping/>
+  </p:clrMapOvr>
+  <p:transition>
+    <p:fade/>
+  </p:transition>
+</p:sld>
+</file>
+
+<file path=ppt/slides/slide12.xml><?xml version="1.0" encoding="utf-8"?>
+<p:sld xmlns:a="http://schemas.openxmlformats.org/drawingml/2006/main" xmlns:r="http://schemas.openxmlformats.org/officeDocument/2006/relationships" xmlns:p="http://schemas.openxmlformats.org/presentationml/2006/main">
+  <p:cSld>
+    <p:spTree>
+      <p:nvGrpSpPr>
+        <p:cNvPr id="1" name=""/>
+        <p:cNvGrpSpPr/>
+        <p:nvPr/>
+      </p:nvGrpSpPr>
+      <p:grpSpPr>
+        <a:xfrm>
+          <a:off x="0" y="0"/>
+          <a:ext cx="0" cy="0"/>
+          <a:chOff x="0" y="0"/>
+          <a:chExt cx="0" cy="0"/>
+        </a:xfrm>
+      </p:grpSpPr>
+      <p:sp>
+        <p:nvSpPr>
+          <p:cNvPr id="3" name="Text Placeholder 2"/>
+          <p:cNvSpPr>
+            <a:spLocks noGrp="1"/>
+          </p:cNvSpPr>
+          <p:nvPr>
+            <p:ph type="body" sz="quarter" idx="10"/>
+          </p:nvPr>
+        </p:nvSpPr>
+        <p:spPr>
+          <a:xfrm>
+            <a:off x="274638" y="1212850"/>
+            <a:ext cx="11887200" cy="3730252"/>
+          </a:xfrm>
+        </p:spPr>
+        <p:txBody>
+          <a:bodyPr/>
+          <a:lstStyle/>
+          <a:p>
+            <a:r>
+              <a:rPr lang="en-US" dirty="0"/>
+              <a:t>Create Visual Studio Team Services (VSTS) Online account</a:t>
+            </a:r>
+          </a:p>
+          <a:p>
+            <a:r>
+              <a:rPr lang="en-US" dirty="0"/>
+              <a:t>Create </a:t>
+            </a:r>
+            <a:r>
+              <a:rPr lang="en-US" dirty="0" err="1"/>
+              <a:t>Git</a:t>
+            </a:r>
+            <a:r>
+              <a:rPr lang="en-US" dirty="0"/>
+              <a:t> repository</a:t>
+            </a:r>
+          </a:p>
+          <a:p>
+            <a:r>
+              <a:rPr lang="en-US" dirty="0"/>
+              <a:t>Clone </a:t>
+            </a:r>
+            <a:r>
+              <a:rPr lang="en-US" dirty="0" err="1"/>
+              <a:t>Git</a:t>
+            </a:r>
+            <a:r>
+              <a:rPr lang="en-US" dirty="0"/>
+              <a:t> repo locally</a:t>
+            </a:r>
+          </a:p>
+          <a:p>
+            <a:r>
+              <a:rPr lang="en-US" dirty="0"/>
+              <a:t>Push code into VSTS</a:t>
+            </a:r>
+          </a:p>
+          <a:p>
+            <a:r>
+              <a:rPr lang="en-US" dirty="0"/>
+              <a:t>Create CI pipeline for build</a:t>
+            </a:r>
+          </a:p>
+          <a:p>
+            <a:r>
+              <a:rPr lang="en-US" dirty="0"/>
+              <a:t>Ends with published artifacts</a:t>
+            </a:r>
+          </a:p>
+        </p:txBody>
+      </p:sp>
+      <p:sp>
+        <p:nvSpPr>
+          <p:cNvPr id="2" name="Title 1"/>
+          <p:cNvSpPr>
+            <a:spLocks noGrp="1"/>
+          </p:cNvSpPr>
+          <p:nvPr>
+            <p:ph type="title"/>
+          </p:nvPr>
+        </p:nvSpPr>
+        <p:spPr/>
+        <p:txBody>
+          <a:bodyPr/>
+          <a:lstStyle/>
+          <a:p>
+            <a:r>
+              <a:rPr lang="en-US"/>
+              <a:t>HOL 4: DevOps with Azure and VSTS</a:t>
+            </a:r>
+            <a:endParaRPr lang="en-US" dirty="0"/>
+          </a:p>
+        </p:txBody>
+      </p:sp>
+    </p:spTree>
+    <p:extLst>
+      <p:ext uri="{BB962C8B-B14F-4D97-AF65-F5344CB8AC3E}">
+        <p14:creationId xmlns:p14="http://schemas.microsoft.com/office/powerpoint/2010/main" val="3481618648"/>
+      </p:ext>
+    </p:extLst>
+  </p:cSld>
+  <p:clrMapOvr>
+    <a:masterClrMapping/>
+  </p:clrMapOvr>
+  <p:transition>
+    <p:fade/>
+  </p:transition>
+</p:sld>
+</file>
+
+<file path=ppt/slides/slide13.xml><?xml version="1.0" encoding="utf-8"?>
+<p:sld xmlns:a="http://schemas.openxmlformats.org/drawingml/2006/main" xmlns:r="http://schemas.openxmlformats.org/officeDocument/2006/relationships" xmlns:p="http://schemas.openxmlformats.org/presentationml/2006/main">
+  <p:cSld>
+    <p:spTree>
+      <p:nvGrpSpPr>
+        <p:cNvPr id="1" name=""/>
+        <p:cNvGrpSpPr/>
+        <p:nvPr/>
+      </p:nvGrpSpPr>
+      <p:grpSpPr>
+        <a:xfrm>
+          <a:off x="0" y="0"/>
+          <a:ext cx="0" cy="0"/>
+          <a:chOff x="0" y="0"/>
+          <a:chExt cx="0" cy="0"/>
+        </a:xfrm>
+      </p:grpSpPr>
+      <p:sp>
+        <p:nvSpPr>
+          <p:cNvPr id="3" name="Text Placeholder 2"/>
+          <p:cNvSpPr>
+            <a:spLocks noGrp="1"/>
+          </p:cNvSpPr>
+          <p:nvPr>
+            <p:ph type="body" sz="quarter" idx="10"/>
+          </p:nvPr>
+        </p:nvSpPr>
+        <p:spPr>
+          <a:xfrm>
+            <a:off x="274638" y="1212850"/>
+            <a:ext cx="11887200" cy="3120854"/>
+          </a:xfrm>
+        </p:spPr>
+        <p:txBody>
+          <a:bodyPr/>
+          <a:lstStyle/>
+          <a:p>
+            <a:r>
+              <a:rPr lang="en-US" dirty="0"/>
+              <a:t>Create ARM template for web app in VS</a:t>
+            </a:r>
+          </a:p>
+          <a:p>
+            <a:r>
+              <a:rPr lang="en-US" dirty="0"/>
+              <a:t>Deploy using VSTS</a:t>
+            </a:r>
+          </a:p>
+          <a:p>
+            <a:r>
+              <a:rPr lang="en-US" dirty="0"/>
+              <a:t>Create 1 Production environment</a:t>
+            </a:r>
+          </a:p>
+          <a:p>
+            <a:r>
+              <a:rPr lang="en-US" dirty="0"/>
+              <a:t>Configure Continuous deployment</a:t>
+            </a:r>
+          </a:p>
+          <a:p>
+            <a:endParaRPr lang="en-US" dirty="0"/>
+          </a:p>
+        </p:txBody>
+      </p:sp>
+      <p:sp>
+        <p:nvSpPr>
+          <p:cNvPr id="2" name="Title 1"/>
+          <p:cNvSpPr>
+            <a:spLocks noGrp="1"/>
+          </p:cNvSpPr>
+          <p:nvPr>
+            <p:ph type="title"/>
+          </p:nvPr>
+        </p:nvSpPr>
+        <p:spPr/>
+        <p:txBody>
+          <a:bodyPr/>
+          <a:lstStyle/>
+          <a:p>
+            <a:r>
+              <a:rPr lang="en-US"/>
+              <a:t>HOL 5: Infrastructure as code with (ARM)</a:t>
+            </a:r>
+            <a:endParaRPr lang="en-US" dirty="0"/>
+          </a:p>
+        </p:txBody>
+      </p:sp>
+    </p:spTree>
+    <p:extLst>
+      <p:ext uri="{BB962C8B-B14F-4D97-AF65-F5344CB8AC3E}">
+        <p14:creationId xmlns:p14="http://schemas.microsoft.com/office/powerpoint/2010/main" val="3620859700"/>
+      </p:ext>
+    </p:extLst>
+  </p:cSld>
+  <p:clrMapOvr>
+    <a:masterClrMapping/>
+  </p:clrMapOvr>
+  <p:transition>
+    <p:fade/>
+  </p:transition>
+</p:sld>
+</file>
+
+<file path=ppt/slides/slide14.xml><?xml version="1.0" encoding="utf-8"?>
+<p:sld xmlns:a="http://schemas.openxmlformats.org/drawingml/2006/main" xmlns:r="http://schemas.openxmlformats.org/officeDocument/2006/relationships" xmlns:p="http://schemas.openxmlformats.org/presentationml/2006/main">
+  <p:cSld>
+    <p:spTree>
+      <p:nvGrpSpPr>
+        <p:cNvPr id="1" name=""/>
+        <p:cNvGrpSpPr/>
+        <p:nvPr/>
+      </p:nvGrpSpPr>
+      <p:grpSpPr>
+        <a:xfrm>
+          <a:off x="0" y="0"/>
+          <a:ext cx="0" cy="0"/>
+          <a:chOff x="0" y="0"/>
+          <a:chExt cx="0" cy="0"/>
+        </a:xfrm>
+      </p:grpSpPr>
+      <p:sp>
+        <p:nvSpPr>
+          <p:cNvPr id="3" name="Text Placeholder 2"/>
+          <p:cNvSpPr>
+            <a:spLocks noGrp="1"/>
+          </p:cNvSpPr>
+          <p:nvPr>
+            <p:ph type="body" sz="quarter" idx="10"/>
+          </p:nvPr>
+        </p:nvSpPr>
+        <p:spPr>
+          <a:xfrm>
+            <a:off x="274638" y="1212850"/>
+            <a:ext cx="11887200" cy="4542782"/>
+          </a:xfrm>
+        </p:spPr>
+        <p:txBody>
+          <a:bodyPr/>
+          <a:lstStyle/>
+          <a:p>
+            <a:r>
+              <a:rPr lang="en-US" dirty="0"/>
+              <a:t>Add App Insights resource to Azure</a:t>
+            </a:r>
+          </a:p>
+          <a:p>
+            <a:r>
+              <a:rPr lang="en-US" dirty="0"/>
+              <a:t>Add App Insights to application server side</a:t>
+            </a:r>
+          </a:p>
+          <a:p>
+            <a:pPr lvl="1"/>
+            <a:r>
+              <a:rPr lang="en-US" dirty="0"/>
+              <a:t>Monitor the API call</a:t>
+            </a:r>
+          </a:p>
+          <a:p>
+            <a:r>
+              <a:rPr lang="en-US" dirty="0"/>
+              <a:t>Add client side library</a:t>
+            </a:r>
+          </a:p>
+          <a:p>
+            <a:pPr lvl="1"/>
+            <a:r>
+              <a:rPr lang="en-US" dirty="0"/>
+              <a:t>Dashboard custom event to capture dashboard views</a:t>
+            </a:r>
+          </a:p>
+          <a:p>
+            <a:r>
+              <a:rPr lang="en-US" dirty="0"/>
+              <a:t>Create availability test that test the dashboard</a:t>
+            </a:r>
+          </a:p>
+          <a:p>
+            <a:r>
+              <a:rPr lang="en-US" dirty="0"/>
+              <a:t>Stretch - Create custom metric around the API call</a:t>
+            </a:r>
+          </a:p>
+          <a:p>
+            <a:endParaRPr lang="en-US" dirty="0"/>
+          </a:p>
+        </p:txBody>
+      </p:sp>
+      <p:sp>
+        <p:nvSpPr>
+          <p:cNvPr id="2" name="Title 1"/>
+          <p:cNvSpPr>
+            <a:spLocks noGrp="1"/>
+          </p:cNvSpPr>
+          <p:nvPr>
+            <p:ph type="title"/>
+          </p:nvPr>
+        </p:nvSpPr>
+        <p:spPr/>
+        <p:txBody>
+          <a:bodyPr>
+            <a:normAutofit fontScale="90000"/>
+          </a:bodyPr>
+          <a:lstStyle/>
+          <a:p>
+            <a:r>
+              <a:rPr lang="en-US" dirty="0"/>
               <a:t>HOL 6: Monitoring applications with App Insights</a:t>
             </a:r>
           </a:p>
@@ -14185,7 +14979,7 @@
 </p:sld>
 </file>
 
-<file path=ppt/slides/slide12.xml><?xml version="1.0" encoding="utf-8"?>
+<file path=ppt/slides/slide15.xml><?xml version="1.0" encoding="utf-8"?>
 <p:sld xmlns:a="http://schemas.openxmlformats.org/drawingml/2006/main" xmlns:r="http://schemas.openxmlformats.org/officeDocument/2006/relationships" xmlns:p="http://schemas.openxmlformats.org/presentationml/2006/main">
   <p:cSld>
     <p:spTree>
@@ -14263,7 +15057,7 @@
           <a:p>
             <a:r>
               <a:rPr lang="en-US" dirty="0"/>
-              <a:t>HOL2 - Modern Cloud Apps</a:t>
+              <a:t>HOL 2 - Modern Cloud Apps</a:t>
             </a:r>
           </a:p>
           <a:p>
@@ -14331,6 +15125,201 @@
 </file>
 
 <file path=ppt/slides/slide3.xml><?xml version="1.0" encoding="utf-8"?>
+<p:sld xmlns:a="http://schemas.openxmlformats.org/drawingml/2006/main" xmlns:r="http://schemas.openxmlformats.org/officeDocument/2006/relationships" xmlns:p="http://schemas.openxmlformats.org/presentationml/2006/main">
+  <p:cSld>
+    <p:spTree>
+      <p:nvGrpSpPr>
+        <p:cNvPr id="1" name=""/>
+        <p:cNvGrpSpPr/>
+        <p:nvPr/>
+      </p:nvGrpSpPr>
+      <p:grpSpPr>
+        <a:xfrm>
+          <a:off x="0" y="0"/>
+          <a:ext cx="0" cy="0"/>
+          <a:chOff x="0" y="0"/>
+          <a:chExt cx="0" cy="0"/>
+        </a:xfrm>
+      </p:grpSpPr>
+      <p:sp>
+        <p:nvSpPr>
+          <p:cNvPr id="4" name="Title 3"/>
+          <p:cNvSpPr>
+            <a:spLocks noGrp="1"/>
+          </p:cNvSpPr>
+          <p:nvPr>
+            <p:ph type="title"/>
+          </p:nvPr>
+        </p:nvSpPr>
+        <p:spPr/>
+        <p:txBody>
+          <a:bodyPr/>
+          <a:lstStyle/>
+          <a:p>
+            <a:r>
+              <a:rPr lang="en-US" dirty="0"/>
+              <a:t>Intro to Scenario</a:t>
+            </a:r>
+          </a:p>
+        </p:txBody>
+      </p:sp>
+      <p:sp>
+        <p:nvSpPr>
+          <p:cNvPr id="5" name="Text Placeholder 4"/>
+          <p:cNvSpPr>
+            <a:spLocks noGrp="1"/>
+          </p:cNvSpPr>
+          <p:nvPr>
+            <p:ph type="body" sz="quarter" idx="10"/>
+          </p:nvPr>
+        </p:nvSpPr>
+        <p:spPr>
+          <a:xfrm>
+            <a:off x="274638" y="1212850"/>
+            <a:ext cx="11887200" cy="5355312"/>
+          </a:xfrm>
+        </p:spPr>
+        <p:txBody>
+          <a:bodyPr/>
+          <a:lstStyle/>
+          <a:p>
+            <a:r>
+              <a:rPr lang="en-US" dirty="0"/>
+              <a:t>City Power &amp; Light is looking to use cloud capabilities</a:t>
+            </a:r>
+          </a:p>
+          <a:p>
+            <a:endParaRPr lang="en-US" dirty="0"/>
+          </a:p>
+          <a:p>
+            <a:r>
+              <a:rPr lang="en-US" dirty="0"/>
+              <a:t>Would to allow field workers the ability capture incidents</a:t>
+            </a:r>
+          </a:p>
+          <a:p>
+            <a:endParaRPr lang="en-US" dirty="0"/>
+          </a:p>
+          <a:p>
+            <a:r>
+              <a:rPr lang="en-US" dirty="0"/>
+              <a:t>Would like to provide photo upload capability</a:t>
+            </a:r>
+          </a:p>
+          <a:p>
+            <a:endParaRPr lang="en-US" dirty="0"/>
+          </a:p>
+          <a:p>
+            <a:r>
+              <a:rPr lang="en-US" dirty="0"/>
+              <a:t>Would like to consume PaaS services on Azure</a:t>
+            </a:r>
+          </a:p>
+        </p:txBody>
+      </p:sp>
+    </p:spTree>
+    <p:extLst>
+      <p:ext uri="{BB962C8B-B14F-4D97-AF65-F5344CB8AC3E}">
+        <p14:creationId xmlns:p14="http://schemas.microsoft.com/office/powerpoint/2010/main" val="2007120173"/>
+      </p:ext>
+    </p:extLst>
+  </p:cSld>
+  <p:clrMapOvr>
+    <a:masterClrMapping/>
+  </p:clrMapOvr>
+  <p:transition>
+    <p:fade/>
+  </p:transition>
+</p:sld>
+</file>
+
+<file path=ppt/slides/slide4.xml><?xml version="1.0" encoding="utf-8"?>
+<p:sld xmlns:a="http://schemas.openxmlformats.org/drawingml/2006/main" xmlns:r="http://schemas.openxmlformats.org/officeDocument/2006/relationships" xmlns:p="http://schemas.openxmlformats.org/presentationml/2006/main">
+  <p:cSld>
+    <p:spTree>
+      <p:nvGrpSpPr>
+        <p:cNvPr id="1" name=""/>
+        <p:cNvGrpSpPr/>
+        <p:nvPr/>
+      </p:nvGrpSpPr>
+      <p:grpSpPr>
+        <a:xfrm>
+          <a:off x="0" y="0"/>
+          <a:ext cx="0" cy="0"/>
+          <a:chOff x="0" y="0"/>
+          <a:chExt cx="0" cy="0"/>
+        </a:xfrm>
+      </p:grpSpPr>
+      <p:sp>
+        <p:nvSpPr>
+          <p:cNvPr id="3" name="Title 2"/>
+          <p:cNvSpPr>
+            <a:spLocks noGrp="1"/>
+          </p:cNvSpPr>
+          <p:nvPr>
+            <p:ph type="title"/>
+          </p:nvPr>
+        </p:nvSpPr>
+        <p:spPr/>
+        <p:txBody>
+          <a:bodyPr/>
+          <a:lstStyle/>
+          <a:p>
+            <a:r>
+              <a:rPr lang="en-US" dirty="0"/>
+              <a:t>Demo</a:t>
+            </a:r>
+          </a:p>
+        </p:txBody>
+      </p:sp>
+      <p:sp>
+        <p:nvSpPr>
+          <p:cNvPr id="4" name="Text Placeholder 3"/>
+          <p:cNvSpPr>
+            <a:spLocks noGrp="1"/>
+          </p:cNvSpPr>
+          <p:nvPr>
+            <p:ph type="body" sz="quarter" idx="12"/>
+          </p:nvPr>
+        </p:nvSpPr>
+        <p:spPr/>
+        <p:txBody>
+          <a:bodyPr/>
+          <a:lstStyle/>
+          <a:p>
+            <a:r>
+              <a:rPr lang="en-US" dirty="0"/>
+              <a:t>City Power and Light</a:t>
+            </a:r>
+          </a:p>
+        </p:txBody>
+      </p:sp>
+    </p:spTree>
+    <p:extLst>
+      <p:ext uri="{BB962C8B-B14F-4D97-AF65-F5344CB8AC3E}">
+        <p14:creationId xmlns:p14="http://schemas.microsoft.com/office/powerpoint/2010/main" val="1908476664"/>
+      </p:ext>
+    </p:extLst>
+  </p:cSld>
+  <p:clrMapOvr>
+    <a:masterClrMapping/>
+  </p:clrMapOvr>
+  <mc:AlternateContent xmlns:mc="http://schemas.openxmlformats.org/markup-compatibility/2006" xmlns:p14="http://schemas.microsoft.com/office/powerpoint/2010/main">
+    <mc:Choice Requires="p14">
+      <p:transition spd="slow" p14:dur="3400">
+        <p14:reveal/>
+      </p:transition>
+    </mc:Choice>
+    <mc:Fallback xmlns="">
+      <p:transition spd="slow">
+        <p:fade/>
+      </p:transition>
+    </mc:Fallback>
+  </mc:AlternateContent>
+</p:sld>
+</file>
+
+<file path=ppt/slides/slide5.xml><?xml version="1.0" encoding="utf-8"?>
 <p:sld xmlns:a="http://schemas.openxmlformats.org/drawingml/2006/main" xmlns:r="http://schemas.openxmlformats.org/officeDocument/2006/relationships" xmlns:p="http://schemas.openxmlformats.org/presentationml/2006/main">
   <p:cSld>
     <p:spTree>
@@ -14409,7 +15398,7 @@
 </p:sld>
 </file>
 
-<file path=ppt/slides/slide4.xml><?xml version="1.0" encoding="utf-8"?>
+<file path=ppt/slides/slide6.xml><?xml version="1.0" encoding="utf-8"?>
 <p:sld xmlns:a="http://schemas.openxmlformats.org/drawingml/2006/main" xmlns:r="http://schemas.openxmlformats.org/officeDocument/2006/relationships" xmlns:p="http://schemas.openxmlformats.org/presentationml/2006/main">
   <p:cSld>
     <p:spTree>
@@ -14448,207 +15437,56 @@
           <a:prstGeom prst="rect">
             <a:avLst/>
           </a:prstGeom>
+          <a:ln>
+            <a:solidFill>
+              <a:schemeClr val="tx2"/>
+            </a:solidFill>
+          </a:ln>
+          <a:effectLst>
+            <a:outerShdw blurRad="190500" algn="tl" rotWithShape="0">
+              <a:srgbClr val="000000">
+                <a:alpha val="70000"/>
+              </a:srgbClr>
+            </a:outerShdw>
+          </a:effectLst>
         </p:spPr>
       </p:pic>
-      <p:sp>
-        <p:nvSpPr>
-          <p:cNvPr id="24" name="Rectangle 23"/>
-          <p:cNvSpPr/>
+      <p:pic>
+        <p:nvPicPr>
+          <p:cNvPr id="17" name="Picture 16"/>
+          <p:cNvPicPr>
+            <a:picLocks noChangeAspect="1"/>
+          </p:cNvPicPr>
           <p:nvPr/>
-        </p:nvSpPr>
-        <p:spPr bwMode="auto">
+        </p:nvPicPr>
+        <p:blipFill>
+          <a:blip r:embed="rId4"/>
+          <a:stretch>
+            <a:fillRect/>
+          </a:stretch>
+        </p:blipFill>
+        <p:spPr>
           <a:xfrm>
-            <a:off x="4694237" y="830262"/>
-            <a:ext cx="7742238" cy="5570251"/>
+            <a:off x="4149833" y="467312"/>
+            <a:ext cx="6183205" cy="6247747"/>
           </a:xfrm>
           <a:prstGeom prst="rect">
             <a:avLst/>
           </a:prstGeom>
-          <a:solidFill>
-            <a:schemeClr val="accent1"/>
-          </a:solidFill>
-          <a:ln w="9525" cap="flat" cmpd="sng" algn="ctr">
-            <a:noFill/>
-            <a:prstDash val="solid"/>
-            <a:headEnd type="none" w="med" len="med"/>
-            <a:tailEnd type="none" w="med" len="med"/>
+          <a:ln>
+            <a:solidFill>
+              <a:schemeClr val="tx2"/>
+            </a:solidFill>
           </a:ln>
-          <a:effectLst/>
+          <a:effectLst>
+            <a:outerShdw blurRad="190500" algn="tl" rotWithShape="0">
+              <a:srgbClr val="000000">
+                <a:alpha val="70000"/>
+              </a:srgbClr>
+            </a:outerShdw>
+          </a:effectLst>
         </p:spPr>
-        <p:txBody>
-          <a:bodyPr rot="0" spcFirstLastPara="0" vertOverflow="overflow" horzOverflow="overflow" vert="horz" wrap="square" lIns="182880" tIns="146304" rIns="182880" bIns="146304" numCol="1" spcCol="0" rtlCol="0" fromWordArt="0" anchor="t" anchorCtr="0" forceAA="0" compatLnSpc="1">
-            <a:prstTxWarp prst="textNoShape">
-              <a:avLst/>
-            </a:prstTxWarp>
-            <a:noAutofit/>
-          </a:bodyPr>
-          <a:lstStyle/>
-          <a:p>
-            <a:pPr lvl="0" defTabSz="932472" fontAlgn="base">
-              <a:lnSpc>
-                <a:spcPct val="90000"/>
-              </a:lnSpc>
-              <a:spcBef>
-                <a:spcPct val="0"/>
-              </a:spcBef>
-              <a:spcAft>
-                <a:spcPct val="0"/>
-              </a:spcAft>
-              <a:defRPr/>
-            </a:pPr>
-            <a:r>
-              <a:rPr lang="en-US" sz="3200" dirty="0">
-                <a:solidFill>
-                  <a:schemeClr val="bg1"/>
-                </a:solidFill>
-              </a:rPr>
-              <a:t>City Power &amp; Light is looking to use cloud capabilities</a:t>
-            </a:r>
-          </a:p>
-          <a:p>
-            <a:pPr lvl="0" defTabSz="932472" fontAlgn="base">
-              <a:lnSpc>
-                <a:spcPct val="90000"/>
-              </a:lnSpc>
-              <a:spcBef>
-                <a:spcPct val="0"/>
-              </a:spcBef>
-              <a:spcAft>
-                <a:spcPct val="0"/>
-              </a:spcAft>
-              <a:defRPr/>
-            </a:pPr>
-            <a:endParaRPr lang="en-US" sz="3200" dirty="0">
-              <a:solidFill>
-                <a:schemeClr val="bg1"/>
-              </a:solidFill>
-            </a:endParaRPr>
-          </a:p>
-          <a:p>
-            <a:pPr lvl="0" defTabSz="932472" fontAlgn="base">
-              <a:lnSpc>
-                <a:spcPct val="90000"/>
-              </a:lnSpc>
-              <a:spcBef>
-                <a:spcPct val="0"/>
-              </a:spcBef>
-              <a:spcAft>
-                <a:spcPct val="0"/>
-              </a:spcAft>
-              <a:defRPr/>
-            </a:pPr>
-            <a:r>
-              <a:rPr lang="en-US" sz="3200" dirty="0">
-                <a:solidFill>
-                  <a:schemeClr val="bg1"/>
-                </a:solidFill>
-              </a:rPr>
-              <a:t>Would to allow field workers the ability capture incidents</a:t>
-            </a:r>
-          </a:p>
-          <a:p>
-            <a:pPr lvl="0" defTabSz="932472" fontAlgn="base">
-              <a:lnSpc>
-                <a:spcPct val="90000"/>
-              </a:lnSpc>
-              <a:spcBef>
-                <a:spcPct val="0"/>
-              </a:spcBef>
-              <a:spcAft>
-                <a:spcPct val="0"/>
-              </a:spcAft>
-              <a:defRPr/>
-            </a:pPr>
-            <a:endParaRPr lang="en-US" sz="3200" dirty="0">
-              <a:solidFill>
-                <a:schemeClr val="bg1"/>
-              </a:solidFill>
-            </a:endParaRPr>
-          </a:p>
-          <a:p>
-            <a:pPr lvl="0" defTabSz="932472" fontAlgn="base">
-              <a:lnSpc>
-                <a:spcPct val="90000"/>
-              </a:lnSpc>
-              <a:spcBef>
-                <a:spcPct val="0"/>
-              </a:spcBef>
-              <a:spcAft>
-                <a:spcPct val="0"/>
-              </a:spcAft>
-              <a:defRPr/>
-            </a:pPr>
-            <a:r>
-              <a:rPr lang="en-US" sz="3200" dirty="0">
-                <a:solidFill>
-                  <a:schemeClr val="bg1"/>
-                </a:solidFill>
-              </a:rPr>
-              <a:t>Would like to provide photo upload capability</a:t>
-            </a:r>
-          </a:p>
-          <a:p>
-            <a:pPr lvl="0" defTabSz="932472" fontAlgn="base">
-              <a:lnSpc>
-                <a:spcPct val="90000"/>
-              </a:lnSpc>
-              <a:spcBef>
-                <a:spcPct val="0"/>
-              </a:spcBef>
-              <a:spcAft>
-                <a:spcPct val="0"/>
-              </a:spcAft>
-              <a:defRPr/>
-            </a:pPr>
-            <a:endParaRPr lang="en-US" sz="3200" dirty="0">
-              <a:solidFill>
-                <a:schemeClr val="bg1"/>
-              </a:solidFill>
-            </a:endParaRPr>
-          </a:p>
-          <a:p>
-            <a:pPr lvl="0" defTabSz="932472" fontAlgn="base">
-              <a:lnSpc>
-                <a:spcPct val="90000"/>
-              </a:lnSpc>
-              <a:spcBef>
-                <a:spcPct val="0"/>
-              </a:spcBef>
-              <a:spcAft>
-                <a:spcPct val="0"/>
-              </a:spcAft>
-              <a:defRPr/>
-            </a:pPr>
-            <a:r>
-              <a:rPr lang="en-US" sz="3200" dirty="0">
-                <a:solidFill>
-                  <a:schemeClr val="bg1"/>
-                </a:solidFill>
-              </a:rPr>
-              <a:t>Would like to consume PaaS services on Azure</a:t>
-            </a:r>
-          </a:p>
-          <a:p>
-            <a:pPr lvl="0" defTabSz="932472" fontAlgn="base">
-              <a:lnSpc>
-                <a:spcPct val="90000"/>
-              </a:lnSpc>
-              <a:spcBef>
-                <a:spcPct val="0"/>
-              </a:spcBef>
-              <a:spcAft>
-                <a:spcPct val="0"/>
-              </a:spcAft>
-              <a:defRPr/>
-            </a:pPr>
-            <a:endParaRPr lang="en-US" sz="3200" dirty="0">
-              <a:solidFill>
-                <a:schemeClr val="bg1"/>
-              </a:solidFill>
-            </a:endParaRPr>
-          </a:p>
-        </p:txBody>
-      </p:sp>
+      </p:pic>
     </p:spTree>
     <p:custDataLst>
       <p:tags r:id="rId1"/>
@@ -14665,137 +15503,10 @@
   <p:transition>
     <p:fade/>
   </p:transition>
-  <p:timing>
-    <p:tnLst>
-      <p:par>
-        <p:cTn id="1" dur="indefinite" restart="never" nodeType="tmRoot">
-          <p:childTnLst>
-            <p:seq concurrent="1" nextAc="seek">
-              <p:cTn id="2" dur="indefinite" nodeType="mainSeq">
-                <p:childTnLst>
-                  <p:par>
-                    <p:cTn id="3" fill="hold">
-                      <p:stCondLst>
-                        <p:cond delay="indefinite"/>
-                        <p:cond evt="onBegin" delay="0">
-                          <p:tn val="2"/>
-                        </p:cond>
-                      </p:stCondLst>
-                      <p:childTnLst>
-                        <p:par>
-                          <p:cTn id="4" fill="hold">
-                            <p:stCondLst>
-                              <p:cond delay="0"/>
-                            </p:stCondLst>
-                            <p:childTnLst>
-                              <p:par>
-                                <p:cTn id="5" presetID="2" presetClass="entr" presetSubtype="2" decel="100000" fill="hold" grpId="0" nodeType="withEffect">
-                                  <p:stCondLst>
-                                    <p:cond delay="0"/>
-                                  </p:stCondLst>
-                                  <p:childTnLst>
-                                    <p:set>
-                                      <p:cBhvr>
-                                        <p:cTn id="6" dur="1" fill="hold">
-                                          <p:stCondLst>
-                                            <p:cond delay="0"/>
-                                          </p:stCondLst>
-                                        </p:cTn>
-                                        <p:tgtEl>
-                                          <p:spTgt spid="24"/>
-                                        </p:tgtEl>
-                                        <p:attrNameLst>
-                                          <p:attrName>style.visibility</p:attrName>
-                                        </p:attrNameLst>
-                                      </p:cBhvr>
-                                      <p:to>
-                                        <p:strVal val="visible"/>
-                                      </p:to>
-                                    </p:set>
-                                    <p:anim calcmode="lin" valueType="num">
-                                      <p:cBhvr additive="base">
-                                        <p:cTn id="7" dur="750" fill="hold"/>
-                                        <p:tgtEl>
-                                          <p:spTgt spid="24"/>
-                                        </p:tgtEl>
-                                        <p:attrNameLst>
-                                          <p:attrName>ppt_x</p:attrName>
-                                        </p:attrNameLst>
-                                      </p:cBhvr>
-                                      <p:tavLst>
-                                        <p:tav tm="0">
-                                          <p:val>
-                                            <p:strVal val="1+#ppt_w/2"/>
-                                          </p:val>
-                                        </p:tav>
-                                        <p:tav tm="100000">
-                                          <p:val>
-                                            <p:strVal val="#ppt_x"/>
-                                          </p:val>
-                                        </p:tav>
-                                      </p:tavLst>
-                                    </p:anim>
-                                    <p:anim calcmode="lin" valueType="num">
-                                      <p:cBhvr additive="base">
-                                        <p:cTn id="8" dur="750" fill="hold"/>
-                                        <p:tgtEl>
-                                          <p:spTgt spid="24"/>
-                                        </p:tgtEl>
-                                        <p:attrNameLst>
-                                          <p:attrName>ppt_y</p:attrName>
-                                        </p:attrNameLst>
-                                      </p:cBhvr>
-                                      <p:tavLst>
-                                        <p:tav tm="0">
-                                          <p:val>
-                                            <p:strVal val="#ppt_y"/>
-                                          </p:val>
-                                        </p:tav>
-                                        <p:tav tm="100000">
-                                          <p:val>
-                                            <p:strVal val="#ppt_y"/>
-                                          </p:val>
-                                        </p:tav>
-                                      </p:tavLst>
-                                    </p:anim>
-                                  </p:childTnLst>
-                                </p:cTn>
-                              </p:par>
-                            </p:childTnLst>
-                          </p:cTn>
-                        </p:par>
-                      </p:childTnLst>
-                    </p:cTn>
-                  </p:par>
-                </p:childTnLst>
-              </p:cTn>
-              <p:prevCondLst>
-                <p:cond evt="onPrev" delay="0">
-                  <p:tgtEl>
-                    <p:sldTgt/>
-                  </p:tgtEl>
-                </p:cond>
-              </p:prevCondLst>
-              <p:nextCondLst>
-                <p:cond evt="onNext" delay="0">
-                  <p:tgtEl>
-                    <p:sldTgt/>
-                  </p:tgtEl>
-                </p:cond>
-              </p:nextCondLst>
-            </p:seq>
-          </p:childTnLst>
-        </p:cTn>
-      </p:par>
-    </p:tnLst>
-    <p:bldLst>
-      <p:bldP spid="24" grpId="0" animBg="1"/>
-    </p:bldLst>
-  </p:timing>
 </p:sld>
 </file>
 
-<file path=ppt/slides/slide5.xml><?xml version="1.0" encoding="utf-8"?>
+<file path=ppt/slides/slide7.xml><?xml version="1.0" encoding="utf-8"?>
 <p:sld xmlns:a="http://schemas.openxmlformats.org/drawingml/2006/main" xmlns:r="http://schemas.openxmlformats.org/officeDocument/2006/relationships" xmlns:p="http://schemas.openxmlformats.org/presentationml/2006/main">
   <p:cSld>
     <p:spTree>
@@ -16452,231 +17163,6 @@
 </p:sld>
 </file>
 
-<file path=ppt/slides/slide6.xml><?xml version="1.0" encoding="utf-8"?>
-<p:sld xmlns:a="http://schemas.openxmlformats.org/drawingml/2006/main" xmlns:r="http://schemas.openxmlformats.org/officeDocument/2006/relationships" xmlns:p="http://schemas.openxmlformats.org/presentationml/2006/main">
-  <p:cSld>
-    <p:spTree>
-      <p:nvGrpSpPr>
-        <p:cNvPr id="1" name=""/>
-        <p:cNvGrpSpPr/>
-        <p:nvPr/>
-      </p:nvGrpSpPr>
-      <p:grpSpPr>
-        <a:xfrm>
-          <a:off x="0" y="0"/>
-          <a:ext cx="0" cy="0"/>
-          <a:chOff x="0" y="0"/>
-          <a:chExt cx="0" cy="0"/>
-        </a:xfrm>
-      </p:grpSpPr>
-      <p:sp>
-        <p:nvSpPr>
-          <p:cNvPr id="2" name="Text Placeholder 1"/>
-          <p:cNvSpPr>
-            <a:spLocks noGrp="1"/>
-          </p:cNvSpPr>
-          <p:nvPr>
-            <p:ph type="body" sz="quarter" idx="10"/>
-          </p:nvPr>
-        </p:nvSpPr>
-        <p:spPr/>
-        <p:txBody>
-          <a:bodyPr/>
-          <a:lstStyle/>
-          <a:p>
-            <a:r>
-              <a:rPr lang="en-US"/>
-              <a:t>Connect Azure subscription (Pass or Trial)</a:t>
-            </a:r>
-          </a:p>
-          <a:p>
-            <a:r>
-              <a:rPr lang="en-US"/>
-              <a:t>Create O365 Developer Tenant</a:t>
-            </a:r>
-          </a:p>
-          <a:p>
-            <a:r>
-              <a:rPr lang="en-US"/>
-              <a:t>Create Visual Studio online account</a:t>
-            </a:r>
-          </a:p>
-          <a:p>
-            <a:r>
-              <a:rPr lang="en-US"/>
-              <a:t>Take prepared image, walk through the tools that are available</a:t>
-            </a:r>
-          </a:p>
-          <a:p>
-            <a:r>
-              <a:rPr lang="en-US"/>
-              <a:t>Run ARM Template to scaffold out resources</a:t>
-            </a:r>
-            <a:endParaRPr lang="en-US" dirty="0"/>
-          </a:p>
-        </p:txBody>
-      </p:sp>
-      <p:sp>
-        <p:nvSpPr>
-          <p:cNvPr id="3" name="Title 2"/>
-          <p:cNvSpPr>
-            <a:spLocks noGrp="1"/>
-          </p:cNvSpPr>
-          <p:nvPr>
-            <p:ph type="title"/>
-          </p:nvPr>
-        </p:nvSpPr>
-        <p:spPr/>
-        <p:txBody>
-          <a:bodyPr/>
-          <a:lstStyle/>
-          <a:p>
-            <a:r>
-              <a:rPr lang="en-US"/>
-              <a:t>HOL 1: Setting up your developer environment</a:t>
-            </a:r>
-            <a:endParaRPr lang="en-US" dirty="0"/>
-          </a:p>
-        </p:txBody>
-      </p:sp>
-    </p:spTree>
-    <p:extLst>
-      <p:ext uri="{BB962C8B-B14F-4D97-AF65-F5344CB8AC3E}">
-        <p14:creationId xmlns:p14="http://schemas.microsoft.com/office/powerpoint/2010/main" val="4222031049"/>
-      </p:ext>
-    </p:extLst>
-  </p:cSld>
-  <p:clrMapOvr>
-    <a:masterClrMapping/>
-  </p:clrMapOvr>
-  <p:transition>
-    <p:fade/>
-  </p:transition>
-</p:sld>
-</file>
-
-<file path=ppt/slides/slide7.xml><?xml version="1.0" encoding="utf-8"?>
-<p:sld xmlns:a="http://schemas.openxmlformats.org/drawingml/2006/main" xmlns:r="http://schemas.openxmlformats.org/officeDocument/2006/relationships" xmlns:p="http://schemas.openxmlformats.org/presentationml/2006/main">
-  <p:cSld>
-    <p:spTree>
-      <p:nvGrpSpPr>
-        <p:cNvPr id="1" name=""/>
-        <p:cNvGrpSpPr/>
-        <p:nvPr/>
-      </p:nvGrpSpPr>
-      <p:grpSpPr>
-        <a:xfrm>
-          <a:off x="0" y="0"/>
-          <a:ext cx="0" cy="0"/>
-          <a:chOff x="0" y="0"/>
-          <a:chExt cx="0" cy="0"/>
-        </a:xfrm>
-      </p:grpSpPr>
-      <p:sp>
-        <p:nvSpPr>
-          <p:cNvPr id="3" name="Text Placeholder 2"/>
-          <p:cNvSpPr>
-            <a:spLocks noGrp="1"/>
-          </p:cNvSpPr>
-          <p:nvPr>
-            <p:ph type="body" sz="quarter" idx="10"/>
-          </p:nvPr>
-        </p:nvSpPr>
-        <p:spPr/>
-        <p:txBody>
-          <a:bodyPr/>
-          <a:lstStyle/>
-          <a:p>
-            <a:r>
-              <a:rPr lang="en-US" dirty="0"/>
-              <a:t>Starting with provisioned resource group</a:t>
-            </a:r>
-          </a:p>
-          <a:p>
-            <a:r>
-              <a:rPr lang="en-US" dirty="0"/>
-              <a:t>Select front end app (Node.js /.NET/ Java)</a:t>
-            </a:r>
-          </a:p>
-          <a:p>
-            <a:r>
-              <a:rPr lang="en-US" dirty="0"/>
-              <a:t>Connect to deployed API</a:t>
-            </a:r>
-          </a:p>
-          <a:p>
-            <a:r>
-              <a:rPr lang="en-US" dirty="0"/>
-              <a:t>Add blob storage</a:t>
-            </a:r>
-          </a:p>
-          <a:p>
-            <a:r>
-              <a:rPr lang="en-US" dirty="0"/>
-              <a:t>Add queueing</a:t>
-            </a:r>
-          </a:p>
-          <a:p>
-            <a:r>
-              <a:rPr lang="en-US" dirty="0"/>
-              <a:t>Add </a:t>
-            </a:r>
-            <a:r>
-              <a:rPr lang="en-US" dirty="0" err="1"/>
-              <a:t>Redis</a:t>
-            </a:r>
-            <a:r>
-              <a:rPr lang="en-US" dirty="0"/>
-              <a:t> cache</a:t>
-            </a:r>
-          </a:p>
-          <a:p>
-            <a:r>
-              <a:rPr lang="en-US" dirty="0"/>
-              <a:t>Stretch: Image resizing with Function</a:t>
-            </a:r>
-          </a:p>
-        </p:txBody>
-      </p:sp>
-      <p:sp>
-        <p:nvSpPr>
-          <p:cNvPr id="2" name="Title 1"/>
-          <p:cNvSpPr>
-            <a:spLocks noGrp="1"/>
-          </p:cNvSpPr>
-          <p:nvPr>
-            <p:ph type="title"/>
-          </p:nvPr>
-        </p:nvSpPr>
-        <p:spPr/>
-        <p:txBody>
-          <a:bodyPr/>
-          <a:lstStyle/>
-          <a:p>
-            <a:r>
-              <a:rPr lang="en-US"/>
-              <a:t>HOL 2: Building modern cloud apps</a:t>
-            </a:r>
-            <a:endParaRPr lang="en-US" dirty="0"/>
-          </a:p>
-        </p:txBody>
-      </p:sp>
-    </p:spTree>
-    <p:extLst>
-      <p:ext uri="{BB962C8B-B14F-4D97-AF65-F5344CB8AC3E}">
-        <p14:creationId xmlns:p14="http://schemas.microsoft.com/office/powerpoint/2010/main" val="103508438"/>
-      </p:ext>
-    </p:extLst>
-  </p:cSld>
-  <p:clrMapOvr>
-    <a:masterClrMapping/>
-  </p:clrMapOvr>
-  <p:transition>
-    <p:fade/>
-  </p:transition>
-</p:sld>
-</file>
-
 <file path=ppt/slides/slide8.xml><?xml version="1.0" encoding="utf-8"?>
 <p:sld xmlns:a="http://schemas.openxmlformats.org/drawingml/2006/main" xmlns:r="http://schemas.openxmlformats.org/officeDocument/2006/relationships" xmlns:p="http://schemas.openxmlformats.org/presentationml/2006/main">
   <p:cSld>
@@ -16696,79 +17182,7 @@
       </p:grpSpPr>
       <p:sp>
         <p:nvSpPr>
-          <p:cNvPr id="3" name="Text Placeholder 2"/>
-          <p:cNvSpPr>
-            <a:spLocks noGrp="1"/>
-          </p:cNvSpPr>
-          <p:nvPr>
-            <p:ph type="body" sz="quarter" idx="10"/>
-          </p:nvPr>
-        </p:nvSpPr>
-        <p:spPr/>
-        <p:txBody>
-          <a:bodyPr>
-            <a:normAutofit fontScale="40000" lnSpcReduction="20000"/>
-          </a:bodyPr>
-          <a:lstStyle/>
-          <a:p>
-            <a:r>
-              <a:rPr lang="en-US" dirty="0"/>
-              <a:t>Find AD </a:t>
-            </a:r>
-          </a:p>
-          <a:p>
-            <a:r>
-              <a:rPr lang="en-US" dirty="0"/>
-              <a:t>Create AD Application</a:t>
-            </a:r>
-          </a:p>
-          <a:p>
-            <a:r>
-              <a:rPr lang="en-US" dirty="0"/>
-              <a:t>Add authentication to app</a:t>
-            </a:r>
-          </a:p>
-          <a:p>
-            <a:r>
-              <a:rPr lang="en-US" dirty="0"/>
-              <a:t>Authenticate</a:t>
-            </a:r>
-          </a:p>
-          <a:p>
-            <a:r>
-              <a:rPr lang="en-US" dirty="0"/>
-              <a:t>Add profile page</a:t>
-            </a:r>
-          </a:p>
-          <a:p>
-            <a:r>
-              <a:rPr lang="en-US" dirty="0"/>
-              <a:t>Add graph API call to get user data for profile page</a:t>
-            </a:r>
-          </a:p>
-          <a:p>
-            <a:r>
-              <a:rPr lang="en-US" dirty="0"/>
-              <a:t>Populate first &amp; last name of the new incident form with first name &amp; last name from Graph/token</a:t>
-            </a:r>
-          </a:p>
-          <a:p>
-            <a:r>
-              <a:rPr lang="en-US" dirty="0"/>
-              <a:t>Send Email via Graph on new incident creation</a:t>
-            </a:r>
-          </a:p>
-          <a:p>
-            <a:r>
-              <a:rPr lang="en-US" dirty="0"/>
-              <a:t>Stretch: Add calendar event on new incident creation</a:t>
-            </a:r>
-          </a:p>
-        </p:txBody>
-      </p:sp>
-      <p:sp>
-        <p:nvSpPr>
-          <p:cNvPr id="2" name="Title 1"/>
+          <p:cNvPr id="3" name="Title 2"/>
           <p:cNvSpPr>
             <a:spLocks noGrp="1"/>
           </p:cNvSpPr>
@@ -16778,22 +17192,173 @@
         </p:nvSpPr>
         <p:spPr/>
         <p:txBody>
-          <a:bodyPr>
-            <a:normAutofit fontScale="90000"/>
-          </a:bodyPr>
+          <a:bodyPr/>
           <a:lstStyle/>
           <a:p>
             <a:r>
               <a:rPr lang="en-US" dirty="0"/>
-              <a:t>HOL 3: Identity with Azure AD and Office 365 APIs</a:t>
-            </a:r>
+              <a:t>Components Covered in this Course</a:t>
+            </a:r>
+          </a:p>
+        </p:txBody>
+      </p:sp>
+      <p:sp>
+        <p:nvSpPr>
+          <p:cNvPr id="4" name="Text Placeholder 3"/>
+          <p:cNvSpPr>
+            <a:spLocks noGrp="1"/>
+          </p:cNvSpPr>
+          <p:nvPr>
+            <p:ph type="body" sz="quarter" idx="10"/>
+          </p:nvPr>
+        </p:nvSpPr>
+        <p:spPr>
+          <a:xfrm>
+            <a:off x="275482" y="1212850"/>
+            <a:ext cx="5485621" cy="4327227"/>
+          </a:xfrm>
+        </p:spPr>
+        <p:txBody>
+          <a:bodyPr/>
+          <a:lstStyle/>
+          <a:p>
+            <a:r>
+              <a:rPr lang="en-US" dirty="0"/>
+              <a:t>Azure</a:t>
+            </a:r>
+          </a:p>
+          <a:p>
+            <a:pPr lvl="1"/>
+            <a:r>
+              <a:rPr lang="en-US" dirty="0"/>
+              <a:t>Azure Resource Manager</a:t>
+            </a:r>
+          </a:p>
+          <a:p>
+            <a:pPr lvl="1"/>
+            <a:r>
+              <a:rPr lang="en-US" dirty="0"/>
+              <a:t>Virtual Machines (Windows &amp; Linux)</a:t>
+            </a:r>
+          </a:p>
+          <a:p>
+            <a:pPr lvl="1"/>
+            <a:r>
+              <a:rPr lang="en-US" dirty="0"/>
+              <a:t>Azure AD</a:t>
+            </a:r>
+          </a:p>
+          <a:p>
+            <a:pPr lvl="1"/>
+            <a:r>
+              <a:rPr lang="en-US" dirty="0"/>
+              <a:t>Web Applications</a:t>
+            </a:r>
+          </a:p>
+          <a:p>
+            <a:pPr lvl="1"/>
+            <a:r>
+              <a:rPr lang="en-US" dirty="0"/>
+              <a:t>API Apps</a:t>
+            </a:r>
+          </a:p>
+          <a:p>
+            <a:pPr lvl="1"/>
+            <a:r>
+              <a:rPr lang="en-US" dirty="0"/>
+              <a:t>Redis Cache</a:t>
+            </a:r>
+          </a:p>
+          <a:p>
+            <a:pPr lvl="1"/>
+            <a:r>
+              <a:rPr lang="en-US" dirty="0"/>
+              <a:t>Document DB</a:t>
+            </a:r>
+          </a:p>
+          <a:p>
+            <a:r>
+              <a:rPr lang="en-US" dirty="0"/>
+              <a:t>Office 365</a:t>
+            </a:r>
+          </a:p>
+          <a:p>
+            <a:pPr lvl="1"/>
+            <a:r>
+              <a:rPr lang="en-US" dirty="0"/>
+              <a:t>Graph API (users, OneDrive for Business, Skype for Business)</a:t>
+            </a:r>
+          </a:p>
+        </p:txBody>
+      </p:sp>
+      <p:sp>
+        <p:nvSpPr>
+          <p:cNvPr id="5" name="Text Placeholder 4"/>
+          <p:cNvSpPr>
+            <a:spLocks noGrp="1"/>
+          </p:cNvSpPr>
+          <p:nvPr>
+            <p:ph type="body" sz="quarter" idx="11"/>
+          </p:nvPr>
+        </p:nvSpPr>
+        <p:spPr>
+          <a:xfrm>
+            <a:off x="6675374" y="1212849"/>
+            <a:ext cx="5485621" cy="3850289"/>
+          </a:xfrm>
+        </p:spPr>
+        <p:txBody>
+          <a:bodyPr/>
+          <a:lstStyle/>
+          <a:p>
+            <a:r>
+              <a:rPr lang="en-US" dirty="0"/>
+              <a:t>Visual Studio Team Services</a:t>
+            </a:r>
+          </a:p>
+          <a:p>
+            <a:pPr lvl="1"/>
+            <a:r>
+              <a:rPr lang="en-US" dirty="0"/>
+              <a:t>Source Control integration (GIT)</a:t>
+            </a:r>
+          </a:p>
+          <a:p>
+            <a:pPr lvl="1"/>
+            <a:r>
+              <a:rPr lang="en-US" dirty="0"/>
+              <a:t>Continuous Integration &amp; Delivery</a:t>
+            </a:r>
+          </a:p>
+          <a:p>
+            <a:r>
+              <a:rPr lang="en-US" dirty="0"/>
+              <a:t>Containers</a:t>
+            </a:r>
+          </a:p>
+          <a:p>
+            <a:pPr lvl="1"/>
+            <a:r>
+              <a:rPr lang="en-US" dirty="0"/>
+              <a:t>Docker </a:t>
+            </a:r>
+          </a:p>
+          <a:p>
+            <a:pPr lvl="1"/>
+            <a:r>
+              <a:rPr lang="en-US" dirty="0"/>
+              <a:t>Azure Container Service</a:t>
+            </a:r>
+          </a:p>
+          <a:p>
+            <a:endParaRPr lang="en-US" dirty="0"/>
           </a:p>
         </p:txBody>
       </p:sp>
     </p:spTree>
     <p:extLst>
       <p:ext uri="{BB962C8B-B14F-4D97-AF65-F5344CB8AC3E}">
-        <p14:creationId xmlns:p14="http://schemas.microsoft.com/office/powerpoint/2010/main" val="2890623480"/>
+        <p14:creationId xmlns:p14="http://schemas.microsoft.com/office/powerpoint/2010/main" val="797548999"/>
       </p:ext>
     </p:extLst>
   </p:cSld>
@@ -16825,7 +17390,7 @@
       </p:grpSpPr>
       <p:sp>
         <p:nvSpPr>
-          <p:cNvPr id="3" name="Text Placeholder 2"/>
+          <p:cNvPr id="2" name="Text Placeholder 1"/>
           <p:cNvSpPr>
             <a:spLocks noGrp="1"/>
           </p:cNvSpPr>
@@ -16833,52 +17398,51 @@
             <p:ph type="body" sz="quarter" idx="10"/>
           </p:nvPr>
         </p:nvSpPr>
-        <p:spPr/>
+        <p:spPr>
+          <a:xfrm>
+            <a:off x="274638" y="1212850"/>
+            <a:ext cx="11887200" cy="3416320"/>
+          </a:xfrm>
+        </p:spPr>
         <p:txBody>
           <a:bodyPr/>
           <a:lstStyle/>
           <a:p>
             <a:r>
-              <a:rPr lang="en-US"/>
-              <a:t>Create VSTS Tenant</a:t>
-            </a:r>
-          </a:p>
-          <a:p>
-            <a:r>
-              <a:rPr lang="en-US"/>
-              <a:t>Create Git repository</a:t>
-            </a:r>
-          </a:p>
-          <a:p>
-            <a:r>
-              <a:rPr lang="en-US"/>
-              <a:t>Clone git repo locally</a:t>
-            </a:r>
-          </a:p>
-          <a:p>
-            <a:r>
-              <a:rPr lang="en-US"/>
-              <a:t>Push code into VSTS</a:t>
-            </a:r>
-          </a:p>
-          <a:p>
-            <a:r>
-              <a:rPr lang="en-US"/>
-              <a:t>Create CI pipeline to build</a:t>
-            </a:r>
-          </a:p>
-          <a:p>
-            <a:r>
-              <a:rPr lang="en-US"/>
-              <a:t>Ends with published artifacts</a:t>
-            </a:r>
-            <a:endParaRPr lang="en-US" dirty="0"/>
+              <a:rPr lang="en-US" dirty="0"/>
+              <a:t>Create O365 Developer Tenant</a:t>
+            </a:r>
+          </a:p>
+          <a:p>
+            <a:r>
+              <a:rPr lang="en-US" dirty="0"/>
+              <a:t>Connect Azure subscription (Pass or Trial)</a:t>
+            </a:r>
+          </a:p>
+          <a:p>
+            <a:r>
+              <a:rPr lang="en-US" dirty="0"/>
+              <a:t>Take prepared image, walk through the tools that are available for your platform</a:t>
+            </a:r>
+          </a:p>
+          <a:p>
+            <a:pPr lvl="1"/>
+            <a:r>
+              <a:rPr lang="en-US" dirty="0"/>
+              <a:t>.NET, Node.JS, Java | Windows, Linux</a:t>
+            </a:r>
+          </a:p>
+          <a:p>
+            <a:r>
+              <a:rPr lang="en-US" dirty="0"/>
+              <a:t>Run ARM Template to scaffold out resources</a:t>
+            </a:r>
           </a:p>
         </p:txBody>
       </p:sp>
       <p:sp>
         <p:nvSpPr>
-          <p:cNvPr id="2" name="Title 1"/>
+          <p:cNvPr id="3" name="Title 2"/>
           <p:cNvSpPr>
             <a:spLocks noGrp="1"/>
           </p:cNvSpPr>
@@ -16893,7 +17457,7 @@
           <a:p>
             <a:r>
               <a:rPr lang="en-US"/>
-              <a:t>HOL 4: DevOps with Azure and VSTS</a:t>
+              <a:t>HOL 1: Setting up your developer environment</a:t>
             </a:r>
             <a:endParaRPr lang="en-US" dirty="0"/>
           </a:p>
@@ -16902,7 +17466,7 @@
     </p:spTree>
     <p:extLst>
       <p:ext uri="{BB962C8B-B14F-4D97-AF65-F5344CB8AC3E}">
-        <p14:creationId xmlns:p14="http://schemas.microsoft.com/office/powerpoint/2010/main" val="3481618648"/>
+        <p14:creationId xmlns:p14="http://schemas.microsoft.com/office/powerpoint/2010/main" val="4222031049"/>
       </p:ext>
     </p:extLst>
   </p:cSld>
@@ -18104,6 +18668,15 @@
 </file>
 
 <file path=customXml/item2.xml><?xml version="1.0" encoding="utf-8"?>
+<?mso-contentType ?>
+<FormTemplates xmlns="http://schemas.microsoft.com/sharepoint/v3/contenttype/forms">
+  <Display>DocumentLibraryForm</Display>
+  <Edit>DocumentLibraryForm</Edit>
+  <New>DocumentLibraryForm</New>
+</FormTemplates>
+</file>
+
+<file path=customXml/item3.xml><?xml version="1.0" encoding="utf-8"?>
 <ct:contentTypeSchema xmlns:ct="http://schemas.microsoft.com/office/2006/metadata/contentType" xmlns:ma="http://schemas.microsoft.com/office/2006/metadata/properties/metaAttributes" ct:_="" ma:_="" ma:contentTypeName="Document" ma:contentTypeID="0x010100A2B0BB5962AB3C45A9A1CE1EC4C4F647" ma:contentTypeVersion="3" ma:contentTypeDescription="Create a new document." ma:contentTypeScope="" ma:versionID="f0876370c90de824ab54c09b0bd2a056">
   <xsd:schema xmlns:xsd="http://www.w3.org/2001/XMLSchema" xmlns:xs="http://www.w3.org/2001/XMLSchema" xmlns:p="http://schemas.microsoft.com/office/2006/metadata/properties" xmlns:ns3="630a2e83-186a-4a0f-ab27-bee8a8096abc" targetNamespace="http://schemas.microsoft.com/office/2006/metadata/properties" ma:root="true" ma:fieldsID="a2a3b5ed8b4accd7c8a398d0cb075271" ns3:_="">
     <xsd:import namespace="630a2e83-186a-4a0f-ab27-bee8a8096abc"/>
@@ -18257,15 +18830,6 @@
 </ct:contentTypeSchema>
 </file>
 
-<file path=customXml/item3.xml><?xml version="1.0" encoding="utf-8"?>
-<?mso-contentType ?>
-<FormTemplates xmlns="http://schemas.microsoft.com/sharepoint/v3/contenttype/forms">
-  <Display>DocumentLibraryForm</Display>
-  <Edit>DocumentLibraryForm</Edit>
-  <New>DocumentLibraryForm</New>
-</FormTemplates>
-</file>
-
 <file path=customXml/itemProps1.xml><?xml version="1.0" encoding="utf-8"?>
 <ds:datastoreItem xmlns:ds="http://schemas.openxmlformats.org/officeDocument/2006/customXml" ds:itemID="{F990F116-B58F-4255-B05B-DA3808E0E5C6}">
   <ds:schemaRefs>
@@ -18283,6 +18847,14 @@
 </file>
 
 <file path=customXml/itemProps2.xml><?xml version="1.0" encoding="utf-8"?>
+<ds:datastoreItem xmlns:ds="http://schemas.openxmlformats.org/officeDocument/2006/customXml" ds:itemID="{758FDAC0-319D-4A54-8D8E-1D42CB1F8004}">
+  <ds:schemaRefs>
+    <ds:schemaRef ds:uri="http://schemas.microsoft.com/sharepoint/v3/contenttype/forms"/>
+  </ds:schemaRefs>
+</ds:datastoreItem>
+</file>
+
+<file path=customXml/itemProps3.xml><?xml version="1.0" encoding="utf-8"?>
 <ds:datastoreItem xmlns:ds="http://schemas.openxmlformats.org/officeDocument/2006/customXml" ds:itemID="{F4553072-E538-48C4-90FC-3653F32D67C5}">
   <ds:schemaRefs>
     <ds:schemaRef ds:uri="http://schemas.microsoft.com/office/2006/metadata/contentType"/>
@@ -18298,12 +18870,4 @@
     <ds:schemaRef ds:uri="http://schemas.microsoft.com/internal/obd"/>
   </ds:schemaRefs>
 </ds:datastoreItem>
-</file>
-
-<file path=customXml/itemProps3.xml><?xml version="1.0" encoding="utf-8"?>
-<ds:datastoreItem xmlns:ds="http://schemas.openxmlformats.org/officeDocument/2006/customXml" ds:itemID="{758FDAC0-319D-4A54-8D8E-1D42CB1F8004}">
-  <ds:schemaRefs>
-    <ds:schemaRef ds:uri="http://schemas.microsoft.com/sharepoint/v3/contenttype/forms"/>
-  </ds:schemaRefs>
-</ds:datastoreItem>
 </file>
--- a/Presentation/Module00-Hols.pptx
+++ b/Presentation/Module00-Hols.pptx
@@ -288,7 +288,7 @@
               <a:rPr lang="en-US" smtClean="0">
                 <a:latin typeface="Segoe UI" pitchFamily="34" charset="0"/>
               </a:rPr>
-              <a:t>10/7/2016 6:31 PM</a:t>
+              <a:t>10/12/2016 11:55 AM</a:t>
             </a:fld>
             <a:endParaRPr lang="en-US" dirty="0">
               <a:latin typeface="Segoe UI" pitchFamily="34" charset="0"/>
@@ -566,7 +566,7 @@
           <a:p>
             <a:fld id="{196BB360-4395-422C-A729-CB974B278917}" type="datetime8">
               <a:rPr lang="en-US" smtClean="0"/>
-              <a:t>10/7/2016 6:31 PM</a:t>
+              <a:t>10/12/2016 11:55 AM</a:t>
             </a:fld>
             <a:endParaRPr lang="en-US" dirty="0"/>
           </a:p>
@@ -895,7 +895,7 @@
           <a:p>
             <a:fld id="{B9E68977-C62F-48C1-B8E5-A952982F1FDC}" type="datetime8">
               <a:rPr lang="en-US" smtClean="0"/>
-              <a:t>10/7/2016 6:31 PM</a:t>
+              <a:t>10/12/2016 11:55 AM</a:t>
             </a:fld>
             <a:endParaRPr lang="en-US" dirty="0"/>
           </a:p>
@@ -1170,7 +1170,7 @@
           <a:p>
             <a:fld id="{196BB360-4395-422C-A729-CB974B278917}" type="datetime8">
               <a:rPr lang="en-US" smtClean="0"/>
-              <a:t>10/7/2016 6:47 PM</a:t>
+              <a:t>10/12/2016 11:55 AM</a:t>
             </a:fld>
             <a:endParaRPr lang="en-US" dirty="0"/>
           </a:p>
@@ -1351,7 +1351,7 @@
           <a:p>
             <a:fld id="{196BB360-4395-422C-A729-CB974B278917}" type="datetime8">
               <a:rPr lang="en-US" smtClean="0"/>
-              <a:t>10/7/2016 6:31 PM</a:t>
+              <a:t>10/12/2016 12:05 PM</a:t>
             </a:fld>
             <a:endParaRPr lang="en-US" dirty="0"/>
           </a:p>
@@ -1532,7 +1532,7 @@
           <a:p>
             <a:fld id="{196BB360-4395-422C-A729-CB974B278917}" type="datetime8">
               <a:rPr lang="en-US" smtClean="0"/>
-              <a:t>10/7/2016 7:00 PM</a:t>
+              <a:t>10/12/2016 11:55 AM</a:t>
             </a:fld>
             <a:endParaRPr lang="en-US" dirty="0"/>
           </a:p>
@@ -15431,16 +15431,14 @@
         </p:blipFill>
         <p:spPr>
           <a:xfrm>
-            <a:off x="262618" y="270782"/>
-            <a:ext cx="4804064" cy="6352583"/>
+            <a:off x="492351" y="1212849"/>
+            <a:ext cx="4091637" cy="5410516"/>
           </a:xfrm>
           <a:prstGeom prst="rect">
             <a:avLst/>
           </a:prstGeom>
           <a:ln>
-            <a:solidFill>
-              <a:schemeClr val="tx2"/>
-            </a:solidFill>
+            <a:noFill/>
           </a:ln>
           <a:effectLst>
             <a:outerShdw blurRad="190500" algn="tl" rotWithShape="0">
@@ -15467,16 +15465,14 @@
         </p:blipFill>
         <p:spPr>
           <a:xfrm>
-            <a:off x="4149833" y="467312"/>
-            <a:ext cx="6183205" cy="6247747"/>
+            <a:off x="3364730" y="1376435"/>
+            <a:ext cx="5266256" cy="5321227"/>
           </a:xfrm>
           <a:prstGeom prst="rect">
             <a:avLst/>
           </a:prstGeom>
           <a:ln>
-            <a:solidFill>
-              <a:schemeClr val="tx2"/>
-            </a:solidFill>
+            <a:noFill/>
           </a:ln>
           <a:effectLst>
             <a:outerShdw blurRad="190500" algn="tl" rotWithShape="0">
@@ -15487,6 +15483,62 @@
           </a:effectLst>
         </p:spPr>
       </p:pic>
+      <p:pic>
+        <p:nvPicPr>
+          <p:cNvPr id="4" name="Picture 3"/>
+          <p:cNvPicPr>
+            <a:picLocks noChangeAspect="1"/>
+          </p:cNvPicPr>
+          <p:nvPr/>
+        </p:nvPicPr>
+        <p:blipFill>
+          <a:blip r:embed="rId5"/>
+          <a:stretch>
+            <a:fillRect/>
+          </a:stretch>
+        </p:blipFill>
+        <p:spPr>
+          <a:xfrm>
+            <a:off x="5680971" y="2984880"/>
+            <a:ext cx="5693902" cy="3530220"/>
+          </a:xfrm>
+          <a:prstGeom prst="rect">
+            <a:avLst/>
+          </a:prstGeom>
+          <a:ln>
+            <a:noFill/>
+          </a:ln>
+          <a:effectLst>
+            <a:outerShdw blurRad="190500" algn="tl" rotWithShape="0">
+              <a:srgbClr val="000000">
+                <a:alpha val="70000"/>
+              </a:srgbClr>
+            </a:outerShdw>
+          </a:effectLst>
+        </p:spPr>
+      </p:pic>
+      <p:sp>
+        <p:nvSpPr>
+          <p:cNvPr id="5" name="Title 4"/>
+          <p:cNvSpPr>
+            <a:spLocks noGrp="1"/>
+          </p:cNvSpPr>
+          <p:nvPr>
+            <p:ph type="title"/>
+          </p:nvPr>
+        </p:nvSpPr>
+        <p:spPr/>
+        <p:txBody>
+          <a:bodyPr/>
+          <a:lstStyle/>
+          <a:p>
+            <a:r>
+              <a:rPr lang="en-US" dirty="0"/>
+              <a:t>Screenshots</a:t>
+            </a:r>
+          </a:p>
+        </p:txBody>
+      </p:sp>
     </p:spTree>
     <p:custDataLst>
       <p:tags r:id="rId1"/>
@@ -15525,21 +15577,92 @@
       </p:grpSpPr>
       <p:grpSp>
         <p:nvGrpSpPr>
-          <p:cNvPr id="30" name="Group 29"/>
+          <p:cNvPr id="122" name="Group 121"/>
           <p:cNvGrpSpPr/>
           <p:nvPr/>
         </p:nvGrpSpPr>
         <p:grpSpPr>
           <a:xfrm>
-            <a:off x="324895" y="1188780"/>
-            <a:ext cx="2296022" cy="2921964"/>
-            <a:chOff x="324895" y="1188780"/>
-            <a:chExt cx="2296022" cy="2921964"/>
+            <a:off x="7551912" y="1038499"/>
+            <a:ext cx="4214352" cy="2671264"/>
+            <a:chOff x="7551912" y="1038499"/>
+            <a:chExt cx="4214352" cy="2671264"/>
           </a:xfrm>
         </p:grpSpPr>
+        <p:sp>
+          <p:nvSpPr>
+            <p:cNvPr id="121" name="Rectangle: Rounded Corners 120"/>
+            <p:cNvSpPr/>
+            <p:nvPr/>
+          </p:nvSpPr>
+          <p:spPr bwMode="auto">
+            <a:xfrm>
+              <a:off x="7551912" y="1038499"/>
+              <a:ext cx="4214352" cy="2242829"/>
+            </a:xfrm>
+            <a:prstGeom prst="roundRect">
+              <a:avLst/>
+            </a:prstGeom>
+            <a:ln>
+              <a:headEnd type="none" w="med" len="med"/>
+              <a:tailEnd type="none" w="med" len="med"/>
+            </a:ln>
+          </p:spPr>
+          <p:style>
+            <a:lnRef idx="2">
+              <a:schemeClr val="accent2"/>
+            </a:lnRef>
+            <a:fillRef idx="1">
+              <a:schemeClr val="lt1"/>
+            </a:fillRef>
+            <a:effectRef idx="0">
+              <a:schemeClr val="accent2"/>
+            </a:effectRef>
+            <a:fontRef idx="minor">
+              <a:schemeClr val="dk1"/>
+            </a:fontRef>
+          </p:style>
+          <p:txBody>
+            <a:bodyPr rot="0" spcFirstLastPara="0" vertOverflow="overflow" horzOverflow="overflow" vert="horz" wrap="square" lIns="182880" tIns="146304" rIns="182880" bIns="146304" numCol="1" spcCol="0" rtlCol="0" fromWordArt="0" anchor="t" anchorCtr="0" forceAA="0" compatLnSpc="1">
+              <a:prstTxWarp prst="textNoShape">
+                <a:avLst/>
+              </a:prstTxWarp>
+              <a:noAutofit/>
+            </a:bodyPr>
+            <a:lstStyle/>
+            <a:p>
+              <a:pPr algn="ctr" defTabSz="932472" fontAlgn="base">
+                <a:lnSpc>
+                  <a:spcPct val="90000"/>
+                </a:lnSpc>
+                <a:spcBef>
+                  <a:spcPct val="0"/>
+                </a:spcBef>
+                <a:spcAft>
+                  <a:spcPct val="0"/>
+                </a:spcAft>
+              </a:pPr>
+              <a:endParaRPr lang="en-US" sz="2400" dirty="0" err="1">
+                <a:gradFill>
+                  <a:gsLst>
+                    <a:gs pos="0">
+                      <a:srgbClr val="FFFFFF"/>
+                    </a:gs>
+                    <a:gs pos="100000">
+                      <a:srgbClr val="FFFFFF"/>
+                    </a:gs>
+                  </a:gsLst>
+                  <a:lin ang="5400000" scaled="0"/>
+                </a:gradFill>
+                <a:ea typeface="Segoe UI" pitchFamily="34" charset="0"/>
+                <a:cs typeface="Segoe UI" pitchFamily="34" charset="0"/>
+              </a:endParaRPr>
+            </a:p>
+          </p:txBody>
+        </p:sp>
         <p:pic>
           <p:nvPicPr>
-            <p:cNvPr id="67" name="Picture 66"/>
+            <p:cNvPr id="22" name="Picture 21"/>
             <p:cNvPicPr>
               <a:picLocks noChangeAspect="1"/>
             </p:cNvPicPr>
@@ -15547,16 +15670,13 @@
           </p:nvPicPr>
           <p:blipFill>
             <a:blip r:embed="rId4">
-              <a:clrChange>
-                <a:clrFrom>
-                  <a:srgbClr val="FFFFFF"/>
-                </a:clrFrom>
-                <a:clrTo>
-                  <a:srgbClr val="FFFFFF">
-                    <a:alpha val="0"/>
-                  </a:srgbClr>
-                </a:clrTo>
-              </a:clrChange>
+              <a:duotone>
+                <a:schemeClr val="accent4">
+                  <a:shade val="45000"/>
+                  <a:satMod val="135000"/>
+                </a:schemeClr>
+                <a:prstClr val="white"/>
+              </a:duotone>
             </a:blip>
             <a:stretch>
               <a:fillRect/>
@@ -15564,365 +15684,399 @@
           </p:blipFill>
           <p:spPr>
             <a:xfrm>
-              <a:off x="1371778" y="2827941"/>
-              <a:ext cx="1092527" cy="970570"/>
+              <a:off x="9282991" y="3045630"/>
+              <a:ext cx="752194" cy="664133"/>
             </a:xfrm>
             <a:prstGeom prst="rect">
               <a:avLst/>
             </a:prstGeom>
           </p:spPr>
         </p:pic>
+      </p:grpSp>
+      <p:grpSp>
+        <p:nvGrpSpPr>
+          <p:cNvPr id="3" name="Group 2"/>
+          <p:cNvGrpSpPr/>
+          <p:nvPr/>
+        </p:nvGrpSpPr>
+        <p:grpSpPr>
+          <a:xfrm>
+            <a:off x="819772" y="1573848"/>
+            <a:ext cx="1027357" cy="646272"/>
+            <a:chOff x="251502" y="1176974"/>
+            <a:chExt cx="1559428" cy="980978"/>
+          </a:xfrm>
+        </p:grpSpPr>
+        <p:pic>
+          <p:nvPicPr>
+            <p:cNvPr id="82" name="Picture 10" descr="Image result for user with pc icon"/>
+            <p:cNvPicPr>
+              <a:picLocks noChangeAspect="1" noChangeArrowheads="1"/>
+            </p:cNvPicPr>
+            <p:nvPr/>
+          </p:nvPicPr>
+          <p:blipFill>
+            <a:blip r:embed="rId5">
+              <a:duotone>
+                <a:schemeClr val="accent3">
+                  <a:shade val="45000"/>
+                  <a:satMod val="135000"/>
+                </a:schemeClr>
+                <a:prstClr val="white"/>
+              </a:duotone>
+              <a:extLst>
+                <a:ext uri="{28A0092B-C50C-407E-A947-70E740481C1C}">
+                  <a14:useLocalDpi xmlns:a14="http://schemas.microsoft.com/office/drawing/2010/main" val="0"/>
+                </a:ext>
+              </a:extLst>
+            </a:blip>
+            <a:srcRect/>
+            <a:stretch>
+              <a:fillRect/>
+            </a:stretch>
+          </p:blipFill>
+          <p:spPr bwMode="auto">
+            <a:xfrm>
+              <a:off x="1040625" y="1195069"/>
+              <a:ext cx="770305" cy="962883"/>
+            </a:xfrm>
+            <a:prstGeom prst="rect">
+              <a:avLst/>
+            </a:prstGeom>
+            <a:noFill/>
+            <a:extLst>
+              <a:ext uri="{909E8E84-426E-40DD-AFC4-6F175D3DCCD1}">
+                <a14:hiddenFill xmlns:a14="http://schemas.microsoft.com/office/drawing/2010/main">
+                  <a:solidFill>
+                    <a:srgbClr val="FFFFFF"/>
+                  </a:solidFill>
+                </a14:hiddenFill>
+              </a:ext>
+            </a:extLst>
+          </p:spPr>
+        </p:pic>
+        <p:pic>
+          <p:nvPicPr>
+            <p:cNvPr id="84" name="Picture 12" descr="Image result for user with phone icon"/>
+            <p:cNvPicPr>
+              <a:picLocks noChangeAspect="1" noChangeArrowheads="1"/>
+            </p:cNvPicPr>
+            <p:nvPr/>
+          </p:nvPicPr>
+          <p:blipFill>
+            <a:blip r:embed="rId6">
+              <a:duotone>
+                <a:schemeClr val="accent3">
+                  <a:shade val="45000"/>
+                  <a:satMod val="135000"/>
+                </a:schemeClr>
+                <a:prstClr val="white"/>
+              </a:duotone>
+              <a:extLst>
+                <a:ext uri="{28A0092B-C50C-407E-A947-70E740481C1C}">
+                  <a14:useLocalDpi xmlns:a14="http://schemas.microsoft.com/office/drawing/2010/main" val="0"/>
+                </a:ext>
+              </a:extLst>
+            </a:blip>
+            <a:srcRect/>
+            <a:stretch>
+              <a:fillRect/>
+            </a:stretch>
+          </p:blipFill>
+          <p:spPr bwMode="auto">
+            <a:xfrm>
+              <a:off x="251502" y="1176974"/>
+              <a:ext cx="870147" cy="870147"/>
+            </a:xfrm>
+            <a:prstGeom prst="rect">
+              <a:avLst/>
+            </a:prstGeom>
+            <a:noFill/>
+            <a:extLst>
+              <a:ext uri="{909E8E84-426E-40DD-AFC4-6F175D3DCCD1}">
+                <a14:hiddenFill xmlns:a14="http://schemas.microsoft.com/office/drawing/2010/main">
+                  <a:solidFill>
+                    <a:srgbClr val="FFFFFF"/>
+                  </a:solidFill>
+                </a14:hiddenFill>
+              </a:ext>
+            </a:extLst>
+          </p:spPr>
+        </p:pic>
+      </p:grpSp>
+      <p:sp>
+        <p:nvSpPr>
+          <p:cNvPr id="87" name="TextBox 86"/>
+          <p:cNvSpPr txBox="1"/>
+          <p:nvPr/>
+        </p:nvSpPr>
+        <p:spPr>
+          <a:xfrm>
+            <a:off x="825984" y="1212849"/>
+            <a:ext cx="1014933" cy="369332"/>
+          </a:xfrm>
+          <a:prstGeom prst="rect">
+            <a:avLst/>
+          </a:prstGeom>
+          <a:noFill/>
+        </p:spPr>
+        <p:txBody>
+          <a:bodyPr wrap="square" rtlCol="0">
+            <a:spAutoFit/>
+          </a:bodyPr>
+          <a:lstStyle/>
+          <a:p>
+            <a:pPr marL="0" marR="0" lvl="0" indent="0" algn="ctr" defTabSz="914400" eaLnBrk="1" fontAlgn="auto" latinLnBrk="0" hangingPunct="1">
+              <a:lnSpc>
+                <a:spcPct val="100000"/>
+              </a:lnSpc>
+              <a:spcBef>
+                <a:spcPts val="0"/>
+              </a:spcBef>
+              <a:spcAft>
+                <a:spcPts val="0"/>
+              </a:spcAft>
+              <a:buClrTx/>
+              <a:buSzTx/>
+              <a:buFontTx/>
+              <a:buNone/>
+              <a:tabLst/>
+              <a:defRPr/>
+            </a:pPr>
+            <a:r>
+              <a:rPr kumimoji="0" lang="en-US" sz="1800" b="1" i="0" u="none" strike="noStrike" kern="0" cap="none" spc="0" normalizeH="0" baseline="0" noProof="0" dirty="0">
+                <a:ln>
+                  <a:noFill/>
+                </a:ln>
+                <a:solidFill>
+                  <a:schemeClr val="tx2"/>
+                </a:solidFill>
+                <a:effectLst/>
+                <a:uLnTx/>
+                <a:uFillTx/>
+                <a:latin typeface="Segoe UI Semibold" panose="020B0702040204020203" pitchFamily="34" charset="0"/>
+                <a:cs typeface="Segoe UI" panose="020B0502040204020203" pitchFamily="34" charset="0"/>
+              </a:rPr>
+              <a:t>START</a:t>
+            </a:r>
+          </a:p>
+        </p:txBody>
+      </p:sp>
+      <p:grpSp>
+        <p:nvGrpSpPr>
+          <p:cNvPr id="159" name="Group 158"/>
+          <p:cNvGrpSpPr/>
+          <p:nvPr/>
+        </p:nvGrpSpPr>
+        <p:grpSpPr>
+          <a:xfrm>
+            <a:off x="620002" y="2387240"/>
+            <a:ext cx="1426896" cy="1829490"/>
+            <a:chOff x="613668" y="2387240"/>
+            <a:chExt cx="1426896" cy="1829490"/>
+          </a:xfrm>
+        </p:grpSpPr>
         <p:grpSp>
           <p:nvGrpSpPr>
-            <p:cNvPr id="3" name="Group 2"/>
+            <p:cNvPr id="158" name="Group 157"/>
             <p:cNvGrpSpPr/>
             <p:nvPr/>
           </p:nvGrpSpPr>
           <p:grpSpPr>
             <a:xfrm>
-              <a:off x="373232" y="1549779"/>
-              <a:ext cx="1027357" cy="646272"/>
-              <a:chOff x="251502" y="1176974"/>
-              <a:chExt cx="1559428" cy="980978"/>
+              <a:off x="641316" y="2387930"/>
+              <a:ext cx="1371600" cy="1828800"/>
+              <a:chOff x="647650" y="2387930"/>
+              <a:chExt cx="1371600" cy="1828800"/>
             </a:xfrm>
           </p:grpSpPr>
-          <p:pic>
-            <p:nvPicPr>
-              <p:cNvPr id="82" name="Picture 10" descr="Image result for user with pc icon"/>
-              <p:cNvPicPr>
-                <a:picLocks noChangeAspect="1" noChangeArrowheads="1"/>
-              </p:cNvPicPr>
+          <p:sp>
+            <p:nvSpPr>
+              <p:cNvPr id="59" name="Rectangle: Rounded Corners 58"/>
+              <p:cNvSpPr/>
               <p:nvPr/>
-            </p:nvPicPr>
-            <p:blipFill>
-              <a:blip r:embed="rId5">
-                <a:duotone>
-                  <a:schemeClr val="accent3">
-                    <a:shade val="45000"/>
-                    <a:satMod val="135000"/>
-                  </a:schemeClr>
-                  <a:prstClr val="white"/>
-                </a:duotone>
-                <a:extLst>
-                  <a:ext uri="{28A0092B-C50C-407E-A947-70E740481C1C}">
-                    <a14:useLocalDpi xmlns:a14="http://schemas.microsoft.com/office/drawing/2010/main" val="0"/>
-                  </a:ext>
-                </a:extLst>
-              </a:blip>
-              <a:srcRect/>
-              <a:stretch>
-                <a:fillRect/>
-              </a:stretch>
-            </p:blipFill>
+            </p:nvSpPr>
             <p:spPr bwMode="auto">
               <a:xfrm>
-                <a:off x="1040625" y="1195069"/>
-                <a:ext cx="770305" cy="962883"/>
+                <a:off x="647650" y="2387930"/>
+                <a:ext cx="1371600" cy="1828800"/>
               </a:xfrm>
-              <a:prstGeom prst="rect">
+              <a:prstGeom prst="roundRect">
                 <a:avLst/>
               </a:prstGeom>
-              <a:noFill/>
-              <a:extLst>
-                <a:ext uri="{909E8E84-426E-40DD-AFC4-6F175D3DCCD1}">
-                  <a14:hiddenFill xmlns:a14="http://schemas.microsoft.com/office/drawing/2010/main">
-                    <a:solidFill>
+              <a:ln>
+                <a:headEnd type="none" w="med" len="med"/>
+                <a:tailEnd type="none" w="med" len="med"/>
+              </a:ln>
+            </p:spPr>
+            <p:style>
+              <a:lnRef idx="2">
+                <a:schemeClr val="accent2"/>
+              </a:lnRef>
+              <a:fillRef idx="1">
+                <a:schemeClr val="lt1"/>
+              </a:fillRef>
+              <a:effectRef idx="0">
+                <a:schemeClr val="accent2"/>
+              </a:effectRef>
+              <a:fontRef idx="minor">
+                <a:schemeClr val="dk1"/>
+              </a:fontRef>
+            </p:style>
+            <p:txBody>
+              <a:bodyPr rot="0" spcFirstLastPara="0" vertOverflow="overflow" horzOverflow="overflow" vert="horz" wrap="square" lIns="182880" tIns="146304" rIns="182880" bIns="146304" numCol="1" spcCol="0" rtlCol="0" fromWordArt="0" anchor="t" anchorCtr="0" forceAA="0" compatLnSpc="1">
+                <a:prstTxWarp prst="textNoShape">
+                  <a:avLst/>
+                </a:prstTxWarp>
+                <a:noAutofit/>
+              </a:bodyPr>
+              <a:lstStyle/>
+              <a:p>
+                <a:pPr algn="ctr" defTabSz="932472" fontAlgn="base">
+                  <a:lnSpc>
+                    <a:spcPct val="90000"/>
+                  </a:lnSpc>
+                  <a:spcBef>
+                    <a:spcPct val="0"/>
+                  </a:spcBef>
+                  <a:spcAft>
+                    <a:spcPct val="0"/>
+                  </a:spcAft>
+                </a:pPr>
+                <a:endParaRPr lang="en-US" sz="2400" dirty="0" err="1">
+                  <a:gradFill>
+                    <a:gsLst>
+                      <a:gs pos="0">
+                        <a:srgbClr val="FFFFFF"/>
+                      </a:gs>
+                      <a:gs pos="100000">
+                        <a:srgbClr val="FFFFFF"/>
+                      </a:gs>
+                    </a:gsLst>
+                    <a:lin ang="5400000" scaled="0"/>
+                  </a:gradFill>
+                  <a:ea typeface="Segoe UI" pitchFamily="34" charset="0"/>
+                  <a:cs typeface="Segoe UI" pitchFamily="34" charset="0"/>
+                </a:endParaRPr>
+              </a:p>
+            </p:txBody>
+          </p:sp>
+          <p:grpSp>
+            <p:nvGrpSpPr>
+              <p:cNvPr id="157" name="Group 156"/>
+              <p:cNvGrpSpPr/>
+              <p:nvPr/>
+            </p:nvGrpSpPr>
+            <p:grpSpPr>
+              <a:xfrm>
+                <a:off x="771887" y="2577246"/>
+                <a:ext cx="1123126" cy="1450169"/>
+                <a:chOff x="771887" y="2711901"/>
+                <a:chExt cx="1123126" cy="1450169"/>
+              </a:xfrm>
+            </p:grpSpPr>
+            <p:pic>
+              <p:nvPicPr>
+                <p:cNvPr id="67" name="Picture 66"/>
+                <p:cNvPicPr>
+                  <a:picLocks noChangeAspect="1"/>
+                </p:cNvPicPr>
+                <p:nvPr/>
+              </p:nvPicPr>
+              <p:blipFill>
+                <a:blip r:embed="rId7">
+                  <a:clrChange>
+                    <a:clrFrom>
                       <a:srgbClr val="FFFFFF"/>
-                    </a:solidFill>
-                  </a14:hiddenFill>
-                </a:ext>
-              </a:extLst>
-            </p:spPr>
-          </p:pic>
-          <p:pic>
-            <p:nvPicPr>
-              <p:cNvPr id="84" name="Picture 12" descr="Image result for user with phone icon"/>
-              <p:cNvPicPr>
-                <a:picLocks noChangeAspect="1" noChangeArrowheads="1"/>
-              </p:cNvPicPr>
-              <p:nvPr/>
-            </p:nvPicPr>
-            <p:blipFill>
-              <a:blip r:embed="rId6">
-                <a:duotone>
-                  <a:schemeClr val="accent3">
-                    <a:shade val="45000"/>
-                    <a:satMod val="135000"/>
-                  </a:schemeClr>
-                  <a:prstClr val="white"/>
-                </a:duotone>
-                <a:extLst>
-                  <a:ext uri="{28A0092B-C50C-407E-A947-70E740481C1C}">
-                    <a14:useLocalDpi xmlns:a14="http://schemas.microsoft.com/office/drawing/2010/main" val="0"/>
-                  </a:ext>
-                </a:extLst>
-              </a:blip>
-              <a:srcRect/>
-              <a:stretch>
-                <a:fillRect/>
-              </a:stretch>
-            </p:blipFill>
-            <p:spPr bwMode="auto">
-              <a:xfrm>
-                <a:off x="251502" y="1176974"/>
-                <a:ext cx="870147" cy="870147"/>
-              </a:xfrm>
-              <a:prstGeom prst="rect">
-                <a:avLst/>
-              </a:prstGeom>
-              <a:noFill/>
-              <a:extLst>
-                <a:ext uri="{909E8E84-426E-40DD-AFC4-6F175D3DCCD1}">
-                  <a14:hiddenFill xmlns:a14="http://schemas.microsoft.com/office/drawing/2010/main">
-                    <a:solidFill>
-                      <a:srgbClr val="FFFFFF"/>
-                    </a:solidFill>
-                  </a14:hiddenFill>
-                </a:ext>
-              </a:extLst>
-            </p:spPr>
-          </p:pic>
+                    </a:clrFrom>
+                    <a:clrTo>
+                      <a:srgbClr val="FFFFFF">
+                        <a:alpha val="0"/>
+                      </a:srgbClr>
+                    </a:clrTo>
+                  </a:clrChange>
+                </a:blip>
+                <a:stretch>
+                  <a:fillRect/>
+                </a:stretch>
+              </p:blipFill>
+              <p:spPr>
+                <a:xfrm>
+                  <a:off x="860945" y="2711901"/>
+                  <a:ext cx="945010" cy="839520"/>
+                </a:xfrm>
+                <a:prstGeom prst="rect">
+                  <a:avLst/>
+                </a:prstGeom>
+              </p:spPr>
+            </p:pic>
+            <p:sp>
+              <p:nvSpPr>
+                <p:cNvPr id="86" name="Rectangle 85"/>
+                <p:cNvSpPr/>
+                <p:nvPr/>
+              </p:nvSpPr>
+              <p:spPr>
+                <a:xfrm>
+                  <a:off x="771887" y="3571139"/>
+                  <a:ext cx="1123126" cy="590931"/>
+                </a:xfrm>
+                <a:prstGeom prst="rect">
+                  <a:avLst/>
+                </a:prstGeom>
+                <a:solidFill>
+                  <a:schemeClr val="accent2"/>
+                </a:solidFill>
+                <a:ln>
+                  <a:noFill/>
+                </a:ln>
+              </p:spPr>
+              <p:style>
+                <a:lnRef idx="0">
+                  <a:scrgbClr r="0" g="0" b="0"/>
+                </a:lnRef>
+                <a:fillRef idx="0">
+                  <a:scrgbClr r="0" g="0" b="0"/>
+                </a:fillRef>
+                <a:effectRef idx="0">
+                  <a:scrgbClr r="0" g="0" b="0"/>
+                </a:effectRef>
+                <a:fontRef idx="minor">
+                  <a:schemeClr val="lt1"/>
+                </a:fontRef>
+              </p:style>
+              <p:txBody>
+                <a:bodyPr wrap="square" rtlCol="0" anchor="ctr">
+                  <a:spAutoFit/>
+                </a:bodyPr>
+                <a:lstStyle/>
+                <a:p>
+                  <a:pPr marL="0" marR="0" lvl="0" indent="0" algn="ctr" defTabSz="914400" eaLnBrk="1" fontAlgn="auto" latinLnBrk="0" hangingPunct="1">
+                    <a:lnSpc>
+                      <a:spcPct val="90000"/>
+                    </a:lnSpc>
+                    <a:spcBef>
+                      <a:spcPts val="0"/>
+                    </a:spcBef>
+                    <a:spcAft>
+                      <a:spcPts val="0"/>
+                    </a:spcAft>
+                    <a:buClrTx/>
+                    <a:buSzTx/>
+                    <a:buFontTx/>
+                    <a:buNone/>
+                    <a:tabLst/>
+                    <a:defRPr/>
+                  </a:pPr>
+                  <a:r>
+                    <a:rPr lang="en-US" dirty="0"/>
+                    <a:t>Incident Tracker</a:t>
+                  </a:r>
+                </a:p>
+              </p:txBody>
+            </p:sp>
+          </p:grpSp>
         </p:grpSp>
-        <p:cxnSp>
-          <p:nvCxnSpPr>
-            <p:cNvPr id="85" name="Connector: Elbow 84"/>
-            <p:cNvCxnSpPr>
-              <a:cxnSpLocks/>
-              <a:stCxn id="88" idx="4"/>
-              <a:endCxn id="67" idx="1"/>
-            </p:cNvCxnSpPr>
-            <p:nvPr/>
-          </p:nvCxnSpPr>
-          <p:spPr>
-            <a:xfrm rot="16200000" flipH="1">
-              <a:off x="780358" y="2721806"/>
-              <a:ext cx="697972" cy="484867"/>
-            </a:xfrm>
-            <a:prstGeom prst="bentConnector2">
-              <a:avLst/>
-            </a:prstGeom>
-            <a:ln w="15875" cap="sq">
-              <a:solidFill>
-                <a:schemeClr val="tx1"/>
-              </a:solidFill>
-              <a:miter lim="800000"/>
-              <a:tailEnd type="triangle"/>
-            </a:ln>
-          </p:spPr>
-          <p:style>
-            <a:lnRef idx="1">
-              <a:schemeClr val="accent1"/>
-            </a:lnRef>
-            <a:fillRef idx="0">
-              <a:schemeClr val="accent1"/>
-            </a:fillRef>
-            <a:effectRef idx="0">
-              <a:schemeClr val="accent1"/>
-            </a:effectRef>
-            <a:fontRef idx="minor">
-              <a:schemeClr val="tx1"/>
-            </a:fontRef>
-          </p:style>
-        </p:cxnSp>
-        <p:sp>
-          <p:nvSpPr>
-            <p:cNvPr id="86" name="Rectangle 85"/>
-            <p:cNvSpPr/>
-            <p:nvPr/>
-          </p:nvSpPr>
-          <p:spPr>
-            <a:xfrm>
-              <a:off x="324895" y="3519813"/>
-              <a:ext cx="1123126" cy="590931"/>
-            </a:xfrm>
-            <a:prstGeom prst="rect">
-              <a:avLst/>
-            </a:prstGeom>
-            <a:solidFill>
-              <a:schemeClr val="accent2"/>
-            </a:solidFill>
-            <a:ln>
-              <a:noFill/>
-            </a:ln>
-          </p:spPr>
-          <p:style>
-            <a:lnRef idx="0">
-              <a:scrgbClr r="0" g="0" b="0"/>
-            </a:lnRef>
-            <a:fillRef idx="0">
-              <a:scrgbClr r="0" g="0" b="0"/>
-            </a:fillRef>
-            <a:effectRef idx="0">
-              <a:scrgbClr r="0" g="0" b="0"/>
-            </a:effectRef>
-            <a:fontRef idx="minor">
-              <a:schemeClr val="lt1"/>
-            </a:fontRef>
-          </p:style>
-          <p:txBody>
-            <a:bodyPr wrap="square" rtlCol="0" anchor="ctr">
-              <a:spAutoFit/>
-            </a:bodyPr>
-            <a:lstStyle/>
-            <a:p>
-              <a:pPr marL="0" marR="0" lvl="0" indent="0" algn="ctr" defTabSz="914400" eaLnBrk="1" fontAlgn="auto" latinLnBrk="0" hangingPunct="1">
-                <a:lnSpc>
-                  <a:spcPct val="90000"/>
-                </a:lnSpc>
-                <a:spcBef>
-                  <a:spcPts val="0"/>
-                </a:spcBef>
-                <a:spcAft>
-                  <a:spcPts val="0"/>
-                </a:spcAft>
-                <a:buClrTx/>
-                <a:buSzTx/>
-                <a:buFontTx/>
-                <a:buNone/>
-                <a:tabLst/>
-                <a:defRPr/>
-              </a:pPr>
-              <a:r>
-                <a:rPr lang="en-US" dirty="0"/>
-                <a:t>Outage Tracker</a:t>
-              </a:r>
-            </a:p>
-          </p:txBody>
-        </p:sp>
-        <p:sp>
-          <p:nvSpPr>
-            <p:cNvPr id="87" name="TextBox 86"/>
-            <p:cNvSpPr txBox="1"/>
-            <p:nvPr/>
-          </p:nvSpPr>
-          <p:spPr>
-            <a:xfrm>
-              <a:off x="379444" y="1188780"/>
-              <a:ext cx="1014933" cy="369332"/>
-            </a:xfrm>
-            <a:prstGeom prst="rect">
-              <a:avLst/>
-            </a:prstGeom>
-            <a:noFill/>
-          </p:spPr>
-          <p:txBody>
-            <a:bodyPr wrap="square" rtlCol="0">
-              <a:spAutoFit/>
-            </a:bodyPr>
-            <a:lstStyle/>
-            <a:p>
-              <a:pPr marL="0" marR="0" lvl="0" indent="0" algn="ctr" defTabSz="914400" eaLnBrk="1" fontAlgn="auto" latinLnBrk="0" hangingPunct="1">
-                <a:lnSpc>
-                  <a:spcPct val="100000"/>
-                </a:lnSpc>
-                <a:spcBef>
-                  <a:spcPts val="0"/>
-                </a:spcBef>
-                <a:spcAft>
-                  <a:spcPts val="0"/>
-                </a:spcAft>
-                <a:buClrTx/>
-                <a:buSzTx/>
-                <a:buFontTx/>
-                <a:buNone/>
-                <a:tabLst/>
-                <a:defRPr/>
-              </a:pPr>
-              <a:r>
-                <a:rPr kumimoji="0" lang="en-US" sz="1800" b="1" i="0" u="none" strike="noStrike" kern="0" cap="none" spc="0" normalizeH="0" baseline="0" noProof="0" dirty="0">
-                  <a:ln>
-                    <a:noFill/>
-                  </a:ln>
-                  <a:solidFill>
-                    <a:schemeClr val="tx2"/>
-                  </a:solidFill>
-                  <a:effectLst/>
-                  <a:uLnTx/>
-                  <a:uFillTx/>
-                  <a:latin typeface="Segoe UI Semibold" panose="020B0702040204020203" pitchFamily="34" charset="0"/>
-                  <a:cs typeface="Segoe UI" panose="020B0502040204020203" pitchFamily="34" charset="0"/>
-                </a:rPr>
-                <a:t>START</a:t>
-              </a:r>
-            </a:p>
-          </p:txBody>
-        </p:sp>
-        <p:sp>
-          <p:nvSpPr>
-            <p:cNvPr id="88" name="Oval 87"/>
-            <p:cNvSpPr/>
-            <p:nvPr/>
-          </p:nvSpPr>
-          <p:spPr>
-            <a:xfrm>
-              <a:off x="664862" y="2189125"/>
-              <a:ext cx="444097" cy="426129"/>
-            </a:xfrm>
-            <a:prstGeom prst="ellipse">
-              <a:avLst/>
-            </a:prstGeom>
-            <a:solidFill>
-              <a:schemeClr val="accent1"/>
-            </a:solidFill>
-            <a:ln w="25400">
-              <a:noFill/>
-            </a:ln>
-          </p:spPr>
-          <p:style>
-            <a:lnRef idx="2">
-              <a:schemeClr val="accent1">
-                <a:shade val="50000"/>
-              </a:schemeClr>
-            </a:lnRef>
-            <a:fillRef idx="1">
-              <a:schemeClr val="accent1"/>
-            </a:fillRef>
-            <a:effectRef idx="0">
-              <a:schemeClr val="accent1"/>
-            </a:effectRef>
-            <a:fontRef idx="minor">
-              <a:schemeClr val="lt1"/>
-            </a:fontRef>
-          </p:style>
-          <p:txBody>
-            <a:bodyPr rtlCol="0" anchor="ctr"/>
-            <a:lstStyle/>
-            <a:p>
-              <a:pPr marL="0" marR="0" lvl="0" indent="0" algn="ctr" defTabSz="914400" eaLnBrk="1" fontAlgn="auto" latinLnBrk="0" hangingPunct="1">
-                <a:lnSpc>
-                  <a:spcPct val="100000"/>
-                </a:lnSpc>
-                <a:spcBef>
-                  <a:spcPts val="0"/>
-                </a:spcBef>
-                <a:spcAft>
-                  <a:spcPts val="0"/>
-                </a:spcAft>
-                <a:buClrTx/>
-                <a:buSzTx/>
-                <a:buFontTx/>
-                <a:buNone/>
-                <a:tabLst/>
-                <a:defRPr/>
-              </a:pPr>
-              <a:r>
-                <a:rPr kumimoji="0" lang="en-US" sz="2000" b="0" i="0" u="none" strike="noStrike" kern="0" cap="none" spc="0" normalizeH="0" baseline="0" noProof="0" dirty="0">
-                  <a:ln>
-                    <a:noFill/>
-                  </a:ln>
-                  <a:solidFill>
-                    <a:schemeClr val="bg1"/>
-                  </a:solidFill>
-                  <a:effectLst/>
-                  <a:uLnTx/>
-                  <a:uFillTx/>
-                  <a:latin typeface="Segoe UI Semibold" panose="020B0702040204020203" pitchFamily="34" charset="0"/>
-                </a:rPr>
-                <a:t>1</a:t>
-              </a:r>
-            </a:p>
-          </p:txBody>
-        </p:sp>
         <p:sp>
           <p:nvSpPr>
             <p:cNvPr id="89" name="TextBox 88"/>
@@ -15931,7 +16085,7 @@
           </p:nvSpPr>
           <p:spPr>
             <a:xfrm>
-              <a:off x="1194021" y="2515459"/>
+              <a:off x="613668" y="2387240"/>
               <a:ext cx="1426896" cy="369332"/>
             </a:xfrm>
             <a:prstGeom prst="rect">
@@ -15984,226 +16138,204 @@
       </p:grpSp>
       <p:grpSp>
         <p:nvGrpSpPr>
-          <p:cNvPr id="34" name="Group 33"/>
+          <p:cNvPr id="129" name="Group 128"/>
           <p:cNvGrpSpPr/>
           <p:nvPr/>
         </p:nvGrpSpPr>
         <p:grpSpPr>
           <a:xfrm>
-            <a:off x="2620917" y="1373446"/>
-            <a:ext cx="2392121" cy="1512315"/>
-            <a:chOff x="2465397" y="2233620"/>
-            <a:chExt cx="2392121" cy="1512315"/>
+            <a:off x="7917889" y="3649662"/>
+            <a:ext cx="1495461" cy="1828800"/>
+            <a:chOff x="8382250" y="4721677"/>
+            <a:chExt cx="1495461" cy="1828800"/>
           </a:xfrm>
         </p:grpSpPr>
-        <p:pic>
-          <p:nvPicPr>
-            <p:cNvPr id="113" name="Picture 112"/>
-            <p:cNvPicPr>
-              <a:picLocks noChangeAspect="1"/>
-            </p:cNvPicPr>
-            <p:nvPr/>
-          </p:nvPicPr>
-          <p:blipFill>
-            <a:blip r:embed="rId7">
-              <a:clrChange>
-                <a:clrFrom>
-                  <a:srgbClr val="FFFFFF"/>
-                </a:clrFrom>
-                <a:clrTo>
-                  <a:srgbClr val="FFFFFF">
-                    <a:alpha val="0"/>
-                  </a:srgbClr>
-                </a:clrTo>
-              </a:clrChange>
-            </a:blip>
-            <a:stretch>
-              <a:fillRect/>
-            </a:stretch>
-          </p:blipFill>
-          <p:spPr>
-            <a:xfrm>
-              <a:off x="3367790" y="2880517"/>
-              <a:ext cx="927234" cy="865418"/>
-            </a:xfrm>
-            <a:prstGeom prst="rect">
-              <a:avLst/>
-            </a:prstGeom>
-          </p:spPr>
-        </p:pic>
-        <p:cxnSp>
-          <p:nvCxnSpPr>
-            <p:cNvPr id="114" name="Straight Arrow Connector 113"/>
-            <p:cNvCxnSpPr>
-              <a:cxnSpLocks/>
-            </p:cNvCxnSpPr>
-            <p:nvPr/>
-          </p:nvCxnSpPr>
-          <p:spPr>
-            <a:xfrm>
-              <a:off x="2465397" y="3313226"/>
-              <a:ext cx="902393" cy="0"/>
-            </a:xfrm>
-            <a:prstGeom prst="straightConnector1">
-              <a:avLst/>
-            </a:prstGeom>
-            <a:ln w="15875" cap="sq">
-              <a:solidFill>
-                <a:schemeClr val="tx1"/>
-              </a:solidFill>
-              <a:miter lim="800000"/>
-              <a:tailEnd type="triangle"/>
-            </a:ln>
-          </p:spPr>
-          <p:style>
-            <a:lnRef idx="1">
-              <a:schemeClr val="accent1"/>
-            </a:lnRef>
-            <a:fillRef idx="0">
-              <a:schemeClr val="accent1"/>
-            </a:fillRef>
-            <a:effectRef idx="0">
-              <a:schemeClr val="accent1"/>
-            </a:effectRef>
-            <a:fontRef idx="minor">
-              <a:schemeClr val="tx1"/>
-            </a:fontRef>
-          </p:style>
-        </p:cxnSp>
         <p:sp>
           <p:nvSpPr>
-            <p:cNvPr id="115" name="TextBox 114"/>
-            <p:cNvSpPr txBox="1"/>
-            <p:nvPr/>
-          </p:nvSpPr>
-          <p:spPr>
-            <a:xfrm>
-              <a:off x="3362057" y="2233620"/>
-              <a:ext cx="1495461" cy="646331"/>
-            </a:xfrm>
-            <a:prstGeom prst="rect">
-              <a:avLst/>
-            </a:prstGeom>
-            <a:noFill/>
-          </p:spPr>
-          <p:txBody>
-            <a:bodyPr wrap="square" rtlCol="0">
-              <a:spAutoFit/>
-            </a:bodyPr>
-            <a:lstStyle/>
-            <a:p>
-              <a:pPr marL="0" marR="0" lvl="0" indent="0" defTabSz="914400" eaLnBrk="1" fontAlgn="auto" latinLnBrk="0" hangingPunct="1">
-                <a:lnSpc>
-                  <a:spcPct val="100000"/>
-                </a:lnSpc>
-                <a:spcBef>
-                  <a:spcPts val="0"/>
-                </a:spcBef>
-                <a:spcAft>
-                  <a:spcPts val="0"/>
-                </a:spcAft>
-                <a:buClrTx/>
-                <a:buSzTx/>
-                <a:buFontTx/>
-                <a:buNone/>
-                <a:tabLst/>
-                <a:defRPr/>
-              </a:pPr>
-              <a:r>
-                <a:rPr kumimoji="0" lang="en-US" sz="1800" b="0" i="0" u="none" strike="noStrike" kern="0" cap="none" spc="0" normalizeH="0" baseline="0" noProof="0" dirty="0">
-                  <a:ln>
-                    <a:noFill/>
-                  </a:ln>
-                  <a:solidFill>
-                    <a:schemeClr val="accent1"/>
-                  </a:solidFill>
-                  <a:effectLst/>
-                  <a:uLnTx/>
-                  <a:uFillTx/>
-                  <a:latin typeface="Segoe UI Semibold" panose="020B0702040204020203" pitchFamily="34" charset="0"/>
-                  <a:cs typeface="Segoe UI" panose="020B0502040204020203" pitchFamily="34" charset="0"/>
-                </a:rPr>
-                <a:t>AZURE QUEUE</a:t>
-              </a:r>
-            </a:p>
-          </p:txBody>
-        </p:sp>
-        <p:sp>
-          <p:nvSpPr>
-            <p:cNvPr id="116" name="Oval 115"/>
+            <p:cNvPr id="57" name="Rectangle: Rounded Corners 56"/>
             <p:cNvSpPr/>
             <p:nvPr/>
           </p:nvSpPr>
-          <p:spPr>
+          <p:spPr bwMode="auto">
             <a:xfrm>
-              <a:off x="2912356" y="2343721"/>
-              <a:ext cx="444097" cy="426129"/>
+              <a:off x="8444180" y="4721677"/>
+              <a:ext cx="1371600" cy="1828800"/>
             </a:xfrm>
-            <a:prstGeom prst="ellipse">
+            <a:prstGeom prst="roundRect">
               <a:avLst/>
             </a:prstGeom>
-            <a:solidFill>
-              <a:schemeClr val="tx2"/>
-            </a:solidFill>
-            <a:ln w="25400">
-              <a:noFill/>
+            <a:ln>
+              <a:headEnd type="none" w="med" len="med"/>
+              <a:tailEnd type="none" w="med" len="med"/>
             </a:ln>
           </p:spPr>
           <p:style>
             <a:lnRef idx="2">
-              <a:schemeClr val="accent1">
-                <a:shade val="50000"/>
-              </a:schemeClr>
+              <a:schemeClr val="accent2"/>
             </a:lnRef>
             <a:fillRef idx="1">
-              <a:schemeClr val="accent1"/>
+              <a:schemeClr val="lt1"/>
             </a:fillRef>
             <a:effectRef idx="0">
-              <a:schemeClr val="accent1"/>
+              <a:schemeClr val="accent2"/>
             </a:effectRef>
             <a:fontRef idx="minor">
-              <a:schemeClr val="lt1"/>
+              <a:schemeClr val="dk1"/>
             </a:fontRef>
           </p:style>
           <p:txBody>
-            <a:bodyPr rtlCol="0" anchor="ctr"/>
+            <a:bodyPr rot="0" spcFirstLastPara="0" vertOverflow="overflow" horzOverflow="overflow" vert="horz" wrap="square" lIns="182880" tIns="146304" rIns="182880" bIns="146304" numCol="1" spcCol="0" rtlCol="0" fromWordArt="0" anchor="t" anchorCtr="0" forceAA="0" compatLnSpc="1">
+              <a:prstTxWarp prst="textNoShape">
+                <a:avLst/>
+              </a:prstTxWarp>
+              <a:noAutofit/>
+            </a:bodyPr>
             <a:lstStyle/>
             <a:p>
-              <a:pPr marL="0" marR="0" lvl="0" indent="0" algn="ctr" defTabSz="914400" eaLnBrk="1" fontAlgn="auto" latinLnBrk="0" hangingPunct="1">
+              <a:pPr algn="ctr" defTabSz="932472" fontAlgn="base">
                 <a:lnSpc>
-                  <a:spcPct val="100000"/>
+                  <a:spcPct val="90000"/>
                 </a:lnSpc>
                 <a:spcBef>
-                  <a:spcPts val="0"/>
+                  <a:spcPct val="0"/>
                 </a:spcBef>
                 <a:spcAft>
-                  <a:spcPts val="0"/>
+                  <a:spcPct val="0"/>
                 </a:spcAft>
-                <a:buClrTx/>
-                <a:buSzTx/>
-                <a:buFontTx/>
-                <a:buNone/>
-                <a:tabLst/>
-                <a:defRPr/>
               </a:pPr>
-              <a:r>
-                <a:rPr kumimoji="0" lang="en-US" sz="2000" b="0" i="0" u="none" strike="noStrike" kern="0" cap="none" spc="0" normalizeH="0" baseline="0" noProof="0" dirty="0">
-                  <a:ln>
-                    <a:noFill/>
-                  </a:ln>
-                  <a:solidFill>
-                    <a:schemeClr val="bg1"/>
-                  </a:solidFill>
-                  <a:effectLst/>
-                  <a:uLnTx/>
-                  <a:uFillTx/>
-                  <a:latin typeface="Segoe UI Semibold" panose="020B0702040204020203" pitchFamily="34" charset="0"/>
-                </a:rPr>
-                <a:t>3</a:t>
-              </a:r>
+              <a:endParaRPr lang="en-US" sz="2400" dirty="0" err="1">
+                <a:gradFill>
+                  <a:gsLst>
+                    <a:gs pos="0">
+                      <a:srgbClr val="FFFFFF"/>
+                    </a:gs>
+                    <a:gs pos="100000">
+                      <a:srgbClr val="FFFFFF"/>
+                    </a:gs>
+                  </a:gsLst>
+                  <a:lin ang="5400000" scaled="0"/>
+                </a:gradFill>
+                <a:ea typeface="Segoe UI" pitchFamily="34" charset="0"/>
+                <a:cs typeface="Segoe UI" pitchFamily="34" charset="0"/>
+              </a:endParaRPr>
             </a:p>
           </p:txBody>
         </p:sp>
+        <p:grpSp>
+          <p:nvGrpSpPr>
+            <p:cNvPr id="128" name="Group 127"/>
+            <p:cNvGrpSpPr/>
+            <p:nvPr/>
+          </p:nvGrpSpPr>
+          <p:grpSpPr>
+            <a:xfrm>
+              <a:off x="8382250" y="4879920"/>
+              <a:ext cx="1495461" cy="1512315"/>
+              <a:chOff x="8576263" y="4868486"/>
+              <a:chExt cx="1495461" cy="1512315"/>
+            </a:xfrm>
+          </p:grpSpPr>
+          <p:pic>
+            <p:nvPicPr>
+              <p:cNvPr id="113" name="Picture 112"/>
+              <p:cNvPicPr>
+                <a:picLocks noChangeAspect="1"/>
+              </p:cNvPicPr>
+              <p:nvPr/>
+            </p:nvPicPr>
+            <p:blipFill>
+              <a:blip r:embed="rId8">
+                <a:clrChange>
+                  <a:clrFrom>
+                    <a:srgbClr val="FFFFFF"/>
+                  </a:clrFrom>
+                  <a:clrTo>
+                    <a:srgbClr val="FFFFFF">
+                      <a:alpha val="0"/>
+                    </a:srgbClr>
+                  </a:clrTo>
+                </a:clrChange>
+                <a:duotone>
+                  <a:schemeClr val="accent4">
+                    <a:shade val="45000"/>
+                    <a:satMod val="135000"/>
+                  </a:schemeClr>
+                  <a:prstClr val="white"/>
+                </a:duotone>
+              </a:blip>
+              <a:stretch>
+                <a:fillRect/>
+              </a:stretch>
+            </p:blipFill>
+            <p:spPr>
+              <a:xfrm>
+                <a:off x="8860376" y="5515383"/>
+                <a:ext cx="927234" cy="865418"/>
+              </a:xfrm>
+              <a:prstGeom prst="rect">
+                <a:avLst/>
+              </a:prstGeom>
+            </p:spPr>
+          </p:pic>
+          <p:sp>
+            <p:nvSpPr>
+              <p:cNvPr id="115" name="TextBox 114"/>
+              <p:cNvSpPr txBox="1"/>
+              <p:nvPr/>
+            </p:nvSpPr>
+            <p:spPr>
+              <a:xfrm>
+                <a:off x="8576263" y="4868486"/>
+                <a:ext cx="1495461" cy="646331"/>
+              </a:xfrm>
+              <a:prstGeom prst="rect">
+                <a:avLst/>
+              </a:prstGeom>
+              <a:noFill/>
+            </p:spPr>
+            <p:txBody>
+              <a:bodyPr wrap="square" rtlCol="0">
+                <a:spAutoFit/>
+              </a:bodyPr>
+              <a:lstStyle/>
+              <a:p>
+                <a:pPr marL="0" marR="0" lvl="0" indent="0" algn="ctr" defTabSz="914400" eaLnBrk="1" fontAlgn="auto" latinLnBrk="0" hangingPunct="1">
+                  <a:lnSpc>
+                    <a:spcPct val="100000"/>
+                  </a:lnSpc>
+                  <a:spcBef>
+                    <a:spcPts val="0"/>
+                  </a:spcBef>
+                  <a:spcAft>
+                    <a:spcPts val="0"/>
+                  </a:spcAft>
+                  <a:buClrTx/>
+                  <a:buSzTx/>
+                  <a:buFontTx/>
+                  <a:buNone/>
+                  <a:tabLst/>
+                  <a:defRPr/>
+                </a:pPr>
+                <a:r>
+                  <a:rPr kumimoji="0" lang="en-US" sz="1800" b="0" i="0" u="none" strike="noStrike" kern="0" cap="none" spc="0" normalizeH="0" baseline="0" noProof="0" dirty="0">
+                    <a:ln>
+                      <a:noFill/>
+                    </a:ln>
+                    <a:solidFill>
+                      <a:schemeClr val="accent1"/>
+                    </a:solidFill>
+                    <a:effectLst/>
+                    <a:uLnTx/>
+                    <a:uFillTx/>
+                    <a:latin typeface="Segoe UI Semibold" panose="020B0702040204020203" pitchFamily="34" charset="0"/>
+                    <a:cs typeface="Segoe UI" panose="020B0502040204020203" pitchFamily="34" charset="0"/>
+                  </a:rPr>
+                  <a:t>AZURE QUEUE</a:t>
+                </a:r>
+              </a:p>
+            </p:txBody>
+          </p:sp>
+        </p:grpSp>
       </p:grpSp>
       <p:sp>
         <p:nvSpPr>
@@ -16227,318 +16359,1594 @@
           </a:p>
         </p:txBody>
       </p:sp>
-      <p:pic>
-        <p:nvPicPr>
-          <p:cNvPr id="90" name="Picture 6"/>
-          <p:cNvPicPr>
-            <a:picLocks noChangeAspect="1"/>
-          </p:cNvPicPr>
+      <p:grpSp>
+        <p:nvGrpSpPr>
+          <p:cNvPr id="127" name="Group 126"/>
+          <p:cNvGrpSpPr/>
           <p:nvPr/>
-        </p:nvPicPr>
-        <p:blipFill>
-          <a:blip r:embed="rId8">
-            <a:extLst>
-              <a:ext uri="{28A0092B-C50C-407E-A947-70E740481C1C}">
-                <a14:useLocalDpi xmlns:a14="http://schemas.microsoft.com/office/drawing/2010/main" val="0"/>
-              </a:ext>
-            </a:extLst>
-          </a:blip>
-          <a:srcRect/>
-          <a:stretch>
-            <a:fillRect/>
-          </a:stretch>
-        </p:blipFill>
-        <p:spPr bwMode="auto">
+        </p:nvGrpSpPr>
+        <p:grpSpPr>
           <a:xfrm>
-            <a:off x="6599237" y="5030332"/>
-            <a:ext cx="500062" cy="546100"/>
+            <a:off x="5767548" y="4716462"/>
+            <a:ext cx="1474094" cy="1828800"/>
+            <a:chOff x="5767548" y="4721677"/>
+            <a:chExt cx="1474094" cy="1828800"/>
           </a:xfrm>
-          <a:prstGeom prst="rect">
-            <a:avLst/>
-          </a:prstGeom>
-          <a:noFill/>
-          <a:ln>
-            <a:noFill/>
-          </a:ln>
-          <a:extLst>
-            <a:ext uri="{909E8E84-426E-40DD-AFC4-6F175D3DCCD1}">
-              <a14:hiddenFill xmlns:a14="http://schemas.microsoft.com/office/drawing/2010/main">
-                <a:solidFill>
-                  <a:srgbClr val="FFFFFF"/>
-                </a:solidFill>
-              </a14:hiddenFill>
-            </a:ext>
-            <a:ext uri="{91240B29-F687-4F45-9708-019B960494DF}">
-              <a14:hiddenLine xmlns:a14="http://schemas.microsoft.com/office/drawing/2010/main" w="9525">
-                <a:solidFill>
-                  <a:srgbClr val="000000"/>
-                </a:solidFill>
-                <a:miter lim="800000"/>
-                <a:headEnd/>
-                <a:tailEnd/>
-              </a14:hiddenLine>
-            </a:ext>
-          </a:extLst>
-        </p:spPr>
-      </p:pic>
-      <p:pic>
-        <p:nvPicPr>
-          <p:cNvPr id="91" name="Picture 4"/>
-          <p:cNvPicPr>
-            <a:picLocks noChangeAspect="1"/>
-          </p:cNvPicPr>
-          <p:nvPr/>
-        </p:nvPicPr>
-        <p:blipFill>
-          <a:blip r:embed="rId9">
-            <a:extLst>
-              <a:ext uri="{28A0092B-C50C-407E-A947-70E740481C1C}">
-                <a14:useLocalDpi xmlns:a14="http://schemas.microsoft.com/office/drawing/2010/main" val="0"/>
-              </a:ext>
-            </a:extLst>
-          </a:blip>
-          <a:srcRect/>
-          <a:stretch>
-            <a:fillRect/>
-          </a:stretch>
-        </p:blipFill>
-        <p:spPr bwMode="auto">
-          <a:xfrm>
-            <a:off x="3700383" y="5125810"/>
-            <a:ext cx="549275" cy="547688"/>
-          </a:xfrm>
-          <a:prstGeom prst="rect">
-            <a:avLst/>
-          </a:prstGeom>
-          <a:noFill/>
-          <a:ln>
-            <a:noFill/>
-          </a:ln>
-          <a:extLst>
-            <a:ext uri="{909E8E84-426E-40DD-AFC4-6F175D3DCCD1}">
-              <a14:hiddenFill xmlns:a14="http://schemas.microsoft.com/office/drawing/2010/main">
-                <a:solidFill>
-                  <a:srgbClr val="FFFFFF"/>
-                </a:solidFill>
-              </a14:hiddenFill>
-            </a:ext>
-            <a:ext uri="{91240B29-F687-4F45-9708-019B960494DF}">
-              <a14:hiddenLine xmlns:a14="http://schemas.microsoft.com/office/drawing/2010/main" w="9525">
-                <a:solidFill>
-                  <a:srgbClr val="000000"/>
-                </a:solidFill>
-                <a:miter lim="800000"/>
-                <a:headEnd/>
-                <a:tailEnd/>
-              </a14:hiddenLine>
-            </a:ext>
-          </a:extLst>
-        </p:spPr>
-      </p:pic>
-      <p:pic>
-        <p:nvPicPr>
-          <p:cNvPr id="92" name="Picture 5"/>
-          <p:cNvPicPr>
-            <a:picLocks noChangeAspect="1"/>
-          </p:cNvPicPr>
-          <p:nvPr/>
-        </p:nvPicPr>
-        <p:blipFill>
-          <a:blip r:embed="rId10">
-            <a:extLst>
-              <a:ext uri="{28A0092B-C50C-407E-A947-70E740481C1C}">
-                <a14:useLocalDpi xmlns:a14="http://schemas.microsoft.com/office/drawing/2010/main" val="0"/>
-              </a:ext>
-            </a:extLst>
-          </a:blip>
-          <a:srcRect/>
-          <a:stretch>
-            <a:fillRect/>
-          </a:stretch>
-        </p:blipFill>
-        <p:spPr bwMode="auto">
-          <a:xfrm>
-            <a:off x="5303837" y="3313226"/>
-            <a:ext cx="604837" cy="528638"/>
-          </a:xfrm>
-          <a:prstGeom prst="rect">
-            <a:avLst/>
-          </a:prstGeom>
-          <a:noFill/>
-          <a:ln>
-            <a:noFill/>
-          </a:ln>
-          <a:extLst>
-            <a:ext uri="{909E8E84-426E-40DD-AFC4-6F175D3DCCD1}">
-              <a14:hiddenFill xmlns:a14="http://schemas.microsoft.com/office/drawing/2010/main">
-                <a:solidFill>
-                  <a:srgbClr val="FFFFFF"/>
-                </a:solidFill>
-              </a14:hiddenFill>
-            </a:ext>
-            <a:ext uri="{91240B29-F687-4F45-9708-019B960494DF}">
-              <a14:hiddenLine xmlns:a14="http://schemas.microsoft.com/office/drawing/2010/main" w="9525">
-                <a:solidFill>
-                  <a:srgbClr val="000000"/>
-                </a:solidFill>
-                <a:miter lim="800000"/>
-                <a:headEnd/>
-                <a:tailEnd/>
-              </a14:hiddenLine>
-            </a:ext>
-          </a:extLst>
-        </p:spPr>
-      </p:pic>
-      <p:pic>
-        <p:nvPicPr>
-          <p:cNvPr id="93" name="Picture 13"/>
-          <p:cNvPicPr>
-            <a:picLocks noChangeAspect="1"/>
-          </p:cNvPicPr>
-          <p:nvPr/>
-        </p:nvPicPr>
-        <p:blipFill>
-          <a:blip r:embed="rId11">
-            <a:extLst>
-              <a:ext uri="{28A0092B-C50C-407E-A947-70E740481C1C}">
-                <a14:useLocalDpi xmlns:a14="http://schemas.microsoft.com/office/drawing/2010/main" val="0"/>
-              </a:ext>
-            </a:extLst>
-          </a:blip>
-          <a:srcRect/>
-          <a:stretch>
-            <a:fillRect/>
-          </a:stretch>
-        </p:blipFill>
-        <p:spPr bwMode="auto">
-          <a:xfrm>
-            <a:off x="1798637" y="5097462"/>
-            <a:ext cx="520700" cy="515937"/>
-          </a:xfrm>
-          <a:prstGeom prst="rect">
-            <a:avLst/>
-          </a:prstGeom>
-          <a:noFill/>
-          <a:ln>
-            <a:noFill/>
-          </a:ln>
-          <a:extLst>
-            <a:ext uri="{909E8E84-426E-40DD-AFC4-6F175D3DCCD1}">
-              <a14:hiddenFill xmlns:a14="http://schemas.microsoft.com/office/drawing/2010/main">
-                <a:solidFill>
-                  <a:srgbClr val="FFFFFF"/>
-                </a:solidFill>
-              </a14:hiddenFill>
-            </a:ext>
-            <a:ext uri="{91240B29-F687-4F45-9708-019B960494DF}">
-              <a14:hiddenLine xmlns:a14="http://schemas.microsoft.com/office/drawing/2010/main" w="9525">
-                <a:solidFill>
-                  <a:srgbClr val="000000"/>
-                </a:solidFill>
-                <a:miter lim="800000"/>
-                <a:headEnd/>
-                <a:tailEnd/>
-              </a14:hiddenLine>
-            </a:ext>
-          </a:extLst>
-        </p:spPr>
-      </p:pic>
-      <p:sp>
-        <p:nvSpPr>
-          <p:cNvPr id="94" name="TextBox 93"/>
-          <p:cNvSpPr txBox="1"/>
-          <p:nvPr/>
-        </p:nvSpPr>
-        <p:spPr>
-          <a:xfrm>
-            <a:off x="5330851" y="2666215"/>
-            <a:ext cx="1877986" cy="646331"/>
-          </a:xfrm>
-          <a:prstGeom prst="rect">
-            <a:avLst/>
-          </a:prstGeom>
-          <a:noFill/>
-        </p:spPr>
-        <p:txBody>
-          <a:bodyPr wrap="square" rtlCol="0">
-            <a:spAutoFit/>
-          </a:bodyPr>
-          <a:lstStyle/>
-          <a:p>
-            <a:pPr marL="0" marR="0" lvl="0" indent="0" defTabSz="914400" eaLnBrk="1" fontAlgn="auto" latinLnBrk="0" hangingPunct="1">
-              <a:lnSpc>
-                <a:spcPct val="100000"/>
-              </a:lnSpc>
-              <a:spcBef>
-                <a:spcPts val="0"/>
-              </a:spcBef>
-              <a:spcAft>
-                <a:spcPts val="0"/>
-              </a:spcAft>
-              <a:buClrTx/>
-              <a:buSzTx/>
-              <a:buFontTx/>
-              <a:buNone/>
-              <a:tabLst/>
-              <a:defRPr/>
-            </a:pPr>
-            <a:r>
-              <a:rPr kumimoji="0" lang="en-US" sz="1800" b="0" i="0" u="none" strike="noStrike" kern="0" cap="none" spc="0" normalizeH="0" baseline="0" noProof="0" dirty="0">
-                <a:ln>
-                  <a:noFill/>
-                </a:ln>
-                <a:solidFill>
-                  <a:schemeClr val="accent1"/>
-                </a:solidFill>
-                <a:effectLst/>
-                <a:uLnTx/>
-                <a:uFillTx/>
-                <a:latin typeface="Segoe UI Semibold" panose="020B0702040204020203" pitchFamily="34" charset="0"/>
-                <a:cs typeface="Segoe UI" panose="020B0502040204020203" pitchFamily="34" charset="0"/>
-              </a:rPr>
-              <a:t>AZURE BLOB</a:t>
-            </a:r>
-            <a:r>
-              <a:rPr kumimoji="0" lang="en-US" sz="1800" b="0" i="0" u="none" strike="noStrike" kern="0" cap="none" spc="0" normalizeH="0" noProof="0" dirty="0">
-                <a:ln>
-                  <a:noFill/>
-                </a:ln>
-                <a:solidFill>
-                  <a:schemeClr val="accent1"/>
-                </a:solidFill>
-                <a:effectLst/>
-                <a:uLnTx/>
-                <a:uFillTx/>
-                <a:latin typeface="Segoe UI Semibold" panose="020B0702040204020203" pitchFamily="34" charset="0"/>
-                <a:cs typeface="Segoe UI" panose="020B0502040204020203" pitchFamily="34" charset="0"/>
-              </a:rPr>
-              <a:t> STORAGE</a:t>
-            </a:r>
-            <a:endParaRPr kumimoji="0" lang="en-US" sz="1800" b="0" i="0" u="none" strike="noStrike" kern="0" cap="none" spc="0" normalizeH="0" baseline="0" noProof="0" dirty="0">
+        </p:grpSpPr>
+        <p:sp>
+          <p:nvSpPr>
+            <p:cNvPr id="51" name="Rectangle: Rounded Corners 50"/>
+            <p:cNvSpPr/>
+            <p:nvPr/>
+          </p:nvSpPr>
+          <p:spPr bwMode="auto">
+            <a:xfrm>
+              <a:off x="5818795" y="4721677"/>
+              <a:ext cx="1371600" cy="1828800"/>
+            </a:xfrm>
+            <a:prstGeom prst="roundRect">
+              <a:avLst/>
+            </a:prstGeom>
+            <a:ln>
+              <a:headEnd type="none" w="med" len="med"/>
+              <a:tailEnd type="none" w="med" len="med"/>
+            </a:ln>
+          </p:spPr>
+          <p:style>
+            <a:lnRef idx="2">
+              <a:schemeClr val="accent2"/>
+            </a:lnRef>
+            <a:fillRef idx="1">
+              <a:schemeClr val="lt1"/>
+            </a:fillRef>
+            <a:effectRef idx="0">
+              <a:schemeClr val="accent2"/>
+            </a:effectRef>
+            <a:fontRef idx="minor">
+              <a:schemeClr val="dk1"/>
+            </a:fontRef>
+          </p:style>
+          <p:txBody>
+            <a:bodyPr rot="0" spcFirstLastPara="0" vertOverflow="overflow" horzOverflow="overflow" vert="horz" wrap="square" lIns="182880" tIns="146304" rIns="182880" bIns="146304" numCol="1" spcCol="0" rtlCol="0" fromWordArt="0" anchor="t" anchorCtr="0" forceAA="0" compatLnSpc="1">
+              <a:prstTxWarp prst="textNoShape">
+                <a:avLst/>
+              </a:prstTxWarp>
+              <a:noAutofit/>
+            </a:bodyPr>
+            <a:lstStyle/>
+            <a:p>
+              <a:pPr algn="ctr" defTabSz="932472" fontAlgn="base">
+                <a:lnSpc>
+                  <a:spcPct val="90000"/>
+                </a:lnSpc>
+                <a:spcBef>
+                  <a:spcPct val="0"/>
+                </a:spcBef>
+                <a:spcAft>
+                  <a:spcPct val="0"/>
+                </a:spcAft>
+              </a:pPr>
+              <a:endParaRPr lang="en-US" sz="2400" dirty="0" err="1">
+                <a:gradFill>
+                  <a:gsLst>
+                    <a:gs pos="0">
+                      <a:srgbClr val="FFFFFF"/>
+                    </a:gs>
+                    <a:gs pos="100000">
+                      <a:srgbClr val="FFFFFF"/>
+                    </a:gs>
+                  </a:gsLst>
+                  <a:lin ang="5400000" scaled="0"/>
+                </a:gradFill>
+                <a:ea typeface="Segoe UI" pitchFamily="34" charset="0"/>
+                <a:cs typeface="Segoe UI" pitchFamily="34" charset="0"/>
+              </a:endParaRPr>
+            </a:p>
+          </p:txBody>
+        </p:sp>
+        <p:grpSp>
+          <p:nvGrpSpPr>
+            <p:cNvPr id="126" name="Group 125"/>
+            <p:cNvGrpSpPr/>
+            <p:nvPr/>
+          </p:nvGrpSpPr>
+          <p:grpSpPr>
+            <a:xfrm>
+              <a:off x="5767548" y="4875636"/>
+              <a:ext cx="1474094" cy="1520883"/>
+              <a:chOff x="5774058" y="4832952"/>
+              <a:chExt cx="1474094" cy="1520883"/>
+            </a:xfrm>
+          </p:grpSpPr>
+          <p:pic>
+            <p:nvPicPr>
+              <p:cNvPr id="92" name="Picture 5"/>
+              <p:cNvPicPr>
+                <a:picLocks noChangeAspect="1"/>
+              </p:cNvPicPr>
+              <p:nvPr/>
+            </p:nvPicPr>
+            <p:blipFill>
+              <a:blip r:embed="rId9">
+                <a:duotone>
+                  <a:schemeClr val="accent4">
+                    <a:shade val="45000"/>
+                    <a:satMod val="135000"/>
+                  </a:schemeClr>
+                  <a:prstClr val="white"/>
+                </a:duotone>
+                <a:extLst>
+                  <a:ext uri="{28A0092B-C50C-407E-A947-70E740481C1C}">
+                    <a14:useLocalDpi xmlns:a14="http://schemas.microsoft.com/office/drawing/2010/main" val="0"/>
+                  </a:ext>
+                </a:extLst>
+              </a:blip>
+              <a:srcRect/>
+              <a:stretch>
+                <a:fillRect/>
+              </a:stretch>
+            </p:blipFill>
+            <p:spPr bwMode="auto">
+              <a:xfrm>
+                <a:off x="6208687" y="5825197"/>
+                <a:ext cx="604837" cy="528638"/>
+              </a:xfrm>
+              <a:prstGeom prst="rect">
+                <a:avLst/>
+              </a:prstGeom>
+              <a:noFill/>
               <a:ln>
                 <a:noFill/>
               </a:ln>
-              <a:solidFill>
-                <a:schemeClr val="accent1"/>
-              </a:solidFill>
-              <a:effectLst/>
-              <a:uLnTx/>
-              <a:uFillTx/>
-              <a:latin typeface="Segoe UI Semibold" panose="020B0702040204020203" pitchFamily="34" charset="0"/>
-              <a:cs typeface="Segoe UI" panose="020B0502040204020203" pitchFamily="34" charset="0"/>
-            </a:endParaRPr>
-          </a:p>
-        </p:txBody>
-      </p:sp>
+              <a:extLst>
+                <a:ext uri="{909E8E84-426E-40DD-AFC4-6F175D3DCCD1}">
+                  <a14:hiddenFill xmlns:a14="http://schemas.microsoft.com/office/drawing/2010/main">
+                    <a:solidFill>
+                      <a:srgbClr val="FFFFFF"/>
+                    </a:solidFill>
+                  </a14:hiddenFill>
+                </a:ext>
+                <a:ext uri="{91240B29-F687-4F45-9708-019B960494DF}">
+                  <a14:hiddenLine xmlns:a14="http://schemas.microsoft.com/office/drawing/2010/main" w="9525">
+                    <a:solidFill>
+                      <a:srgbClr val="000000"/>
+                    </a:solidFill>
+                    <a:miter lim="800000"/>
+                    <a:headEnd/>
+                    <a:tailEnd/>
+                  </a14:hiddenLine>
+                </a:ext>
+              </a:extLst>
+            </p:spPr>
+          </p:pic>
+          <p:sp>
+            <p:nvSpPr>
+              <p:cNvPr id="94" name="TextBox 93"/>
+              <p:cNvSpPr txBox="1"/>
+              <p:nvPr/>
+            </p:nvSpPr>
+            <p:spPr>
+              <a:xfrm>
+                <a:off x="5774058" y="4832952"/>
+                <a:ext cx="1474094" cy="923330"/>
+              </a:xfrm>
+              <a:prstGeom prst="rect">
+                <a:avLst/>
+              </a:prstGeom>
+              <a:noFill/>
+            </p:spPr>
+            <p:txBody>
+              <a:bodyPr wrap="square" rtlCol="0">
+                <a:spAutoFit/>
+              </a:bodyPr>
+              <a:lstStyle/>
+              <a:p>
+                <a:pPr marL="0" marR="0" lvl="0" indent="0" algn="ctr" defTabSz="914400" eaLnBrk="1" fontAlgn="auto" latinLnBrk="0" hangingPunct="1">
+                  <a:lnSpc>
+                    <a:spcPct val="100000"/>
+                  </a:lnSpc>
+                  <a:spcBef>
+                    <a:spcPts val="0"/>
+                  </a:spcBef>
+                  <a:spcAft>
+                    <a:spcPts val="0"/>
+                  </a:spcAft>
+                  <a:buClrTx/>
+                  <a:buSzTx/>
+                  <a:buFontTx/>
+                  <a:buNone/>
+                  <a:tabLst/>
+                  <a:defRPr/>
+                </a:pPr>
+                <a:r>
+                  <a:rPr kumimoji="0" lang="en-US" sz="1800" b="0" i="0" u="none" strike="noStrike" kern="0" cap="none" spc="0" normalizeH="0" baseline="0" noProof="0" dirty="0">
+                    <a:ln>
+                      <a:noFill/>
+                    </a:ln>
+                    <a:solidFill>
+                      <a:schemeClr val="accent1"/>
+                    </a:solidFill>
+                    <a:effectLst/>
+                    <a:uLnTx/>
+                    <a:uFillTx/>
+                    <a:latin typeface="Segoe UI Semibold" panose="020B0702040204020203" pitchFamily="34" charset="0"/>
+                    <a:cs typeface="Segoe UI" panose="020B0502040204020203" pitchFamily="34" charset="0"/>
+                  </a:rPr>
+                  <a:t>AZURE BLOB</a:t>
+                </a:r>
+                <a:r>
+                  <a:rPr kumimoji="0" lang="en-US" sz="1800" b="0" i="0" u="none" strike="noStrike" kern="0" cap="none" spc="0" normalizeH="0" noProof="0" dirty="0">
+                    <a:ln>
+                      <a:noFill/>
+                    </a:ln>
+                    <a:solidFill>
+                      <a:schemeClr val="accent1"/>
+                    </a:solidFill>
+                    <a:effectLst/>
+                    <a:uLnTx/>
+                    <a:uFillTx/>
+                    <a:latin typeface="Segoe UI Semibold" panose="020B0702040204020203" pitchFamily="34" charset="0"/>
+                    <a:cs typeface="Segoe UI" panose="020B0502040204020203" pitchFamily="34" charset="0"/>
+                  </a:rPr>
+                  <a:t> STORAGE</a:t>
+                </a:r>
+                <a:endParaRPr kumimoji="0" lang="en-US" sz="1800" b="0" i="0" u="none" strike="noStrike" kern="0" cap="none" spc="0" normalizeH="0" baseline="0" noProof="0" dirty="0">
+                  <a:ln>
+                    <a:noFill/>
+                  </a:ln>
+                  <a:solidFill>
+                    <a:schemeClr val="accent1"/>
+                  </a:solidFill>
+                  <a:effectLst/>
+                  <a:uLnTx/>
+                  <a:uFillTx/>
+                  <a:latin typeface="Segoe UI Semibold" panose="020B0702040204020203" pitchFamily="34" charset="0"/>
+                  <a:cs typeface="Segoe UI" panose="020B0502040204020203" pitchFamily="34" charset="0"/>
+                </a:endParaRPr>
+              </a:p>
+            </p:txBody>
+          </p:sp>
+        </p:grpSp>
+      </p:grpSp>
+      <p:grpSp>
+        <p:nvGrpSpPr>
+          <p:cNvPr id="125" name="Group 124"/>
+          <p:cNvGrpSpPr/>
+          <p:nvPr/>
+        </p:nvGrpSpPr>
+        <p:grpSpPr>
+          <a:xfrm>
+            <a:off x="3754232" y="1168724"/>
+            <a:ext cx="1371600" cy="1828800"/>
+            <a:chOff x="4239095" y="1212849"/>
+            <a:chExt cx="1371600" cy="1828800"/>
+          </a:xfrm>
+        </p:grpSpPr>
+        <p:sp>
+          <p:nvSpPr>
+            <p:cNvPr id="55" name="Rectangle: Rounded Corners 54"/>
+            <p:cNvSpPr/>
+            <p:nvPr/>
+          </p:nvSpPr>
+          <p:spPr bwMode="auto">
+            <a:xfrm>
+              <a:off x="4239095" y="1212849"/>
+              <a:ext cx="1371600" cy="1828800"/>
+            </a:xfrm>
+            <a:prstGeom prst="roundRect">
+              <a:avLst/>
+            </a:prstGeom>
+            <a:ln>
+              <a:headEnd type="none" w="med" len="med"/>
+              <a:tailEnd type="none" w="med" len="med"/>
+            </a:ln>
+          </p:spPr>
+          <p:style>
+            <a:lnRef idx="2">
+              <a:schemeClr val="accent2"/>
+            </a:lnRef>
+            <a:fillRef idx="1">
+              <a:schemeClr val="lt1"/>
+            </a:fillRef>
+            <a:effectRef idx="0">
+              <a:schemeClr val="accent2"/>
+            </a:effectRef>
+            <a:fontRef idx="minor">
+              <a:schemeClr val="dk1"/>
+            </a:fontRef>
+          </p:style>
+          <p:txBody>
+            <a:bodyPr rot="0" spcFirstLastPara="0" vertOverflow="overflow" horzOverflow="overflow" vert="horz" wrap="square" lIns="182880" tIns="146304" rIns="182880" bIns="146304" numCol="1" spcCol="0" rtlCol="0" fromWordArt="0" anchor="t" anchorCtr="0" forceAA="0" compatLnSpc="1">
+              <a:prstTxWarp prst="textNoShape">
+                <a:avLst/>
+              </a:prstTxWarp>
+              <a:noAutofit/>
+            </a:bodyPr>
+            <a:lstStyle/>
+            <a:p>
+              <a:pPr algn="ctr" defTabSz="932472" fontAlgn="base">
+                <a:lnSpc>
+                  <a:spcPct val="90000"/>
+                </a:lnSpc>
+                <a:spcBef>
+                  <a:spcPct val="0"/>
+                </a:spcBef>
+                <a:spcAft>
+                  <a:spcPct val="0"/>
+                </a:spcAft>
+              </a:pPr>
+              <a:endParaRPr lang="en-US" sz="2400" dirty="0" err="1">
+                <a:gradFill>
+                  <a:gsLst>
+                    <a:gs pos="0">
+                      <a:srgbClr val="FFFFFF"/>
+                    </a:gs>
+                    <a:gs pos="100000">
+                      <a:srgbClr val="FFFFFF"/>
+                    </a:gs>
+                  </a:gsLst>
+                  <a:lin ang="5400000" scaled="0"/>
+                </a:gradFill>
+                <a:ea typeface="Segoe UI" pitchFamily="34" charset="0"/>
+                <a:cs typeface="Segoe UI" pitchFamily="34" charset="0"/>
+              </a:endParaRPr>
+            </a:p>
+          </p:txBody>
+        </p:sp>
+        <p:grpSp>
+          <p:nvGrpSpPr>
+            <p:cNvPr id="124" name="Group 123"/>
+            <p:cNvGrpSpPr/>
+            <p:nvPr/>
+          </p:nvGrpSpPr>
+          <p:grpSpPr>
+            <a:xfrm>
+              <a:off x="4379653" y="1500023"/>
+              <a:ext cx="1090485" cy="1254453"/>
+              <a:chOff x="4520210" y="1493509"/>
+              <a:chExt cx="1090485" cy="1254453"/>
+            </a:xfrm>
+          </p:grpSpPr>
+          <p:pic>
+            <p:nvPicPr>
+              <p:cNvPr id="90" name="Picture 6"/>
+              <p:cNvPicPr>
+                <a:picLocks noChangeAspect="1"/>
+              </p:cNvPicPr>
+              <p:nvPr/>
+            </p:nvPicPr>
+            <p:blipFill>
+              <a:blip r:embed="rId10">
+                <a:duotone>
+                  <a:schemeClr val="accent4">
+                    <a:shade val="45000"/>
+                    <a:satMod val="135000"/>
+                  </a:schemeClr>
+                  <a:prstClr val="white"/>
+                </a:duotone>
+                <a:extLst>
+                  <a:ext uri="{28A0092B-C50C-407E-A947-70E740481C1C}">
+                    <a14:useLocalDpi xmlns:a14="http://schemas.microsoft.com/office/drawing/2010/main" val="0"/>
+                  </a:ext>
+                </a:extLst>
+              </a:blip>
+              <a:srcRect/>
+              <a:stretch>
+                <a:fillRect/>
+              </a:stretch>
+            </p:blipFill>
+            <p:spPr bwMode="auto">
+              <a:xfrm>
+                <a:off x="4815421" y="2201862"/>
+                <a:ext cx="500062" cy="546100"/>
+              </a:xfrm>
+              <a:prstGeom prst="rect">
+                <a:avLst/>
+              </a:prstGeom>
+              <a:noFill/>
+              <a:ln>
+                <a:noFill/>
+              </a:ln>
+              <a:extLst>
+                <a:ext uri="{909E8E84-426E-40DD-AFC4-6F175D3DCCD1}">
+                  <a14:hiddenFill xmlns:a14="http://schemas.microsoft.com/office/drawing/2010/main">
+                    <a:solidFill>
+                      <a:srgbClr val="FFFFFF"/>
+                    </a:solidFill>
+                  </a14:hiddenFill>
+                </a:ext>
+                <a:ext uri="{91240B29-F687-4F45-9708-019B960494DF}">
+                  <a14:hiddenLine xmlns:a14="http://schemas.microsoft.com/office/drawing/2010/main" w="9525">
+                    <a:solidFill>
+                      <a:srgbClr val="000000"/>
+                    </a:solidFill>
+                    <a:miter lim="800000"/>
+                    <a:headEnd/>
+                    <a:tailEnd/>
+                  </a14:hiddenLine>
+                </a:ext>
+              </a:extLst>
+            </p:spPr>
+          </p:pic>
+          <p:sp>
+            <p:nvSpPr>
+              <p:cNvPr id="96" name="TextBox 95"/>
+              <p:cNvSpPr txBox="1"/>
+              <p:nvPr/>
+            </p:nvSpPr>
+            <p:spPr>
+              <a:xfrm>
+                <a:off x="4520210" y="1493509"/>
+                <a:ext cx="1090485" cy="646331"/>
+              </a:xfrm>
+              <a:prstGeom prst="rect">
+                <a:avLst/>
+              </a:prstGeom>
+              <a:noFill/>
+            </p:spPr>
+            <p:txBody>
+              <a:bodyPr wrap="square" rtlCol="0">
+                <a:spAutoFit/>
+              </a:bodyPr>
+              <a:lstStyle/>
+              <a:p>
+                <a:pPr marL="0" marR="0" lvl="0" indent="0" algn="ctr" defTabSz="914400" eaLnBrk="1" fontAlgn="auto" latinLnBrk="0" hangingPunct="1">
+                  <a:lnSpc>
+                    <a:spcPct val="100000"/>
+                  </a:lnSpc>
+                  <a:spcBef>
+                    <a:spcPts val="0"/>
+                  </a:spcBef>
+                  <a:spcAft>
+                    <a:spcPts val="0"/>
+                  </a:spcAft>
+                  <a:buClrTx/>
+                  <a:buSzTx/>
+                  <a:buFontTx/>
+                  <a:buNone/>
+                  <a:tabLst/>
+                  <a:defRPr/>
+                </a:pPr>
+                <a:r>
+                  <a:rPr kumimoji="0" lang="en-US" sz="1800" b="0" i="0" u="none" strike="noStrike" kern="0" cap="none" spc="0" normalizeH="0" baseline="0" noProof="0" dirty="0">
+                    <a:ln>
+                      <a:noFill/>
+                    </a:ln>
+                    <a:solidFill>
+                      <a:schemeClr val="accent1"/>
+                    </a:solidFill>
+                    <a:effectLst/>
+                    <a:uLnTx/>
+                    <a:uFillTx/>
+                    <a:latin typeface="Segoe UI Semibold" panose="020B0702040204020203" pitchFamily="34" charset="0"/>
+                    <a:cs typeface="Segoe UI" panose="020B0502040204020203" pitchFamily="34" charset="0"/>
+                  </a:rPr>
+                  <a:t>AZURE CACHE</a:t>
+                </a:r>
+              </a:p>
+            </p:txBody>
+          </p:sp>
+        </p:grpSp>
+      </p:grpSp>
+      <p:grpSp>
+        <p:nvGrpSpPr>
+          <p:cNvPr id="133" name="Group 132"/>
+          <p:cNvGrpSpPr/>
+          <p:nvPr/>
+        </p:nvGrpSpPr>
+        <p:grpSpPr>
+          <a:xfrm>
+            <a:off x="585720" y="4716462"/>
+            <a:ext cx="1495461" cy="1828800"/>
+            <a:chOff x="752981" y="4758923"/>
+            <a:chExt cx="1495461" cy="1828800"/>
+          </a:xfrm>
+        </p:grpSpPr>
+        <p:sp>
+          <p:nvSpPr>
+            <p:cNvPr id="53" name="Rectangle: Rounded Corners 52"/>
+            <p:cNvSpPr/>
+            <p:nvPr/>
+          </p:nvSpPr>
+          <p:spPr bwMode="auto">
+            <a:xfrm>
+              <a:off x="814911" y="4758923"/>
+              <a:ext cx="1371600" cy="1828800"/>
+            </a:xfrm>
+            <a:prstGeom prst="roundRect">
+              <a:avLst/>
+            </a:prstGeom>
+            <a:ln>
+              <a:headEnd type="none" w="med" len="med"/>
+              <a:tailEnd type="none" w="med" len="med"/>
+            </a:ln>
+          </p:spPr>
+          <p:style>
+            <a:lnRef idx="2">
+              <a:schemeClr val="accent2"/>
+            </a:lnRef>
+            <a:fillRef idx="1">
+              <a:schemeClr val="lt1"/>
+            </a:fillRef>
+            <a:effectRef idx="0">
+              <a:schemeClr val="accent2"/>
+            </a:effectRef>
+            <a:fontRef idx="minor">
+              <a:schemeClr val="dk1"/>
+            </a:fontRef>
+          </p:style>
+          <p:txBody>
+            <a:bodyPr rot="0" spcFirstLastPara="0" vertOverflow="overflow" horzOverflow="overflow" vert="horz" wrap="square" lIns="182880" tIns="146304" rIns="182880" bIns="146304" numCol="1" spcCol="0" rtlCol="0" fromWordArt="0" anchor="t" anchorCtr="0" forceAA="0" compatLnSpc="1">
+              <a:prstTxWarp prst="textNoShape">
+                <a:avLst/>
+              </a:prstTxWarp>
+              <a:noAutofit/>
+            </a:bodyPr>
+            <a:lstStyle/>
+            <a:p>
+              <a:pPr algn="ctr" defTabSz="932472" fontAlgn="base">
+                <a:lnSpc>
+                  <a:spcPct val="90000"/>
+                </a:lnSpc>
+                <a:spcBef>
+                  <a:spcPct val="0"/>
+                </a:spcBef>
+                <a:spcAft>
+                  <a:spcPct val="0"/>
+                </a:spcAft>
+              </a:pPr>
+              <a:endParaRPr lang="en-US" sz="2400" dirty="0" err="1">
+                <a:gradFill>
+                  <a:gsLst>
+                    <a:gs pos="0">
+                      <a:srgbClr val="FFFFFF"/>
+                    </a:gs>
+                    <a:gs pos="100000">
+                      <a:srgbClr val="FFFFFF"/>
+                    </a:gs>
+                  </a:gsLst>
+                  <a:lin ang="5400000" scaled="0"/>
+                </a:gradFill>
+                <a:ea typeface="Segoe UI" pitchFamily="34" charset="0"/>
+                <a:cs typeface="Segoe UI" pitchFamily="34" charset="0"/>
+              </a:endParaRPr>
+            </a:p>
+          </p:txBody>
+        </p:sp>
+        <p:grpSp>
+          <p:nvGrpSpPr>
+            <p:cNvPr id="132" name="Group 131"/>
+            <p:cNvGrpSpPr/>
+            <p:nvPr/>
+          </p:nvGrpSpPr>
+          <p:grpSpPr>
+            <a:xfrm>
+              <a:off x="752981" y="5150998"/>
+              <a:ext cx="1495461" cy="1044650"/>
+              <a:chOff x="1048762" y="4886049"/>
+              <a:chExt cx="1495461" cy="1044650"/>
+            </a:xfrm>
+          </p:grpSpPr>
+          <p:pic>
+            <p:nvPicPr>
+              <p:cNvPr id="91" name="Picture 4"/>
+              <p:cNvPicPr>
+                <a:picLocks noChangeAspect="1"/>
+              </p:cNvPicPr>
+              <p:nvPr/>
+            </p:nvPicPr>
+            <p:blipFill>
+              <a:blip r:embed="rId11">
+                <a:duotone>
+                  <a:schemeClr val="accent4">
+                    <a:shade val="45000"/>
+                    <a:satMod val="135000"/>
+                  </a:schemeClr>
+                  <a:prstClr val="white"/>
+                </a:duotone>
+                <a:extLst>
+                  <a:ext uri="{28A0092B-C50C-407E-A947-70E740481C1C}">
+                    <a14:useLocalDpi xmlns:a14="http://schemas.microsoft.com/office/drawing/2010/main" val="0"/>
+                  </a:ext>
+                </a:extLst>
+              </a:blip>
+              <a:srcRect/>
+              <a:stretch>
+                <a:fillRect/>
+              </a:stretch>
+            </p:blipFill>
+            <p:spPr bwMode="auto">
+              <a:xfrm>
+                <a:off x="1521855" y="5383011"/>
+                <a:ext cx="549275" cy="547688"/>
+              </a:xfrm>
+              <a:prstGeom prst="rect">
+                <a:avLst/>
+              </a:prstGeom>
+              <a:noFill/>
+              <a:ln>
+                <a:noFill/>
+              </a:ln>
+              <a:extLst>
+                <a:ext uri="{909E8E84-426E-40DD-AFC4-6F175D3DCCD1}">
+                  <a14:hiddenFill xmlns:a14="http://schemas.microsoft.com/office/drawing/2010/main">
+                    <a:solidFill>
+                      <a:srgbClr val="FFFFFF"/>
+                    </a:solidFill>
+                  </a14:hiddenFill>
+                </a:ext>
+                <a:ext uri="{91240B29-F687-4F45-9708-019B960494DF}">
+                  <a14:hiddenLine xmlns:a14="http://schemas.microsoft.com/office/drawing/2010/main" w="9525">
+                    <a:solidFill>
+                      <a:srgbClr val="000000"/>
+                    </a:solidFill>
+                    <a:miter lim="800000"/>
+                    <a:headEnd/>
+                    <a:tailEnd/>
+                  </a14:hiddenLine>
+                </a:ext>
+              </a:extLst>
+            </p:spPr>
+          </p:pic>
+          <p:sp>
+            <p:nvSpPr>
+              <p:cNvPr id="98" name="TextBox 97"/>
+              <p:cNvSpPr txBox="1"/>
+              <p:nvPr/>
+            </p:nvSpPr>
+            <p:spPr>
+              <a:xfrm>
+                <a:off x="1048762" y="4886049"/>
+                <a:ext cx="1495461" cy="369332"/>
+              </a:xfrm>
+              <a:prstGeom prst="rect">
+                <a:avLst/>
+              </a:prstGeom>
+              <a:noFill/>
+            </p:spPr>
+            <p:txBody>
+              <a:bodyPr wrap="square" rtlCol="0">
+                <a:spAutoFit/>
+              </a:bodyPr>
+              <a:lstStyle/>
+              <a:p>
+                <a:pPr marL="0" marR="0" lvl="0" indent="0" algn="ctr" defTabSz="914400" eaLnBrk="1" fontAlgn="auto" latinLnBrk="0" hangingPunct="1">
+                  <a:lnSpc>
+                    <a:spcPct val="100000"/>
+                  </a:lnSpc>
+                  <a:spcBef>
+                    <a:spcPts val="0"/>
+                  </a:spcBef>
+                  <a:spcAft>
+                    <a:spcPts val="0"/>
+                  </a:spcAft>
+                  <a:buClrTx/>
+                  <a:buSzTx/>
+                  <a:buFontTx/>
+                  <a:buNone/>
+                  <a:tabLst/>
+                  <a:defRPr/>
+                </a:pPr>
+                <a:r>
+                  <a:rPr kumimoji="0" lang="en-US" sz="1800" b="0" i="0" u="none" strike="noStrike" kern="0" cap="none" spc="0" normalizeH="0" baseline="0" noProof="0" dirty="0">
+                    <a:ln>
+                      <a:noFill/>
+                    </a:ln>
+                    <a:solidFill>
+                      <a:schemeClr val="accent1"/>
+                    </a:solidFill>
+                    <a:effectLst/>
+                    <a:uLnTx/>
+                    <a:uFillTx/>
+                    <a:latin typeface="Segoe UI Semibold" panose="020B0702040204020203" pitchFamily="34" charset="0"/>
+                    <a:cs typeface="Segoe UI" panose="020B0502040204020203" pitchFamily="34" charset="0"/>
+                  </a:rPr>
+                  <a:t>AZURE AD</a:t>
+                </a:r>
+              </a:p>
+            </p:txBody>
+          </p:sp>
+        </p:grpSp>
+      </p:grpSp>
+      <p:grpSp>
+        <p:nvGrpSpPr>
+          <p:cNvPr id="197" name="Group 196"/>
+          <p:cNvGrpSpPr/>
+          <p:nvPr/>
+        </p:nvGrpSpPr>
+        <p:grpSpPr>
+          <a:xfrm>
+            <a:off x="7979819" y="1168724"/>
+            <a:ext cx="1371600" cy="1828800"/>
+            <a:chOff x="7912602" y="1168724"/>
+            <a:chExt cx="1371600" cy="1828800"/>
+          </a:xfrm>
+        </p:grpSpPr>
+        <p:sp>
+          <p:nvSpPr>
+            <p:cNvPr id="49" name="Rectangle: Rounded Corners 48"/>
+            <p:cNvSpPr/>
+            <p:nvPr/>
+          </p:nvSpPr>
+          <p:spPr bwMode="auto">
+            <a:xfrm>
+              <a:off x="7912602" y="1168724"/>
+              <a:ext cx="1371600" cy="1828800"/>
+            </a:xfrm>
+            <a:prstGeom prst="roundRect">
+              <a:avLst/>
+            </a:prstGeom>
+            <a:ln>
+              <a:headEnd type="none" w="med" len="med"/>
+              <a:tailEnd type="none" w="med" len="med"/>
+            </a:ln>
+          </p:spPr>
+          <p:style>
+            <a:lnRef idx="2">
+              <a:schemeClr val="accent2"/>
+            </a:lnRef>
+            <a:fillRef idx="1">
+              <a:schemeClr val="lt1"/>
+            </a:fillRef>
+            <a:effectRef idx="0">
+              <a:schemeClr val="accent2"/>
+            </a:effectRef>
+            <a:fontRef idx="minor">
+              <a:schemeClr val="dk1"/>
+            </a:fontRef>
+          </p:style>
+          <p:txBody>
+            <a:bodyPr rot="0" spcFirstLastPara="0" vertOverflow="overflow" horzOverflow="overflow" vert="horz" wrap="square" lIns="182880" tIns="146304" rIns="182880" bIns="146304" numCol="1" spcCol="0" rtlCol="0" fromWordArt="0" anchor="t" anchorCtr="0" forceAA="0" compatLnSpc="1">
+              <a:prstTxWarp prst="textNoShape">
+                <a:avLst/>
+              </a:prstTxWarp>
+              <a:noAutofit/>
+            </a:bodyPr>
+            <a:lstStyle/>
+            <a:p>
+              <a:pPr algn="ctr" defTabSz="932472" fontAlgn="base">
+                <a:lnSpc>
+                  <a:spcPct val="90000"/>
+                </a:lnSpc>
+                <a:spcBef>
+                  <a:spcPct val="0"/>
+                </a:spcBef>
+                <a:spcAft>
+                  <a:spcPct val="0"/>
+                </a:spcAft>
+              </a:pPr>
+              <a:endParaRPr lang="en-US" sz="2400" dirty="0" err="1">
+                <a:gradFill>
+                  <a:gsLst>
+                    <a:gs pos="0">
+                      <a:srgbClr val="FFFFFF"/>
+                    </a:gs>
+                    <a:gs pos="100000">
+                      <a:srgbClr val="FFFFFF"/>
+                    </a:gs>
+                  </a:gsLst>
+                  <a:lin ang="5400000" scaled="0"/>
+                </a:gradFill>
+                <a:ea typeface="Segoe UI" pitchFamily="34" charset="0"/>
+                <a:cs typeface="Segoe UI" pitchFamily="34" charset="0"/>
+              </a:endParaRPr>
+            </a:p>
+          </p:txBody>
+        </p:sp>
+        <p:grpSp>
+          <p:nvGrpSpPr>
+            <p:cNvPr id="112" name="Group 111"/>
+            <p:cNvGrpSpPr/>
+            <p:nvPr/>
+          </p:nvGrpSpPr>
+          <p:grpSpPr>
+            <a:xfrm>
+              <a:off x="8063789" y="1301878"/>
+              <a:ext cx="1069227" cy="1573585"/>
+              <a:chOff x="7270243" y="1182225"/>
+              <a:chExt cx="1069227" cy="1573585"/>
+            </a:xfrm>
+          </p:grpSpPr>
+          <p:pic>
+            <p:nvPicPr>
+              <p:cNvPr id="5" name="Picture 4"/>
+              <p:cNvPicPr>
+                <a:picLocks noChangeAspect="1"/>
+              </p:cNvPicPr>
+              <p:nvPr/>
+            </p:nvPicPr>
+            <p:blipFill rotWithShape="1">
+              <a:blip r:embed="rId12">
+                <a:duotone>
+                  <a:schemeClr val="accent4">
+                    <a:shade val="45000"/>
+                    <a:satMod val="135000"/>
+                  </a:schemeClr>
+                  <a:prstClr val="white"/>
+                </a:duotone>
+              </a:blip>
+              <a:srcRect b="32219"/>
+              <a:stretch/>
+            </p:blipFill>
+            <p:spPr>
+              <a:xfrm>
+                <a:off x="7270243" y="1897062"/>
+                <a:ext cx="1069227" cy="858748"/>
+              </a:xfrm>
+              <a:prstGeom prst="rect">
+                <a:avLst/>
+              </a:prstGeom>
+            </p:spPr>
+          </p:pic>
+          <p:sp>
+            <p:nvSpPr>
+              <p:cNvPr id="40" name="TextBox 39"/>
+              <p:cNvSpPr txBox="1"/>
+              <p:nvPr/>
+            </p:nvSpPr>
+            <p:spPr>
+              <a:xfrm>
+                <a:off x="7270243" y="1182225"/>
+                <a:ext cx="1069227" cy="646331"/>
+              </a:xfrm>
+              <a:prstGeom prst="rect">
+                <a:avLst/>
+              </a:prstGeom>
+              <a:noFill/>
+            </p:spPr>
+            <p:txBody>
+              <a:bodyPr wrap="square" rtlCol="0">
+                <a:spAutoFit/>
+              </a:bodyPr>
+              <a:lstStyle/>
+              <a:p>
+                <a:pPr marL="0" marR="0" lvl="0" indent="0" algn="ctr" defTabSz="914400" eaLnBrk="1" fontAlgn="auto" latinLnBrk="0" hangingPunct="1">
+                  <a:lnSpc>
+                    <a:spcPct val="100000"/>
+                  </a:lnSpc>
+                  <a:spcBef>
+                    <a:spcPts val="0"/>
+                  </a:spcBef>
+                  <a:spcAft>
+                    <a:spcPts val="0"/>
+                  </a:spcAft>
+                  <a:buClrTx/>
+                  <a:buSzTx/>
+                  <a:buFontTx/>
+                  <a:buNone/>
+                  <a:tabLst/>
+                  <a:defRPr/>
+                </a:pPr>
+                <a:r>
+                  <a:rPr kumimoji="0" lang="en-US" sz="1800" b="0" i="0" u="none" strike="noStrike" kern="0" cap="none" spc="0" normalizeH="0" baseline="0" noProof="0" dirty="0">
+                    <a:ln>
+                      <a:noFill/>
+                    </a:ln>
+                    <a:solidFill>
+                      <a:schemeClr val="accent1"/>
+                    </a:solidFill>
+                    <a:effectLst/>
+                    <a:uLnTx/>
+                    <a:uFillTx/>
+                    <a:latin typeface="Segoe UI Semibold" panose="020B0702040204020203" pitchFamily="34" charset="0"/>
+                    <a:cs typeface="Segoe UI" panose="020B0502040204020203" pitchFamily="34" charset="0"/>
+                  </a:rPr>
+                  <a:t>AZURE API APP</a:t>
+                </a:r>
+              </a:p>
+            </p:txBody>
+          </p:sp>
+        </p:grpSp>
+      </p:grpSp>
+      <p:grpSp>
+        <p:nvGrpSpPr>
+          <p:cNvPr id="111" name="Group 110"/>
+          <p:cNvGrpSpPr/>
+          <p:nvPr/>
+        </p:nvGrpSpPr>
+        <p:grpSpPr>
+          <a:xfrm>
+            <a:off x="10005583" y="1168724"/>
+            <a:ext cx="1371600" cy="1828800"/>
+            <a:chOff x="10005583" y="1188780"/>
+            <a:chExt cx="1371600" cy="1828800"/>
+          </a:xfrm>
+        </p:grpSpPr>
+        <p:sp>
+          <p:nvSpPr>
+            <p:cNvPr id="15" name="Rectangle: Rounded Corners 14"/>
+            <p:cNvSpPr/>
+            <p:nvPr/>
+          </p:nvSpPr>
+          <p:spPr bwMode="auto">
+            <a:xfrm>
+              <a:off x="10005583" y="1188780"/>
+              <a:ext cx="1371600" cy="1828800"/>
+            </a:xfrm>
+            <a:prstGeom prst="roundRect">
+              <a:avLst/>
+            </a:prstGeom>
+            <a:ln>
+              <a:headEnd type="none" w="med" len="med"/>
+              <a:tailEnd type="none" w="med" len="med"/>
+            </a:ln>
+          </p:spPr>
+          <p:style>
+            <a:lnRef idx="2">
+              <a:schemeClr val="accent2"/>
+            </a:lnRef>
+            <a:fillRef idx="1">
+              <a:schemeClr val="lt1"/>
+            </a:fillRef>
+            <a:effectRef idx="0">
+              <a:schemeClr val="accent2"/>
+            </a:effectRef>
+            <a:fontRef idx="minor">
+              <a:schemeClr val="dk1"/>
+            </a:fontRef>
+          </p:style>
+          <p:txBody>
+            <a:bodyPr rot="0" spcFirstLastPara="0" vertOverflow="overflow" horzOverflow="overflow" vert="horz" wrap="square" lIns="182880" tIns="146304" rIns="182880" bIns="146304" numCol="1" spcCol="0" rtlCol="0" fromWordArt="0" anchor="t" anchorCtr="0" forceAA="0" compatLnSpc="1">
+              <a:prstTxWarp prst="textNoShape">
+                <a:avLst/>
+              </a:prstTxWarp>
+              <a:noAutofit/>
+            </a:bodyPr>
+            <a:lstStyle/>
+            <a:p>
+              <a:pPr algn="ctr" defTabSz="932472" fontAlgn="base">
+                <a:lnSpc>
+                  <a:spcPct val="90000"/>
+                </a:lnSpc>
+                <a:spcBef>
+                  <a:spcPct val="0"/>
+                </a:spcBef>
+                <a:spcAft>
+                  <a:spcPct val="0"/>
+                </a:spcAft>
+              </a:pPr>
+              <a:endParaRPr lang="en-US" sz="2400" dirty="0" err="1">
+                <a:gradFill>
+                  <a:gsLst>
+                    <a:gs pos="0">
+                      <a:srgbClr val="FFFFFF"/>
+                    </a:gs>
+                    <a:gs pos="100000">
+                      <a:srgbClr val="FFFFFF"/>
+                    </a:gs>
+                  </a:gsLst>
+                  <a:lin ang="5400000" scaled="0"/>
+                </a:gradFill>
+                <a:ea typeface="Segoe UI" pitchFamily="34" charset="0"/>
+                <a:cs typeface="Segoe UI" pitchFamily="34" charset="0"/>
+              </a:endParaRPr>
+            </a:p>
+          </p:txBody>
+        </p:sp>
+        <p:grpSp>
+          <p:nvGrpSpPr>
+            <p:cNvPr id="108" name="Group 107"/>
+            <p:cNvGrpSpPr/>
+            <p:nvPr/>
+          </p:nvGrpSpPr>
+          <p:grpSpPr>
+            <a:xfrm>
+              <a:off x="10139517" y="1293528"/>
+              <a:ext cx="1103733" cy="1619304"/>
+              <a:chOff x="10115094" y="1395289"/>
+              <a:chExt cx="1103733" cy="1619304"/>
+            </a:xfrm>
+          </p:grpSpPr>
+          <p:pic>
+            <p:nvPicPr>
+              <p:cNvPr id="4" name="Picture 3"/>
+              <p:cNvPicPr>
+                <a:picLocks noChangeAspect="1"/>
+              </p:cNvPicPr>
+              <p:nvPr/>
+            </p:nvPicPr>
+            <p:blipFill>
+              <a:blip r:embed="rId13"/>
+              <a:stretch>
+                <a:fillRect/>
+              </a:stretch>
+            </p:blipFill>
+            <p:spPr>
+              <a:xfrm>
+                <a:off x="10236144" y="2117251"/>
+                <a:ext cx="861633" cy="897342"/>
+              </a:xfrm>
+              <a:prstGeom prst="rect">
+                <a:avLst/>
+              </a:prstGeom>
+            </p:spPr>
+          </p:pic>
+          <p:sp>
+            <p:nvSpPr>
+              <p:cNvPr id="41" name="TextBox 40"/>
+              <p:cNvSpPr txBox="1"/>
+              <p:nvPr/>
+            </p:nvSpPr>
+            <p:spPr>
+              <a:xfrm>
+                <a:off x="10115094" y="1395289"/>
+                <a:ext cx="1103733" cy="646331"/>
+              </a:xfrm>
+              <a:prstGeom prst="rect">
+                <a:avLst/>
+              </a:prstGeom>
+              <a:noFill/>
+            </p:spPr>
+            <p:txBody>
+              <a:bodyPr wrap="square" rtlCol="0">
+                <a:spAutoFit/>
+              </a:bodyPr>
+              <a:lstStyle/>
+              <a:p>
+                <a:pPr marL="0" marR="0" lvl="0" indent="0" algn="ctr" defTabSz="914400" eaLnBrk="1" fontAlgn="auto" latinLnBrk="0" hangingPunct="1">
+                  <a:lnSpc>
+                    <a:spcPct val="100000"/>
+                  </a:lnSpc>
+                  <a:spcBef>
+                    <a:spcPts val="0"/>
+                  </a:spcBef>
+                  <a:spcAft>
+                    <a:spcPts val="0"/>
+                  </a:spcAft>
+                  <a:buClrTx/>
+                  <a:buSzTx/>
+                  <a:buFontTx/>
+                  <a:buNone/>
+                  <a:tabLst/>
+                  <a:defRPr/>
+                </a:pPr>
+                <a:r>
+                  <a:rPr kumimoji="0" lang="en-US" sz="1800" b="0" i="0" u="none" strike="noStrike" kern="0" cap="none" spc="0" normalizeH="0" baseline="0" noProof="0" dirty="0">
+                    <a:ln>
+                      <a:noFill/>
+                    </a:ln>
+                    <a:solidFill>
+                      <a:schemeClr val="accent1"/>
+                    </a:solidFill>
+                    <a:effectLst/>
+                    <a:uLnTx/>
+                    <a:uFillTx/>
+                    <a:latin typeface="Segoe UI Semibold" panose="020B0702040204020203" pitchFamily="34" charset="0"/>
+                    <a:cs typeface="Segoe UI" panose="020B0502040204020203" pitchFamily="34" charset="0"/>
+                  </a:rPr>
+                  <a:t>AZURE DOC</a:t>
+                </a:r>
+                <a:r>
+                  <a:rPr kumimoji="0" lang="en-US" sz="1800" b="0" i="0" u="none" strike="noStrike" kern="0" cap="none" spc="0" normalizeH="0" noProof="0" dirty="0">
+                    <a:ln>
+                      <a:noFill/>
+                    </a:ln>
+                    <a:solidFill>
+                      <a:schemeClr val="accent1"/>
+                    </a:solidFill>
+                    <a:effectLst/>
+                    <a:uLnTx/>
+                    <a:uFillTx/>
+                    <a:latin typeface="Segoe UI Semibold" panose="020B0702040204020203" pitchFamily="34" charset="0"/>
+                    <a:cs typeface="Segoe UI" panose="020B0502040204020203" pitchFamily="34" charset="0"/>
+                  </a:rPr>
+                  <a:t> DB</a:t>
+                </a:r>
+                <a:endParaRPr kumimoji="0" lang="en-US" sz="1800" b="0" i="0" u="none" strike="noStrike" kern="0" cap="none" spc="0" normalizeH="0" baseline="0" noProof="0" dirty="0">
+                  <a:ln>
+                    <a:noFill/>
+                  </a:ln>
+                  <a:solidFill>
+                    <a:schemeClr val="accent1"/>
+                  </a:solidFill>
+                  <a:effectLst/>
+                  <a:uLnTx/>
+                  <a:uFillTx/>
+                  <a:latin typeface="Segoe UI Semibold" panose="020B0702040204020203" pitchFamily="34" charset="0"/>
+                  <a:cs typeface="Segoe UI" panose="020B0502040204020203" pitchFamily="34" charset="0"/>
+                </a:endParaRPr>
+              </a:p>
+            </p:txBody>
+          </p:sp>
+        </p:grpSp>
+      </p:grpSp>
+      <p:cxnSp>
+        <p:nvCxnSpPr>
+          <p:cNvPr id="24" name="Straight Arrow Connector 23"/>
+          <p:cNvCxnSpPr/>
+          <p:nvPr/>
+        </p:nvCxnSpPr>
+        <p:spPr>
+          <a:xfrm>
+            <a:off x="9284202" y="2088670"/>
+            <a:ext cx="721381" cy="0"/>
+          </a:xfrm>
+          <a:prstGeom prst="straightConnector1">
+            <a:avLst/>
+          </a:prstGeom>
+          <a:ln>
+            <a:solidFill>
+              <a:schemeClr val="tx1"/>
+            </a:solidFill>
+            <a:headEnd type="none"/>
+            <a:tailEnd type="triangle"/>
+          </a:ln>
+        </p:spPr>
+        <p:style>
+          <a:lnRef idx="1">
+            <a:schemeClr val="accent1"/>
+          </a:lnRef>
+          <a:fillRef idx="0">
+            <a:schemeClr val="accent1"/>
+          </a:fillRef>
+          <a:effectRef idx="0">
+            <a:schemeClr val="accent1"/>
+          </a:effectRef>
+          <a:fontRef idx="minor">
+            <a:schemeClr val="tx1"/>
+          </a:fontRef>
+        </p:style>
+      </p:cxnSp>
+      <p:cxnSp>
+        <p:nvCxnSpPr>
+          <p:cNvPr id="26" name="Straight Arrow Connector 25"/>
+          <p:cNvCxnSpPr>
+            <a:stCxn id="59" idx="2"/>
+            <a:endCxn id="53" idx="0"/>
+          </p:cNvCxnSpPr>
+          <p:nvPr/>
+        </p:nvCxnSpPr>
+        <p:spPr>
+          <a:xfrm>
+            <a:off x="1333450" y="4216730"/>
+            <a:ext cx="0" cy="499732"/>
+          </a:xfrm>
+          <a:prstGeom prst="straightConnector1">
+            <a:avLst/>
+          </a:prstGeom>
+          <a:ln w="38100">
+            <a:solidFill>
+              <a:schemeClr val="tx1"/>
+            </a:solidFill>
+            <a:headEnd type="triangle" w="med" len="med"/>
+            <a:tailEnd type="triangle" w="med" len="med"/>
+          </a:ln>
+        </p:spPr>
+        <p:style>
+          <a:lnRef idx="1">
+            <a:schemeClr val="accent1"/>
+          </a:lnRef>
+          <a:fillRef idx="0">
+            <a:schemeClr val="accent1"/>
+          </a:fillRef>
+          <a:effectRef idx="0">
+            <a:schemeClr val="accent1"/>
+          </a:effectRef>
+          <a:fontRef idx="minor">
+            <a:schemeClr val="tx1"/>
+          </a:fontRef>
+        </p:style>
+      </p:cxnSp>
+      <p:grpSp>
+        <p:nvGrpSpPr>
+          <p:cNvPr id="81" name="Group 80"/>
+          <p:cNvGrpSpPr/>
+          <p:nvPr/>
+        </p:nvGrpSpPr>
+        <p:grpSpPr>
+          <a:xfrm>
+            <a:off x="10603038" y="4716462"/>
+            <a:ext cx="1495461" cy="1828800"/>
+            <a:chOff x="10603038" y="4721677"/>
+            <a:chExt cx="1495461" cy="1828800"/>
+          </a:xfrm>
+        </p:grpSpPr>
+        <p:sp>
+          <p:nvSpPr>
+            <p:cNvPr id="110" name="Rectangle: Rounded Corners 109"/>
+            <p:cNvSpPr/>
+            <p:nvPr/>
+          </p:nvSpPr>
+          <p:spPr bwMode="auto">
+            <a:xfrm>
+              <a:off x="10638974" y="4721677"/>
+              <a:ext cx="1371600" cy="1828800"/>
+            </a:xfrm>
+            <a:prstGeom prst="roundRect">
+              <a:avLst/>
+            </a:prstGeom>
+            <a:ln>
+              <a:headEnd type="none" w="med" len="med"/>
+              <a:tailEnd type="none" w="med" len="med"/>
+            </a:ln>
+          </p:spPr>
+          <p:style>
+            <a:lnRef idx="2">
+              <a:schemeClr val="accent2"/>
+            </a:lnRef>
+            <a:fillRef idx="1">
+              <a:schemeClr val="lt1"/>
+            </a:fillRef>
+            <a:effectRef idx="0">
+              <a:schemeClr val="accent2"/>
+            </a:effectRef>
+            <a:fontRef idx="minor">
+              <a:schemeClr val="dk1"/>
+            </a:fontRef>
+          </p:style>
+          <p:txBody>
+            <a:bodyPr rot="0" spcFirstLastPara="0" vertOverflow="overflow" horzOverflow="overflow" vert="horz" wrap="square" lIns="182880" tIns="146304" rIns="182880" bIns="146304" numCol="1" spcCol="0" rtlCol="0" fromWordArt="0" anchor="t" anchorCtr="0" forceAA="0" compatLnSpc="1">
+              <a:prstTxWarp prst="textNoShape">
+                <a:avLst/>
+              </a:prstTxWarp>
+              <a:noAutofit/>
+            </a:bodyPr>
+            <a:lstStyle/>
+            <a:p>
+              <a:pPr algn="ctr" defTabSz="932472" fontAlgn="base">
+                <a:lnSpc>
+                  <a:spcPct val="90000"/>
+                </a:lnSpc>
+                <a:spcBef>
+                  <a:spcPct val="0"/>
+                </a:spcBef>
+                <a:spcAft>
+                  <a:spcPct val="0"/>
+                </a:spcAft>
+              </a:pPr>
+              <a:endParaRPr lang="en-US" sz="2400" dirty="0" err="1">
+                <a:gradFill>
+                  <a:gsLst>
+                    <a:gs pos="0">
+                      <a:srgbClr val="FFFFFF"/>
+                    </a:gs>
+                    <a:gs pos="100000">
+                      <a:srgbClr val="FFFFFF"/>
+                    </a:gs>
+                  </a:gsLst>
+                  <a:lin ang="5400000" scaled="0"/>
+                </a:gradFill>
+                <a:ea typeface="Segoe UI" pitchFamily="34" charset="0"/>
+                <a:cs typeface="Segoe UI" pitchFamily="34" charset="0"/>
+              </a:endParaRPr>
+            </a:p>
+          </p:txBody>
+        </p:sp>
+        <p:grpSp>
+          <p:nvGrpSpPr>
+            <p:cNvPr id="80" name="Group 79"/>
+            <p:cNvGrpSpPr/>
+            <p:nvPr/>
+          </p:nvGrpSpPr>
+          <p:grpSpPr>
+            <a:xfrm>
+              <a:off x="10603038" y="4969750"/>
+              <a:ext cx="1495461" cy="1254861"/>
+              <a:chOff x="10603038" y="4985601"/>
+              <a:chExt cx="1495461" cy="1254861"/>
+            </a:xfrm>
+          </p:grpSpPr>
+          <p:sp>
+            <p:nvSpPr>
+              <p:cNvPr id="104" name="TextBox 103"/>
+              <p:cNvSpPr txBox="1"/>
+              <p:nvPr/>
+            </p:nvSpPr>
+            <p:spPr>
+              <a:xfrm>
+                <a:off x="10603038" y="4985601"/>
+                <a:ext cx="1495461" cy="646331"/>
+              </a:xfrm>
+              <a:prstGeom prst="rect">
+                <a:avLst/>
+              </a:prstGeom>
+              <a:noFill/>
+            </p:spPr>
+            <p:txBody>
+              <a:bodyPr wrap="square" rtlCol="0">
+                <a:spAutoFit/>
+              </a:bodyPr>
+              <a:lstStyle/>
+              <a:p>
+                <a:pPr marL="0" marR="0" lvl="0" indent="0" algn="ctr" defTabSz="914400" eaLnBrk="1" fontAlgn="auto" latinLnBrk="0" hangingPunct="1">
+                  <a:lnSpc>
+                    <a:spcPct val="100000"/>
+                  </a:lnSpc>
+                  <a:spcBef>
+                    <a:spcPts val="0"/>
+                  </a:spcBef>
+                  <a:spcAft>
+                    <a:spcPts val="0"/>
+                  </a:spcAft>
+                  <a:buClrTx/>
+                  <a:buSzTx/>
+                  <a:buFontTx/>
+                  <a:buNone/>
+                  <a:tabLst/>
+                  <a:defRPr/>
+                </a:pPr>
+                <a:r>
+                  <a:rPr kumimoji="0" lang="en-US" sz="1800" b="0" i="0" u="none" strike="noStrike" kern="0" cap="none" spc="0" normalizeH="0" baseline="0" noProof="0" dirty="0">
+                    <a:ln>
+                      <a:noFill/>
+                    </a:ln>
+                    <a:solidFill>
+                      <a:schemeClr val="accent1"/>
+                    </a:solidFill>
+                    <a:effectLst/>
+                    <a:uLnTx/>
+                    <a:uFillTx/>
+                    <a:latin typeface="Segoe UI Semibold" panose="020B0702040204020203" pitchFamily="34" charset="0"/>
+                    <a:cs typeface="Segoe UI" panose="020B0502040204020203" pitchFamily="34" charset="0"/>
+                  </a:rPr>
+                  <a:t>AZURE FUNCTION</a:t>
+                </a:r>
+              </a:p>
+            </p:txBody>
+          </p:sp>
+          <p:pic>
+            <p:nvPicPr>
+              <p:cNvPr id="76" name="Picture 75"/>
+              <p:cNvPicPr>
+                <a:picLocks noChangeAspect="1"/>
+              </p:cNvPicPr>
+              <p:nvPr/>
+            </p:nvPicPr>
+            <p:blipFill>
+              <a:blip r:embed="rId14">
+                <a:duotone>
+                  <a:schemeClr val="accent4">
+                    <a:shade val="45000"/>
+                    <a:satMod val="135000"/>
+                  </a:schemeClr>
+                  <a:prstClr val="white"/>
+                </a:duotone>
+              </a:blip>
+              <a:stretch>
+                <a:fillRect/>
+              </a:stretch>
+            </p:blipFill>
+            <p:spPr>
+              <a:xfrm>
+                <a:off x="11087012" y="5742362"/>
+                <a:ext cx="527513" cy="498100"/>
+              </a:xfrm>
+              <a:prstGeom prst="rect">
+                <a:avLst/>
+              </a:prstGeom>
+            </p:spPr>
+          </p:pic>
+        </p:grpSp>
+      </p:grpSp>
+      <p:grpSp>
+        <p:nvGrpSpPr>
+          <p:cNvPr id="131" name="Group 130"/>
+          <p:cNvGrpSpPr/>
+          <p:nvPr/>
+        </p:nvGrpSpPr>
+        <p:grpSpPr>
+          <a:xfrm>
+            <a:off x="3199922" y="4716462"/>
+            <a:ext cx="1474094" cy="1828800"/>
+            <a:chOff x="3199922" y="4758923"/>
+            <a:chExt cx="1474094" cy="1828800"/>
+          </a:xfrm>
+        </p:grpSpPr>
+        <p:sp>
+          <p:nvSpPr>
+            <p:cNvPr id="105" name="Rectangle: Rounded Corners 104"/>
+            <p:cNvSpPr/>
+            <p:nvPr/>
+          </p:nvSpPr>
+          <p:spPr bwMode="auto">
+            <a:xfrm>
+              <a:off x="3251169" y="4758923"/>
+              <a:ext cx="1371600" cy="1828800"/>
+            </a:xfrm>
+            <a:prstGeom prst="roundRect">
+              <a:avLst/>
+            </a:prstGeom>
+            <a:ln>
+              <a:headEnd type="none" w="med" len="med"/>
+              <a:tailEnd type="none" w="med" len="med"/>
+            </a:ln>
+          </p:spPr>
+          <p:style>
+            <a:lnRef idx="2">
+              <a:schemeClr val="accent2"/>
+            </a:lnRef>
+            <a:fillRef idx="1">
+              <a:schemeClr val="lt1"/>
+            </a:fillRef>
+            <a:effectRef idx="0">
+              <a:schemeClr val="accent2"/>
+            </a:effectRef>
+            <a:fontRef idx="minor">
+              <a:schemeClr val="dk1"/>
+            </a:fontRef>
+          </p:style>
+          <p:txBody>
+            <a:bodyPr rot="0" spcFirstLastPara="0" vertOverflow="overflow" horzOverflow="overflow" vert="horz" wrap="square" lIns="182880" tIns="146304" rIns="182880" bIns="146304" numCol="1" spcCol="0" rtlCol="0" fromWordArt="0" anchor="t" anchorCtr="0" forceAA="0" compatLnSpc="1">
+              <a:prstTxWarp prst="textNoShape">
+                <a:avLst/>
+              </a:prstTxWarp>
+              <a:noAutofit/>
+            </a:bodyPr>
+            <a:lstStyle/>
+            <a:p>
+              <a:pPr algn="ctr" defTabSz="932472" fontAlgn="base">
+                <a:lnSpc>
+                  <a:spcPct val="90000"/>
+                </a:lnSpc>
+                <a:spcBef>
+                  <a:spcPct val="0"/>
+                </a:spcBef>
+                <a:spcAft>
+                  <a:spcPct val="0"/>
+                </a:spcAft>
+              </a:pPr>
+              <a:endParaRPr lang="en-US" sz="2400" dirty="0" err="1">
+                <a:gradFill>
+                  <a:gsLst>
+                    <a:gs pos="0">
+                      <a:srgbClr val="FFFFFF"/>
+                    </a:gs>
+                    <a:gs pos="100000">
+                      <a:srgbClr val="FFFFFF"/>
+                    </a:gs>
+                  </a:gsLst>
+                  <a:lin ang="5400000" scaled="0"/>
+                </a:gradFill>
+                <a:ea typeface="Segoe UI" pitchFamily="34" charset="0"/>
+                <a:cs typeface="Segoe UI" pitchFamily="34" charset="0"/>
+              </a:endParaRPr>
+            </a:p>
+          </p:txBody>
+        </p:sp>
+        <p:grpSp>
+          <p:nvGrpSpPr>
+            <p:cNvPr id="130" name="Group 129"/>
+            <p:cNvGrpSpPr/>
+            <p:nvPr/>
+          </p:nvGrpSpPr>
+          <p:grpSpPr>
+            <a:xfrm>
+              <a:off x="3199922" y="5054878"/>
+              <a:ext cx="1474094" cy="1236890"/>
+              <a:chOff x="3369195" y="4829166"/>
+              <a:chExt cx="1474094" cy="1236890"/>
+            </a:xfrm>
+          </p:grpSpPr>
+          <p:pic>
+            <p:nvPicPr>
+              <p:cNvPr id="70" name="Picture 69"/>
+              <p:cNvPicPr>
+                <a:picLocks noChangeAspect="1"/>
+              </p:cNvPicPr>
+              <p:nvPr/>
+            </p:nvPicPr>
+            <p:blipFill>
+              <a:blip r:embed="rId15">
+                <a:duotone>
+                  <a:schemeClr val="accent4">
+                    <a:shade val="45000"/>
+                    <a:satMod val="135000"/>
+                  </a:schemeClr>
+                  <a:prstClr val="white"/>
+                </a:duotone>
+              </a:blip>
+              <a:stretch>
+                <a:fillRect/>
+              </a:stretch>
+            </p:blipFill>
+            <p:spPr>
+              <a:xfrm>
+                <a:off x="3583614" y="5382389"/>
+                <a:ext cx="1045256" cy="683667"/>
+              </a:xfrm>
+              <a:prstGeom prst="rect">
+                <a:avLst/>
+              </a:prstGeom>
+            </p:spPr>
+          </p:pic>
+          <p:sp>
+            <p:nvSpPr>
+              <p:cNvPr id="107" name="TextBox 106"/>
+              <p:cNvSpPr txBox="1"/>
+              <p:nvPr/>
+            </p:nvSpPr>
+            <p:spPr>
+              <a:xfrm>
+                <a:off x="3369195" y="4829166"/>
+                <a:ext cx="1474094" cy="369332"/>
+              </a:xfrm>
+              <a:prstGeom prst="rect">
+                <a:avLst/>
+              </a:prstGeom>
+              <a:noFill/>
+            </p:spPr>
+            <p:txBody>
+              <a:bodyPr wrap="square" rtlCol="0">
+                <a:spAutoFit/>
+              </a:bodyPr>
+              <a:lstStyle/>
+              <a:p>
+                <a:pPr marL="0" marR="0" lvl="0" indent="0" algn="ctr" defTabSz="914400" eaLnBrk="1" fontAlgn="auto" latinLnBrk="0" hangingPunct="1">
+                  <a:lnSpc>
+                    <a:spcPct val="100000"/>
+                  </a:lnSpc>
+                  <a:spcBef>
+                    <a:spcPts val="0"/>
+                  </a:spcBef>
+                  <a:spcAft>
+                    <a:spcPts val="0"/>
+                  </a:spcAft>
+                  <a:buClrTx/>
+                  <a:buSzTx/>
+                  <a:buFontTx/>
+                  <a:buNone/>
+                  <a:tabLst/>
+                  <a:defRPr/>
+                </a:pPr>
+                <a:r>
+                  <a:rPr kumimoji="0" lang="en-US" sz="1800" b="0" i="0" u="none" strike="noStrike" kern="0" cap="none" spc="0" normalizeH="0" baseline="0" noProof="0" dirty="0">
+                    <a:ln>
+                      <a:noFill/>
+                    </a:ln>
+                    <a:solidFill>
+                      <a:schemeClr val="accent1"/>
+                    </a:solidFill>
+                    <a:effectLst/>
+                    <a:uLnTx/>
+                    <a:uFillTx/>
+                    <a:latin typeface="Segoe UI Semibold" panose="020B0702040204020203" pitchFamily="34" charset="0"/>
+                    <a:cs typeface="Segoe UI" panose="020B0502040204020203" pitchFamily="34" charset="0"/>
+                  </a:rPr>
+                  <a:t>O365</a:t>
+                </a:r>
+                <a:r>
+                  <a:rPr kumimoji="0" lang="en-US" sz="1800" b="0" i="0" u="none" strike="noStrike" kern="0" cap="none" spc="0" normalizeH="0" noProof="0" dirty="0">
+                    <a:ln>
+                      <a:noFill/>
+                    </a:ln>
+                    <a:solidFill>
+                      <a:schemeClr val="accent1"/>
+                    </a:solidFill>
+                    <a:effectLst/>
+                    <a:uLnTx/>
+                    <a:uFillTx/>
+                    <a:latin typeface="Segoe UI Semibold" panose="020B0702040204020203" pitchFamily="34" charset="0"/>
+                    <a:cs typeface="Segoe UI" panose="020B0502040204020203" pitchFamily="34" charset="0"/>
+                  </a:rPr>
+                  <a:t> APIs</a:t>
+                </a:r>
+                <a:endParaRPr kumimoji="0" lang="en-US" sz="1800" b="0" i="0" u="none" strike="noStrike" kern="0" cap="none" spc="0" normalizeH="0" baseline="0" noProof="0" dirty="0">
+                  <a:ln>
+                    <a:noFill/>
+                  </a:ln>
+                  <a:solidFill>
+                    <a:schemeClr val="accent1"/>
+                  </a:solidFill>
+                  <a:effectLst/>
+                  <a:uLnTx/>
+                  <a:uFillTx/>
+                  <a:latin typeface="Segoe UI Semibold" panose="020B0702040204020203" pitchFamily="34" charset="0"/>
+                  <a:cs typeface="Segoe UI" panose="020B0502040204020203" pitchFamily="34" charset="0"/>
+                </a:endParaRPr>
+              </a:p>
+            </p:txBody>
+          </p:sp>
+        </p:grpSp>
+      </p:grpSp>
       <p:sp>
         <p:nvSpPr>
-          <p:cNvPr id="95" name="Oval 94"/>
+          <p:cNvPr id="45" name="Oval 44"/>
           <p:cNvSpPr/>
           <p:nvPr/>
         </p:nvSpPr>
         <p:spPr>
           <a:xfrm>
-            <a:off x="4881150" y="2776316"/>
+            <a:off x="9799637" y="1195755"/>
             <a:ext cx="444097" cy="426129"/>
           </a:xfrm>
           <a:prstGeom prst="ellipse">
@@ -16601,78 +18009,20 @@
                 <a:uFillTx/>
                 <a:latin typeface="Segoe UI Semibold" panose="020B0702040204020203" pitchFamily="34" charset="0"/>
               </a:rPr>
-              <a:t>3</a:t>
+              <a:t>4</a:t>
             </a:r>
           </a:p>
         </p:txBody>
       </p:sp>
       <p:sp>
         <p:nvSpPr>
-          <p:cNvPr id="96" name="TextBox 95"/>
-          <p:cNvSpPr txBox="1"/>
-          <p:nvPr/>
-        </p:nvSpPr>
-        <p:spPr>
-          <a:xfrm>
-            <a:off x="6461106" y="4375206"/>
-            <a:ext cx="1509731" cy="646331"/>
-          </a:xfrm>
-          <a:prstGeom prst="rect">
-            <a:avLst/>
-          </a:prstGeom>
-          <a:noFill/>
-        </p:spPr>
-        <p:txBody>
-          <a:bodyPr wrap="square" rtlCol="0">
-            <a:spAutoFit/>
-          </a:bodyPr>
-          <a:lstStyle/>
-          <a:p>
-            <a:pPr marL="0" marR="0" lvl="0" indent="0" defTabSz="914400" eaLnBrk="1" fontAlgn="auto" latinLnBrk="0" hangingPunct="1">
-              <a:lnSpc>
-                <a:spcPct val="100000"/>
-              </a:lnSpc>
-              <a:spcBef>
-                <a:spcPts val="0"/>
-              </a:spcBef>
-              <a:spcAft>
-                <a:spcPts val="0"/>
-              </a:spcAft>
-              <a:buClrTx/>
-              <a:buSzTx/>
-              <a:buFontTx/>
-              <a:buNone/>
-              <a:tabLst/>
-              <a:defRPr/>
-            </a:pPr>
-            <a:r>
-              <a:rPr kumimoji="0" lang="en-US" sz="1800" b="0" i="0" u="none" strike="noStrike" kern="0" cap="none" spc="0" normalizeH="0" baseline="0" noProof="0" dirty="0">
-                <a:ln>
-                  <a:noFill/>
-                </a:ln>
-                <a:solidFill>
-                  <a:schemeClr val="accent1"/>
-                </a:solidFill>
-                <a:effectLst/>
-                <a:uLnTx/>
-                <a:uFillTx/>
-                <a:latin typeface="Segoe UI Semibold" panose="020B0702040204020203" pitchFamily="34" charset="0"/>
-                <a:cs typeface="Segoe UI" panose="020B0502040204020203" pitchFamily="34" charset="0"/>
-              </a:rPr>
-              <a:t>AZURE CACHE</a:t>
-            </a:r>
-          </a:p>
-        </p:txBody>
-      </p:sp>
-      <p:sp>
-        <p:nvSpPr>
-          <p:cNvPr id="97" name="Oval 96"/>
+          <p:cNvPr id="50" name="Oval 49"/>
           <p:cNvSpPr/>
           <p:nvPr/>
         </p:nvSpPr>
         <p:spPr>
           <a:xfrm>
-            <a:off x="6011405" y="4485307"/>
+            <a:off x="7767341" y="1195755"/>
             <a:ext cx="444097" cy="426129"/>
           </a:xfrm>
           <a:prstGeom prst="ellipse">
@@ -16742,27 +18092,46 @@
       </p:sp>
       <p:sp>
         <p:nvSpPr>
-          <p:cNvPr id="98" name="TextBox 97"/>
-          <p:cNvSpPr txBox="1"/>
+          <p:cNvPr id="52" name="Oval 51"/>
+          <p:cNvSpPr/>
           <p:nvPr/>
         </p:nvSpPr>
         <p:spPr>
           <a:xfrm>
-            <a:off x="3568456" y="4451131"/>
-            <a:ext cx="1495461" cy="369332"/>
+            <a:off x="5610016" y="4679391"/>
+            <a:ext cx="444098" cy="426129"/>
           </a:xfrm>
-          <a:prstGeom prst="rect">
+          <a:prstGeom prst="ellipse">
             <a:avLst/>
           </a:prstGeom>
-          <a:noFill/>
+          <a:solidFill>
+            <a:schemeClr val="tx2"/>
+          </a:solidFill>
+          <a:ln w="25400">
+            <a:noFill/>
+          </a:ln>
         </p:spPr>
+        <p:style>
+          <a:lnRef idx="2">
+            <a:schemeClr val="accent1">
+              <a:shade val="50000"/>
+            </a:schemeClr>
+          </a:lnRef>
+          <a:fillRef idx="1">
+            <a:schemeClr val="accent1"/>
+          </a:fillRef>
+          <a:effectRef idx="0">
+            <a:schemeClr val="accent1"/>
+          </a:effectRef>
+          <a:fontRef idx="minor">
+            <a:schemeClr val="lt1"/>
+          </a:fontRef>
+        </p:style>
         <p:txBody>
-          <a:bodyPr wrap="square" rtlCol="0">
-            <a:spAutoFit/>
-          </a:bodyPr>
+          <a:bodyPr rtlCol="0" anchor="ctr"/>
           <a:lstStyle/>
           <a:p>
-            <a:pPr marL="0" marR="0" lvl="0" indent="0" defTabSz="914400" eaLnBrk="1" fontAlgn="auto" latinLnBrk="0" hangingPunct="1">
+            <a:pPr marL="0" marR="0" lvl="0" indent="0" algn="ctr" defTabSz="914400" eaLnBrk="1" fontAlgn="auto" latinLnBrk="0" hangingPunct="1">
               <a:lnSpc>
                 <a:spcPct val="100000"/>
               </a:lnSpc>
@@ -16780,33 +18149,32 @@
               <a:defRPr/>
             </a:pPr>
             <a:r>
-              <a:rPr kumimoji="0" lang="en-US" sz="1800" b="0" i="0" u="none" strike="noStrike" kern="0" cap="none" spc="0" normalizeH="0" baseline="0" noProof="0" dirty="0">
+              <a:rPr kumimoji="0" lang="en-US" sz="2000" b="0" i="0" u="none" strike="noStrike" kern="0" cap="none" spc="0" normalizeH="0" baseline="0" noProof="0" dirty="0">
                 <a:ln>
                   <a:noFill/>
                 </a:ln>
                 <a:solidFill>
-                  <a:schemeClr val="accent1"/>
+                  <a:schemeClr val="bg1"/>
                 </a:solidFill>
                 <a:effectLst/>
                 <a:uLnTx/>
                 <a:uFillTx/>
                 <a:latin typeface="Segoe UI Semibold" panose="020B0702040204020203" pitchFamily="34" charset="0"/>
-                <a:cs typeface="Segoe UI" panose="020B0502040204020203" pitchFamily="34" charset="0"/>
               </a:rPr>
-              <a:t>AZURE AD</a:t>
+              <a:t>5</a:t>
             </a:r>
           </a:p>
         </p:txBody>
       </p:sp>
       <p:sp>
         <p:nvSpPr>
-          <p:cNvPr id="99" name="Oval 98"/>
+          <p:cNvPr id="54" name="Oval 53"/>
           <p:cNvSpPr/>
           <p:nvPr/>
         </p:nvSpPr>
         <p:spPr>
           <a:xfrm>
-            <a:off x="3118755" y="4561232"/>
+            <a:off x="440140" y="4679391"/>
             <a:ext cx="444097" cy="426129"/>
           </a:xfrm>
           <a:prstGeom prst="ellipse">
@@ -16869,78 +18237,20 @@
                 <a:uFillTx/>
                 <a:latin typeface="Segoe UI Semibold" panose="020B0702040204020203" pitchFamily="34" charset="0"/>
               </a:rPr>
-              <a:t>3</a:t>
+              <a:t>2</a:t>
             </a:r>
           </a:p>
         </p:txBody>
       </p:sp>
       <p:sp>
         <p:nvSpPr>
-          <p:cNvPr id="100" name="TextBox 99"/>
-          <p:cNvSpPr txBox="1"/>
-          <p:nvPr/>
-        </p:nvSpPr>
-        <p:spPr>
-          <a:xfrm>
-            <a:off x="1672430" y="4433533"/>
-            <a:ext cx="1495461" cy="369332"/>
-          </a:xfrm>
-          <a:prstGeom prst="rect">
-            <a:avLst/>
-          </a:prstGeom>
-          <a:noFill/>
-        </p:spPr>
-        <p:txBody>
-          <a:bodyPr wrap="square" rtlCol="0">
-            <a:spAutoFit/>
-          </a:bodyPr>
-          <a:lstStyle/>
-          <a:p>
-            <a:pPr marL="0" marR="0" lvl="0" indent="0" defTabSz="914400" eaLnBrk="1" fontAlgn="auto" latinLnBrk="0" hangingPunct="1">
-              <a:lnSpc>
-                <a:spcPct val="100000"/>
-              </a:lnSpc>
-              <a:spcBef>
-                <a:spcPts val="0"/>
-              </a:spcBef>
-              <a:spcAft>
-                <a:spcPts val="0"/>
-              </a:spcAft>
-              <a:buClrTx/>
-              <a:buSzTx/>
-              <a:buFontTx/>
-              <a:buNone/>
-              <a:tabLst/>
-              <a:defRPr/>
-            </a:pPr>
-            <a:r>
-              <a:rPr kumimoji="0" lang="en-US" sz="1800" b="0" i="0" u="none" strike="noStrike" kern="0" cap="none" spc="0" normalizeH="0" baseline="0" noProof="0" dirty="0">
-                <a:ln>
-                  <a:noFill/>
-                </a:ln>
-                <a:solidFill>
-                  <a:schemeClr val="accent1"/>
-                </a:solidFill>
-                <a:effectLst/>
-                <a:uLnTx/>
-                <a:uFillTx/>
-                <a:latin typeface="Segoe UI Semibold" panose="020B0702040204020203" pitchFamily="34" charset="0"/>
-                <a:cs typeface="Segoe UI" panose="020B0502040204020203" pitchFamily="34" charset="0"/>
-              </a:rPr>
-              <a:t>VSTS</a:t>
-            </a:r>
-          </a:p>
-        </p:txBody>
-      </p:sp>
-      <p:sp>
-        <p:nvSpPr>
-          <p:cNvPr id="101" name="Oval 100"/>
+          <p:cNvPr id="56" name="Oval 55"/>
           <p:cNvSpPr/>
           <p:nvPr/>
         </p:nvSpPr>
         <p:spPr>
           <a:xfrm>
-            <a:off x="1222729" y="4543634"/>
+            <a:off x="3536677" y="1146084"/>
             <a:ext cx="444097" cy="426129"/>
           </a:xfrm>
           <a:prstGeom prst="ellipse">
@@ -16991,6 +18301,88 @@
               <a:defRPr/>
             </a:pPr>
             <a:r>
+              <a:rPr lang="en-US" sz="2000" kern="0" dirty="0">
+                <a:solidFill>
+                  <a:schemeClr val="bg1"/>
+                </a:solidFill>
+                <a:latin typeface="Segoe UI Semibold" panose="020B0702040204020203" pitchFamily="34" charset="0"/>
+              </a:rPr>
+              <a:t>8</a:t>
+            </a:r>
+            <a:endParaRPr kumimoji="0" lang="en-US" sz="2000" b="0" i="0" u="none" strike="noStrike" kern="0" cap="none" spc="0" normalizeH="0" baseline="0" noProof="0" dirty="0">
+              <a:ln>
+                <a:noFill/>
+              </a:ln>
+              <a:solidFill>
+                <a:schemeClr val="bg1"/>
+              </a:solidFill>
+              <a:effectLst/>
+              <a:uLnTx/>
+              <a:uFillTx/>
+              <a:latin typeface="Segoe UI Semibold" panose="020B0702040204020203" pitchFamily="34" charset="0"/>
+            </a:endParaRPr>
+          </a:p>
+        </p:txBody>
+      </p:sp>
+      <p:sp>
+        <p:nvSpPr>
+          <p:cNvPr id="58" name="Oval 57"/>
+          <p:cNvSpPr/>
+          <p:nvPr/>
+        </p:nvSpPr>
+        <p:spPr>
+          <a:xfrm>
+            <a:off x="7742237" y="3627485"/>
+            <a:ext cx="444097" cy="426129"/>
+          </a:xfrm>
+          <a:prstGeom prst="ellipse">
+            <a:avLst/>
+          </a:prstGeom>
+          <a:solidFill>
+            <a:schemeClr val="tx2"/>
+          </a:solidFill>
+          <a:ln w="25400">
+            <a:noFill/>
+          </a:ln>
+        </p:spPr>
+        <p:style>
+          <a:lnRef idx="2">
+            <a:schemeClr val="accent1">
+              <a:shade val="50000"/>
+            </a:schemeClr>
+          </a:lnRef>
+          <a:fillRef idx="1">
+            <a:schemeClr val="accent1"/>
+          </a:fillRef>
+          <a:effectRef idx="0">
+            <a:schemeClr val="accent1"/>
+          </a:effectRef>
+          <a:fontRef idx="minor">
+            <a:schemeClr val="lt1"/>
+          </a:fontRef>
+        </p:style>
+        <p:txBody>
+          <a:bodyPr rtlCol="0" anchor="ctr"/>
+          <a:lstStyle/>
+          <a:p>
+            <a:pPr marL="0" marR="0" lvl="0" indent="0" algn="ctr" defTabSz="914400" eaLnBrk="1" fontAlgn="auto" latinLnBrk="0" hangingPunct="1">
+              <a:lnSpc>
+                <a:spcPct val="100000"/>
+              </a:lnSpc>
+              <a:spcBef>
+                <a:spcPts val="0"/>
+              </a:spcBef>
+              <a:spcAft>
+                <a:spcPts val="0"/>
+              </a:spcAft>
+              <a:buClrTx/>
+              <a:buSzTx/>
+              <a:buFontTx/>
+              <a:buNone/>
+              <a:tabLst/>
+              <a:defRPr/>
+            </a:pPr>
+            <a:r>
               <a:rPr kumimoji="0" lang="en-US" sz="2000" b="0" i="0" u="none" strike="noStrike" kern="0" cap="none" spc="0" normalizeH="0" baseline="0" noProof="0" dirty="0">
                 <a:ln>
                   <a:noFill/>
@@ -17003,11 +18395,821 @@
                 <a:uFillTx/>
                 <a:latin typeface="Segoe UI Semibold" panose="020B0702040204020203" pitchFamily="34" charset="0"/>
               </a:rPr>
-              <a:t>3</a:t>
+              <a:t>6</a:t>
             </a:r>
           </a:p>
         </p:txBody>
       </p:sp>
+      <p:sp>
+        <p:nvSpPr>
+          <p:cNvPr id="106" name="Oval 105"/>
+          <p:cNvSpPr/>
+          <p:nvPr/>
+        </p:nvSpPr>
+        <p:spPr>
+          <a:xfrm>
+            <a:off x="3017837" y="4679391"/>
+            <a:ext cx="444097" cy="426129"/>
+          </a:xfrm>
+          <a:prstGeom prst="ellipse">
+            <a:avLst/>
+          </a:prstGeom>
+          <a:solidFill>
+            <a:schemeClr val="tx2"/>
+          </a:solidFill>
+          <a:ln w="25400">
+            <a:noFill/>
+          </a:ln>
+        </p:spPr>
+        <p:style>
+          <a:lnRef idx="2">
+            <a:schemeClr val="accent1">
+              <a:shade val="50000"/>
+            </a:schemeClr>
+          </a:lnRef>
+          <a:fillRef idx="1">
+            <a:schemeClr val="accent1"/>
+          </a:fillRef>
+          <a:effectRef idx="0">
+            <a:schemeClr val="accent1"/>
+          </a:effectRef>
+          <a:fontRef idx="minor">
+            <a:schemeClr val="lt1"/>
+          </a:fontRef>
+        </p:style>
+        <p:txBody>
+          <a:bodyPr rtlCol="0" anchor="ctr"/>
+          <a:lstStyle/>
+          <a:p>
+            <a:pPr marL="0" marR="0" lvl="0" indent="0" algn="ctr" defTabSz="914400" eaLnBrk="1" fontAlgn="auto" latinLnBrk="0" hangingPunct="1">
+              <a:lnSpc>
+                <a:spcPct val="100000"/>
+              </a:lnSpc>
+              <a:spcBef>
+                <a:spcPts val="0"/>
+              </a:spcBef>
+              <a:spcAft>
+                <a:spcPts val="0"/>
+              </a:spcAft>
+              <a:buClrTx/>
+              <a:buSzTx/>
+              <a:buFontTx/>
+              <a:buNone/>
+              <a:tabLst/>
+              <a:defRPr/>
+            </a:pPr>
+            <a:r>
+              <a:rPr kumimoji="0" lang="en-US" sz="2000" b="0" i="0" u="none" strike="noStrike" kern="0" cap="none" spc="0" normalizeH="0" baseline="0" noProof="0" dirty="0">
+                <a:ln>
+                  <a:noFill/>
+                </a:ln>
+                <a:solidFill>
+                  <a:schemeClr val="bg1"/>
+                </a:solidFill>
+                <a:effectLst/>
+                <a:uLnTx/>
+                <a:uFillTx/>
+                <a:latin typeface="Segoe UI Semibold" panose="020B0702040204020203" pitchFamily="34" charset="0"/>
+              </a:rPr>
+              <a:t>7</a:t>
+            </a:r>
+          </a:p>
+        </p:txBody>
+      </p:sp>
+      <p:cxnSp>
+        <p:nvCxnSpPr>
+          <p:cNvPr id="138" name="Connector: Curved 137"/>
+          <p:cNvCxnSpPr>
+            <a:stCxn id="59" idx="3"/>
+            <a:endCxn id="57" idx="1"/>
+          </p:cNvCxnSpPr>
+          <p:nvPr/>
+        </p:nvCxnSpPr>
+        <p:spPr>
+          <a:xfrm>
+            <a:off x="2019250" y="3302330"/>
+            <a:ext cx="5960569" cy="1261732"/>
+          </a:xfrm>
+          <a:prstGeom prst="curvedConnector3">
+            <a:avLst>
+              <a:gd name="adj1" fmla="val 86582"/>
+            </a:avLst>
+          </a:prstGeom>
+          <a:ln w="38100">
+            <a:solidFill>
+              <a:schemeClr val="tx1"/>
+            </a:solidFill>
+            <a:headEnd type="none" w="med" len="med"/>
+            <a:tailEnd type="arrow" w="med" len="med"/>
+          </a:ln>
+        </p:spPr>
+        <p:style>
+          <a:lnRef idx="1">
+            <a:schemeClr val="accent1"/>
+          </a:lnRef>
+          <a:fillRef idx="0">
+            <a:schemeClr val="accent1"/>
+          </a:fillRef>
+          <a:effectRef idx="0">
+            <a:schemeClr val="accent1"/>
+          </a:effectRef>
+          <a:fontRef idx="minor">
+            <a:schemeClr val="tx1"/>
+          </a:fontRef>
+        </p:style>
+      </p:cxnSp>
+      <p:cxnSp>
+        <p:nvCxnSpPr>
+          <p:cNvPr id="142" name="Connector: Curved 141"/>
+          <p:cNvCxnSpPr>
+            <a:stCxn id="59" idx="3"/>
+            <a:endCxn id="51" idx="0"/>
+          </p:cNvCxnSpPr>
+          <p:nvPr/>
+        </p:nvCxnSpPr>
+        <p:spPr>
+          <a:xfrm>
+            <a:off x="2019250" y="3302330"/>
+            <a:ext cx="4485345" cy="1414132"/>
+          </a:xfrm>
+          <a:prstGeom prst="curvedConnector2">
+            <a:avLst/>
+          </a:prstGeom>
+          <a:ln w="38100">
+            <a:solidFill>
+              <a:schemeClr val="tx1"/>
+            </a:solidFill>
+            <a:headEnd type="none" w="med" len="med"/>
+            <a:tailEnd type="arrow" w="med" len="med"/>
+          </a:ln>
+        </p:spPr>
+        <p:style>
+          <a:lnRef idx="1">
+            <a:schemeClr val="accent1"/>
+          </a:lnRef>
+          <a:fillRef idx="0">
+            <a:schemeClr val="accent1"/>
+          </a:fillRef>
+          <a:effectRef idx="0">
+            <a:schemeClr val="accent1"/>
+          </a:effectRef>
+          <a:fontRef idx="minor">
+            <a:schemeClr val="tx1"/>
+          </a:fontRef>
+        </p:style>
+      </p:cxnSp>
+      <p:cxnSp>
+        <p:nvCxnSpPr>
+          <p:cNvPr id="144" name="Connector: Curved 143"/>
+          <p:cNvCxnSpPr>
+            <a:stCxn id="59" idx="3"/>
+            <a:endCxn id="105" idx="0"/>
+          </p:cNvCxnSpPr>
+          <p:nvPr/>
+        </p:nvCxnSpPr>
+        <p:spPr>
+          <a:xfrm>
+            <a:off x="2019250" y="3302330"/>
+            <a:ext cx="1917719" cy="1414132"/>
+          </a:xfrm>
+          <a:prstGeom prst="curvedConnector2">
+            <a:avLst/>
+          </a:prstGeom>
+          <a:ln w="38100">
+            <a:solidFill>
+              <a:schemeClr val="tx1"/>
+            </a:solidFill>
+            <a:headEnd type="none" w="med" len="med"/>
+            <a:tailEnd type="arrow" w="med" len="med"/>
+          </a:ln>
+        </p:spPr>
+        <p:style>
+          <a:lnRef idx="1">
+            <a:schemeClr val="accent1"/>
+          </a:lnRef>
+          <a:fillRef idx="0">
+            <a:schemeClr val="accent1"/>
+          </a:fillRef>
+          <a:effectRef idx="0">
+            <a:schemeClr val="accent1"/>
+          </a:effectRef>
+          <a:fontRef idx="minor">
+            <a:schemeClr val="tx1"/>
+          </a:fontRef>
+        </p:style>
+      </p:cxnSp>
+      <p:sp>
+        <p:nvSpPr>
+          <p:cNvPr id="109" name="Rectangle 108"/>
+          <p:cNvSpPr/>
+          <p:nvPr/>
+        </p:nvSpPr>
+        <p:spPr>
+          <a:xfrm>
+            <a:off x="5007204" y="3758994"/>
+            <a:ext cx="1280160" cy="457200"/>
+          </a:xfrm>
+          <a:prstGeom prst="rect">
+            <a:avLst/>
+          </a:prstGeom>
+          <a:solidFill>
+            <a:schemeClr val="accent2"/>
+          </a:solidFill>
+          <a:ln>
+            <a:noFill/>
+          </a:ln>
+        </p:spPr>
+        <p:style>
+          <a:lnRef idx="0">
+            <a:scrgbClr r="0" g="0" b="0"/>
+          </a:lnRef>
+          <a:fillRef idx="0">
+            <a:scrgbClr r="0" g="0" b="0"/>
+          </a:fillRef>
+          <a:effectRef idx="0">
+            <a:scrgbClr r="0" g="0" b="0"/>
+          </a:effectRef>
+          <a:fontRef idx="minor">
+            <a:schemeClr val="lt1"/>
+          </a:fontRef>
+        </p:style>
+        <p:txBody>
+          <a:bodyPr wrap="square" rtlCol="0" anchor="ctr">
+            <a:spAutoFit/>
+          </a:bodyPr>
+          <a:lstStyle/>
+          <a:p>
+            <a:pPr marL="0" marR="0" lvl="0" indent="0" algn="ctr" defTabSz="914400" eaLnBrk="1" fontAlgn="auto" latinLnBrk="0" hangingPunct="1">
+              <a:lnSpc>
+                <a:spcPct val="90000"/>
+              </a:lnSpc>
+              <a:spcBef>
+                <a:spcPts val="0"/>
+              </a:spcBef>
+              <a:spcAft>
+                <a:spcPts val="0"/>
+              </a:spcAft>
+              <a:buClrTx/>
+              <a:buSzTx/>
+              <a:buFontTx/>
+              <a:buNone/>
+              <a:tabLst/>
+              <a:defRPr/>
+            </a:pPr>
+            <a:r>
+              <a:rPr lang="en-US" sz="1400" dirty="0"/>
+              <a:t>Images</a:t>
+            </a:r>
+          </a:p>
+        </p:txBody>
+      </p:sp>
+      <p:sp>
+        <p:nvSpPr>
+          <p:cNvPr id="145" name="Rectangle 144"/>
+          <p:cNvSpPr/>
+          <p:nvPr/>
+        </p:nvSpPr>
+        <p:spPr>
+          <a:xfrm>
+            <a:off x="2950712" y="3758994"/>
+            <a:ext cx="1280160" cy="457200"/>
+          </a:xfrm>
+          <a:prstGeom prst="rect">
+            <a:avLst/>
+          </a:prstGeom>
+          <a:solidFill>
+            <a:schemeClr val="accent2"/>
+          </a:solidFill>
+          <a:ln>
+            <a:noFill/>
+          </a:ln>
+        </p:spPr>
+        <p:style>
+          <a:lnRef idx="0">
+            <a:scrgbClr r="0" g="0" b="0"/>
+          </a:lnRef>
+          <a:fillRef idx="0">
+            <a:scrgbClr r="0" g="0" b="0"/>
+          </a:fillRef>
+          <a:effectRef idx="0">
+            <a:scrgbClr r="0" g="0" b="0"/>
+          </a:effectRef>
+          <a:fontRef idx="minor">
+            <a:schemeClr val="lt1"/>
+          </a:fontRef>
+        </p:style>
+        <p:txBody>
+          <a:bodyPr wrap="square" rtlCol="0" anchor="ctr">
+            <a:spAutoFit/>
+          </a:bodyPr>
+          <a:lstStyle/>
+          <a:p>
+            <a:pPr marL="0" marR="0" lvl="0" indent="0" algn="ctr" defTabSz="914400" eaLnBrk="1" fontAlgn="auto" latinLnBrk="0" hangingPunct="1">
+              <a:lnSpc>
+                <a:spcPct val="90000"/>
+              </a:lnSpc>
+              <a:spcBef>
+                <a:spcPts val="0"/>
+              </a:spcBef>
+              <a:spcAft>
+                <a:spcPts val="0"/>
+              </a:spcAft>
+              <a:buClrTx/>
+              <a:buSzTx/>
+              <a:buFontTx/>
+              <a:buNone/>
+              <a:tabLst/>
+              <a:defRPr/>
+            </a:pPr>
+            <a:r>
+              <a:rPr lang="en-US" sz="1400" dirty="0"/>
+              <a:t>Email</a:t>
+            </a:r>
+          </a:p>
+        </p:txBody>
+      </p:sp>
+      <p:sp>
+        <p:nvSpPr>
+          <p:cNvPr id="88" name="Oval 87"/>
+          <p:cNvSpPr/>
+          <p:nvPr/>
+        </p:nvSpPr>
+        <p:spPr>
+          <a:xfrm>
+            <a:off x="360828" y="2204519"/>
+            <a:ext cx="444097" cy="426129"/>
+          </a:xfrm>
+          <a:prstGeom prst="ellipse">
+            <a:avLst/>
+          </a:prstGeom>
+          <a:solidFill>
+            <a:schemeClr val="accent1"/>
+          </a:solidFill>
+          <a:ln w="25400">
+            <a:noFill/>
+          </a:ln>
+        </p:spPr>
+        <p:style>
+          <a:lnRef idx="2">
+            <a:schemeClr val="accent1">
+              <a:shade val="50000"/>
+            </a:schemeClr>
+          </a:lnRef>
+          <a:fillRef idx="1">
+            <a:schemeClr val="accent1"/>
+          </a:fillRef>
+          <a:effectRef idx="0">
+            <a:schemeClr val="accent1"/>
+          </a:effectRef>
+          <a:fontRef idx="minor">
+            <a:schemeClr val="lt1"/>
+          </a:fontRef>
+        </p:style>
+        <p:txBody>
+          <a:bodyPr rtlCol="0" anchor="ctr"/>
+          <a:lstStyle/>
+          <a:p>
+            <a:pPr marL="0" marR="0" lvl="0" indent="0" algn="ctr" defTabSz="914400" eaLnBrk="1" fontAlgn="auto" latinLnBrk="0" hangingPunct="1">
+              <a:lnSpc>
+                <a:spcPct val="100000"/>
+              </a:lnSpc>
+              <a:spcBef>
+                <a:spcPts val="0"/>
+              </a:spcBef>
+              <a:spcAft>
+                <a:spcPts val="0"/>
+              </a:spcAft>
+              <a:buClrTx/>
+              <a:buSzTx/>
+              <a:buFontTx/>
+              <a:buNone/>
+              <a:tabLst/>
+              <a:defRPr/>
+            </a:pPr>
+            <a:r>
+              <a:rPr kumimoji="0" lang="en-US" sz="2000" b="0" i="0" u="none" strike="noStrike" kern="0" cap="none" spc="0" normalizeH="0" baseline="0" noProof="0" dirty="0">
+                <a:ln>
+                  <a:noFill/>
+                </a:ln>
+                <a:solidFill>
+                  <a:schemeClr val="bg1"/>
+                </a:solidFill>
+                <a:effectLst/>
+                <a:uLnTx/>
+                <a:uFillTx/>
+                <a:latin typeface="Segoe UI Semibold" panose="020B0702040204020203" pitchFamily="34" charset="0"/>
+              </a:rPr>
+              <a:t>1</a:t>
+            </a:r>
+          </a:p>
+        </p:txBody>
+      </p:sp>
+      <p:sp>
+        <p:nvSpPr>
+          <p:cNvPr id="163" name="Oval 162"/>
+          <p:cNvSpPr/>
+          <p:nvPr/>
+        </p:nvSpPr>
+        <p:spPr>
+          <a:xfrm>
+            <a:off x="10445888" y="4679391"/>
+            <a:ext cx="444097" cy="426129"/>
+          </a:xfrm>
+          <a:prstGeom prst="ellipse">
+            <a:avLst/>
+          </a:prstGeom>
+          <a:solidFill>
+            <a:schemeClr val="tx2"/>
+          </a:solidFill>
+          <a:ln w="25400">
+            <a:noFill/>
+          </a:ln>
+        </p:spPr>
+        <p:style>
+          <a:lnRef idx="2">
+            <a:schemeClr val="accent1">
+              <a:shade val="50000"/>
+            </a:schemeClr>
+          </a:lnRef>
+          <a:fillRef idx="1">
+            <a:schemeClr val="accent1"/>
+          </a:fillRef>
+          <a:effectRef idx="0">
+            <a:schemeClr val="accent1"/>
+          </a:effectRef>
+          <a:fontRef idx="minor">
+            <a:schemeClr val="lt1"/>
+          </a:fontRef>
+        </p:style>
+        <p:txBody>
+          <a:bodyPr rtlCol="0" anchor="ctr"/>
+          <a:lstStyle/>
+          <a:p>
+            <a:pPr marL="0" marR="0" lvl="0" indent="0" algn="ctr" defTabSz="914400" eaLnBrk="1" fontAlgn="auto" latinLnBrk="0" hangingPunct="1">
+              <a:lnSpc>
+                <a:spcPct val="100000"/>
+              </a:lnSpc>
+              <a:spcBef>
+                <a:spcPts val="0"/>
+              </a:spcBef>
+              <a:spcAft>
+                <a:spcPts val="0"/>
+              </a:spcAft>
+              <a:buClrTx/>
+              <a:buSzTx/>
+              <a:buFontTx/>
+              <a:buNone/>
+              <a:tabLst/>
+              <a:defRPr/>
+            </a:pPr>
+            <a:r>
+              <a:rPr lang="en-US" sz="2000" kern="0" dirty="0">
+                <a:solidFill>
+                  <a:schemeClr val="bg1"/>
+                </a:solidFill>
+                <a:latin typeface="Segoe UI Semibold" panose="020B0702040204020203" pitchFamily="34" charset="0"/>
+              </a:rPr>
+              <a:t>8</a:t>
+            </a:r>
+            <a:endParaRPr kumimoji="0" lang="en-US" sz="2000" b="0" i="0" u="none" strike="noStrike" kern="0" cap="none" spc="0" normalizeH="0" baseline="0" noProof="0" dirty="0">
+              <a:ln>
+                <a:noFill/>
+              </a:ln>
+              <a:solidFill>
+                <a:schemeClr val="bg1"/>
+              </a:solidFill>
+              <a:effectLst/>
+              <a:uLnTx/>
+              <a:uFillTx/>
+              <a:latin typeface="Segoe UI Semibold" panose="020B0702040204020203" pitchFamily="34" charset="0"/>
+            </a:endParaRPr>
+          </a:p>
+        </p:txBody>
+      </p:sp>
+      <p:cxnSp>
+        <p:nvCxnSpPr>
+          <p:cNvPr id="165" name="Connector: Curved 164"/>
+          <p:cNvCxnSpPr>
+            <a:stCxn id="59" idx="3"/>
+            <a:endCxn id="121" idx="1"/>
+          </p:cNvCxnSpPr>
+          <p:nvPr/>
+        </p:nvCxnSpPr>
+        <p:spPr>
+          <a:xfrm flipV="1">
+            <a:off x="2019250" y="2159914"/>
+            <a:ext cx="5532662" cy="1142416"/>
+          </a:xfrm>
+          <a:prstGeom prst="curvedConnector3">
+            <a:avLst>
+              <a:gd name="adj1" fmla="val 84326"/>
+            </a:avLst>
+          </a:prstGeom>
+          <a:ln w="38100">
+            <a:solidFill>
+              <a:schemeClr val="tx1"/>
+            </a:solidFill>
+            <a:headEnd type="none" w="med" len="med"/>
+            <a:tailEnd type="arrow" w="med" len="med"/>
+          </a:ln>
+        </p:spPr>
+        <p:style>
+          <a:lnRef idx="1">
+            <a:schemeClr val="accent1"/>
+          </a:lnRef>
+          <a:fillRef idx="0">
+            <a:schemeClr val="accent1"/>
+          </a:fillRef>
+          <a:effectRef idx="0">
+            <a:schemeClr val="accent1"/>
+          </a:effectRef>
+          <a:fontRef idx="minor">
+            <a:schemeClr val="tx1"/>
+          </a:fontRef>
+        </p:style>
+      </p:cxnSp>
+      <p:sp>
+        <p:nvSpPr>
+          <p:cNvPr id="102" name="Rectangle 101"/>
+          <p:cNvSpPr/>
+          <p:nvPr/>
+        </p:nvSpPr>
+        <p:spPr>
+          <a:xfrm>
+            <a:off x="5978631" y="2499322"/>
+            <a:ext cx="1280160" cy="457200"/>
+          </a:xfrm>
+          <a:prstGeom prst="rect">
+            <a:avLst/>
+          </a:prstGeom>
+          <a:solidFill>
+            <a:schemeClr val="accent2"/>
+          </a:solidFill>
+          <a:ln>
+            <a:noFill/>
+          </a:ln>
+        </p:spPr>
+        <p:style>
+          <a:lnRef idx="0">
+            <a:scrgbClr r="0" g="0" b="0"/>
+          </a:lnRef>
+          <a:fillRef idx="0">
+            <a:scrgbClr r="0" g="0" b="0"/>
+          </a:fillRef>
+          <a:effectRef idx="0">
+            <a:scrgbClr r="0" g="0" b="0"/>
+          </a:effectRef>
+          <a:fontRef idx="minor">
+            <a:schemeClr val="lt1"/>
+          </a:fontRef>
+        </p:style>
+        <p:txBody>
+          <a:bodyPr wrap="square" rtlCol="0" anchor="ctr">
+            <a:spAutoFit/>
+          </a:bodyPr>
+          <a:lstStyle/>
+          <a:p>
+            <a:pPr marL="0" marR="0" lvl="0" indent="0" algn="ctr" defTabSz="914400" eaLnBrk="1" fontAlgn="auto" latinLnBrk="0" hangingPunct="1">
+              <a:lnSpc>
+                <a:spcPct val="90000"/>
+              </a:lnSpc>
+              <a:spcBef>
+                <a:spcPts val="0"/>
+              </a:spcBef>
+              <a:spcAft>
+                <a:spcPts val="0"/>
+              </a:spcAft>
+              <a:buClrTx/>
+              <a:buSzTx/>
+              <a:buFontTx/>
+              <a:buNone/>
+              <a:tabLst/>
+              <a:defRPr/>
+            </a:pPr>
+            <a:r>
+              <a:rPr lang="en-US" sz="1400" dirty="0"/>
+              <a:t>New Incident</a:t>
+            </a:r>
+          </a:p>
+        </p:txBody>
+      </p:sp>
+      <p:cxnSp>
+        <p:nvCxnSpPr>
+          <p:cNvPr id="186" name="Straight Arrow Connector 185"/>
+          <p:cNvCxnSpPr/>
+          <p:nvPr/>
+        </p:nvCxnSpPr>
+        <p:spPr>
+          <a:xfrm>
+            <a:off x="7226331" y="5760234"/>
+            <a:ext cx="3376707" cy="23029"/>
+          </a:xfrm>
+          <a:prstGeom prst="straightConnector1">
+            <a:avLst/>
+          </a:prstGeom>
+          <a:ln w="38100">
+            <a:solidFill>
+              <a:schemeClr val="tx1"/>
+            </a:solidFill>
+            <a:headEnd type="none"/>
+            <a:tailEnd type="triangle"/>
+          </a:ln>
+        </p:spPr>
+        <p:style>
+          <a:lnRef idx="1">
+            <a:schemeClr val="accent1"/>
+          </a:lnRef>
+          <a:fillRef idx="0">
+            <a:schemeClr val="accent1"/>
+          </a:fillRef>
+          <a:effectRef idx="0">
+            <a:schemeClr val="accent1"/>
+          </a:effectRef>
+          <a:fontRef idx="minor">
+            <a:schemeClr val="tx1"/>
+          </a:fontRef>
+        </p:style>
+      </p:cxnSp>
+      <p:cxnSp>
+        <p:nvCxnSpPr>
+          <p:cNvPr id="189" name="Connector: Curved 188"/>
+          <p:cNvCxnSpPr>
+            <a:stCxn id="55" idx="1"/>
+          </p:cNvCxnSpPr>
+          <p:nvPr/>
+        </p:nvCxnSpPr>
+        <p:spPr>
+          <a:xfrm rot="10800000" flipV="1">
+            <a:off x="2019250" y="2083124"/>
+            <a:ext cx="1734982" cy="1033138"/>
+          </a:xfrm>
+          <a:prstGeom prst="curvedConnector3">
+            <a:avLst>
+              <a:gd name="adj1" fmla="val 50000"/>
+            </a:avLst>
+          </a:prstGeom>
+          <a:ln w="38100">
+            <a:solidFill>
+              <a:schemeClr val="tx1"/>
+            </a:solidFill>
+            <a:prstDash val="sysDash"/>
+            <a:headEnd type="none"/>
+            <a:tailEnd type="triangle"/>
+          </a:ln>
+        </p:spPr>
+        <p:style>
+          <a:lnRef idx="1">
+            <a:schemeClr val="accent1"/>
+          </a:lnRef>
+          <a:fillRef idx="0">
+            <a:schemeClr val="accent1"/>
+          </a:fillRef>
+          <a:effectRef idx="0">
+            <a:schemeClr val="accent1"/>
+          </a:effectRef>
+          <a:fontRef idx="minor">
+            <a:schemeClr val="tx1"/>
+          </a:fontRef>
+        </p:style>
+      </p:cxnSp>
+      <p:cxnSp>
+        <p:nvCxnSpPr>
+          <p:cNvPr id="192" name="Straight Arrow Connector 191"/>
+          <p:cNvCxnSpPr>
+            <a:stCxn id="55" idx="3"/>
+            <a:endCxn id="121" idx="1"/>
+          </p:cNvCxnSpPr>
+          <p:nvPr/>
+        </p:nvCxnSpPr>
+        <p:spPr>
+          <a:xfrm>
+            <a:off x="5125832" y="2083124"/>
+            <a:ext cx="2426080" cy="76790"/>
+          </a:xfrm>
+          <a:prstGeom prst="straightConnector1">
+            <a:avLst/>
+          </a:prstGeom>
+          <a:ln w="38100">
+            <a:solidFill>
+              <a:schemeClr val="tx1"/>
+            </a:solidFill>
+            <a:prstDash val="sysDash"/>
+            <a:headEnd type="triangle" w="med" len="med"/>
+            <a:tailEnd type="triangle" w="med" len="med"/>
+          </a:ln>
+        </p:spPr>
+        <p:style>
+          <a:lnRef idx="1">
+            <a:schemeClr val="accent1"/>
+          </a:lnRef>
+          <a:fillRef idx="0">
+            <a:schemeClr val="accent1"/>
+          </a:fillRef>
+          <a:effectRef idx="0">
+            <a:schemeClr val="accent1"/>
+          </a:effectRef>
+          <a:fontRef idx="minor">
+            <a:schemeClr val="tx1"/>
+          </a:fontRef>
+        </p:style>
+      </p:cxnSp>
+      <p:sp>
+        <p:nvSpPr>
+          <p:cNvPr id="103" name="Rectangle 102"/>
+          <p:cNvSpPr/>
+          <p:nvPr/>
+        </p:nvSpPr>
+        <p:spPr>
+          <a:xfrm>
+            <a:off x="2157495" y="2114563"/>
+            <a:ext cx="1280160" cy="457200"/>
+          </a:xfrm>
+          <a:prstGeom prst="rect">
+            <a:avLst/>
+          </a:prstGeom>
+          <a:solidFill>
+            <a:schemeClr val="accent2"/>
+          </a:solidFill>
+          <a:ln>
+            <a:noFill/>
+          </a:ln>
+        </p:spPr>
+        <p:style>
+          <a:lnRef idx="0">
+            <a:scrgbClr r="0" g="0" b="0"/>
+          </a:lnRef>
+          <a:fillRef idx="0">
+            <a:scrgbClr r="0" g="0" b="0"/>
+          </a:fillRef>
+          <a:effectRef idx="0">
+            <a:scrgbClr r="0" g="0" b="0"/>
+          </a:effectRef>
+          <a:fontRef idx="minor">
+            <a:schemeClr val="lt1"/>
+          </a:fontRef>
+        </p:style>
+        <p:txBody>
+          <a:bodyPr wrap="square" rtlCol="0" anchor="ctr">
+            <a:spAutoFit/>
+          </a:bodyPr>
+          <a:lstStyle/>
+          <a:p>
+            <a:pPr marL="0" marR="0" lvl="0" indent="0" algn="ctr" defTabSz="914400" eaLnBrk="1" fontAlgn="auto" latinLnBrk="0" hangingPunct="1">
+              <a:lnSpc>
+                <a:spcPct val="90000"/>
+              </a:lnSpc>
+              <a:spcBef>
+                <a:spcPts val="0"/>
+              </a:spcBef>
+              <a:spcAft>
+                <a:spcPts val="0"/>
+              </a:spcAft>
+              <a:buClrTx/>
+              <a:buSzTx/>
+              <a:buFontTx/>
+              <a:buNone/>
+              <a:tabLst/>
+              <a:defRPr/>
+            </a:pPr>
+            <a:r>
+              <a:rPr lang="en-US" sz="1400" dirty="0"/>
+              <a:t>Dashboard</a:t>
+            </a:r>
+          </a:p>
+        </p:txBody>
+      </p:sp>
+      <p:pic>
+        <p:nvPicPr>
+          <p:cNvPr id="71" name="Picture 70"/>
+          <p:cNvPicPr>
+            <a:picLocks noChangeAspect="1"/>
+          </p:cNvPicPr>
+          <p:nvPr/>
+        </p:nvPicPr>
+        <p:blipFill>
+          <a:blip r:embed="rId16">
+            <a:duotone>
+              <a:schemeClr val="accent4">
+                <a:shade val="45000"/>
+                <a:satMod val="135000"/>
+              </a:schemeClr>
+              <a:prstClr val="white"/>
+            </a:duotone>
+          </a:blip>
+          <a:stretch>
+            <a:fillRect/>
+          </a:stretch>
+        </p:blipFill>
+        <p:spPr>
+          <a:xfrm>
+            <a:off x="1577998" y="4497729"/>
+            <a:ext cx="820575" cy="742267"/>
+          </a:xfrm>
+          <a:prstGeom prst="rect">
+            <a:avLst/>
+          </a:prstGeom>
+        </p:spPr>
+      </p:pic>
     </p:spTree>
     <p:custDataLst>
       <p:tags r:id="rId1"/>
@@ -17024,142 +19226,6 @@
   <p:transition>
     <p:fade/>
   </p:transition>
-  <p:timing>
-    <p:tnLst>
-      <p:par>
-        <p:cTn id="1" dur="indefinite" restart="never" nodeType="tmRoot">
-          <p:childTnLst>
-            <p:seq concurrent="1" nextAc="seek">
-              <p:cTn id="2" dur="indefinite" nodeType="mainSeq">
-                <p:childTnLst>
-                  <p:par>
-                    <p:cTn id="3" fill="hold">
-                      <p:stCondLst>
-                        <p:cond delay="indefinite"/>
-                      </p:stCondLst>
-                      <p:childTnLst>
-                        <p:par>
-                          <p:cTn id="4" fill="hold">
-                            <p:stCondLst>
-                              <p:cond delay="0"/>
-                            </p:stCondLst>
-                            <p:childTnLst>
-                              <p:par>
-                                <p:cTn id="5" presetID="22" presetClass="entr" presetSubtype="1" fill="hold" nodeType="clickEffect">
-                                  <p:stCondLst>
-                                    <p:cond delay="0"/>
-                                  </p:stCondLst>
-                                  <p:childTnLst>
-                                    <p:set>
-                                      <p:cBhvr>
-                                        <p:cTn id="6" dur="1" fill="hold">
-                                          <p:stCondLst>
-                                            <p:cond delay="0"/>
-                                          </p:stCondLst>
-                                        </p:cTn>
-                                        <p:tgtEl>
-                                          <p:spTgt spid="30"/>
-                                        </p:tgtEl>
-                                        <p:attrNameLst>
-                                          <p:attrName>style.visibility</p:attrName>
-                                        </p:attrNameLst>
-                                      </p:cBhvr>
-                                      <p:to>
-                                        <p:strVal val="visible"/>
-                                      </p:to>
-                                    </p:set>
-                                    <p:animEffect transition="in" filter="wipe(up)">
-                                      <p:cBhvr>
-                                        <p:cTn id="7" dur="750"/>
-                                        <p:tgtEl>
-                                          <p:spTgt spid="30"/>
-                                        </p:tgtEl>
-                                      </p:cBhvr>
-                                    </p:animEffect>
-                                  </p:childTnLst>
-                                </p:cTn>
-                              </p:par>
-                            </p:childTnLst>
-                          </p:cTn>
-                        </p:par>
-                      </p:childTnLst>
-                    </p:cTn>
-                  </p:par>
-                  <p:par>
-                    <p:cTn id="8" fill="hold">
-                      <p:stCondLst>
-                        <p:cond delay="indefinite"/>
-                      </p:stCondLst>
-                      <p:childTnLst>
-                        <p:par>
-                          <p:cTn id="9" fill="hold">
-                            <p:stCondLst>
-                              <p:cond delay="0"/>
-                            </p:stCondLst>
-                            <p:childTnLst>
-                              <p:par>
-                                <p:cTn id="10" presetID="22" presetClass="entr" presetSubtype="8" fill="hold" nodeType="clickEffect">
-                                  <p:stCondLst>
-                                    <p:cond delay="0"/>
-                                  </p:stCondLst>
-                                  <p:childTnLst>
-                                    <p:set>
-                                      <p:cBhvr>
-                                        <p:cTn id="11" dur="1" fill="hold">
-                                          <p:stCondLst>
-                                            <p:cond delay="0"/>
-                                          </p:stCondLst>
-                                        </p:cTn>
-                                        <p:tgtEl>
-                                          <p:spTgt spid="34"/>
-                                        </p:tgtEl>
-                                        <p:attrNameLst>
-                                          <p:attrName>style.visibility</p:attrName>
-                                        </p:attrNameLst>
-                                      </p:cBhvr>
-                                      <p:to>
-                                        <p:strVal val="visible"/>
-                                      </p:to>
-                                    </p:set>
-                                    <p:animEffect transition="in" filter="wipe(left)">
-                                      <p:cBhvr>
-                                        <p:cTn id="12" dur="750"/>
-                                        <p:tgtEl>
-                                          <p:spTgt spid="34"/>
-                                        </p:tgtEl>
-                                      </p:cBhvr>
-                                    </p:animEffect>
-                                  </p:childTnLst>
-                                </p:cTn>
-                              </p:par>
-                            </p:childTnLst>
-                          </p:cTn>
-                        </p:par>
-                      </p:childTnLst>
-                    </p:cTn>
-                  </p:par>
-                </p:childTnLst>
-              </p:cTn>
-              <p:prevCondLst>
-                <p:cond evt="onPrev" delay="0">
-                  <p:tgtEl>
-                    <p:sldTgt/>
-                  </p:tgtEl>
-                </p:cond>
-              </p:prevCondLst>
-              <p:nextCondLst>
-                <p:cond evt="onNext" delay="0">
-                  <p:tgtEl>
-                    <p:sldTgt/>
-                  </p:tgtEl>
-                </p:cond>
-              </p:nextCondLst>
-            </p:seq>
-          </p:childTnLst>
-        </p:cTn>
-      </p:par>
-    </p:tnLst>
-  </p:timing>
 </p:sld>
 </file>
 
@@ -18662,21 +20728,6 @@
 </file>
 
 <file path=customXml/item1.xml><?xml version="1.0" encoding="utf-8"?>
-<p:properties xmlns:p="http://schemas.microsoft.com/office/2006/metadata/properties" xmlns:xsi="http://www.w3.org/2001/XMLSchema-instance" xmlns:pc="http://schemas.microsoft.com/office/infopath/2007/PartnerControls">
-  <documentManagement/>
-</p:properties>
-</file>
-
-<file path=customXml/item2.xml><?xml version="1.0" encoding="utf-8"?>
-<?mso-contentType ?>
-<FormTemplates xmlns="http://schemas.microsoft.com/sharepoint/v3/contenttype/forms">
-  <Display>DocumentLibraryForm</Display>
-  <Edit>DocumentLibraryForm</Edit>
-  <New>DocumentLibraryForm</New>
-</FormTemplates>
-</file>
-
-<file path=customXml/item3.xml><?xml version="1.0" encoding="utf-8"?>
 <ct:contentTypeSchema xmlns:ct="http://schemas.microsoft.com/office/2006/metadata/contentType" xmlns:ma="http://schemas.microsoft.com/office/2006/metadata/properties/metaAttributes" ct:_="" ma:_="" ma:contentTypeName="Document" ma:contentTypeID="0x010100A2B0BB5962AB3C45A9A1CE1EC4C4F647" ma:contentTypeVersion="3" ma:contentTypeDescription="Create a new document." ma:contentTypeScope="" ma:versionID="f0876370c90de824ab54c09b0bd2a056">
   <xsd:schema xmlns:xsd="http://www.w3.org/2001/XMLSchema" xmlns:xs="http://www.w3.org/2001/XMLSchema" xmlns:p="http://schemas.microsoft.com/office/2006/metadata/properties" xmlns:ns3="630a2e83-186a-4a0f-ab27-bee8a8096abc" targetNamespace="http://schemas.microsoft.com/office/2006/metadata/properties" ma:root="true" ma:fieldsID="a2a3b5ed8b4accd7c8a398d0cb075271" ns3:_="">
     <xsd:import namespace="630a2e83-186a-4a0f-ab27-bee8a8096abc"/>
@@ -18830,31 +20881,22 @@
 </ct:contentTypeSchema>
 </file>
 
-<file path=customXml/itemProps1.xml><?xml version="1.0" encoding="utf-8"?>
-<ds:datastoreItem xmlns:ds="http://schemas.openxmlformats.org/officeDocument/2006/customXml" ds:itemID="{F990F116-B58F-4255-B05B-DA3808E0E5C6}">
-  <ds:schemaRefs>
-    <ds:schemaRef ds:uri="630a2e83-186a-4a0f-ab27-bee8a8096abc"/>
-    <ds:schemaRef ds:uri="http://schemas.microsoft.com/office/2006/documentManagement/types"/>
-    <ds:schemaRef ds:uri="http://schemas.microsoft.com/office/infopath/2007/PartnerControls"/>
-    <ds:schemaRef ds:uri="http://purl.org/dc/elements/1.1/"/>
-    <ds:schemaRef ds:uri="http://schemas.microsoft.com/office/2006/metadata/properties"/>
-    <ds:schemaRef ds:uri="http://purl.org/dc/terms/"/>
-    <ds:schemaRef ds:uri="http://schemas.openxmlformats.org/package/2006/metadata/core-properties"/>
-    <ds:schemaRef ds:uri="http://www.w3.org/XML/1998/namespace"/>
-    <ds:schemaRef ds:uri="http://purl.org/dc/dcmitype/"/>
-  </ds:schemaRefs>
-</ds:datastoreItem>
+<file path=customXml/item2.xml><?xml version="1.0" encoding="utf-8"?>
+<?mso-contentType ?>
+<FormTemplates xmlns="http://schemas.microsoft.com/sharepoint/v3/contenttype/forms">
+  <Display>DocumentLibraryForm</Display>
+  <Edit>DocumentLibraryForm</Edit>
+  <New>DocumentLibraryForm</New>
+</FormTemplates>
 </file>
 
-<file path=customXml/itemProps2.xml><?xml version="1.0" encoding="utf-8"?>
-<ds:datastoreItem xmlns:ds="http://schemas.openxmlformats.org/officeDocument/2006/customXml" ds:itemID="{758FDAC0-319D-4A54-8D8E-1D42CB1F8004}">
-  <ds:schemaRefs>
-    <ds:schemaRef ds:uri="http://schemas.microsoft.com/sharepoint/v3/contenttype/forms"/>
-  </ds:schemaRefs>
-</ds:datastoreItem>
+<file path=customXml/item3.xml><?xml version="1.0" encoding="utf-8"?>
+<p:properties xmlns:p="http://schemas.microsoft.com/office/2006/metadata/properties" xmlns:xsi="http://www.w3.org/2001/XMLSchema-instance" xmlns:pc="http://schemas.microsoft.com/office/infopath/2007/PartnerControls">
+  <documentManagement/>
+</p:properties>
 </file>
 
-<file path=customXml/itemProps3.xml><?xml version="1.0" encoding="utf-8"?>
+<file path=customXml/itemProps1.xml><?xml version="1.0" encoding="utf-8"?>
 <ds:datastoreItem xmlns:ds="http://schemas.openxmlformats.org/officeDocument/2006/customXml" ds:itemID="{F4553072-E538-48C4-90FC-3653F32D67C5}">
   <ds:schemaRefs>
     <ds:schemaRef ds:uri="http://schemas.microsoft.com/office/2006/metadata/contentType"/>
@@ -18870,4 +20912,28 @@
     <ds:schemaRef ds:uri="http://schemas.microsoft.com/internal/obd"/>
   </ds:schemaRefs>
 </ds:datastoreItem>
+</file>
+
+<file path=customXml/itemProps2.xml><?xml version="1.0" encoding="utf-8"?>
+<ds:datastoreItem xmlns:ds="http://schemas.openxmlformats.org/officeDocument/2006/customXml" ds:itemID="{758FDAC0-319D-4A54-8D8E-1D42CB1F8004}">
+  <ds:schemaRefs>
+    <ds:schemaRef ds:uri="http://schemas.microsoft.com/sharepoint/v3/contenttype/forms"/>
+  </ds:schemaRefs>
+</ds:datastoreItem>
+</file>
+
+<file path=customXml/itemProps3.xml><?xml version="1.0" encoding="utf-8"?>
+<ds:datastoreItem xmlns:ds="http://schemas.openxmlformats.org/officeDocument/2006/customXml" ds:itemID="{F990F116-B58F-4255-B05B-DA3808E0E5C6}">
+  <ds:schemaRefs>
+    <ds:schemaRef ds:uri="http://schemas.openxmlformats.org/package/2006/metadata/core-properties"/>
+    <ds:schemaRef ds:uri="http://schemas.microsoft.com/office/2006/metadata/properties"/>
+    <ds:schemaRef ds:uri="630a2e83-186a-4a0f-ab27-bee8a8096abc"/>
+    <ds:schemaRef ds:uri="http://purl.org/dc/dcmitype/"/>
+    <ds:schemaRef ds:uri="http://www.w3.org/XML/1998/namespace"/>
+    <ds:schemaRef ds:uri="http://purl.org/dc/terms/"/>
+    <ds:schemaRef ds:uri="http://schemas.microsoft.com/office/2006/documentManagement/types"/>
+    <ds:schemaRef ds:uri="http://schemas.microsoft.com/office/infopath/2007/PartnerControls"/>
+    <ds:schemaRef ds:uri="http://purl.org/dc/elements/1.1/"/>
+  </ds:schemaRefs>
+</ds:datastoreItem>
 </file>
--- a/Presentation/Module00-Hols.pptx
+++ b/Presentation/Module00-Hols.pptx
@@ -288,7 +288,7 @@
               <a:rPr lang="en-US" smtClean="0">
                 <a:latin typeface="Segoe UI" pitchFamily="34" charset="0"/>
               </a:rPr>
-              <a:t>10/12/2016 11:55 AM</a:t>
+              <a:t>10/18/2016 3:33 PM</a:t>
             </a:fld>
             <a:endParaRPr lang="en-US" dirty="0">
               <a:latin typeface="Segoe UI" pitchFamily="34" charset="0"/>
@@ -566,7 +566,7 @@
           <a:p>
             <a:fld id="{196BB360-4395-422C-A729-CB974B278917}" type="datetime8">
               <a:rPr lang="en-US" smtClean="0"/>
-              <a:t>10/12/2016 11:55 AM</a:t>
+              <a:t>10/18/2016 3:03 PM</a:t>
             </a:fld>
             <a:endParaRPr lang="en-US" dirty="0"/>
           </a:p>
@@ -895,7 +895,7 @@
           <a:p>
             <a:fld id="{B9E68977-C62F-48C1-B8E5-A952982F1FDC}" type="datetime8">
               <a:rPr lang="en-US" smtClean="0"/>
-              <a:t>10/12/2016 11:55 AM</a:t>
+              <a:t>10/18/2016 3:03 PM</a:t>
             </a:fld>
             <a:endParaRPr lang="en-US" dirty="0"/>
           </a:p>
@@ -1170,7 +1170,7 @@
           <a:p>
             <a:fld id="{196BB360-4395-422C-A729-CB974B278917}" type="datetime8">
               <a:rPr lang="en-US" smtClean="0"/>
-              <a:t>10/12/2016 11:55 AM</a:t>
+              <a:t>10/18/2016 3:03 PM</a:t>
             </a:fld>
             <a:endParaRPr lang="en-US" dirty="0"/>
           </a:p>
@@ -1351,7 +1351,7 @@
           <a:p>
             <a:fld id="{196BB360-4395-422C-A729-CB974B278917}" type="datetime8">
               <a:rPr lang="en-US" smtClean="0"/>
-              <a:t>10/12/2016 12:05 PM</a:t>
+              <a:t>10/18/2016 3:03 PM</a:t>
             </a:fld>
             <a:endParaRPr lang="en-US" dirty="0"/>
           </a:p>
@@ -1532,7 +1532,7 @@
           <a:p>
             <a:fld id="{196BB360-4395-422C-A729-CB974B278917}" type="datetime8">
               <a:rPr lang="en-US" smtClean="0"/>
-              <a:t>10/12/2016 11:55 AM</a:t>
+              <a:t>10/18/2016 3:03 PM</a:t>
             </a:fld>
             <a:endParaRPr lang="en-US" dirty="0"/>
           </a:p>
@@ -14351,16 +14351,12 @@
   <p:clrMapOvr>
     <a:masterClrMapping/>
   </p:clrMapOvr>
-  <mc:AlternateContent xmlns:mc="http://schemas.openxmlformats.org/markup-compatibility/2006" xmlns:p14="http://schemas.microsoft.com/office/powerpoint/2010/main">
-    <mc:Choice Requires="p14">
-      <p:transition spd="med" p14:dur="700">
-        <p:fade/>
-      </p:transition>
+  <mc:AlternateContent xmlns:mc="http://schemas.openxmlformats.org/markup-compatibility/2006">
+    <mc:Choice xmlns:p14="http://schemas.microsoft.com/office/powerpoint/2010/main" Requires="p14">
+      <p:transition p14:dur="0"/>
     </mc:Choice>
-    <mc:Fallback xmlns="">
-      <p:transition spd="med">
-        <p:fade/>
-      </p:transition>
+    <mc:Fallback>
+      <p:transition/>
     </mc:Fallback>
   </mc:AlternateContent>
 </p:sld>
@@ -14487,9 +14483,14 @@
   <p:clrMapOvr>
     <a:masterClrMapping/>
   </p:clrMapOvr>
-  <p:transition>
-    <p:fade/>
-  </p:transition>
+  <mc:AlternateContent xmlns:mc="http://schemas.openxmlformats.org/markup-compatibility/2006">
+    <mc:Choice xmlns:p14="http://schemas.microsoft.com/office/powerpoint/2010/main" Requires="p14">
+      <p:transition p14:dur="0"/>
+    </mc:Choice>
+    <mc:Fallback>
+      <p:transition/>
+    </mc:Fallback>
+  </mc:AlternateContent>
 </p:sld>
 </file>
 
@@ -14609,9 +14610,14 @@
   <p:clrMapOvr>
     <a:masterClrMapping/>
   </p:clrMapOvr>
-  <p:transition>
-    <p:fade/>
-  </p:transition>
+  <mc:AlternateContent xmlns:mc="http://schemas.openxmlformats.org/markup-compatibility/2006">
+    <mc:Choice xmlns:p14="http://schemas.microsoft.com/office/powerpoint/2010/main" Requires="p14">
+      <p:transition p14:dur="0"/>
+    </mc:Choice>
+    <mc:Fallback>
+      <p:transition/>
+    </mc:Fallback>
+  </mc:AlternateContent>
 </p:sld>
 </file>
 
@@ -14738,9 +14744,14 @@
   <p:clrMapOvr>
     <a:masterClrMapping/>
   </p:clrMapOvr>
-  <p:transition>
-    <p:fade/>
-  </p:transition>
+  <mc:AlternateContent xmlns:mc="http://schemas.openxmlformats.org/markup-compatibility/2006">
+    <mc:Choice xmlns:p14="http://schemas.microsoft.com/office/powerpoint/2010/main" Requires="p14">
+      <p:transition p14:dur="0"/>
+    </mc:Choice>
+    <mc:Fallback>
+      <p:transition/>
+    </mc:Fallback>
+  </mc:AlternateContent>
 </p:sld>
 </file>
 
@@ -14842,9 +14853,14 @@
   <p:clrMapOvr>
     <a:masterClrMapping/>
   </p:clrMapOvr>
-  <p:transition>
-    <p:fade/>
-  </p:transition>
+  <mc:AlternateContent xmlns:mc="http://schemas.openxmlformats.org/markup-compatibility/2006">
+    <mc:Choice xmlns:p14="http://schemas.microsoft.com/office/powerpoint/2010/main" Requires="p14">
+      <p:transition p14:dur="0"/>
+    </mc:Choice>
+    <mc:Fallback>
+      <p:transition/>
+    </mc:Fallback>
+  </mc:AlternateContent>
 </p:sld>
 </file>
 
@@ -14973,9 +14989,14 @@
   <p:clrMapOvr>
     <a:masterClrMapping/>
   </p:clrMapOvr>
-  <p:transition>
-    <p:fade/>
-  </p:transition>
+  <mc:AlternateContent xmlns:mc="http://schemas.openxmlformats.org/markup-compatibility/2006">
+    <mc:Choice xmlns:p14="http://schemas.microsoft.com/office/powerpoint/2010/main" Requires="p14">
+      <p:transition p14:dur="0"/>
+    </mc:Choice>
+    <mc:Fallback>
+      <p:transition/>
+    </mc:Fallback>
+  </mc:AlternateContent>
 </p:sld>
 </file>
 
@@ -15006,9 +15027,14 @@
   <p:clrMapOvr>
     <a:masterClrMapping/>
   </p:clrMapOvr>
-  <p:transition>
-    <p:fade/>
-  </p:transition>
+  <mc:AlternateContent xmlns:mc="http://schemas.openxmlformats.org/markup-compatibility/2006">
+    <mc:Choice xmlns:p14="http://schemas.microsoft.com/office/powerpoint/2010/main" Requires="p14">
+      <p:transition p14:dur="0"/>
+    </mc:Choice>
+    <mc:Fallback>
+      <p:transition/>
+    </mc:Fallback>
+  </mc:AlternateContent>
 </p:sld>
 </file>
 
@@ -15118,9 +15144,14 @@
   <p:clrMapOvr>
     <a:masterClrMapping/>
   </p:clrMapOvr>
-  <p:transition>
-    <p:fade/>
-  </p:transition>
+  <mc:AlternateContent xmlns:mc="http://schemas.openxmlformats.org/markup-compatibility/2006">
+    <mc:Choice xmlns:p14="http://schemas.microsoft.com/office/powerpoint/2010/main" Requires="p14">
+      <p:transition p14:dur="0"/>
+    </mc:Choice>
+    <mc:Fallback>
+      <p:transition/>
+    </mc:Fallback>
+  </mc:AlternateContent>
 </p:sld>
 </file>
 
@@ -15227,9 +15258,14 @@
   <p:clrMapOvr>
     <a:masterClrMapping/>
   </p:clrMapOvr>
-  <p:transition>
-    <p:fade/>
-  </p:transition>
+  <mc:AlternateContent xmlns:mc="http://schemas.openxmlformats.org/markup-compatibility/2006">
+    <mc:Choice xmlns:p14="http://schemas.microsoft.com/office/powerpoint/2010/main" Requires="p14">
+      <p:transition p14:dur="0"/>
+    </mc:Choice>
+    <mc:Fallback>
+      <p:transition/>
+    </mc:Fallback>
+  </mc:AlternateContent>
 </p:sld>
 </file>
 
@@ -15304,16 +15340,12 @@
   <p:clrMapOvr>
     <a:masterClrMapping/>
   </p:clrMapOvr>
-  <mc:AlternateContent xmlns:mc="http://schemas.openxmlformats.org/markup-compatibility/2006" xmlns:p14="http://schemas.microsoft.com/office/powerpoint/2010/main">
-    <mc:Choice Requires="p14">
-      <p:transition spd="slow" p14:dur="3400">
-        <p14:reveal/>
-      </p:transition>
+  <mc:AlternateContent xmlns:mc="http://schemas.openxmlformats.org/markup-compatibility/2006">
+    <mc:Choice xmlns:p14="http://schemas.microsoft.com/office/powerpoint/2010/main" Requires="p14">
+      <p:transition p14:dur="0"/>
     </mc:Choice>
-    <mc:Fallback xmlns="">
-      <p:transition spd="slow">
-        <p:fade/>
-      </p:transition>
+    <mc:Fallback>
+      <p:transition/>
     </mc:Fallback>
   </mc:AlternateContent>
 </p:sld>
@@ -15392,9 +15424,14 @@
   <p:clrMapOvr>
     <a:masterClrMapping/>
   </p:clrMapOvr>
-  <p:transition>
-    <p:fade/>
-  </p:transition>
+  <mc:AlternateContent xmlns:mc="http://schemas.openxmlformats.org/markup-compatibility/2006">
+    <mc:Choice xmlns:p14="http://schemas.microsoft.com/office/powerpoint/2010/main" Requires="p14">
+      <p:transition p14:dur="0"/>
+    </mc:Choice>
+    <mc:Fallback>
+      <p:transition/>
+    </mc:Fallback>
+  </mc:AlternateContent>
 </p:sld>
 </file>
 
@@ -15552,9 +15589,161 @@
   <p:clrMapOvr>
     <a:masterClrMapping/>
   </p:clrMapOvr>
-  <p:transition>
-    <p:fade/>
-  </p:transition>
+  <mc:AlternateContent xmlns:mc="http://schemas.openxmlformats.org/markup-compatibility/2006">
+    <mc:Choice xmlns:p14="http://schemas.microsoft.com/office/powerpoint/2010/main" Requires="p14">
+      <p:transition p14:dur="0"/>
+    </mc:Choice>
+    <mc:Fallback>
+      <p:transition/>
+    </mc:Fallback>
+  </mc:AlternateContent>
+  <p:timing>
+    <p:tnLst>
+      <p:par>
+        <p:cTn id="1" dur="indefinite" restart="never" nodeType="tmRoot">
+          <p:childTnLst>
+            <p:seq concurrent="1" nextAc="seek">
+              <p:cTn id="2" dur="indefinite" nodeType="mainSeq">
+                <p:childTnLst>
+                  <p:par>
+                    <p:cTn id="3" fill="hold">
+                      <p:stCondLst>
+                        <p:cond delay="indefinite"/>
+                      </p:stCondLst>
+                      <p:childTnLst>
+                        <p:par>
+                          <p:cTn id="4" fill="hold">
+                            <p:stCondLst>
+                              <p:cond delay="0"/>
+                            </p:stCondLst>
+                            <p:childTnLst>
+                              <p:par>
+                                <p:cTn id="5" presetID="1" presetClass="entr" presetSubtype="0" fill="hold" nodeType="clickEffect">
+                                  <p:stCondLst>
+                                    <p:cond delay="0"/>
+                                  </p:stCondLst>
+                                  <p:childTnLst>
+                                    <p:set>
+                                      <p:cBhvr>
+                                        <p:cTn id="6" dur="1" fill="hold">
+                                          <p:stCondLst>
+                                            <p:cond delay="0"/>
+                                          </p:stCondLst>
+                                        </p:cTn>
+                                        <p:tgtEl>
+                                          <p:spTgt spid="31"/>
+                                        </p:tgtEl>
+                                        <p:attrNameLst>
+                                          <p:attrName>style.visibility</p:attrName>
+                                        </p:attrNameLst>
+                                      </p:cBhvr>
+                                      <p:to>
+                                        <p:strVal val="visible"/>
+                                      </p:to>
+                                    </p:set>
+                                  </p:childTnLst>
+                                </p:cTn>
+                              </p:par>
+                            </p:childTnLst>
+                          </p:cTn>
+                        </p:par>
+                        <p:par>
+                          <p:cTn id="7" fill="hold">
+                            <p:stCondLst>
+                              <p:cond delay="0"/>
+                            </p:stCondLst>
+                            <p:childTnLst>
+                              <p:par>
+                                <p:cTn id="8" presetID="1" presetClass="entr" presetSubtype="0" fill="hold" nodeType="afterEffect">
+                                  <p:stCondLst>
+                                    <p:cond delay="500"/>
+                                  </p:stCondLst>
+                                  <p:childTnLst>
+                                    <p:set>
+                                      <p:cBhvr>
+                                        <p:cTn id="9" dur="1" fill="hold">
+                                          <p:stCondLst>
+                                            <p:cond delay="0"/>
+                                          </p:stCondLst>
+                                        </p:cTn>
+                                        <p:tgtEl>
+                                          <p:spTgt spid="17"/>
+                                        </p:tgtEl>
+                                        <p:attrNameLst>
+                                          <p:attrName>style.visibility</p:attrName>
+                                        </p:attrNameLst>
+                                      </p:cBhvr>
+                                      <p:to>
+                                        <p:strVal val="visible"/>
+                                      </p:to>
+                                    </p:set>
+                                  </p:childTnLst>
+                                </p:cTn>
+                              </p:par>
+                            </p:childTnLst>
+                          </p:cTn>
+                        </p:par>
+                        <p:par>
+                          <p:cTn id="10" fill="hold">
+                            <p:stCondLst>
+                              <p:cond delay="500"/>
+                            </p:stCondLst>
+                            <p:childTnLst>
+                              <p:par>
+                                <p:cTn id="11" presetID="1" presetClass="entr" presetSubtype="0" fill="hold" nodeType="afterEffect">
+                                  <p:stCondLst>
+                                    <p:cond delay="500"/>
+                                  </p:stCondLst>
+                                  <p:childTnLst>
+                                    <p:set>
+                                      <p:cBhvr>
+                                        <p:cTn id="12" dur="1" fill="hold">
+                                          <p:stCondLst>
+                                            <p:cond delay="0"/>
+                                          </p:stCondLst>
+                                        </p:cTn>
+                                        <p:tgtEl>
+                                          <p:spTgt spid="4"/>
+                                        </p:tgtEl>
+                                        <p:attrNameLst>
+                                          <p:attrName>style.visibility</p:attrName>
+                                        </p:attrNameLst>
+                                      </p:cBhvr>
+                                      <p:to>
+                                        <p:strVal val="visible"/>
+                                      </p:to>
+                                    </p:set>
+                                  </p:childTnLst>
+                                </p:cTn>
+                              </p:par>
+                            </p:childTnLst>
+                          </p:cTn>
+                        </p:par>
+                      </p:childTnLst>
+                    </p:cTn>
+                  </p:par>
+                </p:childTnLst>
+              </p:cTn>
+              <p:prevCondLst>
+                <p:cond evt="onPrev" delay="0">
+                  <p:tgtEl>
+                    <p:sldTgt/>
+                  </p:tgtEl>
+                </p:cond>
+              </p:prevCondLst>
+              <p:nextCondLst>
+                <p:cond evt="onNext" delay="0">
+                  <p:tgtEl>
+                    <p:sldTgt/>
+                  </p:tgtEl>
+                </p:cond>
+              </p:nextCondLst>
+            </p:seq>
+          </p:childTnLst>
+        </p:cTn>
+      </p:par>
+    </p:tnLst>
+  </p:timing>
 </p:sld>
 </file>
 
@@ -18869,7 +19058,7 @@
                 </a:solidFill>
                 <a:latin typeface="Segoe UI Semibold" panose="020B0702040204020203" pitchFamily="34" charset="0"/>
               </a:rPr>
-              <a:t>8</a:t>
+              <a:t>9</a:t>
             </a:r>
             <a:endParaRPr kumimoji="0" lang="en-US" sz="2000" b="0" i="0" u="none" strike="noStrike" kern="0" cap="none" spc="0" normalizeH="0" baseline="0" noProof="0" dirty="0">
               <a:ln>
@@ -19223,9 +19412,14 @@
   <p:clrMapOvr>
     <a:masterClrMapping/>
   </p:clrMapOvr>
-  <p:transition>
-    <p:fade/>
-  </p:transition>
+  <mc:AlternateContent xmlns:mc="http://schemas.openxmlformats.org/markup-compatibility/2006">
+    <mc:Choice xmlns:p14="http://schemas.microsoft.com/office/powerpoint/2010/main" Requires="p14">
+      <p:transition p14:dur="0"/>
+    </mc:Choice>
+    <mc:Fallback>
+      <p:transition/>
+    </mc:Fallback>
+  </mc:AlternateContent>
 </p:sld>
 </file>
 
@@ -19431,9 +19625,14 @@
   <p:clrMapOvr>
     <a:masterClrMapping/>
   </p:clrMapOvr>
-  <p:transition>
-    <p:fade/>
-  </p:transition>
+  <mc:AlternateContent xmlns:mc="http://schemas.openxmlformats.org/markup-compatibility/2006">
+    <mc:Choice xmlns:p14="http://schemas.microsoft.com/office/powerpoint/2010/main" Requires="p14">
+      <p:transition p14:dur="0"/>
+    </mc:Choice>
+    <mc:Fallback>
+      <p:transition/>
+    </mc:Fallback>
+  </mc:AlternateContent>
 </p:sld>
 </file>
 
@@ -19539,9 +19738,14 @@
   <p:clrMapOvr>
     <a:masterClrMapping/>
   </p:clrMapOvr>
-  <p:transition>
-    <p:fade/>
-  </p:transition>
+  <mc:AlternateContent xmlns:mc="http://schemas.openxmlformats.org/markup-compatibility/2006">
+    <mc:Choice xmlns:p14="http://schemas.microsoft.com/office/powerpoint/2010/main" Requires="p14">
+      <p:transition p14:dur="0"/>
+    </mc:Choice>
+    <mc:Fallback>
+      <p:transition/>
+    </mc:Fallback>
+  </mc:AlternateContent>
 </p:sld>
 </file>
 
@@ -20728,6 +20932,21 @@
 </file>
 
 <file path=customXml/item1.xml><?xml version="1.0" encoding="utf-8"?>
+<p:properties xmlns:p="http://schemas.microsoft.com/office/2006/metadata/properties" xmlns:xsi="http://www.w3.org/2001/XMLSchema-instance" xmlns:pc="http://schemas.microsoft.com/office/infopath/2007/PartnerControls">
+  <documentManagement/>
+</p:properties>
+</file>
+
+<file path=customXml/item2.xml><?xml version="1.0" encoding="utf-8"?>
+<?mso-contentType ?>
+<FormTemplates xmlns="http://schemas.microsoft.com/sharepoint/v3/contenttype/forms">
+  <Display>DocumentLibraryForm</Display>
+  <Edit>DocumentLibraryForm</Edit>
+  <New>DocumentLibraryForm</New>
+</FormTemplates>
+</file>
+
+<file path=customXml/item3.xml><?xml version="1.0" encoding="utf-8"?>
 <ct:contentTypeSchema xmlns:ct="http://schemas.microsoft.com/office/2006/metadata/contentType" xmlns:ma="http://schemas.microsoft.com/office/2006/metadata/properties/metaAttributes" ct:_="" ma:_="" ma:contentTypeName="Document" ma:contentTypeID="0x010100A2B0BB5962AB3C45A9A1CE1EC4C4F647" ma:contentTypeVersion="3" ma:contentTypeDescription="Create a new document." ma:contentTypeScope="" ma:versionID="f0876370c90de824ab54c09b0bd2a056">
   <xsd:schema xmlns:xsd="http://www.w3.org/2001/XMLSchema" xmlns:xs="http://www.w3.org/2001/XMLSchema" xmlns:p="http://schemas.microsoft.com/office/2006/metadata/properties" xmlns:ns3="630a2e83-186a-4a0f-ab27-bee8a8096abc" targetNamespace="http://schemas.microsoft.com/office/2006/metadata/properties" ma:root="true" ma:fieldsID="a2a3b5ed8b4accd7c8a398d0cb075271" ns3:_="">
     <xsd:import namespace="630a2e83-186a-4a0f-ab27-bee8a8096abc"/>
@@ -20881,22 +21100,31 @@
 </ct:contentTypeSchema>
 </file>
 
-<file path=customXml/item2.xml><?xml version="1.0" encoding="utf-8"?>
-<?mso-contentType ?>
-<FormTemplates xmlns="http://schemas.microsoft.com/sharepoint/v3/contenttype/forms">
-  <Display>DocumentLibraryForm</Display>
-  <Edit>DocumentLibraryForm</Edit>
-  <New>DocumentLibraryForm</New>
-</FormTemplates>
+<file path=customXml/itemProps1.xml><?xml version="1.0" encoding="utf-8"?>
+<ds:datastoreItem xmlns:ds="http://schemas.openxmlformats.org/officeDocument/2006/customXml" ds:itemID="{F990F116-B58F-4255-B05B-DA3808E0E5C6}">
+  <ds:schemaRefs>
+    <ds:schemaRef ds:uri="http://schemas.openxmlformats.org/package/2006/metadata/core-properties"/>
+    <ds:schemaRef ds:uri="http://schemas.microsoft.com/office/2006/metadata/properties"/>
+    <ds:schemaRef ds:uri="630a2e83-186a-4a0f-ab27-bee8a8096abc"/>
+    <ds:schemaRef ds:uri="http://purl.org/dc/dcmitype/"/>
+    <ds:schemaRef ds:uri="http://www.w3.org/XML/1998/namespace"/>
+    <ds:schemaRef ds:uri="http://purl.org/dc/terms/"/>
+    <ds:schemaRef ds:uri="http://schemas.microsoft.com/office/2006/documentManagement/types"/>
+    <ds:schemaRef ds:uri="http://schemas.microsoft.com/office/infopath/2007/PartnerControls"/>
+    <ds:schemaRef ds:uri="http://purl.org/dc/elements/1.1/"/>
+  </ds:schemaRefs>
+</ds:datastoreItem>
 </file>
 
-<file path=customXml/item3.xml><?xml version="1.0" encoding="utf-8"?>
-<p:properties xmlns:p="http://schemas.microsoft.com/office/2006/metadata/properties" xmlns:xsi="http://www.w3.org/2001/XMLSchema-instance" xmlns:pc="http://schemas.microsoft.com/office/infopath/2007/PartnerControls">
-  <documentManagement/>
-</p:properties>
+<file path=customXml/itemProps2.xml><?xml version="1.0" encoding="utf-8"?>
+<ds:datastoreItem xmlns:ds="http://schemas.openxmlformats.org/officeDocument/2006/customXml" ds:itemID="{758FDAC0-319D-4A54-8D8E-1D42CB1F8004}">
+  <ds:schemaRefs>
+    <ds:schemaRef ds:uri="http://schemas.microsoft.com/sharepoint/v3/contenttype/forms"/>
+  </ds:schemaRefs>
+</ds:datastoreItem>
 </file>
 
-<file path=customXml/itemProps1.xml><?xml version="1.0" encoding="utf-8"?>
+<file path=customXml/itemProps3.xml><?xml version="1.0" encoding="utf-8"?>
 <ds:datastoreItem xmlns:ds="http://schemas.openxmlformats.org/officeDocument/2006/customXml" ds:itemID="{F4553072-E538-48C4-90FC-3653F32D67C5}">
   <ds:schemaRefs>
     <ds:schemaRef ds:uri="http://schemas.microsoft.com/office/2006/metadata/contentType"/>
@@ -20912,28 +21140,4 @@
     <ds:schemaRef ds:uri="http://schemas.microsoft.com/internal/obd"/>
   </ds:schemaRefs>
 </ds:datastoreItem>
-</file>
-
-<file path=customXml/itemProps2.xml><?xml version="1.0" encoding="utf-8"?>
-<ds:datastoreItem xmlns:ds="http://schemas.openxmlformats.org/officeDocument/2006/customXml" ds:itemID="{758FDAC0-319D-4A54-8D8E-1D42CB1F8004}">
-  <ds:schemaRefs>
-    <ds:schemaRef ds:uri="http://schemas.microsoft.com/sharepoint/v3/contenttype/forms"/>
-  </ds:schemaRefs>
-</ds:datastoreItem>
-</file>
-
-<file path=customXml/itemProps3.xml><?xml version="1.0" encoding="utf-8"?>
-<ds:datastoreItem xmlns:ds="http://schemas.openxmlformats.org/officeDocument/2006/customXml" ds:itemID="{F990F116-B58F-4255-B05B-DA3808E0E5C6}">
-  <ds:schemaRefs>
-    <ds:schemaRef ds:uri="http://schemas.openxmlformats.org/package/2006/metadata/core-properties"/>
-    <ds:schemaRef ds:uri="http://schemas.microsoft.com/office/2006/metadata/properties"/>
-    <ds:schemaRef ds:uri="630a2e83-186a-4a0f-ab27-bee8a8096abc"/>
-    <ds:schemaRef ds:uri="http://purl.org/dc/dcmitype/"/>
-    <ds:schemaRef ds:uri="http://www.w3.org/XML/1998/namespace"/>
-    <ds:schemaRef ds:uri="http://purl.org/dc/terms/"/>
-    <ds:schemaRef ds:uri="http://schemas.microsoft.com/office/2006/documentManagement/types"/>
-    <ds:schemaRef ds:uri="http://schemas.microsoft.com/office/infopath/2007/PartnerControls"/>
-    <ds:schemaRef ds:uri="http://purl.org/dc/elements/1.1/"/>
-  </ds:schemaRefs>
-</ds:datastoreItem>
 </file>
--- a/Presentation/Module00-Hols.pptx
+++ b/Presentation/Module00-Hols.pptx
@@ -288,7 +288,7 @@
               <a:rPr lang="en-US" smtClean="0">
                 <a:latin typeface="Segoe UI" pitchFamily="34" charset="0"/>
               </a:rPr>
-              <a:t>10/18/2016 3:33 PM</a:t>
+              <a:t>10/19/2016 12:12 PM</a:t>
             </a:fld>
             <a:endParaRPr lang="en-US" dirty="0">
               <a:latin typeface="Segoe UI" pitchFamily="34" charset="0"/>
@@ -566,7 +566,7 @@
           <a:p>
             <a:fld id="{196BB360-4395-422C-A729-CB974B278917}" type="datetime8">
               <a:rPr lang="en-US" smtClean="0"/>
-              <a:t>10/18/2016 3:03 PM</a:t>
+              <a:t>10/19/2016 12:11 PM</a:t>
             </a:fld>
             <a:endParaRPr lang="en-US" dirty="0"/>
           </a:p>
@@ -895,7 +895,7 @@
           <a:p>
             <a:fld id="{B9E68977-C62F-48C1-B8E5-A952982F1FDC}" type="datetime8">
               <a:rPr lang="en-US" smtClean="0"/>
-              <a:t>10/18/2016 3:03 PM</a:t>
+              <a:t>10/19/2016 12:11 PM</a:t>
             </a:fld>
             <a:endParaRPr lang="en-US" dirty="0"/>
           </a:p>
@@ -1170,7 +1170,7 @@
           <a:p>
             <a:fld id="{196BB360-4395-422C-A729-CB974B278917}" type="datetime8">
               <a:rPr lang="en-US" smtClean="0"/>
-              <a:t>10/18/2016 3:03 PM</a:t>
+              <a:t>10/19/2016 12:11 PM</a:t>
             </a:fld>
             <a:endParaRPr lang="en-US" dirty="0"/>
           </a:p>
@@ -1351,7 +1351,7 @@
           <a:p>
             <a:fld id="{196BB360-4395-422C-A729-CB974B278917}" type="datetime8">
               <a:rPr lang="en-US" smtClean="0"/>
-              <a:t>10/18/2016 3:03 PM</a:t>
+              <a:t>10/19/2016 12:11 PM</a:t>
             </a:fld>
             <a:endParaRPr lang="en-US" dirty="0"/>
           </a:p>
@@ -1532,7 +1532,7 @@
           <a:p>
             <a:fld id="{196BB360-4395-422C-A729-CB974B278917}" type="datetime8">
               <a:rPr lang="en-US" smtClean="0"/>
-              <a:t>10/18/2016 3:03 PM</a:t>
+              <a:t>10/19/2016 12:11 PM</a:t>
             </a:fld>
             <a:endParaRPr lang="en-US" dirty="0"/>
           </a:p>
@@ -14351,11 +14351,11 @@
   <p:clrMapOvr>
     <a:masterClrMapping/>
   </p:clrMapOvr>
-  <mc:AlternateContent xmlns:mc="http://schemas.openxmlformats.org/markup-compatibility/2006">
-    <mc:Choice xmlns:p14="http://schemas.microsoft.com/office/powerpoint/2010/main" Requires="p14">
+  <mc:AlternateContent xmlns:mc="http://schemas.openxmlformats.org/markup-compatibility/2006" xmlns:p14="http://schemas.microsoft.com/office/powerpoint/2010/main">
+    <mc:Choice Requires="p14">
       <p:transition p14:dur="0"/>
     </mc:Choice>
-    <mc:Fallback>
+    <mc:Fallback xmlns="">
       <p:transition/>
     </mc:Fallback>
   </mc:AlternateContent>
@@ -14483,11 +14483,11 @@
   <p:clrMapOvr>
     <a:masterClrMapping/>
   </p:clrMapOvr>
-  <mc:AlternateContent xmlns:mc="http://schemas.openxmlformats.org/markup-compatibility/2006">
-    <mc:Choice xmlns:p14="http://schemas.microsoft.com/office/powerpoint/2010/main" Requires="p14">
+  <mc:AlternateContent xmlns:mc="http://schemas.openxmlformats.org/markup-compatibility/2006" xmlns:p14="http://schemas.microsoft.com/office/powerpoint/2010/main">
+    <mc:Choice Requires="p14">
       <p:transition p14:dur="0"/>
     </mc:Choice>
-    <mc:Fallback>
+    <mc:Fallback xmlns="">
       <p:transition/>
     </mc:Fallback>
   </mc:AlternateContent>
@@ -14610,11 +14610,11 @@
   <p:clrMapOvr>
     <a:masterClrMapping/>
   </p:clrMapOvr>
-  <mc:AlternateContent xmlns:mc="http://schemas.openxmlformats.org/markup-compatibility/2006">
-    <mc:Choice xmlns:p14="http://schemas.microsoft.com/office/powerpoint/2010/main" Requires="p14">
+  <mc:AlternateContent xmlns:mc="http://schemas.openxmlformats.org/markup-compatibility/2006" xmlns:p14="http://schemas.microsoft.com/office/powerpoint/2010/main">
+    <mc:Choice Requires="p14">
       <p:transition p14:dur="0"/>
     </mc:Choice>
-    <mc:Fallback>
+    <mc:Fallback xmlns="">
       <p:transition/>
     </mc:Fallback>
   </mc:AlternateContent>
@@ -14744,11 +14744,11 @@
   <p:clrMapOvr>
     <a:masterClrMapping/>
   </p:clrMapOvr>
-  <mc:AlternateContent xmlns:mc="http://schemas.openxmlformats.org/markup-compatibility/2006">
-    <mc:Choice xmlns:p14="http://schemas.microsoft.com/office/powerpoint/2010/main" Requires="p14">
+  <mc:AlternateContent xmlns:mc="http://schemas.openxmlformats.org/markup-compatibility/2006" xmlns:p14="http://schemas.microsoft.com/office/powerpoint/2010/main">
+    <mc:Choice Requires="p14">
       <p:transition p14:dur="0"/>
     </mc:Choice>
-    <mc:Fallback>
+    <mc:Fallback xmlns="">
       <p:transition/>
     </mc:Fallback>
   </mc:AlternateContent>
@@ -14853,11 +14853,11 @@
   <p:clrMapOvr>
     <a:masterClrMapping/>
   </p:clrMapOvr>
-  <mc:AlternateContent xmlns:mc="http://schemas.openxmlformats.org/markup-compatibility/2006">
-    <mc:Choice xmlns:p14="http://schemas.microsoft.com/office/powerpoint/2010/main" Requires="p14">
+  <mc:AlternateContent xmlns:mc="http://schemas.openxmlformats.org/markup-compatibility/2006" xmlns:p14="http://schemas.microsoft.com/office/powerpoint/2010/main">
+    <mc:Choice Requires="p14">
       <p:transition p14:dur="0"/>
     </mc:Choice>
-    <mc:Fallback>
+    <mc:Fallback xmlns="">
       <p:transition/>
     </mc:Fallback>
   </mc:AlternateContent>
@@ -14989,11 +14989,11 @@
   <p:clrMapOvr>
     <a:masterClrMapping/>
   </p:clrMapOvr>
-  <mc:AlternateContent xmlns:mc="http://schemas.openxmlformats.org/markup-compatibility/2006">
-    <mc:Choice xmlns:p14="http://schemas.microsoft.com/office/powerpoint/2010/main" Requires="p14">
+  <mc:AlternateContent xmlns:mc="http://schemas.openxmlformats.org/markup-compatibility/2006" xmlns:p14="http://schemas.microsoft.com/office/powerpoint/2010/main">
+    <mc:Choice Requires="p14">
       <p:transition p14:dur="0"/>
     </mc:Choice>
-    <mc:Fallback>
+    <mc:Fallback xmlns="">
       <p:transition/>
     </mc:Fallback>
   </mc:AlternateContent>
@@ -15027,11 +15027,11 @@
   <p:clrMapOvr>
     <a:masterClrMapping/>
   </p:clrMapOvr>
-  <mc:AlternateContent xmlns:mc="http://schemas.openxmlformats.org/markup-compatibility/2006">
-    <mc:Choice xmlns:p14="http://schemas.microsoft.com/office/powerpoint/2010/main" Requires="p14">
+  <mc:AlternateContent xmlns:mc="http://schemas.openxmlformats.org/markup-compatibility/2006" xmlns:p14="http://schemas.microsoft.com/office/powerpoint/2010/main">
+    <mc:Choice Requires="p14">
       <p:transition p14:dur="0"/>
     </mc:Choice>
-    <mc:Fallback>
+    <mc:Fallback xmlns="">
       <p:transition/>
     </mc:Fallback>
   </mc:AlternateContent>
@@ -15144,11 +15144,11 @@
   <p:clrMapOvr>
     <a:masterClrMapping/>
   </p:clrMapOvr>
-  <mc:AlternateContent xmlns:mc="http://schemas.openxmlformats.org/markup-compatibility/2006">
-    <mc:Choice xmlns:p14="http://schemas.microsoft.com/office/powerpoint/2010/main" Requires="p14">
+  <mc:AlternateContent xmlns:mc="http://schemas.openxmlformats.org/markup-compatibility/2006" xmlns:p14="http://schemas.microsoft.com/office/powerpoint/2010/main">
+    <mc:Choice Requires="p14">
       <p:transition p14:dur="0"/>
     </mc:Choice>
-    <mc:Fallback>
+    <mc:Fallback xmlns="">
       <p:transition/>
     </mc:Fallback>
   </mc:AlternateContent>
@@ -15258,11 +15258,11 @@
   <p:clrMapOvr>
     <a:masterClrMapping/>
   </p:clrMapOvr>
-  <mc:AlternateContent xmlns:mc="http://schemas.openxmlformats.org/markup-compatibility/2006">
-    <mc:Choice xmlns:p14="http://schemas.microsoft.com/office/powerpoint/2010/main" Requires="p14">
+  <mc:AlternateContent xmlns:mc="http://schemas.openxmlformats.org/markup-compatibility/2006" xmlns:p14="http://schemas.microsoft.com/office/powerpoint/2010/main">
+    <mc:Choice Requires="p14">
       <p:transition p14:dur="0"/>
     </mc:Choice>
-    <mc:Fallback>
+    <mc:Fallback xmlns="">
       <p:transition/>
     </mc:Fallback>
   </mc:AlternateContent>
@@ -15270,7 +15270,7 @@
 </file>
 
 <file path=ppt/slides/slide4.xml><?xml version="1.0" encoding="utf-8"?>
-<p:sld xmlns:a="http://schemas.openxmlformats.org/drawingml/2006/main" xmlns:r="http://schemas.openxmlformats.org/officeDocument/2006/relationships" xmlns:p="http://schemas.openxmlformats.org/presentationml/2006/main">
+<p:sld xmlns:a="http://schemas.openxmlformats.org/drawingml/2006/main" xmlns:r="http://schemas.openxmlformats.org/officeDocument/2006/relationships" xmlns:p="http://schemas.openxmlformats.org/presentationml/2006/main" show="0">
   <p:cSld>
     <p:spTree>
       <p:nvGrpSpPr>
@@ -15424,11 +15424,11 @@
   <p:clrMapOvr>
     <a:masterClrMapping/>
   </p:clrMapOvr>
-  <mc:AlternateContent xmlns:mc="http://schemas.openxmlformats.org/markup-compatibility/2006">
-    <mc:Choice xmlns:p14="http://schemas.microsoft.com/office/powerpoint/2010/main" Requires="p14">
+  <mc:AlternateContent xmlns:mc="http://schemas.openxmlformats.org/markup-compatibility/2006" xmlns:p14="http://schemas.microsoft.com/office/powerpoint/2010/main">
+    <mc:Choice Requires="p14">
       <p:transition p14:dur="0"/>
     </mc:Choice>
-    <mc:Fallback>
+    <mc:Fallback xmlns="">
       <p:transition/>
     </mc:Fallback>
   </mc:AlternateContent>
@@ -15589,11 +15589,11 @@
   <p:clrMapOvr>
     <a:masterClrMapping/>
   </p:clrMapOvr>
-  <mc:AlternateContent xmlns:mc="http://schemas.openxmlformats.org/markup-compatibility/2006">
-    <mc:Choice xmlns:p14="http://schemas.microsoft.com/office/powerpoint/2010/main" Requires="p14">
+  <mc:AlternateContent xmlns:mc="http://schemas.openxmlformats.org/markup-compatibility/2006" xmlns:p14="http://schemas.microsoft.com/office/powerpoint/2010/main">
+    <mc:Choice Requires="p14">
       <p:transition p14:dur="0"/>
     </mc:Choice>
-    <mc:Fallback>
+    <mc:Fallback xmlns="">
       <p:transition/>
     </mc:Fallback>
   </mc:AlternateContent>
@@ -15766,125 +15766,7 @@
       </p:grpSpPr>
       <p:grpSp>
         <p:nvGrpSpPr>
-          <p:cNvPr id="122" name="Group 121"/>
-          <p:cNvGrpSpPr/>
-          <p:nvPr/>
-        </p:nvGrpSpPr>
-        <p:grpSpPr>
-          <a:xfrm>
-            <a:off x="7551912" y="1038499"/>
-            <a:ext cx="4214352" cy="2671264"/>
-            <a:chOff x="7551912" y="1038499"/>
-            <a:chExt cx="4214352" cy="2671264"/>
-          </a:xfrm>
-        </p:grpSpPr>
-        <p:sp>
-          <p:nvSpPr>
-            <p:cNvPr id="121" name="Rectangle: Rounded Corners 120"/>
-            <p:cNvSpPr/>
-            <p:nvPr/>
-          </p:nvSpPr>
-          <p:spPr bwMode="auto">
-            <a:xfrm>
-              <a:off x="7551912" y="1038499"/>
-              <a:ext cx="4214352" cy="2242829"/>
-            </a:xfrm>
-            <a:prstGeom prst="roundRect">
-              <a:avLst/>
-            </a:prstGeom>
-            <a:ln>
-              <a:headEnd type="none" w="med" len="med"/>
-              <a:tailEnd type="none" w="med" len="med"/>
-            </a:ln>
-          </p:spPr>
-          <p:style>
-            <a:lnRef idx="2">
-              <a:schemeClr val="accent2"/>
-            </a:lnRef>
-            <a:fillRef idx="1">
-              <a:schemeClr val="lt1"/>
-            </a:fillRef>
-            <a:effectRef idx="0">
-              <a:schemeClr val="accent2"/>
-            </a:effectRef>
-            <a:fontRef idx="minor">
-              <a:schemeClr val="dk1"/>
-            </a:fontRef>
-          </p:style>
-          <p:txBody>
-            <a:bodyPr rot="0" spcFirstLastPara="0" vertOverflow="overflow" horzOverflow="overflow" vert="horz" wrap="square" lIns="182880" tIns="146304" rIns="182880" bIns="146304" numCol="1" spcCol="0" rtlCol="0" fromWordArt="0" anchor="t" anchorCtr="0" forceAA="0" compatLnSpc="1">
-              <a:prstTxWarp prst="textNoShape">
-                <a:avLst/>
-              </a:prstTxWarp>
-              <a:noAutofit/>
-            </a:bodyPr>
-            <a:lstStyle/>
-            <a:p>
-              <a:pPr algn="ctr" defTabSz="932472" fontAlgn="base">
-                <a:lnSpc>
-                  <a:spcPct val="90000"/>
-                </a:lnSpc>
-                <a:spcBef>
-                  <a:spcPct val="0"/>
-                </a:spcBef>
-                <a:spcAft>
-                  <a:spcPct val="0"/>
-                </a:spcAft>
-              </a:pPr>
-              <a:endParaRPr lang="en-US" sz="2400" dirty="0" err="1">
-                <a:gradFill>
-                  <a:gsLst>
-                    <a:gs pos="0">
-                      <a:srgbClr val="FFFFFF"/>
-                    </a:gs>
-                    <a:gs pos="100000">
-                      <a:srgbClr val="FFFFFF"/>
-                    </a:gs>
-                  </a:gsLst>
-                  <a:lin ang="5400000" scaled="0"/>
-                </a:gradFill>
-                <a:ea typeface="Segoe UI" pitchFamily="34" charset="0"/>
-                <a:cs typeface="Segoe UI" pitchFamily="34" charset="0"/>
-              </a:endParaRPr>
-            </a:p>
-          </p:txBody>
-        </p:sp>
-        <p:pic>
-          <p:nvPicPr>
-            <p:cNvPr id="22" name="Picture 21"/>
-            <p:cNvPicPr>
-              <a:picLocks noChangeAspect="1"/>
-            </p:cNvPicPr>
-            <p:nvPr/>
-          </p:nvPicPr>
-          <p:blipFill>
-            <a:blip r:embed="rId4">
-              <a:duotone>
-                <a:schemeClr val="accent4">
-                  <a:shade val="45000"/>
-                  <a:satMod val="135000"/>
-                </a:schemeClr>
-                <a:prstClr val="white"/>
-              </a:duotone>
-            </a:blip>
-            <a:stretch>
-              <a:fillRect/>
-            </a:stretch>
-          </p:blipFill>
-          <p:spPr>
-            <a:xfrm>
-              <a:off x="9282991" y="3045630"/>
-              <a:ext cx="752194" cy="664133"/>
-            </a:xfrm>
-            <a:prstGeom prst="rect">
-              <a:avLst/>
-            </a:prstGeom>
-          </p:spPr>
-        </p:pic>
-      </p:grpSp>
-      <p:grpSp>
-        <p:nvGrpSpPr>
-          <p:cNvPr id="3" name="Group 2"/>
+          <p:cNvPr id="3" name="start"/>
           <p:cNvGrpSpPr/>
           <p:nvPr/>
         </p:nvGrpSpPr>
@@ -15905,7 +15787,7 @@
             <p:nvPr/>
           </p:nvPicPr>
           <p:blipFill>
-            <a:blip r:embed="rId5">
+            <a:blip r:embed="rId4">
               <a:duotone>
                 <a:schemeClr val="accent3">
                   <a:shade val="45000"/>
@@ -15953,7 +15835,7 @@
             <p:nvPr/>
           </p:nvPicPr>
           <p:blipFill>
-            <a:blip r:embed="rId6">
+            <a:blip r:embed="rId5">
               <a:duotone>
                 <a:schemeClr val="accent3">
                   <a:shade val="45000"/>
@@ -16051,43 +15933,405 @@
           </a:p>
         </p:txBody>
       </p:sp>
+      <p:sp>
+        <p:nvSpPr>
+          <p:cNvPr id="2" name="Title 1"/>
+          <p:cNvSpPr>
+            <a:spLocks noGrp="1"/>
+          </p:cNvSpPr>
+          <p:nvPr>
+            <p:ph type="title"/>
+          </p:nvPr>
+        </p:nvSpPr>
+        <p:spPr/>
+        <p:txBody>
+          <a:bodyPr/>
+          <a:lstStyle/>
+          <a:p>
+            <a:r>
+              <a:rPr lang="en-US" dirty="0"/>
+              <a:t>City Power &amp; Light App Architecture</a:t>
+            </a:r>
+          </a:p>
+        </p:txBody>
+      </p:sp>
       <p:grpSp>
         <p:nvGrpSpPr>
-          <p:cNvPr id="159" name="Group 158"/>
+          <p:cNvPr id="20" name="09-func"/>
           <p:cNvGrpSpPr/>
           <p:nvPr/>
         </p:nvGrpSpPr>
         <p:grpSpPr>
           <a:xfrm>
-            <a:off x="620002" y="2387240"/>
-            <a:ext cx="1426896" cy="1829490"/>
-            <a:chOff x="613668" y="2387240"/>
-            <a:chExt cx="1426896" cy="1829490"/>
+            <a:off x="7226331" y="4679391"/>
+            <a:ext cx="4872168" cy="1865871"/>
+            <a:chOff x="7226331" y="4679391"/>
+            <a:chExt cx="4872168" cy="1865871"/>
           </a:xfrm>
         </p:grpSpPr>
         <p:grpSp>
           <p:nvGrpSpPr>
-            <p:cNvPr id="158" name="Group 157"/>
+            <p:cNvPr id="6" name="Group 5"/>
             <p:cNvGrpSpPr/>
             <p:nvPr/>
           </p:nvGrpSpPr>
           <p:grpSpPr>
             <a:xfrm>
-              <a:off x="641316" y="2387930"/>
+              <a:off x="10445888" y="4679391"/>
+              <a:ext cx="1652611" cy="1865871"/>
+              <a:chOff x="10445888" y="4679391"/>
+              <a:chExt cx="1652611" cy="1865871"/>
+            </a:xfrm>
+          </p:grpSpPr>
+          <p:grpSp>
+            <p:nvGrpSpPr>
+              <p:cNvPr id="81" name="Group 80"/>
+              <p:cNvGrpSpPr/>
+              <p:nvPr/>
+            </p:nvGrpSpPr>
+            <p:grpSpPr>
+              <a:xfrm>
+                <a:off x="10603038" y="4716462"/>
+                <a:ext cx="1495461" cy="1828800"/>
+                <a:chOff x="10603038" y="4721677"/>
+                <a:chExt cx="1495461" cy="1828800"/>
+              </a:xfrm>
+            </p:grpSpPr>
+            <p:sp>
+              <p:nvSpPr>
+                <p:cNvPr id="110" name="Rectangle: Rounded Corners 109"/>
+                <p:cNvSpPr/>
+                <p:nvPr/>
+              </p:nvSpPr>
+              <p:spPr bwMode="auto">
+                <a:xfrm>
+                  <a:off x="10638974" y="4721677"/>
+                  <a:ext cx="1371600" cy="1828800"/>
+                </a:xfrm>
+                <a:prstGeom prst="roundRect">
+                  <a:avLst/>
+                </a:prstGeom>
+                <a:ln>
+                  <a:headEnd type="none" w="med" len="med"/>
+                  <a:tailEnd type="none" w="med" len="med"/>
+                </a:ln>
+              </p:spPr>
+              <p:style>
+                <a:lnRef idx="2">
+                  <a:schemeClr val="accent2"/>
+                </a:lnRef>
+                <a:fillRef idx="1">
+                  <a:schemeClr val="lt1"/>
+                </a:fillRef>
+                <a:effectRef idx="0">
+                  <a:schemeClr val="accent2"/>
+                </a:effectRef>
+                <a:fontRef idx="minor">
+                  <a:schemeClr val="dk1"/>
+                </a:fontRef>
+              </p:style>
+              <p:txBody>
+                <a:bodyPr rot="0" spcFirstLastPara="0" vertOverflow="overflow" horzOverflow="overflow" vert="horz" wrap="square" lIns="182880" tIns="146304" rIns="182880" bIns="146304" numCol="1" spcCol="0" rtlCol="0" fromWordArt="0" anchor="t" anchorCtr="0" forceAA="0" compatLnSpc="1">
+                  <a:prstTxWarp prst="textNoShape">
+                    <a:avLst/>
+                  </a:prstTxWarp>
+                  <a:noAutofit/>
+                </a:bodyPr>
+                <a:lstStyle/>
+                <a:p>
+                  <a:pPr algn="ctr" defTabSz="932472" fontAlgn="base">
+                    <a:lnSpc>
+                      <a:spcPct val="90000"/>
+                    </a:lnSpc>
+                    <a:spcBef>
+                      <a:spcPct val="0"/>
+                    </a:spcBef>
+                    <a:spcAft>
+                      <a:spcPct val="0"/>
+                    </a:spcAft>
+                  </a:pPr>
+                  <a:endParaRPr lang="en-US" sz="2400" dirty="0" err="1">
+                    <a:gradFill>
+                      <a:gsLst>
+                        <a:gs pos="0">
+                          <a:srgbClr val="FFFFFF"/>
+                        </a:gs>
+                        <a:gs pos="100000">
+                          <a:srgbClr val="FFFFFF"/>
+                        </a:gs>
+                      </a:gsLst>
+                      <a:lin ang="5400000" scaled="0"/>
+                    </a:gradFill>
+                    <a:ea typeface="Segoe UI" pitchFamily="34" charset="0"/>
+                    <a:cs typeface="Segoe UI" pitchFamily="34" charset="0"/>
+                  </a:endParaRPr>
+                </a:p>
+              </p:txBody>
+            </p:sp>
+            <p:grpSp>
+              <p:nvGrpSpPr>
+                <p:cNvPr id="80" name="Group 79"/>
+                <p:cNvGrpSpPr/>
+                <p:nvPr/>
+              </p:nvGrpSpPr>
+              <p:grpSpPr>
+                <a:xfrm>
+                  <a:off x="10603038" y="4969750"/>
+                  <a:ext cx="1495461" cy="1254861"/>
+                  <a:chOff x="10603038" y="4985601"/>
+                  <a:chExt cx="1495461" cy="1254861"/>
+                </a:xfrm>
+              </p:grpSpPr>
+              <p:sp>
+                <p:nvSpPr>
+                  <p:cNvPr id="104" name="TextBox 103"/>
+                  <p:cNvSpPr txBox="1"/>
+                  <p:nvPr/>
+                </p:nvSpPr>
+                <p:spPr>
+                  <a:xfrm>
+                    <a:off x="10603038" y="4985601"/>
+                    <a:ext cx="1495461" cy="646331"/>
+                  </a:xfrm>
+                  <a:prstGeom prst="rect">
+                    <a:avLst/>
+                  </a:prstGeom>
+                  <a:noFill/>
+                </p:spPr>
+                <p:txBody>
+                  <a:bodyPr wrap="square" rtlCol="0">
+                    <a:spAutoFit/>
+                  </a:bodyPr>
+                  <a:lstStyle/>
+                  <a:p>
+                    <a:pPr marL="0" marR="0" lvl="0" indent="0" algn="ctr" defTabSz="914400" eaLnBrk="1" fontAlgn="auto" latinLnBrk="0" hangingPunct="1">
+                      <a:lnSpc>
+                        <a:spcPct val="100000"/>
+                      </a:lnSpc>
+                      <a:spcBef>
+                        <a:spcPts val="0"/>
+                      </a:spcBef>
+                      <a:spcAft>
+                        <a:spcPts val="0"/>
+                      </a:spcAft>
+                      <a:buClrTx/>
+                      <a:buSzTx/>
+                      <a:buFontTx/>
+                      <a:buNone/>
+                      <a:tabLst/>
+                      <a:defRPr/>
+                    </a:pPr>
+                    <a:r>
+                      <a:rPr kumimoji="0" lang="en-US" sz="1800" b="0" i="0" u="none" strike="noStrike" kern="0" cap="none" spc="0" normalizeH="0" baseline="0" noProof="0" dirty="0">
+                        <a:ln>
+                          <a:noFill/>
+                        </a:ln>
+                        <a:solidFill>
+                          <a:schemeClr val="accent1"/>
+                        </a:solidFill>
+                        <a:effectLst/>
+                        <a:uLnTx/>
+                        <a:uFillTx/>
+                        <a:latin typeface="Segoe UI Semibold" panose="020B0702040204020203" pitchFamily="34" charset="0"/>
+                        <a:cs typeface="Segoe UI" panose="020B0502040204020203" pitchFamily="34" charset="0"/>
+                      </a:rPr>
+                      <a:t>AZURE FUNCTION</a:t>
+                    </a:r>
+                  </a:p>
+                </p:txBody>
+              </p:sp>
+              <p:pic>
+                <p:nvPicPr>
+                  <p:cNvPr id="76" name="Picture 75"/>
+                  <p:cNvPicPr>
+                    <a:picLocks noChangeAspect="1"/>
+                  </p:cNvPicPr>
+                  <p:nvPr/>
+                </p:nvPicPr>
+                <p:blipFill>
+                  <a:blip r:embed="rId6">
+                    <a:duotone>
+                      <a:schemeClr val="accent4">
+                        <a:shade val="45000"/>
+                        <a:satMod val="135000"/>
+                      </a:schemeClr>
+                      <a:prstClr val="white"/>
+                    </a:duotone>
+                  </a:blip>
+                  <a:stretch>
+                    <a:fillRect/>
+                  </a:stretch>
+                </p:blipFill>
+                <p:spPr>
+                  <a:xfrm>
+                    <a:off x="11087012" y="5742362"/>
+                    <a:ext cx="527513" cy="498100"/>
+                  </a:xfrm>
+                  <a:prstGeom prst="rect">
+                    <a:avLst/>
+                  </a:prstGeom>
+                </p:spPr>
+              </p:pic>
+            </p:grpSp>
+          </p:grpSp>
+          <p:sp>
+            <p:nvSpPr>
+              <p:cNvPr id="163" name="Oval 162"/>
+              <p:cNvSpPr/>
+              <p:nvPr/>
+            </p:nvSpPr>
+            <p:spPr>
+              <a:xfrm>
+                <a:off x="10445888" y="4679391"/>
+                <a:ext cx="444097" cy="426129"/>
+              </a:xfrm>
+              <a:prstGeom prst="ellipse">
+                <a:avLst/>
+              </a:prstGeom>
+              <a:solidFill>
+                <a:schemeClr val="tx2"/>
+              </a:solidFill>
+              <a:ln w="25400">
+                <a:noFill/>
+              </a:ln>
+            </p:spPr>
+            <p:style>
+              <a:lnRef idx="2">
+                <a:schemeClr val="accent1">
+                  <a:shade val="50000"/>
+                </a:schemeClr>
+              </a:lnRef>
+              <a:fillRef idx="1">
+                <a:schemeClr val="accent1"/>
+              </a:fillRef>
+              <a:effectRef idx="0">
+                <a:schemeClr val="accent1"/>
+              </a:effectRef>
+              <a:fontRef idx="minor">
+                <a:schemeClr val="lt1"/>
+              </a:fontRef>
+            </p:style>
+            <p:txBody>
+              <a:bodyPr rtlCol="0" anchor="ctr"/>
+              <a:lstStyle/>
+              <a:p>
+                <a:pPr marL="0" marR="0" lvl="0" indent="0" algn="ctr" defTabSz="914400" eaLnBrk="1" fontAlgn="auto" latinLnBrk="0" hangingPunct="1">
+                  <a:lnSpc>
+                    <a:spcPct val="100000"/>
+                  </a:lnSpc>
+                  <a:spcBef>
+                    <a:spcPts val="0"/>
+                  </a:spcBef>
+                  <a:spcAft>
+                    <a:spcPts val="0"/>
+                  </a:spcAft>
+                  <a:buClrTx/>
+                  <a:buSzTx/>
+                  <a:buFontTx/>
+                  <a:buNone/>
+                  <a:tabLst/>
+                  <a:defRPr/>
+                </a:pPr>
+                <a:r>
+                  <a:rPr lang="en-US" sz="2000" kern="0" dirty="0">
+                    <a:solidFill>
+                      <a:schemeClr val="bg1"/>
+                    </a:solidFill>
+                    <a:latin typeface="Segoe UI Semibold" panose="020B0702040204020203" pitchFamily="34" charset="0"/>
+                  </a:rPr>
+                  <a:t>9</a:t>
+                </a:r>
+                <a:endParaRPr kumimoji="0" lang="en-US" sz="2000" b="0" i="0" u="none" strike="noStrike" kern="0" cap="none" spc="0" normalizeH="0" baseline="0" noProof="0" dirty="0">
+                  <a:ln>
+                    <a:noFill/>
+                  </a:ln>
+                  <a:solidFill>
+                    <a:schemeClr val="bg1"/>
+                  </a:solidFill>
+                  <a:effectLst/>
+                  <a:uLnTx/>
+                  <a:uFillTx/>
+                  <a:latin typeface="Segoe UI Semibold" panose="020B0702040204020203" pitchFamily="34" charset="0"/>
+                </a:endParaRPr>
+              </a:p>
+            </p:txBody>
+          </p:sp>
+        </p:grpSp>
+        <p:cxnSp>
+          <p:nvCxnSpPr>
+            <p:cNvPr id="186" name="Straight Arrow Connector 185"/>
+            <p:cNvCxnSpPr/>
+            <p:nvPr/>
+          </p:nvCxnSpPr>
+          <p:spPr>
+            <a:xfrm>
+              <a:off x="7226331" y="5760234"/>
+              <a:ext cx="3376707" cy="23029"/>
+            </a:xfrm>
+            <a:prstGeom prst="straightConnector1">
+              <a:avLst/>
+            </a:prstGeom>
+            <a:ln w="38100">
+              <a:solidFill>
+                <a:schemeClr val="tx1"/>
+              </a:solidFill>
+              <a:headEnd type="none"/>
+              <a:tailEnd type="triangle"/>
+            </a:ln>
+          </p:spPr>
+          <p:style>
+            <a:lnRef idx="1">
+              <a:schemeClr val="accent1"/>
+            </a:lnRef>
+            <a:fillRef idx="0">
+              <a:schemeClr val="accent1"/>
+            </a:fillRef>
+            <a:effectRef idx="0">
+              <a:schemeClr val="accent1"/>
+            </a:effectRef>
+            <a:fontRef idx="minor">
+              <a:schemeClr val="tx1"/>
+            </a:fontRef>
+          </p:style>
+        </p:cxnSp>
+      </p:grpSp>
+      <p:grpSp>
+        <p:nvGrpSpPr>
+          <p:cNvPr id="31" name="08-dash"/>
+          <p:cNvGrpSpPr/>
+          <p:nvPr/>
+        </p:nvGrpSpPr>
+        <p:grpSpPr>
+          <a:xfrm>
+            <a:off x="2019250" y="1146084"/>
+            <a:ext cx="5532662" cy="1970178"/>
+            <a:chOff x="2019250" y="1146084"/>
+            <a:chExt cx="5532662" cy="1970178"/>
+          </a:xfrm>
+        </p:grpSpPr>
+        <p:grpSp>
+          <p:nvGrpSpPr>
+            <p:cNvPr id="125" name="Group 124"/>
+            <p:cNvGrpSpPr/>
+            <p:nvPr/>
+          </p:nvGrpSpPr>
+          <p:grpSpPr>
+            <a:xfrm>
+              <a:off x="3754232" y="1168724"/>
               <a:ext cx="1371600" cy="1828800"/>
-              <a:chOff x="647650" y="2387930"/>
+              <a:chOff x="4239095" y="1212849"/>
               <a:chExt cx="1371600" cy="1828800"/>
             </a:xfrm>
           </p:grpSpPr>
           <p:sp>
             <p:nvSpPr>
-              <p:cNvPr id="59" name="Rectangle: Rounded Corners 58"/>
+              <p:cNvPr id="55" name="Rectangle: Rounded Corners 54"/>
               <p:cNvSpPr/>
               <p:nvPr/>
             </p:nvSpPr>
             <p:spPr bwMode="auto">
               <a:xfrm>
-                <a:off x="647650" y="2387930"/>
+                <a:off x="4239095" y="1212849"/>
                 <a:ext cx="1371600" cy="1828800"/>
               </a:xfrm>
               <a:prstGeom prst="roundRect">
@@ -16152,21 +16396,21 @@
           </p:sp>
           <p:grpSp>
             <p:nvGrpSpPr>
-              <p:cNvPr id="157" name="Group 156"/>
+              <p:cNvPr id="124" name="Group 123"/>
               <p:cNvGrpSpPr/>
               <p:nvPr/>
             </p:nvGrpSpPr>
             <p:grpSpPr>
               <a:xfrm>
-                <a:off x="771887" y="2577246"/>
-                <a:ext cx="1123126" cy="1450169"/>
-                <a:chOff x="771887" y="2711901"/>
-                <a:chExt cx="1123126" cy="1450169"/>
+                <a:off x="4379653" y="1500023"/>
+                <a:ext cx="1090485" cy="1254453"/>
+                <a:chOff x="4520210" y="1493509"/>
+                <a:chExt cx="1090485" cy="1254453"/>
               </a:xfrm>
             </p:grpSpPr>
             <p:pic>
               <p:nvPicPr>
-                <p:cNvPr id="67" name="Picture 66"/>
+                <p:cNvPr id="90" name="Picture 6"/>
                 <p:cNvPicPr>
                   <a:picLocks noChangeAspect="1"/>
                 </p:cNvPicPr>
@@ -16174,75 +16418,82 @@
               </p:nvPicPr>
               <p:blipFill>
                 <a:blip r:embed="rId7">
-                  <a:clrChange>
-                    <a:clrFrom>
-                      <a:srgbClr val="FFFFFF"/>
-                    </a:clrFrom>
-                    <a:clrTo>
-                      <a:srgbClr val="FFFFFF">
-                        <a:alpha val="0"/>
-                      </a:srgbClr>
-                    </a:clrTo>
-                  </a:clrChange>
+                  <a:duotone>
+                    <a:schemeClr val="accent4">
+                      <a:shade val="45000"/>
+                      <a:satMod val="135000"/>
+                    </a:schemeClr>
+                    <a:prstClr val="white"/>
+                  </a:duotone>
+                  <a:extLst>
+                    <a:ext uri="{28A0092B-C50C-407E-A947-70E740481C1C}">
+                      <a14:useLocalDpi xmlns:a14="http://schemas.microsoft.com/office/drawing/2010/main" val="0"/>
+                    </a:ext>
+                  </a:extLst>
                 </a:blip>
+                <a:srcRect/>
                 <a:stretch>
                   <a:fillRect/>
                 </a:stretch>
               </p:blipFill>
-              <p:spPr>
+              <p:spPr bwMode="auto">
                 <a:xfrm>
-                  <a:off x="860945" y="2711901"/>
-                  <a:ext cx="945010" cy="839520"/>
+                  <a:off x="4815421" y="2201862"/>
+                  <a:ext cx="500062" cy="546100"/>
                 </a:xfrm>
                 <a:prstGeom prst="rect">
                   <a:avLst/>
                 </a:prstGeom>
+                <a:noFill/>
+                <a:ln>
+                  <a:noFill/>
+                </a:ln>
+                <a:extLst>
+                  <a:ext uri="{909E8E84-426E-40DD-AFC4-6F175D3DCCD1}">
+                    <a14:hiddenFill xmlns:a14="http://schemas.microsoft.com/office/drawing/2010/main">
+                      <a:solidFill>
+                        <a:srgbClr val="FFFFFF"/>
+                      </a:solidFill>
+                    </a14:hiddenFill>
+                  </a:ext>
+                  <a:ext uri="{91240B29-F687-4F45-9708-019B960494DF}">
+                    <a14:hiddenLine xmlns:a14="http://schemas.microsoft.com/office/drawing/2010/main" w="9525">
+                      <a:solidFill>
+                        <a:srgbClr val="000000"/>
+                      </a:solidFill>
+                      <a:miter lim="800000"/>
+                      <a:headEnd/>
+                      <a:tailEnd/>
+                    </a14:hiddenLine>
+                  </a:ext>
+                </a:extLst>
               </p:spPr>
             </p:pic>
             <p:sp>
               <p:nvSpPr>
-                <p:cNvPr id="86" name="Rectangle 85"/>
-                <p:cNvSpPr/>
+                <p:cNvPr id="96" name="TextBox 95"/>
+                <p:cNvSpPr txBox="1"/>
                 <p:nvPr/>
               </p:nvSpPr>
               <p:spPr>
                 <a:xfrm>
-                  <a:off x="771887" y="3571139"/>
-                  <a:ext cx="1123126" cy="590931"/>
+                  <a:off x="4520210" y="1493509"/>
+                  <a:ext cx="1090485" cy="646331"/>
                 </a:xfrm>
                 <a:prstGeom prst="rect">
                   <a:avLst/>
                 </a:prstGeom>
-                <a:solidFill>
-                  <a:schemeClr val="accent2"/>
-                </a:solidFill>
-                <a:ln>
-                  <a:noFill/>
-                </a:ln>
+                <a:noFill/>
               </p:spPr>
-              <p:style>
-                <a:lnRef idx="0">
-                  <a:scrgbClr r="0" g="0" b="0"/>
-                </a:lnRef>
-                <a:fillRef idx="0">
-                  <a:scrgbClr r="0" g="0" b="0"/>
-                </a:fillRef>
-                <a:effectRef idx="0">
-                  <a:scrgbClr r="0" g="0" b="0"/>
-                </a:effectRef>
-                <a:fontRef idx="minor">
-                  <a:schemeClr val="lt1"/>
-                </a:fontRef>
-              </p:style>
               <p:txBody>
-                <a:bodyPr wrap="square" rtlCol="0" anchor="ctr">
+                <a:bodyPr wrap="square" rtlCol="0">
                   <a:spAutoFit/>
                 </a:bodyPr>
                 <a:lstStyle/>
                 <a:p>
                   <a:pPr marL="0" marR="0" lvl="0" indent="0" algn="ctr" defTabSz="914400" eaLnBrk="1" fontAlgn="auto" latinLnBrk="0" hangingPunct="1">
                     <a:lnSpc>
-                      <a:spcPct val="90000"/>
+                      <a:spcPct val="100000"/>
                     </a:lnSpc>
                     <a:spcBef>
                       <a:spcPts val="0"/>
@@ -16258,8 +16509,20 @@
                     <a:defRPr/>
                   </a:pPr>
                   <a:r>
-                    <a:rPr lang="en-US" dirty="0"/>
-                    <a:t>Incident Tracker</a:t>
+                    <a:rPr kumimoji="0" lang="en-US" sz="1800" b="0" i="0" u="none" strike="noStrike" kern="0" cap="none" spc="0" normalizeH="0" baseline="0" noProof="0" dirty="0">
+                      <a:ln>
+                        <a:noFill/>
+                      </a:ln>
+                      <a:solidFill>
+                        <a:schemeClr val="accent1"/>
+                      </a:solidFill>
+                      <a:effectLst/>
+                      <a:uLnTx/>
+                      <a:uFillTx/>
+                      <a:latin typeface="Segoe UI Semibold" panose="020B0702040204020203" pitchFamily="34" charset="0"/>
+                      <a:cs typeface="Segoe UI" panose="020B0502040204020203" pitchFamily="34" charset="0"/>
+                    </a:rPr>
+                    <a:t>AZURE CACHE</a:t>
                   </a:r>
                 </a:p>
               </p:txBody>
@@ -16268,24 +16531,43 @@
         </p:grpSp>
         <p:sp>
           <p:nvSpPr>
-            <p:cNvPr id="89" name="TextBox 88"/>
-            <p:cNvSpPr txBox="1"/>
+            <p:cNvPr id="56" name="Oval 55"/>
+            <p:cNvSpPr/>
             <p:nvPr/>
           </p:nvSpPr>
           <p:spPr>
             <a:xfrm>
-              <a:off x="613668" y="2387240"/>
-              <a:ext cx="1426896" cy="369332"/>
+              <a:off x="3536677" y="1146084"/>
+              <a:ext cx="444097" cy="426129"/>
             </a:xfrm>
-            <a:prstGeom prst="rect">
+            <a:prstGeom prst="ellipse">
               <a:avLst/>
             </a:prstGeom>
-            <a:noFill/>
+            <a:solidFill>
+              <a:schemeClr val="tx2"/>
+            </a:solidFill>
+            <a:ln w="25400">
+              <a:noFill/>
+            </a:ln>
           </p:spPr>
+          <p:style>
+            <a:lnRef idx="2">
+              <a:schemeClr val="accent1">
+                <a:shade val="50000"/>
+              </a:schemeClr>
+            </a:lnRef>
+            <a:fillRef idx="1">
+              <a:schemeClr val="accent1"/>
+            </a:fillRef>
+            <a:effectRef idx="0">
+              <a:schemeClr val="accent1"/>
+            </a:effectRef>
+            <a:fontRef idx="minor">
+              <a:schemeClr val="lt1"/>
+            </a:fontRef>
+          </p:style>
           <p:txBody>
-            <a:bodyPr wrap="square" rtlCol="0">
-              <a:spAutoFit/>
-            </a:bodyPr>
+            <a:bodyPr rtlCol="0" anchor="ctr"/>
             <a:lstStyle/>
             <a:p>
               <a:pPr marL="0" marR="0" lvl="0" indent="0" algn="ctr" defTabSz="914400" eaLnBrk="1" fontAlgn="auto" latinLnBrk="0" hangingPunct="1">
@@ -16306,144 +16588,2698 @@
                 <a:defRPr/>
               </a:pPr>
               <a:r>
-                <a:rPr kumimoji="0" lang="en-US" sz="1800" b="0" i="0" u="none" strike="noStrike" kern="0" cap="none" spc="0" normalizeH="0" baseline="0" noProof="0" dirty="0">
-                  <a:ln>
-                    <a:noFill/>
-                  </a:ln>
+                <a:rPr lang="en-US" sz="2000" kern="0" dirty="0">
                   <a:solidFill>
-                    <a:schemeClr val="accent1"/>
+                    <a:schemeClr val="bg1"/>
                   </a:solidFill>
-                  <a:effectLst/>
-                  <a:uLnTx/>
-                  <a:uFillTx/>
                   <a:latin typeface="Segoe UI Semibold" panose="020B0702040204020203" pitchFamily="34" charset="0"/>
-                  <a:cs typeface="Segoe UI" panose="020B0502040204020203" pitchFamily="34" charset="0"/>
                 </a:rPr>
-                <a:t>WEB SITE</a:t>
+                <a:t>8</a:t>
               </a:r>
+              <a:endParaRPr kumimoji="0" lang="en-US" sz="2000" b="0" i="0" u="none" strike="noStrike" kern="0" cap="none" spc="0" normalizeH="0" baseline="0" noProof="0" dirty="0">
+                <a:ln>
+                  <a:noFill/>
+                </a:ln>
+                <a:solidFill>
+                  <a:schemeClr val="bg1"/>
+                </a:solidFill>
+                <a:effectLst/>
+                <a:uLnTx/>
+                <a:uFillTx/>
+                <a:latin typeface="Segoe UI Semibold" panose="020B0702040204020203" pitchFamily="34" charset="0"/>
+              </a:endParaRPr>
             </a:p>
           </p:txBody>
         </p:sp>
+        <p:cxnSp>
+          <p:nvCxnSpPr>
+            <p:cNvPr id="192" name="Straight Arrow Connector 191"/>
+            <p:cNvCxnSpPr>
+              <a:stCxn id="55" idx="3"/>
+              <a:endCxn id="121" idx="1"/>
+            </p:cNvCxnSpPr>
+            <p:nvPr/>
+          </p:nvCxnSpPr>
+          <p:spPr>
+            <a:xfrm>
+              <a:off x="5125832" y="2083124"/>
+              <a:ext cx="2426080" cy="76790"/>
+            </a:xfrm>
+            <a:prstGeom prst="straightConnector1">
+              <a:avLst/>
+            </a:prstGeom>
+            <a:ln w="38100">
+              <a:solidFill>
+                <a:schemeClr val="tx1"/>
+              </a:solidFill>
+              <a:prstDash val="sysDash"/>
+              <a:headEnd type="triangle" w="med" len="med"/>
+              <a:tailEnd type="triangle" w="med" len="med"/>
+            </a:ln>
+          </p:spPr>
+          <p:style>
+            <a:lnRef idx="1">
+              <a:schemeClr val="accent1"/>
+            </a:lnRef>
+            <a:fillRef idx="0">
+              <a:schemeClr val="accent1"/>
+            </a:fillRef>
+            <a:effectRef idx="0">
+              <a:schemeClr val="accent1"/>
+            </a:effectRef>
+            <a:fontRef idx="minor">
+              <a:schemeClr val="tx1"/>
+            </a:fontRef>
+          </p:style>
+        </p:cxnSp>
+        <p:grpSp>
+          <p:nvGrpSpPr>
+            <p:cNvPr id="13" name="08-dash"/>
+            <p:cNvGrpSpPr/>
+            <p:nvPr/>
+          </p:nvGrpSpPr>
+          <p:grpSpPr>
+            <a:xfrm>
+              <a:off x="2019250" y="2083124"/>
+              <a:ext cx="1734982" cy="1033138"/>
+              <a:chOff x="2019250" y="2083124"/>
+              <a:chExt cx="1734982" cy="1033138"/>
+            </a:xfrm>
+          </p:grpSpPr>
+          <p:cxnSp>
+            <p:nvCxnSpPr>
+              <p:cNvPr id="189" name="Connector: Curved 188"/>
+              <p:cNvCxnSpPr>
+                <a:stCxn id="55" idx="1"/>
+              </p:cNvCxnSpPr>
+              <p:nvPr/>
+            </p:nvCxnSpPr>
+            <p:spPr>
+              <a:xfrm rot="10800000" flipV="1">
+                <a:off x="2019250" y="2083124"/>
+                <a:ext cx="1734982" cy="1033138"/>
+              </a:xfrm>
+              <a:prstGeom prst="curvedConnector3">
+                <a:avLst>
+                  <a:gd name="adj1" fmla="val 50000"/>
+                </a:avLst>
+              </a:prstGeom>
+              <a:ln w="38100">
+                <a:solidFill>
+                  <a:schemeClr val="tx1"/>
+                </a:solidFill>
+                <a:prstDash val="sysDash"/>
+                <a:headEnd type="none"/>
+                <a:tailEnd type="triangle"/>
+              </a:ln>
+            </p:spPr>
+            <p:style>
+              <a:lnRef idx="1">
+                <a:schemeClr val="accent1"/>
+              </a:lnRef>
+              <a:fillRef idx="0">
+                <a:schemeClr val="accent1"/>
+              </a:fillRef>
+              <a:effectRef idx="0">
+                <a:schemeClr val="accent1"/>
+              </a:effectRef>
+              <a:fontRef idx="minor">
+                <a:schemeClr val="tx1"/>
+              </a:fontRef>
+            </p:style>
+          </p:cxnSp>
+          <p:sp>
+            <p:nvSpPr>
+              <p:cNvPr id="103" name="Rectangle 102"/>
+              <p:cNvSpPr/>
+              <p:nvPr/>
+            </p:nvSpPr>
+            <p:spPr>
+              <a:xfrm>
+                <a:off x="2157495" y="2114563"/>
+                <a:ext cx="1280160" cy="457200"/>
+              </a:xfrm>
+              <a:prstGeom prst="rect">
+                <a:avLst/>
+              </a:prstGeom>
+              <a:solidFill>
+                <a:schemeClr val="accent2"/>
+              </a:solidFill>
+              <a:ln>
+                <a:noFill/>
+              </a:ln>
+            </p:spPr>
+            <p:style>
+              <a:lnRef idx="0">
+                <a:scrgbClr r="0" g="0" b="0"/>
+              </a:lnRef>
+              <a:fillRef idx="0">
+                <a:scrgbClr r="0" g="0" b="0"/>
+              </a:fillRef>
+              <a:effectRef idx="0">
+                <a:scrgbClr r="0" g="0" b="0"/>
+              </a:effectRef>
+              <a:fontRef idx="minor">
+                <a:schemeClr val="lt1"/>
+              </a:fontRef>
+            </p:style>
+            <p:txBody>
+              <a:bodyPr wrap="square" rtlCol="0" anchor="ctr">
+                <a:spAutoFit/>
+              </a:bodyPr>
+              <a:lstStyle/>
+              <a:p>
+                <a:pPr marL="0" marR="0" lvl="0" indent="0" algn="ctr" defTabSz="914400" eaLnBrk="1" fontAlgn="auto" latinLnBrk="0" hangingPunct="1">
+                  <a:lnSpc>
+                    <a:spcPct val="90000"/>
+                  </a:lnSpc>
+                  <a:spcBef>
+                    <a:spcPts val="0"/>
+                  </a:spcBef>
+                  <a:spcAft>
+                    <a:spcPts val="0"/>
+                  </a:spcAft>
+                  <a:buClrTx/>
+                  <a:buSzTx/>
+                  <a:buFontTx/>
+                  <a:buNone/>
+                  <a:tabLst/>
+                  <a:defRPr/>
+                </a:pPr>
+                <a:r>
+                  <a:rPr lang="en-US" sz="1400" dirty="0"/>
+                  <a:t>Dashboard</a:t>
+                </a:r>
+              </a:p>
+            </p:txBody>
+          </p:sp>
+        </p:grpSp>
       </p:grpSp>
       <p:grpSp>
         <p:nvGrpSpPr>
-          <p:cNvPr id="129" name="Group 128"/>
+          <p:cNvPr id="23" name="07-email"/>
           <p:cNvGrpSpPr/>
           <p:nvPr/>
         </p:nvGrpSpPr>
         <p:grpSpPr>
           <a:xfrm>
-            <a:off x="7917889" y="3649662"/>
-            <a:ext cx="1495461" cy="1828800"/>
-            <a:chOff x="8382250" y="4721677"/>
-            <a:chExt cx="1495461" cy="1828800"/>
+            <a:off x="2019250" y="3302330"/>
+            <a:ext cx="2654766" cy="3242932"/>
+            <a:chOff x="2019250" y="3302330"/>
+            <a:chExt cx="2654766" cy="3242932"/>
           </a:xfrm>
         </p:grpSpPr>
-        <p:sp>
-          <p:nvSpPr>
-            <p:cNvPr id="57" name="Rectangle: Rounded Corners 56"/>
-            <p:cNvSpPr/>
-            <p:nvPr/>
-          </p:nvSpPr>
-          <p:spPr bwMode="auto">
-            <a:xfrm>
-              <a:off x="8444180" y="4721677"/>
-              <a:ext cx="1371600" cy="1828800"/>
-            </a:xfrm>
-            <a:prstGeom prst="roundRect">
-              <a:avLst/>
-            </a:prstGeom>
-            <a:ln>
-              <a:headEnd type="none" w="med" len="med"/>
-              <a:tailEnd type="none" w="med" len="med"/>
-            </a:ln>
-          </p:spPr>
-          <p:style>
-            <a:lnRef idx="2">
-              <a:schemeClr val="accent2"/>
-            </a:lnRef>
-            <a:fillRef idx="1">
-              <a:schemeClr val="lt1"/>
-            </a:fillRef>
-            <a:effectRef idx="0">
-              <a:schemeClr val="accent2"/>
-            </a:effectRef>
-            <a:fontRef idx="minor">
-              <a:schemeClr val="dk1"/>
-            </a:fontRef>
-          </p:style>
-          <p:txBody>
-            <a:bodyPr rot="0" spcFirstLastPara="0" vertOverflow="overflow" horzOverflow="overflow" vert="horz" wrap="square" lIns="182880" tIns="146304" rIns="182880" bIns="146304" numCol="1" spcCol="0" rtlCol="0" fromWordArt="0" anchor="t" anchorCtr="0" forceAA="0" compatLnSpc="1">
-              <a:prstTxWarp prst="textNoShape">
-                <a:avLst/>
-              </a:prstTxWarp>
-              <a:noAutofit/>
-            </a:bodyPr>
-            <a:lstStyle/>
-            <a:p>
-              <a:pPr algn="ctr" defTabSz="932472" fontAlgn="base">
-                <a:lnSpc>
-                  <a:spcPct val="90000"/>
-                </a:lnSpc>
-                <a:spcBef>
-                  <a:spcPct val="0"/>
-                </a:spcBef>
-                <a:spcAft>
-                  <a:spcPct val="0"/>
-                </a:spcAft>
-              </a:pPr>
-              <a:endParaRPr lang="en-US" sz="2400" dirty="0" err="1">
-                <a:gradFill>
-                  <a:gsLst>
-                    <a:gs pos="0">
-                      <a:srgbClr val="FFFFFF"/>
-                    </a:gs>
-                    <a:gs pos="100000">
-                      <a:srgbClr val="FFFFFF"/>
-                    </a:gs>
-                  </a:gsLst>
-                  <a:lin ang="5400000" scaled="0"/>
-                </a:gradFill>
-                <a:ea typeface="Segoe UI" pitchFamily="34" charset="0"/>
-                <a:cs typeface="Segoe UI" pitchFamily="34" charset="0"/>
-              </a:endParaRPr>
-            </a:p>
-          </p:txBody>
-        </p:sp>
         <p:grpSp>
           <p:nvGrpSpPr>
-            <p:cNvPr id="128" name="Group 127"/>
+            <p:cNvPr id="10" name="Group 9"/>
             <p:cNvGrpSpPr/>
             <p:nvPr/>
           </p:nvGrpSpPr>
           <p:grpSpPr>
             <a:xfrm>
-              <a:off x="8382250" y="4879920"/>
-              <a:ext cx="1495461" cy="1512315"/>
-              <a:chOff x="8576263" y="4868486"/>
-              <a:chExt cx="1495461" cy="1512315"/>
+              <a:off x="3017837" y="4679391"/>
+              <a:ext cx="1656179" cy="1865871"/>
+              <a:chOff x="3017837" y="4679391"/>
+              <a:chExt cx="1656179" cy="1865871"/>
             </a:xfrm>
           </p:grpSpPr>
+          <p:grpSp>
+            <p:nvGrpSpPr>
+              <p:cNvPr id="131" name="Group 130"/>
+              <p:cNvGrpSpPr/>
+              <p:nvPr/>
+            </p:nvGrpSpPr>
+            <p:grpSpPr>
+              <a:xfrm>
+                <a:off x="3199922" y="4716462"/>
+                <a:ext cx="1474094" cy="1828800"/>
+                <a:chOff x="3199922" y="4758923"/>
+                <a:chExt cx="1474094" cy="1828800"/>
+              </a:xfrm>
+            </p:grpSpPr>
+            <p:sp>
+              <p:nvSpPr>
+                <p:cNvPr id="105" name="Rectangle: Rounded Corners 104"/>
+                <p:cNvSpPr/>
+                <p:nvPr/>
+              </p:nvSpPr>
+              <p:spPr bwMode="auto">
+                <a:xfrm>
+                  <a:off x="3251169" y="4758923"/>
+                  <a:ext cx="1371600" cy="1828800"/>
+                </a:xfrm>
+                <a:prstGeom prst="roundRect">
+                  <a:avLst/>
+                </a:prstGeom>
+                <a:ln>
+                  <a:headEnd type="none" w="med" len="med"/>
+                  <a:tailEnd type="none" w="med" len="med"/>
+                </a:ln>
+              </p:spPr>
+              <p:style>
+                <a:lnRef idx="2">
+                  <a:schemeClr val="accent2"/>
+                </a:lnRef>
+                <a:fillRef idx="1">
+                  <a:schemeClr val="lt1"/>
+                </a:fillRef>
+                <a:effectRef idx="0">
+                  <a:schemeClr val="accent2"/>
+                </a:effectRef>
+                <a:fontRef idx="minor">
+                  <a:schemeClr val="dk1"/>
+                </a:fontRef>
+              </p:style>
+              <p:txBody>
+                <a:bodyPr rot="0" spcFirstLastPara="0" vertOverflow="overflow" horzOverflow="overflow" vert="horz" wrap="square" lIns="182880" tIns="146304" rIns="182880" bIns="146304" numCol="1" spcCol="0" rtlCol="0" fromWordArt="0" anchor="t" anchorCtr="0" forceAA="0" compatLnSpc="1">
+                  <a:prstTxWarp prst="textNoShape">
+                    <a:avLst/>
+                  </a:prstTxWarp>
+                  <a:noAutofit/>
+                </a:bodyPr>
+                <a:lstStyle/>
+                <a:p>
+                  <a:pPr algn="ctr" defTabSz="932472" fontAlgn="base">
+                    <a:lnSpc>
+                      <a:spcPct val="90000"/>
+                    </a:lnSpc>
+                    <a:spcBef>
+                      <a:spcPct val="0"/>
+                    </a:spcBef>
+                    <a:spcAft>
+                      <a:spcPct val="0"/>
+                    </a:spcAft>
+                  </a:pPr>
+                  <a:endParaRPr lang="en-US" sz="2400" dirty="0" err="1">
+                    <a:gradFill>
+                      <a:gsLst>
+                        <a:gs pos="0">
+                          <a:srgbClr val="FFFFFF"/>
+                        </a:gs>
+                        <a:gs pos="100000">
+                          <a:srgbClr val="FFFFFF"/>
+                        </a:gs>
+                      </a:gsLst>
+                      <a:lin ang="5400000" scaled="0"/>
+                    </a:gradFill>
+                    <a:ea typeface="Segoe UI" pitchFamily="34" charset="0"/>
+                    <a:cs typeface="Segoe UI" pitchFamily="34" charset="0"/>
+                  </a:endParaRPr>
+                </a:p>
+              </p:txBody>
+            </p:sp>
+            <p:grpSp>
+              <p:nvGrpSpPr>
+                <p:cNvPr id="130" name="Group 129"/>
+                <p:cNvGrpSpPr/>
+                <p:nvPr/>
+              </p:nvGrpSpPr>
+              <p:grpSpPr>
+                <a:xfrm>
+                  <a:off x="3199922" y="5054878"/>
+                  <a:ext cx="1474094" cy="1236890"/>
+                  <a:chOff x="3369195" y="4829166"/>
+                  <a:chExt cx="1474094" cy="1236890"/>
+                </a:xfrm>
+              </p:grpSpPr>
+              <p:pic>
+                <p:nvPicPr>
+                  <p:cNvPr id="70" name="Picture 69"/>
+                  <p:cNvPicPr>
+                    <a:picLocks noChangeAspect="1"/>
+                  </p:cNvPicPr>
+                  <p:nvPr/>
+                </p:nvPicPr>
+                <p:blipFill>
+                  <a:blip r:embed="rId8">
+                    <a:duotone>
+                      <a:schemeClr val="accent4">
+                        <a:shade val="45000"/>
+                        <a:satMod val="135000"/>
+                      </a:schemeClr>
+                      <a:prstClr val="white"/>
+                    </a:duotone>
+                  </a:blip>
+                  <a:stretch>
+                    <a:fillRect/>
+                  </a:stretch>
+                </p:blipFill>
+                <p:spPr>
+                  <a:xfrm>
+                    <a:off x="3583614" y="5382389"/>
+                    <a:ext cx="1045256" cy="683667"/>
+                  </a:xfrm>
+                  <a:prstGeom prst="rect">
+                    <a:avLst/>
+                  </a:prstGeom>
+                </p:spPr>
+              </p:pic>
+              <p:sp>
+                <p:nvSpPr>
+                  <p:cNvPr id="107" name="TextBox 106"/>
+                  <p:cNvSpPr txBox="1"/>
+                  <p:nvPr/>
+                </p:nvSpPr>
+                <p:spPr>
+                  <a:xfrm>
+                    <a:off x="3369195" y="4829166"/>
+                    <a:ext cx="1474094" cy="369332"/>
+                  </a:xfrm>
+                  <a:prstGeom prst="rect">
+                    <a:avLst/>
+                  </a:prstGeom>
+                  <a:noFill/>
+                </p:spPr>
+                <p:txBody>
+                  <a:bodyPr wrap="square" rtlCol="0">
+                    <a:spAutoFit/>
+                  </a:bodyPr>
+                  <a:lstStyle/>
+                  <a:p>
+                    <a:pPr marL="0" marR="0" lvl="0" indent="0" algn="ctr" defTabSz="914400" eaLnBrk="1" fontAlgn="auto" latinLnBrk="0" hangingPunct="1">
+                      <a:lnSpc>
+                        <a:spcPct val="100000"/>
+                      </a:lnSpc>
+                      <a:spcBef>
+                        <a:spcPts val="0"/>
+                      </a:spcBef>
+                      <a:spcAft>
+                        <a:spcPts val="0"/>
+                      </a:spcAft>
+                      <a:buClrTx/>
+                      <a:buSzTx/>
+                      <a:buFontTx/>
+                      <a:buNone/>
+                      <a:tabLst/>
+                      <a:defRPr/>
+                    </a:pPr>
+                    <a:r>
+                      <a:rPr kumimoji="0" lang="en-US" sz="1800" b="0" i="0" u="none" strike="noStrike" kern="0" cap="none" spc="0" normalizeH="0" baseline="0" noProof="0" dirty="0">
+                        <a:ln>
+                          <a:noFill/>
+                        </a:ln>
+                        <a:solidFill>
+                          <a:schemeClr val="accent1"/>
+                        </a:solidFill>
+                        <a:effectLst/>
+                        <a:uLnTx/>
+                        <a:uFillTx/>
+                        <a:latin typeface="Segoe UI Semibold" panose="020B0702040204020203" pitchFamily="34" charset="0"/>
+                        <a:cs typeface="Segoe UI" panose="020B0502040204020203" pitchFamily="34" charset="0"/>
+                      </a:rPr>
+                      <a:t>O365</a:t>
+                    </a:r>
+                    <a:r>
+                      <a:rPr kumimoji="0" lang="en-US" sz="1800" b="0" i="0" u="none" strike="noStrike" kern="0" cap="none" spc="0" normalizeH="0" noProof="0" dirty="0">
+                        <a:ln>
+                          <a:noFill/>
+                        </a:ln>
+                        <a:solidFill>
+                          <a:schemeClr val="accent1"/>
+                        </a:solidFill>
+                        <a:effectLst/>
+                        <a:uLnTx/>
+                        <a:uFillTx/>
+                        <a:latin typeface="Segoe UI Semibold" panose="020B0702040204020203" pitchFamily="34" charset="0"/>
+                        <a:cs typeface="Segoe UI" panose="020B0502040204020203" pitchFamily="34" charset="0"/>
+                      </a:rPr>
+                      <a:t> APIs</a:t>
+                    </a:r>
+                    <a:endParaRPr kumimoji="0" lang="en-US" sz="1800" b="0" i="0" u="none" strike="noStrike" kern="0" cap="none" spc="0" normalizeH="0" baseline="0" noProof="0" dirty="0">
+                      <a:ln>
+                        <a:noFill/>
+                      </a:ln>
+                      <a:solidFill>
+                        <a:schemeClr val="accent1"/>
+                      </a:solidFill>
+                      <a:effectLst/>
+                      <a:uLnTx/>
+                      <a:uFillTx/>
+                      <a:latin typeface="Segoe UI Semibold" panose="020B0702040204020203" pitchFamily="34" charset="0"/>
+                      <a:cs typeface="Segoe UI" panose="020B0502040204020203" pitchFamily="34" charset="0"/>
+                    </a:endParaRPr>
+                  </a:p>
+                </p:txBody>
+              </p:sp>
+            </p:grpSp>
+          </p:grpSp>
+          <p:sp>
+            <p:nvSpPr>
+              <p:cNvPr id="106" name="Oval 105"/>
+              <p:cNvSpPr/>
+              <p:nvPr/>
+            </p:nvSpPr>
+            <p:spPr>
+              <a:xfrm>
+                <a:off x="3017837" y="4679391"/>
+                <a:ext cx="444097" cy="426129"/>
+              </a:xfrm>
+              <a:prstGeom prst="ellipse">
+                <a:avLst/>
+              </a:prstGeom>
+              <a:solidFill>
+                <a:schemeClr val="tx2"/>
+              </a:solidFill>
+              <a:ln w="25400">
+                <a:noFill/>
+              </a:ln>
+            </p:spPr>
+            <p:style>
+              <a:lnRef idx="2">
+                <a:schemeClr val="accent1">
+                  <a:shade val="50000"/>
+                </a:schemeClr>
+              </a:lnRef>
+              <a:fillRef idx="1">
+                <a:schemeClr val="accent1"/>
+              </a:fillRef>
+              <a:effectRef idx="0">
+                <a:schemeClr val="accent1"/>
+              </a:effectRef>
+              <a:fontRef idx="minor">
+                <a:schemeClr val="lt1"/>
+              </a:fontRef>
+            </p:style>
+            <p:txBody>
+              <a:bodyPr rtlCol="0" anchor="ctr"/>
+              <a:lstStyle/>
+              <a:p>
+                <a:pPr marL="0" marR="0" lvl="0" indent="0" algn="ctr" defTabSz="914400" eaLnBrk="1" fontAlgn="auto" latinLnBrk="0" hangingPunct="1">
+                  <a:lnSpc>
+                    <a:spcPct val="100000"/>
+                  </a:lnSpc>
+                  <a:spcBef>
+                    <a:spcPts val="0"/>
+                  </a:spcBef>
+                  <a:spcAft>
+                    <a:spcPts val="0"/>
+                  </a:spcAft>
+                  <a:buClrTx/>
+                  <a:buSzTx/>
+                  <a:buFontTx/>
+                  <a:buNone/>
+                  <a:tabLst/>
+                  <a:defRPr/>
+                </a:pPr>
+                <a:r>
+                  <a:rPr kumimoji="0" lang="en-US" sz="2000" b="0" i="0" u="none" strike="noStrike" kern="0" cap="none" spc="0" normalizeH="0" baseline="0" noProof="0" dirty="0">
+                    <a:ln>
+                      <a:noFill/>
+                    </a:ln>
+                    <a:solidFill>
+                      <a:schemeClr val="bg1"/>
+                    </a:solidFill>
+                    <a:effectLst/>
+                    <a:uLnTx/>
+                    <a:uFillTx/>
+                    <a:latin typeface="Segoe UI Semibold" panose="020B0702040204020203" pitchFamily="34" charset="0"/>
+                  </a:rPr>
+                  <a:t>7</a:t>
+                </a:r>
+              </a:p>
+            </p:txBody>
+          </p:sp>
+        </p:grpSp>
+        <p:grpSp>
+          <p:nvGrpSpPr>
+            <p:cNvPr id="17" name="Group 16"/>
+            <p:cNvGrpSpPr/>
+            <p:nvPr/>
+          </p:nvGrpSpPr>
+          <p:grpSpPr>
+            <a:xfrm>
+              <a:off x="2019250" y="3302330"/>
+              <a:ext cx="2211622" cy="1414132"/>
+              <a:chOff x="2019250" y="3302330"/>
+              <a:chExt cx="2211622" cy="1414132"/>
+            </a:xfrm>
+          </p:grpSpPr>
+          <p:cxnSp>
+            <p:nvCxnSpPr>
+              <p:cNvPr id="144" name="Connector: Curved 143"/>
+              <p:cNvCxnSpPr>
+                <a:stCxn id="59" idx="3"/>
+                <a:endCxn id="105" idx="0"/>
+              </p:cNvCxnSpPr>
+              <p:nvPr/>
+            </p:nvCxnSpPr>
+            <p:spPr>
+              <a:xfrm>
+                <a:off x="2019250" y="3302330"/>
+                <a:ext cx="1917719" cy="1414132"/>
+              </a:xfrm>
+              <a:prstGeom prst="curvedConnector2">
+                <a:avLst/>
+              </a:prstGeom>
+              <a:ln w="38100">
+                <a:solidFill>
+                  <a:schemeClr val="tx1"/>
+                </a:solidFill>
+                <a:headEnd type="none" w="med" len="med"/>
+                <a:tailEnd type="arrow" w="med" len="med"/>
+              </a:ln>
+            </p:spPr>
+            <p:style>
+              <a:lnRef idx="1">
+                <a:schemeClr val="accent1"/>
+              </a:lnRef>
+              <a:fillRef idx="0">
+                <a:schemeClr val="accent1"/>
+              </a:fillRef>
+              <a:effectRef idx="0">
+                <a:schemeClr val="accent1"/>
+              </a:effectRef>
+              <a:fontRef idx="minor">
+                <a:schemeClr val="tx1"/>
+              </a:fontRef>
+            </p:style>
+          </p:cxnSp>
+          <p:sp>
+            <p:nvSpPr>
+              <p:cNvPr id="145" name="Rectangle 144"/>
+              <p:cNvSpPr/>
+              <p:nvPr/>
+            </p:nvSpPr>
+            <p:spPr>
+              <a:xfrm>
+                <a:off x="2950712" y="3758994"/>
+                <a:ext cx="1280160" cy="457200"/>
+              </a:xfrm>
+              <a:prstGeom prst="rect">
+                <a:avLst/>
+              </a:prstGeom>
+              <a:solidFill>
+                <a:schemeClr val="accent2"/>
+              </a:solidFill>
+              <a:ln>
+                <a:noFill/>
+              </a:ln>
+            </p:spPr>
+            <p:style>
+              <a:lnRef idx="0">
+                <a:scrgbClr r="0" g="0" b="0"/>
+              </a:lnRef>
+              <a:fillRef idx="0">
+                <a:scrgbClr r="0" g="0" b="0"/>
+              </a:fillRef>
+              <a:effectRef idx="0">
+                <a:scrgbClr r="0" g="0" b="0"/>
+              </a:effectRef>
+              <a:fontRef idx="minor">
+                <a:schemeClr val="lt1"/>
+              </a:fontRef>
+            </p:style>
+            <p:txBody>
+              <a:bodyPr wrap="square" rtlCol="0" anchor="ctr">
+                <a:spAutoFit/>
+              </a:bodyPr>
+              <a:lstStyle/>
+              <a:p>
+                <a:pPr marL="0" marR="0" lvl="0" indent="0" algn="ctr" defTabSz="914400" eaLnBrk="1" fontAlgn="auto" latinLnBrk="0" hangingPunct="1">
+                  <a:lnSpc>
+                    <a:spcPct val="90000"/>
+                  </a:lnSpc>
+                  <a:spcBef>
+                    <a:spcPts val="0"/>
+                  </a:spcBef>
+                  <a:spcAft>
+                    <a:spcPts val="0"/>
+                  </a:spcAft>
+                  <a:buClrTx/>
+                  <a:buSzTx/>
+                  <a:buFontTx/>
+                  <a:buNone/>
+                  <a:tabLst/>
+                  <a:defRPr/>
+                </a:pPr>
+                <a:r>
+                  <a:rPr lang="en-US" sz="1400" dirty="0"/>
+                  <a:t>Email</a:t>
+                </a:r>
+              </a:p>
+            </p:txBody>
+          </p:sp>
+        </p:grpSp>
+      </p:grpSp>
+      <p:grpSp>
+        <p:nvGrpSpPr>
+          <p:cNvPr id="27" name="06-queue"/>
+          <p:cNvGrpSpPr/>
+          <p:nvPr/>
+        </p:nvGrpSpPr>
+        <p:grpSpPr>
+          <a:xfrm>
+            <a:off x="2019250" y="3302330"/>
+            <a:ext cx="7394100" cy="2176132"/>
+            <a:chOff x="2019250" y="3302330"/>
+            <a:chExt cx="7394100" cy="2176132"/>
+          </a:xfrm>
+        </p:grpSpPr>
+        <p:grpSp>
+          <p:nvGrpSpPr>
+            <p:cNvPr id="8" name="Group 7"/>
+            <p:cNvGrpSpPr/>
+            <p:nvPr/>
+          </p:nvGrpSpPr>
+          <p:grpSpPr>
+            <a:xfrm>
+              <a:off x="7742237" y="3627485"/>
+              <a:ext cx="1671113" cy="1850977"/>
+              <a:chOff x="7742237" y="3627485"/>
+              <a:chExt cx="1671113" cy="1850977"/>
+            </a:xfrm>
+          </p:grpSpPr>
+          <p:grpSp>
+            <p:nvGrpSpPr>
+              <p:cNvPr id="129" name="Group 128"/>
+              <p:cNvGrpSpPr/>
+              <p:nvPr/>
+            </p:nvGrpSpPr>
+            <p:grpSpPr>
+              <a:xfrm>
+                <a:off x="7917889" y="3649662"/>
+                <a:ext cx="1495461" cy="1828800"/>
+                <a:chOff x="8382250" y="4721677"/>
+                <a:chExt cx="1495461" cy="1828800"/>
+              </a:xfrm>
+            </p:grpSpPr>
+            <p:sp>
+              <p:nvSpPr>
+                <p:cNvPr id="57" name="Rectangle: Rounded Corners 56"/>
+                <p:cNvSpPr/>
+                <p:nvPr/>
+              </p:nvSpPr>
+              <p:spPr bwMode="auto">
+                <a:xfrm>
+                  <a:off x="8444180" y="4721677"/>
+                  <a:ext cx="1371600" cy="1828800"/>
+                </a:xfrm>
+                <a:prstGeom prst="roundRect">
+                  <a:avLst/>
+                </a:prstGeom>
+                <a:ln>
+                  <a:headEnd type="none" w="med" len="med"/>
+                  <a:tailEnd type="none" w="med" len="med"/>
+                </a:ln>
+              </p:spPr>
+              <p:style>
+                <a:lnRef idx="2">
+                  <a:schemeClr val="accent2"/>
+                </a:lnRef>
+                <a:fillRef idx="1">
+                  <a:schemeClr val="lt1"/>
+                </a:fillRef>
+                <a:effectRef idx="0">
+                  <a:schemeClr val="accent2"/>
+                </a:effectRef>
+                <a:fontRef idx="minor">
+                  <a:schemeClr val="dk1"/>
+                </a:fontRef>
+              </p:style>
+              <p:txBody>
+                <a:bodyPr rot="0" spcFirstLastPara="0" vertOverflow="overflow" horzOverflow="overflow" vert="horz" wrap="square" lIns="182880" tIns="146304" rIns="182880" bIns="146304" numCol="1" spcCol="0" rtlCol="0" fromWordArt="0" anchor="t" anchorCtr="0" forceAA="0" compatLnSpc="1">
+                  <a:prstTxWarp prst="textNoShape">
+                    <a:avLst/>
+                  </a:prstTxWarp>
+                  <a:noAutofit/>
+                </a:bodyPr>
+                <a:lstStyle/>
+                <a:p>
+                  <a:pPr algn="ctr" defTabSz="932472" fontAlgn="base">
+                    <a:lnSpc>
+                      <a:spcPct val="90000"/>
+                    </a:lnSpc>
+                    <a:spcBef>
+                      <a:spcPct val="0"/>
+                    </a:spcBef>
+                    <a:spcAft>
+                      <a:spcPct val="0"/>
+                    </a:spcAft>
+                  </a:pPr>
+                  <a:endParaRPr lang="en-US" sz="2400" dirty="0" err="1">
+                    <a:gradFill>
+                      <a:gsLst>
+                        <a:gs pos="0">
+                          <a:srgbClr val="FFFFFF"/>
+                        </a:gs>
+                        <a:gs pos="100000">
+                          <a:srgbClr val="FFFFFF"/>
+                        </a:gs>
+                      </a:gsLst>
+                      <a:lin ang="5400000" scaled="0"/>
+                    </a:gradFill>
+                    <a:ea typeface="Segoe UI" pitchFamily="34" charset="0"/>
+                    <a:cs typeface="Segoe UI" pitchFamily="34" charset="0"/>
+                  </a:endParaRPr>
+                </a:p>
+              </p:txBody>
+            </p:sp>
+            <p:grpSp>
+              <p:nvGrpSpPr>
+                <p:cNvPr id="128" name="Group 127"/>
+                <p:cNvGrpSpPr/>
+                <p:nvPr/>
+              </p:nvGrpSpPr>
+              <p:grpSpPr>
+                <a:xfrm>
+                  <a:off x="8382250" y="4879920"/>
+                  <a:ext cx="1495461" cy="1512315"/>
+                  <a:chOff x="8576263" y="4868486"/>
+                  <a:chExt cx="1495461" cy="1512315"/>
+                </a:xfrm>
+              </p:grpSpPr>
+              <p:pic>
+                <p:nvPicPr>
+                  <p:cNvPr id="113" name="Picture 112"/>
+                  <p:cNvPicPr>
+                    <a:picLocks noChangeAspect="1"/>
+                  </p:cNvPicPr>
+                  <p:nvPr/>
+                </p:nvPicPr>
+                <p:blipFill>
+                  <a:blip r:embed="rId9">
+                    <a:clrChange>
+                      <a:clrFrom>
+                        <a:srgbClr val="FFFFFF"/>
+                      </a:clrFrom>
+                      <a:clrTo>
+                        <a:srgbClr val="FFFFFF">
+                          <a:alpha val="0"/>
+                        </a:srgbClr>
+                      </a:clrTo>
+                    </a:clrChange>
+                    <a:duotone>
+                      <a:schemeClr val="accent4">
+                        <a:shade val="45000"/>
+                        <a:satMod val="135000"/>
+                      </a:schemeClr>
+                      <a:prstClr val="white"/>
+                    </a:duotone>
+                  </a:blip>
+                  <a:stretch>
+                    <a:fillRect/>
+                  </a:stretch>
+                </p:blipFill>
+                <p:spPr>
+                  <a:xfrm>
+                    <a:off x="8860376" y="5515383"/>
+                    <a:ext cx="927234" cy="865418"/>
+                  </a:xfrm>
+                  <a:prstGeom prst="rect">
+                    <a:avLst/>
+                  </a:prstGeom>
+                </p:spPr>
+              </p:pic>
+              <p:sp>
+                <p:nvSpPr>
+                  <p:cNvPr id="115" name="TextBox 114"/>
+                  <p:cNvSpPr txBox="1"/>
+                  <p:nvPr/>
+                </p:nvSpPr>
+                <p:spPr>
+                  <a:xfrm>
+                    <a:off x="8576263" y="4868486"/>
+                    <a:ext cx="1495461" cy="646331"/>
+                  </a:xfrm>
+                  <a:prstGeom prst="rect">
+                    <a:avLst/>
+                  </a:prstGeom>
+                  <a:noFill/>
+                </p:spPr>
+                <p:txBody>
+                  <a:bodyPr wrap="square" rtlCol="0">
+                    <a:spAutoFit/>
+                  </a:bodyPr>
+                  <a:lstStyle/>
+                  <a:p>
+                    <a:pPr marL="0" marR="0" lvl="0" indent="0" algn="ctr" defTabSz="914400" eaLnBrk="1" fontAlgn="auto" latinLnBrk="0" hangingPunct="1">
+                      <a:lnSpc>
+                        <a:spcPct val="100000"/>
+                      </a:lnSpc>
+                      <a:spcBef>
+                        <a:spcPts val="0"/>
+                      </a:spcBef>
+                      <a:spcAft>
+                        <a:spcPts val="0"/>
+                      </a:spcAft>
+                      <a:buClrTx/>
+                      <a:buSzTx/>
+                      <a:buFontTx/>
+                      <a:buNone/>
+                      <a:tabLst/>
+                      <a:defRPr/>
+                    </a:pPr>
+                    <a:r>
+                      <a:rPr kumimoji="0" lang="en-US" sz="1800" i="0" u="none" strike="noStrike" kern="0" cap="none" spc="0" normalizeH="0" baseline="0" noProof="0" dirty="0">
+                        <a:ln>
+                          <a:noFill/>
+                        </a:ln>
+                        <a:solidFill>
+                          <a:schemeClr val="accent1"/>
+                        </a:solidFill>
+                        <a:effectLst/>
+                        <a:uLnTx/>
+                        <a:uFillTx/>
+                        <a:latin typeface="Segoe UI Semibold" panose="020B0702040204020203" pitchFamily="34" charset="0"/>
+                        <a:cs typeface="Segoe UI" panose="020B0502040204020203" pitchFamily="34" charset="0"/>
+                      </a:rPr>
+                      <a:t>AZURE QUEUE</a:t>
+                    </a:r>
+                  </a:p>
+                </p:txBody>
+              </p:sp>
+            </p:grpSp>
+          </p:grpSp>
+          <p:sp>
+            <p:nvSpPr>
+              <p:cNvPr id="58" name="Oval 57"/>
+              <p:cNvSpPr/>
+              <p:nvPr/>
+            </p:nvSpPr>
+            <p:spPr>
+              <a:xfrm>
+                <a:off x="7742237" y="3627485"/>
+                <a:ext cx="444097" cy="426129"/>
+              </a:xfrm>
+              <a:prstGeom prst="ellipse">
+                <a:avLst/>
+              </a:prstGeom>
+              <a:solidFill>
+                <a:schemeClr val="tx2"/>
+              </a:solidFill>
+              <a:ln w="25400">
+                <a:noFill/>
+              </a:ln>
+            </p:spPr>
+            <p:style>
+              <a:lnRef idx="2">
+                <a:schemeClr val="accent1">
+                  <a:shade val="50000"/>
+                </a:schemeClr>
+              </a:lnRef>
+              <a:fillRef idx="1">
+                <a:schemeClr val="accent1"/>
+              </a:fillRef>
+              <a:effectRef idx="0">
+                <a:schemeClr val="accent1"/>
+              </a:effectRef>
+              <a:fontRef idx="minor">
+                <a:schemeClr val="lt1"/>
+              </a:fontRef>
+            </p:style>
+            <p:txBody>
+              <a:bodyPr rtlCol="0" anchor="ctr"/>
+              <a:lstStyle/>
+              <a:p>
+                <a:pPr marL="0" marR="0" lvl="0" indent="0" algn="ctr" defTabSz="914400" eaLnBrk="1" fontAlgn="auto" latinLnBrk="0" hangingPunct="1">
+                  <a:lnSpc>
+                    <a:spcPct val="100000"/>
+                  </a:lnSpc>
+                  <a:spcBef>
+                    <a:spcPts val="0"/>
+                  </a:spcBef>
+                  <a:spcAft>
+                    <a:spcPts val="0"/>
+                  </a:spcAft>
+                  <a:buClrTx/>
+                  <a:buSzTx/>
+                  <a:buFontTx/>
+                  <a:buNone/>
+                  <a:tabLst/>
+                  <a:defRPr/>
+                </a:pPr>
+                <a:r>
+                  <a:rPr kumimoji="0" lang="en-US" sz="2000" i="0" u="none" strike="noStrike" kern="0" cap="none" spc="0" normalizeH="0" baseline="0" noProof="0" dirty="0">
+                    <a:ln>
+                      <a:noFill/>
+                    </a:ln>
+                    <a:solidFill>
+                      <a:schemeClr val="bg1"/>
+                    </a:solidFill>
+                    <a:effectLst/>
+                    <a:uLnTx/>
+                    <a:uFillTx/>
+                    <a:latin typeface="Segoe UI Semibold" panose="020B0702040204020203" pitchFamily="34" charset="0"/>
+                  </a:rPr>
+                  <a:t>6</a:t>
+                </a:r>
+              </a:p>
+            </p:txBody>
+          </p:sp>
+        </p:grpSp>
+        <p:cxnSp>
+          <p:nvCxnSpPr>
+            <p:cNvPr id="138" name="Connector: Curved 137"/>
+            <p:cNvCxnSpPr>
+              <a:stCxn id="59" idx="3"/>
+              <a:endCxn id="57" idx="1"/>
+            </p:cNvCxnSpPr>
+            <p:nvPr/>
+          </p:nvCxnSpPr>
+          <p:spPr>
+            <a:xfrm>
+              <a:off x="2019250" y="3302330"/>
+              <a:ext cx="5960569" cy="1261732"/>
+            </a:xfrm>
+            <a:prstGeom prst="curvedConnector3">
+              <a:avLst>
+                <a:gd name="adj1" fmla="val 86582"/>
+              </a:avLst>
+            </a:prstGeom>
+            <a:ln w="38100">
+              <a:solidFill>
+                <a:schemeClr val="tx1"/>
+              </a:solidFill>
+              <a:headEnd type="none" w="med" len="med"/>
+              <a:tailEnd type="arrow" w="med" len="med"/>
+            </a:ln>
+          </p:spPr>
+          <p:style>
+            <a:lnRef idx="1">
+              <a:schemeClr val="accent1"/>
+            </a:lnRef>
+            <a:fillRef idx="0">
+              <a:schemeClr val="accent1"/>
+            </a:fillRef>
+            <a:effectRef idx="0">
+              <a:schemeClr val="accent1"/>
+            </a:effectRef>
+            <a:fontRef idx="minor">
+              <a:schemeClr val="tx1"/>
+            </a:fontRef>
+          </p:style>
+        </p:cxnSp>
+      </p:grpSp>
+      <p:grpSp>
+        <p:nvGrpSpPr>
+          <p:cNvPr id="25" name="05-images"/>
+          <p:cNvGrpSpPr/>
+          <p:nvPr/>
+        </p:nvGrpSpPr>
+        <p:grpSpPr>
+          <a:xfrm>
+            <a:off x="2019250" y="3302330"/>
+            <a:ext cx="5222392" cy="3242932"/>
+            <a:chOff x="2019250" y="3302330"/>
+            <a:chExt cx="5222392" cy="3242932"/>
+          </a:xfrm>
+        </p:grpSpPr>
+        <p:grpSp>
+          <p:nvGrpSpPr>
+            <p:cNvPr id="7" name="Group 6"/>
+            <p:cNvGrpSpPr/>
+            <p:nvPr/>
+          </p:nvGrpSpPr>
+          <p:grpSpPr>
+            <a:xfrm>
+              <a:off x="5610016" y="4679391"/>
+              <a:ext cx="1631626" cy="1865871"/>
+              <a:chOff x="5610016" y="4679391"/>
+              <a:chExt cx="1631626" cy="1865871"/>
+            </a:xfrm>
+          </p:grpSpPr>
+          <p:grpSp>
+            <p:nvGrpSpPr>
+              <p:cNvPr id="127" name="Group 126"/>
+              <p:cNvGrpSpPr/>
+              <p:nvPr/>
+            </p:nvGrpSpPr>
+            <p:grpSpPr>
+              <a:xfrm>
+                <a:off x="5767548" y="4716462"/>
+                <a:ext cx="1474094" cy="1828800"/>
+                <a:chOff x="5767548" y="4721677"/>
+                <a:chExt cx="1474094" cy="1828800"/>
+              </a:xfrm>
+            </p:grpSpPr>
+            <p:sp>
+              <p:nvSpPr>
+                <p:cNvPr id="51" name="Rectangle: Rounded Corners 50"/>
+                <p:cNvSpPr/>
+                <p:nvPr/>
+              </p:nvSpPr>
+              <p:spPr bwMode="auto">
+                <a:xfrm>
+                  <a:off x="5818795" y="4721677"/>
+                  <a:ext cx="1371600" cy="1828800"/>
+                </a:xfrm>
+                <a:prstGeom prst="roundRect">
+                  <a:avLst/>
+                </a:prstGeom>
+                <a:ln>
+                  <a:headEnd type="none" w="med" len="med"/>
+                  <a:tailEnd type="none" w="med" len="med"/>
+                </a:ln>
+              </p:spPr>
+              <p:style>
+                <a:lnRef idx="2">
+                  <a:schemeClr val="accent2"/>
+                </a:lnRef>
+                <a:fillRef idx="1">
+                  <a:schemeClr val="lt1"/>
+                </a:fillRef>
+                <a:effectRef idx="0">
+                  <a:schemeClr val="accent2"/>
+                </a:effectRef>
+                <a:fontRef idx="minor">
+                  <a:schemeClr val="dk1"/>
+                </a:fontRef>
+              </p:style>
+              <p:txBody>
+                <a:bodyPr rot="0" spcFirstLastPara="0" vertOverflow="overflow" horzOverflow="overflow" vert="horz" wrap="square" lIns="182880" tIns="146304" rIns="182880" bIns="146304" numCol="1" spcCol="0" rtlCol="0" fromWordArt="0" anchor="t" anchorCtr="0" forceAA="0" compatLnSpc="1">
+                  <a:prstTxWarp prst="textNoShape">
+                    <a:avLst/>
+                  </a:prstTxWarp>
+                  <a:noAutofit/>
+                </a:bodyPr>
+                <a:lstStyle/>
+                <a:p>
+                  <a:pPr algn="ctr" defTabSz="932472" fontAlgn="base">
+                    <a:lnSpc>
+                      <a:spcPct val="90000"/>
+                    </a:lnSpc>
+                    <a:spcBef>
+                      <a:spcPct val="0"/>
+                    </a:spcBef>
+                    <a:spcAft>
+                      <a:spcPct val="0"/>
+                    </a:spcAft>
+                  </a:pPr>
+                  <a:endParaRPr lang="en-US" sz="2400" dirty="0" err="1">
+                    <a:gradFill>
+                      <a:gsLst>
+                        <a:gs pos="0">
+                          <a:srgbClr val="FFFFFF"/>
+                        </a:gs>
+                        <a:gs pos="100000">
+                          <a:srgbClr val="FFFFFF"/>
+                        </a:gs>
+                      </a:gsLst>
+                      <a:lin ang="5400000" scaled="0"/>
+                    </a:gradFill>
+                    <a:ea typeface="Segoe UI" pitchFamily="34" charset="0"/>
+                    <a:cs typeface="Segoe UI" pitchFamily="34" charset="0"/>
+                  </a:endParaRPr>
+                </a:p>
+              </p:txBody>
+            </p:sp>
+            <p:grpSp>
+              <p:nvGrpSpPr>
+                <p:cNvPr id="126" name="Group 125"/>
+                <p:cNvGrpSpPr/>
+                <p:nvPr/>
+              </p:nvGrpSpPr>
+              <p:grpSpPr>
+                <a:xfrm>
+                  <a:off x="5767548" y="4875636"/>
+                  <a:ext cx="1474094" cy="1520883"/>
+                  <a:chOff x="5774058" y="4832952"/>
+                  <a:chExt cx="1474094" cy="1520883"/>
+                </a:xfrm>
+              </p:grpSpPr>
+              <p:pic>
+                <p:nvPicPr>
+                  <p:cNvPr id="92" name="Picture 5"/>
+                  <p:cNvPicPr>
+                    <a:picLocks noChangeAspect="1"/>
+                  </p:cNvPicPr>
+                  <p:nvPr/>
+                </p:nvPicPr>
+                <p:blipFill>
+                  <a:blip r:embed="rId10">
+                    <a:duotone>
+                      <a:schemeClr val="accent4">
+                        <a:shade val="45000"/>
+                        <a:satMod val="135000"/>
+                      </a:schemeClr>
+                      <a:prstClr val="white"/>
+                    </a:duotone>
+                    <a:extLst>
+                      <a:ext uri="{28A0092B-C50C-407E-A947-70E740481C1C}">
+                        <a14:useLocalDpi xmlns:a14="http://schemas.microsoft.com/office/drawing/2010/main" val="0"/>
+                      </a:ext>
+                    </a:extLst>
+                  </a:blip>
+                  <a:srcRect/>
+                  <a:stretch>
+                    <a:fillRect/>
+                  </a:stretch>
+                </p:blipFill>
+                <p:spPr bwMode="auto">
+                  <a:xfrm>
+                    <a:off x="6208687" y="5825197"/>
+                    <a:ext cx="604837" cy="528638"/>
+                  </a:xfrm>
+                  <a:prstGeom prst="rect">
+                    <a:avLst/>
+                  </a:prstGeom>
+                  <a:noFill/>
+                  <a:ln>
+                    <a:noFill/>
+                  </a:ln>
+                  <a:extLst>
+                    <a:ext uri="{909E8E84-426E-40DD-AFC4-6F175D3DCCD1}">
+                      <a14:hiddenFill xmlns:a14="http://schemas.microsoft.com/office/drawing/2010/main">
+                        <a:solidFill>
+                          <a:srgbClr val="FFFFFF"/>
+                        </a:solidFill>
+                      </a14:hiddenFill>
+                    </a:ext>
+                    <a:ext uri="{91240B29-F687-4F45-9708-019B960494DF}">
+                      <a14:hiddenLine xmlns:a14="http://schemas.microsoft.com/office/drawing/2010/main" w="9525">
+                        <a:solidFill>
+                          <a:srgbClr val="000000"/>
+                        </a:solidFill>
+                        <a:miter lim="800000"/>
+                        <a:headEnd/>
+                        <a:tailEnd/>
+                      </a14:hiddenLine>
+                    </a:ext>
+                  </a:extLst>
+                </p:spPr>
+              </p:pic>
+              <p:sp>
+                <p:nvSpPr>
+                  <p:cNvPr id="94" name="TextBox 93"/>
+                  <p:cNvSpPr txBox="1"/>
+                  <p:nvPr/>
+                </p:nvSpPr>
+                <p:spPr>
+                  <a:xfrm>
+                    <a:off x="5774058" y="4832952"/>
+                    <a:ext cx="1474094" cy="923330"/>
+                  </a:xfrm>
+                  <a:prstGeom prst="rect">
+                    <a:avLst/>
+                  </a:prstGeom>
+                  <a:noFill/>
+                </p:spPr>
+                <p:txBody>
+                  <a:bodyPr wrap="square" rtlCol="0">
+                    <a:spAutoFit/>
+                  </a:bodyPr>
+                  <a:lstStyle/>
+                  <a:p>
+                    <a:pPr marL="0" marR="0" lvl="0" indent="0" algn="ctr" defTabSz="914400" eaLnBrk="1" fontAlgn="auto" latinLnBrk="0" hangingPunct="1">
+                      <a:lnSpc>
+                        <a:spcPct val="100000"/>
+                      </a:lnSpc>
+                      <a:spcBef>
+                        <a:spcPts val="0"/>
+                      </a:spcBef>
+                      <a:spcAft>
+                        <a:spcPts val="0"/>
+                      </a:spcAft>
+                      <a:buClrTx/>
+                      <a:buSzTx/>
+                      <a:buFontTx/>
+                      <a:buNone/>
+                      <a:tabLst/>
+                      <a:defRPr/>
+                    </a:pPr>
+                    <a:r>
+                      <a:rPr kumimoji="0" lang="en-US" sz="1800" b="0" i="0" u="none" strike="noStrike" kern="0" cap="none" spc="0" normalizeH="0" baseline="0" noProof="0" dirty="0">
+                        <a:ln>
+                          <a:noFill/>
+                        </a:ln>
+                        <a:solidFill>
+                          <a:schemeClr val="accent1"/>
+                        </a:solidFill>
+                        <a:effectLst/>
+                        <a:uLnTx/>
+                        <a:uFillTx/>
+                        <a:latin typeface="Segoe UI Semibold" panose="020B0702040204020203" pitchFamily="34" charset="0"/>
+                        <a:cs typeface="Segoe UI" panose="020B0502040204020203" pitchFamily="34" charset="0"/>
+                      </a:rPr>
+                      <a:t>AZURE BLOB</a:t>
+                    </a:r>
+                    <a:r>
+                      <a:rPr kumimoji="0" lang="en-US" sz="1800" b="0" i="0" u="none" strike="noStrike" kern="0" cap="none" spc="0" normalizeH="0" noProof="0" dirty="0">
+                        <a:ln>
+                          <a:noFill/>
+                        </a:ln>
+                        <a:solidFill>
+                          <a:schemeClr val="accent1"/>
+                        </a:solidFill>
+                        <a:effectLst/>
+                        <a:uLnTx/>
+                        <a:uFillTx/>
+                        <a:latin typeface="Segoe UI Semibold" panose="020B0702040204020203" pitchFamily="34" charset="0"/>
+                        <a:cs typeface="Segoe UI" panose="020B0502040204020203" pitchFamily="34" charset="0"/>
+                      </a:rPr>
+                      <a:t> STORAGE</a:t>
+                    </a:r>
+                    <a:endParaRPr kumimoji="0" lang="en-US" sz="1800" b="0" i="0" u="none" strike="noStrike" kern="0" cap="none" spc="0" normalizeH="0" baseline="0" noProof="0" dirty="0">
+                      <a:ln>
+                        <a:noFill/>
+                      </a:ln>
+                      <a:solidFill>
+                        <a:schemeClr val="accent1"/>
+                      </a:solidFill>
+                      <a:effectLst/>
+                      <a:uLnTx/>
+                      <a:uFillTx/>
+                      <a:latin typeface="Segoe UI Semibold" panose="020B0702040204020203" pitchFamily="34" charset="0"/>
+                      <a:cs typeface="Segoe UI" panose="020B0502040204020203" pitchFamily="34" charset="0"/>
+                    </a:endParaRPr>
+                  </a:p>
+                </p:txBody>
+              </p:sp>
+            </p:grpSp>
+          </p:grpSp>
+          <p:sp>
+            <p:nvSpPr>
+              <p:cNvPr id="52" name="Oval 51"/>
+              <p:cNvSpPr/>
+              <p:nvPr/>
+            </p:nvSpPr>
+            <p:spPr>
+              <a:xfrm>
+                <a:off x="5610016" y="4679391"/>
+                <a:ext cx="444098" cy="426129"/>
+              </a:xfrm>
+              <a:prstGeom prst="ellipse">
+                <a:avLst/>
+              </a:prstGeom>
+              <a:solidFill>
+                <a:schemeClr val="tx2"/>
+              </a:solidFill>
+              <a:ln w="25400">
+                <a:noFill/>
+              </a:ln>
+            </p:spPr>
+            <p:style>
+              <a:lnRef idx="2">
+                <a:schemeClr val="accent1">
+                  <a:shade val="50000"/>
+                </a:schemeClr>
+              </a:lnRef>
+              <a:fillRef idx="1">
+                <a:schemeClr val="accent1"/>
+              </a:fillRef>
+              <a:effectRef idx="0">
+                <a:schemeClr val="accent1"/>
+              </a:effectRef>
+              <a:fontRef idx="minor">
+                <a:schemeClr val="lt1"/>
+              </a:fontRef>
+            </p:style>
+            <p:txBody>
+              <a:bodyPr rtlCol="0" anchor="ctr"/>
+              <a:lstStyle/>
+              <a:p>
+                <a:pPr marL="0" marR="0" lvl="0" indent="0" algn="ctr" defTabSz="914400" eaLnBrk="1" fontAlgn="auto" latinLnBrk="0" hangingPunct="1">
+                  <a:lnSpc>
+                    <a:spcPct val="100000"/>
+                  </a:lnSpc>
+                  <a:spcBef>
+                    <a:spcPts val="0"/>
+                  </a:spcBef>
+                  <a:spcAft>
+                    <a:spcPts val="0"/>
+                  </a:spcAft>
+                  <a:buClrTx/>
+                  <a:buSzTx/>
+                  <a:buFontTx/>
+                  <a:buNone/>
+                  <a:tabLst/>
+                  <a:defRPr/>
+                </a:pPr>
+                <a:r>
+                  <a:rPr kumimoji="0" lang="en-US" sz="2000" b="0" i="0" u="none" strike="noStrike" kern="0" cap="none" spc="0" normalizeH="0" baseline="0" noProof="0" dirty="0">
+                    <a:ln>
+                      <a:noFill/>
+                    </a:ln>
+                    <a:solidFill>
+                      <a:schemeClr val="bg1"/>
+                    </a:solidFill>
+                    <a:effectLst/>
+                    <a:uLnTx/>
+                    <a:uFillTx/>
+                    <a:latin typeface="Segoe UI Semibold" panose="020B0702040204020203" pitchFamily="34" charset="0"/>
+                  </a:rPr>
+                  <a:t>5</a:t>
+                </a:r>
+              </a:p>
+            </p:txBody>
+          </p:sp>
+        </p:grpSp>
+        <p:grpSp>
+          <p:nvGrpSpPr>
+            <p:cNvPr id="16" name="Group 15"/>
+            <p:cNvGrpSpPr/>
+            <p:nvPr/>
+          </p:nvGrpSpPr>
+          <p:grpSpPr>
+            <a:xfrm>
+              <a:off x="2019250" y="3302330"/>
+              <a:ext cx="4485345" cy="1414132"/>
+              <a:chOff x="2019250" y="3302330"/>
+              <a:chExt cx="4485345" cy="1414132"/>
+            </a:xfrm>
+          </p:grpSpPr>
+          <p:cxnSp>
+            <p:nvCxnSpPr>
+              <p:cNvPr id="142" name="Connector: Curved 141"/>
+              <p:cNvCxnSpPr>
+                <a:stCxn id="59" idx="3"/>
+                <a:endCxn id="51" idx="0"/>
+              </p:cNvCxnSpPr>
+              <p:nvPr/>
+            </p:nvCxnSpPr>
+            <p:spPr>
+              <a:xfrm>
+                <a:off x="2019250" y="3302330"/>
+                <a:ext cx="4485345" cy="1414132"/>
+              </a:xfrm>
+              <a:prstGeom prst="curvedConnector2">
+                <a:avLst/>
+              </a:prstGeom>
+              <a:ln w="38100">
+                <a:solidFill>
+                  <a:schemeClr val="tx1"/>
+                </a:solidFill>
+                <a:headEnd type="none" w="med" len="med"/>
+                <a:tailEnd type="arrow" w="med" len="med"/>
+              </a:ln>
+            </p:spPr>
+            <p:style>
+              <a:lnRef idx="1">
+                <a:schemeClr val="accent1"/>
+              </a:lnRef>
+              <a:fillRef idx="0">
+                <a:schemeClr val="accent1"/>
+              </a:fillRef>
+              <a:effectRef idx="0">
+                <a:schemeClr val="accent1"/>
+              </a:effectRef>
+              <a:fontRef idx="minor">
+                <a:schemeClr val="tx1"/>
+              </a:fontRef>
+            </p:style>
+          </p:cxnSp>
+          <p:sp>
+            <p:nvSpPr>
+              <p:cNvPr id="109" name="Rectangle 108"/>
+              <p:cNvSpPr/>
+              <p:nvPr/>
+            </p:nvSpPr>
+            <p:spPr>
+              <a:xfrm>
+                <a:off x="5007204" y="3758994"/>
+                <a:ext cx="1280160" cy="457200"/>
+              </a:xfrm>
+              <a:prstGeom prst="rect">
+                <a:avLst/>
+              </a:prstGeom>
+              <a:solidFill>
+                <a:schemeClr val="accent2"/>
+              </a:solidFill>
+              <a:ln>
+                <a:noFill/>
+              </a:ln>
+            </p:spPr>
+            <p:style>
+              <a:lnRef idx="0">
+                <a:scrgbClr r="0" g="0" b="0"/>
+              </a:lnRef>
+              <a:fillRef idx="0">
+                <a:scrgbClr r="0" g="0" b="0"/>
+              </a:fillRef>
+              <a:effectRef idx="0">
+                <a:scrgbClr r="0" g="0" b="0"/>
+              </a:effectRef>
+              <a:fontRef idx="minor">
+                <a:schemeClr val="lt1"/>
+              </a:fontRef>
+            </p:style>
+            <p:txBody>
+              <a:bodyPr wrap="square" rtlCol="0" anchor="ctr">
+                <a:spAutoFit/>
+              </a:bodyPr>
+              <a:lstStyle/>
+              <a:p>
+                <a:pPr marL="0" marR="0" lvl="0" indent="0" algn="ctr" defTabSz="914400" eaLnBrk="1" fontAlgn="auto" latinLnBrk="0" hangingPunct="1">
+                  <a:lnSpc>
+                    <a:spcPct val="90000"/>
+                  </a:lnSpc>
+                  <a:spcBef>
+                    <a:spcPts val="0"/>
+                  </a:spcBef>
+                  <a:spcAft>
+                    <a:spcPts val="0"/>
+                  </a:spcAft>
+                  <a:buClrTx/>
+                  <a:buSzTx/>
+                  <a:buFontTx/>
+                  <a:buNone/>
+                  <a:tabLst/>
+                  <a:defRPr/>
+                </a:pPr>
+                <a:r>
+                  <a:rPr lang="en-US" sz="1400" dirty="0"/>
+                  <a:t>Images</a:t>
+                </a:r>
+              </a:p>
+            </p:txBody>
+          </p:sp>
+        </p:grpSp>
+      </p:grpSp>
+      <p:grpSp>
+        <p:nvGrpSpPr>
+          <p:cNvPr id="21" name="03-new"/>
+          <p:cNvGrpSpPr/>
+          <p:nvPr/>
+        </p:nvGrpSpPr>
+        <p:grpSpPr>
+          <a:xfrm>
+            <a:off x="2019250" y="1038499"/>
+            <a:ext cx="9747014" cy="2671264"/>
+            <a:chOff x="2019250" y="1038499"/>
+            <a:chExt cx="9747014" cy="2671264"/>
+          </a:xfrm>
+        </p:grpSpPr>
+        <p:grpSp>
+          <p:nvGrpSpPr>
+            <p:cNvPr id="9" name="Group 8"/>
+            <p:cNvGrpSpPr/>
+            <p:nvPr/>
+          </p:nvGrpSpPr>
+          <p:grpSpPr>
+            <a:xfrm>
+              <a:off x="7551912" y="1038499"/>
+              <a:ext cx="4214352" cy="2671264"/>
+              <a:chOff x="7551912" y="1038499"/>
+              <a:chExt cx="4214352" cy="2671264"/>
+            </a:xfrm>
+          </p:grpSpPr>
+          <p:grpSp>
+            <p:nvGrpSpPr>
+              <p:cNvPr id="122" name="Group 121"/>
+              <p:cNvGrpSpPr/>
+              <p:nvPr/>
+            </p:nvGrpSpPr>
+            <p:grpSpPr>
+              <a:xfrm>
+                <a:off x="7551912" y="1038499"/>
+                <a:ext cx="4214352" cy="2671264"/>
+                <a:chOff x="7551912" y="1038499"/>
+                <a:chExt cx="4214352" cy="2671264"/>
+              </a:xfrm>
+            </p:grpSpPr>
+            <p:sp>
+              <p:nvSpPr>
+                <p:cNvPr id="121" name="Rectangle: Rounded Corners 120"/>
+                <p:cNvSpPr/>
+                <p:nvPr/>
+              </p:nvSpPr>
+              <p:spPr bwMode="auto">
+                <a:xfrm>
+                  <a:off x="7551912" y="1038499"/>
+                  <a:ext cx="4214352" cy="2242829"/>
+                </a:xfrm>
+                <a:prstGeom prst="roundRect">
+                  <a:avLst/>
+                </a:prstGeom>
+                <a:ln>
+                  <a:headEnd type="none" w="med" len="med"/>
+                  <a:tailEnd type="none" w="med" len="med"/>
+                </a:ln>
+              </p:spPr>
+              <p:style>
+                <a:lnRef idx="2">
+                  <a:schemeClr val="accent2"/>
+                </a:lnRef>
+                <a:fillRef idx="1">
+                  <a:schemeClr val="lt1"/>
+                </a:fillRef>
+                <a:effectRef idx="0">
+                  <a:schemeClr val="accent2"/>
+                </a:effectRef>
+                <a:fontRef idx="minor">
+                  <a:schemeClr val="dk1"/>
+                </a:fontRef>
+              </p:style>
+              <p:txBody>
+                <a:bodyPr rot="0" spcFirstLastPara="0" vertOverflow="overflow" horzOverflow="overflow" vert="horz" wrap="square" lIns="182880" tIns="146304" rIns="182880" bIns="146304" numCol="1" spcCol="0" rtlCol="0" fromWordArt="0" anchor="t" anchorCtr="0" forceAA="0" compatLnSpc="1">
+                  <a:prstTxWarp prst="textNoShape">
+                    <a:avLst/>
+                  </a:prstTxWarp>
+                  <a:noAutofit/>
+                </a:bodyPr>
+                <a:lstStyle/>
+                <a:p>
+                  <a:pPr algn="ctr" defTabSz="932472" fontAlgn="base">
+                    <a:lnSpc>
+                      <a:spcPct val="90000"/>
+                    </a:lnSpc>
+                    <a:spcBef>
+                      <a:spcPct val="0"/>
+                    </a:spcBef>
+                    <a:spcAft>
+                      <a:spcPct val="0"/>
+                    </a:spcAft>
+                  </a:pPr>
+                  <a:endParaRPr lang="en-US" sz="2400" dirty="0" err="1">
+                    <a:gradFill>
+                      <a:gsLst>
+                        <a:gs pos="0">
+                          <a:srgbClr val="FFFFFF"/>
+                        </a:gs>
+                        <a:gs pos="100000">
+                          <a:srgbClr val="FFFFFF"/>
+                        </a:gs>
+                      </a:gsLst>
+                      <a:lin ang="5400000" scaled="0"/>
+                    </a:gradFill>
+                    <a:ea typeface="Segoe UI" pitchFamily="34" charset="0"/>
+                    <a:cs typeface="Segoe UI" pitchFamily="34" charset="0"/>
+                  </a:endParaRPr>
+                </a:p>
+              </p:txBody>
+            </p:sp>
+            <p:pic>
+              <p:nvPicPr>
+                <p:cNvPr id="22" name="Picture 21"/>
+                <p:cNvPicPr>
+                  <a:picLocks noChangeAspect="1"/>
+                </p:cNvPicPr>
+                <p:nvPr/>
+              </p:nvPicPr>
+              <p:blipFill>
+                <a:blip r:embed="rId11">
+                  <a:duotone>
+                    <a:schemeClr val="accent4">
+                      <a:shade val="45000"/>
+                      <a:satMod val="135000"/>
+                    </a:schemeClr>
+                    <a:prstClr val="white"/>
+                  </a:duotone>
+                </a:blip>
+                <a:stretch>
+                  <a:fillRect/>
+                </a:stretch>
+              </p:blipFill>
+              <p:spPr>
+                <a:xfrm>
+                  <a:off x="9282991" y="3045630"/>
+                  <a:ext cx="752194" cy="664133"/>
+                </a:xfrm>
+                <a:prstGeom prst="rect">
+                  <a:avLst/>
+                </a:prstGeom>
+              </p:spPr>
+            </p:pic>
+          </p:grpSp>
+          <p:grpSp>
+            <p:nvGrpSpPr>
+              <p:cNvPr id="197" name="Group 196"/>
+              <p:cNvGrpSpPr/>
+              <p:nvPr/>
+            </p:nvGrpSpPr>
+            <p:grpSpPr>
+              <a:xfrm>
+                <a:off x="7979819" y="1168724"/>
+                <a:ext cx="1371600" cy="1828800"/>
+                <a:chOff x="7912602" y="1168724"/>
+                <a:chExt cx="1371600" cy="1828800"/>
+              </a:xfrm>
+            </p:grpSpPr>
+            <p:sp>
+              <p:nvSpPr>
+                <p:cNvPr id="49" name="Rectangle: Rounded Corners 48"/>
+                <p:cNvSpPr/>
+                <p:nvPr/>
+              </p:nvSpPr>
+              <p:spPr bwMode="auto">
+                <a:xfrm>
+                  <a:off x="7912602" y="1168724"/>
+                  <a:ext cx="1371600" cy="1828800"/>
+                </a:xfrm>
+                <a:prstGeom prst="roundRect">
+                  <a:avLst/>
+                </a:prstGeom>
+                <a:ln>
+                  <a:headEnd type="none" w="med" len="med"/>
+                  <a:tailEnd type="none" w="med" len="med"/>
+                </a:ln>
+              </p:spPr>
+              <p:style>
+                <a:lnRef idx="2">
+                  <a:schemeClr val="accent2"/>
+                </a:lnRef>
+                <a:fillRef idx="1">
+                  <a:schemeClr val="lt1"/>
+                </a:fillRef>
+                <a:effectRef idx="0">
+                  <a:schemeClr val="accent2"/>
+                </a:effectRef>
+                <a:fontRef idx="minor">
+                  <a:schemeClr val="dk1"/>
+                </a:fontRef>
+              </p:style>
+              <p:txBody>
+                <a:bodyPr rot="0" spcFirstLastPara="0" vertOverflow="overflow" horzOverflow="overflow" vert="horz" wrap="square" lIns="182880" tIns="146304" rIns="182880" bIns="146304" numCol="1" spcCol="0" rtlCol="0" fromWordArt="0" anchor="t" anchorCtr="0" forceAA="0" compatLnSpc="1">
+                  <a:prstTxWarp prst="textNoShape">
+                    <a:avLst/>
+                  </a:prstTxWarp>
+                  <a:noAutofit/>
+                </a:bodyPr>
+                <a:lstStyle/>
+                <a:p>
+                  <a:pPr algn="ctr" defTabSz="932472" fontAlgn="base">
+                    <a:lnSpc>
+                      <a:spcPct val="90000"/>
+                    </a:lnSpc>
+                    <a:spcBef>
+                      <a:spcPct val="0"/>
+                    </a:spcBef>
+                    <a:spcAft>
+                      <a:spcPct val="0"/>
+                    </a:spcAft>
+                  </a:pPr>
+                  <a:endParaRPr lang="en-US" sz="2400" dirty="0" err="1">
+                    <a:gradFill>
+                      <a:gsLst>
+                        <a:gs pos="0">
+                          <a:srgbClr val="FFFFFF"/>
+                        </a:gs>
+                        <a:gs pos="100000">
+                          <a:srgbClr val="FFFFFF"/>
+                        </a:gs>
+                      </a:gsLst>
+                      <a:lin ang="5400000" scaled="0"/>
+                    </a:gradFill>
+                    <a:ea typeface="Segoe UI" pitchFamily="34" charset="0"/>
+                    <a:cs typeface="Segoe UI" pitchFamily="34" charset="0"/>
+                  </a:endParaRPr>
+                </a:p>
+              </p:txBody>
+            </p:sp>
+            <p:grpSp>
+              <p:nvGrpSpPr>
+                <p:cNvPr id="112" name="Group 111"/>
+                <p:cNvGrpSpPr/>
+                <p:nvPr/>
+              </p:nvGrpSpPr>
+              <p:grpSpPr>
+                <a:xfrm>
+                  <a:off x="8063789" y="1301878"/>
+                  <a:ext cx="1069227" cy="1573585"/>
+                  <a:chOff x="7270243" y="1182225"/>
+                  <a:chExt cx="1069227" cy="1573585"/>
+                </a:xfrm>
+              </p:grpSpPr>
+              <p:pic>
+                <p:nvPicPr>
+                  <p:cNvPr id="5" name="Picture 4"/>
+                  <p:cNvPicPr>
+                    <a:picLocks noChangeAspect="1"/>
+                  </p:cNvPicPr>
+                  <p:nvPr/>
+                </p:nvPicPr>
+                <p:blipFill rotWithShape="1">
+                  <a:blip r:embed="rId12">
+                    <a:duotone>
+                      <a:schemeClr val="accent4">
+                        <a:shade val="45000"/>
+                        <a:satMod val="135000"/>
+                      </a:schemeClr>
+                      <a:prstClr val="white"/>
+                    </a:duotone>
+                  </a:blip>
+                  <a:srcRect b="32219"/>
+                  <a:stretch/>
+                </p:blipFill>
+                <p:spPr>
+                  <a:xfrm>
+                    <a:off x="7270243" y="1897062"/>
+                    <a:ext cx="1069227" cy="858748"/>
+                  </a:xfrm>
+                  <a:prstGeom prst="rect">
+                    <a:avLst/>
+                  </a:prstGeom>
+                </p:spPr>
+              </p:pic>
+              <p:sp>
+                <p:nvSpPr>
+                  <p:cNvPr id="40" name="TextBox 39"/>
+                  <p:cNvSpPr txBox="1"/>
+                  <p:nvPr/>
+                </p:nvSpPr>
+                <p:spPr>
+                  <a:xfrm>
+                    <a:off x="7270243" y="1182225"/>
+                    <a:ext cx="1069227" cy="646331"/>
+                  </a:xfrm>
+                  <a:prstGeom prst="rect">
+                    <a:avLst/>
+                  </a:prstGeom>
+                  <a:noFill/>
+                </p:spPr>
+                <p:txBody>
+                  <a:bodyPr wrap="square" rtlCol="0">
+                    <a:spAutoFit/>
+                  </a:bodyPr>
+                  <a:lstStyle/>
+                  <a:p>
+                    <a:pPr marL="0" marR="0" lvl="0" indent="0" algn="ctr" defTabSz="914400" eaLnBrk="1" fontAlgn="auto" latinLnBrk="0" hangingPunct="1">
+                      <a:lnSpc>
+                        <a:spcPct val="100000"/>
+                      </a:lnSpc>
+                      <a:spcBef>
+                        <a:spcPts val="0"/>
+                      </a:spcBef>
+                      <a:spcAft>
+                        <a:spcPts val="0"/>
+                      </a:spcAft>
+                      <a:buClrTx/>
+                      <a:buSzTx/>
+                      <a:buFontTx/>
+                      <a:buNone/>
+                      <a:tabLst/>
+                      <a:defRPr/>
+                    </a:pPr>
+                    <a:r>
+                      <a:rPr kumimoji="0" lang="en-US" sz="1800" b="0" i="0" u="none" strike="noStrike" kern="0" cap="none" spc="0" normalizeH="0" baseline="0" noProof="0" dirty="0">
+                        <a:ln>
+                          <a:noFill/>
+                        </a:ln>
+                        <a:solidFill>
+                          <a:schemeClr val="accent1"/>
+                        </a:solidFill>
+                        <a:effectLst/>
+                        <a:uLnTx/>
+                        <a:uFillTx/>
+                        <a:latin typeface="Segoe UI Semibold" panose="020B0702040204020203" pitchFamily="34" charset="0"/>
+                        <a:cs typeface="Segoe UI" panose="020B0502040204020203" pitchFamily="34" charset="0"/>
+                      </a:rPr>
+                      <a:t>AZURE API APP</a:t>
+                    </a:r>
+                  </a:p>
+                </p:txBody>
+              </p:sp>
+            </p:grpSp>
+          </p:grpSp>
+          <p:grpSp>
+            <p:nvGrpSpPr>
+              <p:cNvPr id="111" name="Group 110"/>
+              <p:cNvGrpSpPr/>
+              <p:nvPr/>
+            </p:nvGrpSpPr>
+            <p:grpSpPr>
+              <a:xfrm>
+                <a:off x="10005583" y="1168724"/>
+                <a:ext cx="1371600" cy="1828800"/>
+                <a:chOff x="10005583" y="1188780"/>
+                <a:chExt cx="1371600" cy="1828800"/>
+              </a:xfrm>
+            </p:grpSpPr>
+            <p:sp>
+              <p:nvSpPr>
+                <p:cNvPr id="15" name="Rectangle: Rounded Corners 14"/>
+                <p:cNvSpPr/>
+                <p:nvPr/>
+              </p:nvSpPr>
+              <p:spPr bwMode="auto">
+                <a:xfrm>
+                  <a:off x="10005583" y="1188780"/>
+                  <a:ext cx="1371600" cy="1828800"/>
+                </a:xfrm>
+                <a:prstGeom prst="roundRect">
+                  <a:avLst/>
+                </a:prstGeom>
+                <a:ln>
+                  <a:headEnd type="none" w="med" len="med"/>
+                  <a:tailEnd type="none" w="med" len="med"/>
+                </a:ln>
+              </p:spPr>
+              <p:style>
+                <a:lnRef idx="2">
+                  <a:schemeClr val="accent2"/>
+                </a:lnRef>
+                <a:fillRef idx="1">
+                  <a:schemeClr val="lt1"/>
+                </a:fillRef>
+                <a:effectRef idx="0">
+                  <a:schemeClr val="accent2"/>
+                </a:effectRef>
+                <a:fontRef idx="minor">
+                  <a:schemeClr val="dk1"/>
+                </a:fontRef>
+              </p:style>
+              <p:txBody>
+                <a:bodyPr rot="0" spcFirstLastPara="0" vertOverflow="overflow" horzOverflow="overflow" vert="horz" wrap="square" lIns="182880" tIns="146304" rIns="182880" bIns="146304" numCol="1" spcCol="0" rtlCol="0" fromWordArt="0" anchor="t" anchorCtr="0" forceAA="0" compatLnSpc="1">
+                  <a:prstTxWarp prst="textNoShape">
+                    <a:avLst/>
+                  </a:prstTxWarp>
+                  <a:noAutofit/>
+                </a:bodyPr>
+                <a:lstStyle/>
+                <a:p>
+                  <a:pPr algn="ctr" defTabSz="932472" fontAlgn="base">
+                    <a:lnSpc>
+                      <a:spcPct val="90000"/>
+                    </a:lnSpc>
+                    <a:spcBef>
+                      <a:spcPct val="0"/>
+                    </a:spcBef>
+                    <a:spcAft>
+                      <a:spcPct val="0"/>
+                    </a:spcAft>
+                  </a:pPr>
+                  <a:endParaRPr lang="en-US" sz="2400" dirty="0" err="1">
+                    <a:gradFill>
+                      <a:gsLst>
+                        <a:gs pos="0">
+                          <a:srgbClr val="FFFFFF"/>
+                        </a:gs>
+                        <a:gs pos="100000">
+                          <a:srgbClr val="FFFFFF"/>
+                        </a:gs>
+                      </a:gsLst>
+                      <a:lin ang="5400000" scaled="0"/>
+                    </a:gradFill>
+                    <a:ea typeface="Segoe UI" pitchFamily="34" charset="0"/>
+                    <a:cs typeface="Segoe UI" pitchFamily="34" charset="0"/>
+                  </a:endParaRPr>
+                </a:p>
+              </p:txBody>
+            </p:sp>
+            <p:grpSp>
+              <p:nvGrpSpPr>
+                <p:cNvPr id="108" name="Group 107"/>
+                <p:cNvGrpSpPr/>
+                <p:nvPr/>
+              </p:nvGrpSpPr>
+              <p:grpSpPr>
+                <a:xfrm>
+                  <a:off x="10139517" y="1293528"/>
+                  <a:ext cx="1103733" cy="1619304"/>
+                  <a:chOff x="10115094" y="1395289"/>
+                  <a:chExt cx="1103733" cy="1619304"/>
+                </a:xfrm>
+              </p:grpSpPr>
+              <p:pic>
+                <p:nvPicPr>
+                  <p:cNvPr id="4" name="Picture 3"/>
+                  <p:cNvPicPr>
+                    <a:picLocks noChangeAspect="1"/>
+                  </p:cNvPicPr>
+                  <p:nvPr/>
+                </p:nvPicPr>
+                <p:blipFill>
+                  <a:blip r:embed="rId13"/>
+                  <a:stretch>
+                    <a:fillRect/>
+                  </a:stretch>
+                </p:blipFill>
+                <p:spPr>
+                  <a:xfrm>
+                    <a:off x="10236144" y="2117251"/>
+                    <a:ext cx="861633" cy="897342"/>
+                  </a:xfrm>
+                  <a:prstGeom prst="rect">
+                    <a:avLst/>
+                  </a:prstGeom>
+                </p:spPr>
+              </p:pic>
+              <p:sp>
+                <p:nvSpPr>
+                  <p:cNvPr id="41" name="TextBox 40"/>
+                  <p:cNvSpPr txBox="1"/>
+                  <p:nvPr/>
+                </p:nvSpPr>
+                <p:spPr>
+                  <a:xfrm>
+                    <a:off x="10115094" y="1395289"/>
+                    <a:ext cx="1103733" cy="646331"/>
+                  </a:xfrm>
+                  <a:prstGeom prst="rect">
+                    <a:avLst/>
+                  </a:prstGeom>
+                  <a:noFill/>
+                </p:spPr>
+                <p:txBody>
+                  <a:bodyPr wrap="square" rtlCol="0">
+                    <a:spAutoFit/>
+                  </a:bodyPr>
+                  <a:lstStyle/>
+                  <a:p>
+                    <a:pPr marL="0" marR="0" lvl="0" indent="0" algn="ctr" defTabSz="914400" eaLnBrk="1" fontAlgn="auto" latinLnBrk="0" hangingPunct="1">
+                      <a:lnSpc>
+                        <a:spcPct val="100000"/>
+                      </a:lnSpc>
+                      <a:spcBef>
+                        <a:spcPts val="0"/>
+                      </a:spcBef>
+                      <a:spcAft>
+                        <a:spcPts val="0"/>
+                      </a:spcAft>
+                      <a:buClrTx/>
+                      <a:buSzTx/>
+                      <a:buFontTx/>
+                      <a:buNone/>
+                      <a:tabLst/>
+                      <a:defRPr/>
+                    </a:pPr>
+                    <a:r>
+                      <a:rPr kumimoji="0" lang="en-US" sz="1800" b="0" i="0" u="none" strike="noStrike" kern="0" cap="none" spc="0" normalizeH="0" baseline="0" noProof="0" dirty="0">
+                        <a:ln>
+                          <a:noFill/>
+                        </a:ln>
+                        <a:solidFill>
+                          <a:schemeClr val="accent1"/>
+                        </a:solidFill>
+                        <a:effectLst/>
+                        <a:uLnTx/>
+                        <a:uFillTx/>
+                        <a:latin typeface="Segoe UI Semibold" panose="020B0702040204020203" pitchFamily="34" charset="0"/>
+                        <a:cs typeface="Segoe UI" panose="020B0502040204020203" pitchFamily="34" charset="0"/>
+                      </a:rPr>
+                      <a:t>AZURE DOC</a:t>
+                    </a:r>
+                    <a:r>
+                      <a:rPr kumimoji="0" lang="en-US" sz="1800" b="0" i="0" u="none" strike="noStrike" kern="0" cap="none" spc="0" normalizeH="0" noProof="0" dirty="0">
+                        <a:ln>
+                          <a:noFill/>
+                        </a:ln>
+                        <a:solidFill>
+                          <a:schemeClr val="accent1"/>
+                        </a:solidFill>
+                        <a:effectLst/>
+                        <a:uLnTx/>
+                        <a:uFillTx/>
+                        <a:latin typeface="Segoe UI Semibold" panose="020B0702040204020203" pitchFamily="34" charset="0"/>
+                        <a:cs typeface="Segoe UI" panose="020B0502040204020203" pitchFamily="34" charset="0"/>
+                      </a:rPr>
+                      <a:t> DB</a:t>
+                    </a:r>
+                    <a:endParaRPr kumimoji="0" lang="en-US" sz="1800" b="0" i="0" u="none" strike="noStrike" kern="0" cap="none" spc="0" normalizeH="0" baseline="0" noProof="0" dirty="0">
+                      <a:ln>
+                        <a:noFill/>
+                      </a:ln>
+                      <a:solidFill>
+                        <a:schemeClr val="accent1"/>
+                      </a:solidFill>
+                      <a:effectLst/>
+                      <a:uLnTx/>
+                      <a:uFillTx/>
+                      <a:latin typeface="Segoe UI Semibold" panose="020B0702040204020203" pitchFamily="34" charset="0"/>
+                      <a:cs typeface="Segoe UI" panose="020B0502040204020203" pitchFamily="34" charset="0"/>
+                    </a:endParaRPr>
+                  </a:p>
+                </p:txBody>
+              </p:sp>
+            </p:grpSp>
+          </p:grpSp>
+          <p:cxnSp>
+            <p:nvCxnSpPr>
+              <p:cNvPr id="24" name="Straight Arrow Connector 23"/>
+              <p:cNvCxnSpPr/>
+              <p:nvPr/>
+            </p:nvCxnSpPr>
+            <p:spPr>
+              <a:xfrm>
+                <a:off x="9284202" y="2088670"/>
+                <a:ext cx="721381" cy="0"/>
+              </a:xfrm>
+              <a:prstGeom prst="straightConnector1">
+                <a:avLst/>
+              </a:prstGeom>
+              <a:ln>
+                <a:solidFill>
+                  <a:schemeClr val="tx1"/>
+                </a:solidFill>
+                <a:headEnd type="none"/>
+                <a:tailEnd type="triangle"/>
+              </a:ln>
+            </p:spPr>
+            <p:style>
+              <a:lnRef idx="1">
+                <a:schemeClr val="accent1"/>
+              </a:lnRef>
+              <a:fillRef idx="0">
+                <a:schemeClr val="accent1"/>
+              </a:fillRef>
+              <a:effectRef idx="0">
+                <a:schemeClr val="accent1"/>
+              </a:effectRef>
+              <a:fontRef idx="minor">
+                <a:schemeClr val="tx1"/>
+              </a:fontRef>
+            </p:style>
+          </p:cxnSp>
+          <p:sp>
+            <p:nvSpPr>
+              <p:cNvPr id="45" name="Oval 44"/>
+              <p:cNvSpPr/>
+              <p:nvPr/>
+            </p:nvSpPr>
+            <p:spPr>
+              <a:xfrm>
+                <a:off x="9799637" y="1195755"/>
+                <a:ext cx="444097" cy="426129"/>
+              </a:xfrm>
+              <a:prstGeom prst="ellipse">
+                <a:avLst/>
+              </a:prstGeom>
+              <a:solidFill>
+                <a:schemeClr val="tx2"/>
+              </a:solidFill>
+              <a:ln w="25400">
+                <a:noFill/>
+              </a:ln>
+            </p:spPr>
+            <p:style>
+              <a:lnRef idx="2">
+                <a:schemeClr val="accent1">
+                  <a:shade val="50000"/>
+                </a:schemeClr>
+              </a:lnRef>
+              <a:fillRef idx="1">
+                <a:schemeClr val="accent1"/>
+              </a:fillRef>
+              <a:effectRef idx="0">
+                <a:schemeClr val="accent1"/>
+              </a:effectRef>
+              <a:fontRef idx="minor">
+                <a:schemeClr val="lt1"/>
+              </a:fontRef>
+            </p:style>
+            <p:txBody>
+              <a:bodyPr rtlCol="0" anchor="ctr"/>
+              <a:lstStyle/>
+              <a:p>
+                <a:pPr marL="0" marR="0" lvl="0" indent="0" algn="ctr" defTabSz="914400" eaLnBrk="1" fontAlgn="auto" latinLnBrk="0" hangingPunct="1">
+                  <a:lnSpc>
+                    <a:spcPct val="100000"/>
+                  </a:lnSpc>
+                  <a:spcBef>
+                    <a:spcPts val="0"/>
+                  </a:spcBef>
+                  <a:spcAft>
+                    <a:spcPts val="0"/>
+                  </a:spcAft>
+                  <a:buClrTx/>
+                  <a:buSzTx/>
+                  <a:buFontTx/>
+                  <a:buNone/>
+                  <a:tabLst/>
+                  <a:defRPr/>
+                </a:pPr>
+                <a:r>
+                  <a:rPr kumimoji="0" lang="en-US" sz="2000" b="0" i="0" u="none" strike="noStrike" kern="0" cap="none" spc="0" normalizeH="0" baseline="0" noProof="0" dirty="0">
+                    <a:ln>
+                      <a:noFill/>
+                    </a:ln>
+                    <a:solidFill>
+                      <a:schemeClr val="bg1"/>
+                    </a:solidFill>
+                    <a:effectLst/>
+                    <a:uLnTx/>
+                    <a:uFillTx/>
+                    <a:latin typeface="Segoe UI Semibold" panose="020B0702040204020203" pitchFamily="34" charset="0"/>
+                  </a:rPr>
+                  <a:t>4</a:t>
+                </a:r>
+              </a:p>
+            </p:txBody>
+          </p:sp>
+          <p:sp>
+            <p:nvSpPr>
+              <p:cNvPr id="50" name="Oval 49"/>
+              <p:cNvSpPr/>
+              <p:nvPr/>
+            </p:nvSpPr>
+            <p:spPr>
+              <a:xfrm>
+                <a:off x="7767341" y="1195755"/>
+                <a:ext cx="444097" cy="426129"/>
+              </a:xfrm>
+              <a:prstGeom prst="ellipse">
+                <a:avLst/>
+              </a:prstGeom>
+              <a:solidFill>
+                <a:schemeClr val="tx2"/>
+              </a:solidFill>
+              <a:ln w="25400">
+                <a:noFill/>
+              </a:ln>
+            </p:spPr>
+            <p:style>
+              <a:lnRef idx="2">
+                <a:schemeClr val="accent1">
+                  <a:shade val="50000"/>
+                </a:schemeClr>
+              </a:lnRef>
+              <a:fillRef idx="1">
+                <a:schemeClr val="accent1"/>
+              </a:fillRef>
+              <a:effectRef idx="0">
+                <a:schemeClr val="accent1"/>
+              </a:effectRef>
+              <a:fontRef idx="minor">
+                <a:schemeClr val="lt1"/>
+              </a:fontRef>
+            </p:style>
+            <p:txBody>
+              <a:bodyPr rtlCol="0" anchor="ctr"/>
+              <a:lstStyle/>
+              <a:p>
+                <a:pPr marL="0" marR="0" lvl="0" indent="0" algn="ctr" defTabSz="914400" eaLnBrk="1" fontAlgn="auto" latinLnBrk="0" hangingPunct="1">
+                  <a:lnSpc>
+                    <a:spcPct val="100000"/>
+                  </a:lnSpc>
+                  <a:spcBef>
+                    <a:spcPts val="0"/>
+                  </a:spcBef>
+                  <a:spcAft>
+                    <a:spcPts val="0"/>
+                  </a:spcAft>
+                  <a:buClrTx/>
+                  <a:buSzTx/>
+                  <a:buFontTx/>
+                  <a:buNone/>
+                  <a:tabLst/>
+                  <a:defRPr/>
+                </a:pPr>
+                <a:r>
+                  <a:rPr kumimoji="0" lang="en-US" sz="2000" b="0" i="0" u="none" strike="noStrike" kern="0" cap="none" spc="0" normalizeH="0" baseline="0" noProof="0" dirty="0">
+                    <a:ln>
+                      <a:noFill/>
+                    </a:ln>
+                    <a:solidFill>
+                      <a:schemeClr val="bg1"/>
+                    </a:solidFill>
+                    <a:effectLst/>
+                    <a:uLnTx/>
+                    <a:uFillTx/>
+                    <a:latin typeface="Segoe UI Semibold" panose="020B0702040204020203" pitchFamily="34" charset="0"/>
+                  </a:rPr>
+                  <a:t>3</a:t>
+                </a:r>
+              </a:p>
+            </p:txBody>
+          </p:sp>
+        </p:grpSp>
+        <p:grpSp>
+          <p:nvGrpSpPr>
+            <p:cNvPr id="14" name="Group 13"/>
+            <p:cNvGrpSpPr/>
+            <p:nvPr/>
+          </p:nvGrpSpPr>
+          <p:grpSpPr>
+            <a:xfrm>
+              <a:off x="2019250" y="2159914"/>
+              <a:ext cx="5532662" cy="1142416"/>
+              <a:chOff x="2019250" y="2159914"/>
+              <a:chExt cx="5532662" cy="1142416"/>
+            </a:xfrm>
+          </p:grpSpPr>
+          <p:cxnSp>
+            <p:nvCxnSpPr>
+              <p:cNvPr id="165" name="Connector: Curved 164"/>
+              <p:cNvCxnSpPr>
+                <a:stCxn id="59" idx="3"/>
+                <a:endCxn id="121" idx="1"/>
+              </p:cNvCxnSpPr>
+              <p:nvPr/>
+            </p:nvCxnSpPr>
+            <p:spPr>
+              <a:xfrm flipV="1">
+                <a:off x="2019250" y="2159914"/>
+                <a:ext cx="5532662" cy="1142416"/>
+              </a:xfrm>
+              <a:prstGeom prst="curvedConnector3">
+                <a:avLst>
+                  <a:gd name="adj1" fmla="val 84326"/>
+                </a:avLst>
+              </a:prstGeom>
+              <a:ln w="38100">
+                <a:solidFill>
+                  <a:schemeClr val="tx1"/>
+                </a:solidFill>
+                <a:headEnd type="none" w="med" len="med"/>
+                <a:tailEnd type="arrow" w="med" len="med"/>
+              </a:ln>
+            </p:spPr>
+            <p:style>
+              <a:lnRef idx="1">
+                <a:schemeClr val="accent1"/>
+              </a:lnRef>
+              <a:fillRef idx="0">
+                <a:schemeClr val="accent1"/>
+              </a:fillRef>
+              <a:effectRef idx="0">
+                <a:schemeClr val="accent1"/>
+              </a:effectRef>
+              <a:fontRef idx="minor">
+                <a:schemeClr val="tx1"/>
+              </a:fontRef>
+            </p:style>
+          </p:cxnSp>
+          <p:sp>
+            <p:nvSpPr>
+              <p:cNvPr id="102" name="Rectangle 101"/>
+              <p:cNvSpPr/>
+              <p:nvPr/>
+            </p:nvSpPr>
+            <p:spPr>
+              <a:xfrm>
+                <a:off x="5978631" y="2499322"/>
+                <a:ext cx="1280160" cy="457200"/>
+              </a:xfrm>
+              <a:prstGeom prst="rect">
+                <a:avLst/>
+              </a:prstGeom>
+              <a:solidFill>
+                <a:schemeClr val="accent2"/>
+              </a:solidFill>
+              <a:ln>
+                <a:noFill/>
+              </a:ln>
+            </p:spPr>
+            <p:style>
+              <a:lnRef idx="0">
+                <a:scrgbClr r="0" g="0" b="0"/>
+              </a:lnRef>
+              <a:fillRef idx="0">
+                <a:scrgbClr r="0" g="0" b="0"/>
+              </a:fillRef>
+              <a:effectRef idx="0">
+                <a:scrgbClr r="0" g="0" b="0"/>
+              </a:effectRef>
+              <a:fontRef idx="minor">
+                <a:schemeClr val="lt1"/>
+              </a:fontRef>
+            </p:style>
+            <p:txBody>
+              <a:bodyPr wrap="square" rtlCol="0" anchor="ctr">
+                <a:spAutoFit/>
+              </a:bodyPr>
+              <a:lstStyle/>
+              <a:p>
+                <a:pPr marL="0" marR="0" lvl="0" indent="0" algn="ctr" defTabSz="914400" eaLnBrk="1" fontAlgn="auto" latinLnBrk="0" hangingPunct="1">
+                  <a:lnSpc>
+                    <a:spcPct val="90000"/>
+                  </a:lnSpc>
+                  <a:spcBef>
+                    <a:spcPts val="0"/>
+                  </a:spcBef>
+                  <a:spcAft>
+                    <a:spcPts val="0"/>
+                  </a:spcAft>
+                  <a:buClrTx/>
+                  <a:buSzTx/>
+                  <a:buFontTx/>
+                  <a:buNone/>
+                  <a:tabLst/>
+                  <a:defRPr/>
+                </a:pPr>
+                <a:r>
+                  <a:rPr lang="en-US" sz="1400" dirty="0"/>
+                  <a:t>New Incident</a:t>
+                </a:r>
+              </a:p>
+            </p:txBody>
+          </p:sp>
+        </p:grpSp>
+      </p:grpSp>
+      <p:grpSp>
+        <p:nvGrpSpPr>
+          <p:cNvPr id="18" name="02-aad"/>
+          <p:cNvGrpSpPr/>
+          <p:nvPr/>
+        </p:nvGrpSpPr>
+        <p:grpSpPr>
+          <a:xfrm>
+            <a:off x="440140" y="4216730"/>
+            <a:ext cx="1958433" cy="2328532"/>
+            <a:chOff x="440140" y="4216730"/>
+            <a:chExt cx="1958433" cy="2328532"/>
+          </a:xfrm>
+        </p:grpSpPr>
+        <p:cxnSp>
+          <p:nvCxnSpPr>
+            <p:cNvPr id="26" name="Straight Arrow Connector 25"/>
+            <p:cNvCxnSpPr>
+              <a:stCxn id="59" idx="2"/>
+              <a:endCxn id="53" idx="0"/>
+            </p:cNvCxnSpPr>
+            <p:nvPr/>
+          </p:nvCxnSpPr>
+          <p:spPr>
+            <a:xfrm>
+              <a:off x="1333450" y="4216730"/>
+              <a:ext cx="0" cy="499732"/>
+            </a:xfrm>
+            <a:prstGeom prst="straightConnector1">
+              <a:avLst/>
+            </a:prstGeom>
+            <a:ln w="38100">
+              <a:solidFill>
+                <a:schemeClr val="tx1"/>
+              </a:solidFill>
+              <a:headEnd type="triangle" w="med" len="med"/>
+              <a:tailEnd type="triangle" w="med" len="med"/>
+            </a:ln>
+          </p:spPr>
+          <p:style>
+            <a:lnRef idx="1">
+              <a:schemeClr val="accent1"/>
+            </a:lnRef>
+            <a:fillRef idx="0">
+              <a:schemeClr val="accent1"/>
+            </a:fillRef>
+            <a:effectRef idx="0">
+              <a:schemeClr val="accent1"/>
+            </a:effectRef>
+            <a:fontRef idx="minor">
+              <a:schemeClr val="tx1"/>
+            </a:fontRef>
+          </p:style>
+        </p:cxnSp>
+        <p:grpSp>
+          <p:nvGrpSpPr>
+            <p:cNvPr id="11" name="Group 10"/>
+            <p:cNvGrpSpPr/>
+            <p:nvPr/>
+          </p:nvGrpSpPr>
+          <p:grpSpPr>
+            <a:xfrm>
+              <a:off x="440140" y="4497729"/>
+              <a:ext cx="1958433" cy="2047533"/>
+              <a:chOff x="440140" y="4497729"/>
+              <a:chExt cx="1958433" cy="2047533"/>
+            </a:xfrm>
+          </p:grpSpPr>
+          <p:grpSp>
+            <p:nvGrpSpPr>
+              <p:cNvPr id="133" name="Group 132"/>
+              <p:cNvGrpSpPr/>
+              <p:nvPr/>
+            </p:nvGrpSpPr>
+            <p:grpSpPr>
+              <a:xfrm>
+                <a:off x="585720" y="4716462"/>
+                <a:ext cx="1495461" cy="1828800"/>
+                <a:chOff x="752981" y="4758923"/>
+                <a:chExt cx="1495461" cy="1828800"/>
+              </a:xfrm>
+            </p:grpSpPr>
+            <p:sp>
+              <p:nvSpPr>
+                <p:cNvPr id="53" name="Rectangle: Rounded Corners 52"/>
+                <p:cNvSpPr/>
+                <p:nvPr/>
+              </p:nvSpPr>
+              <p:spPr bwMode="auto">
+                <a:xfrm>
+                  <a:off x="814911" y="4758923"/>
+                  <a:ext cx="1371600" cy="1828800"/>
+                </a:xfrm>
+                <a:prstGeom prst="roundRect">
+                  <a:avLst/>
+                </a:prstGeom>
+                <a:ln>
+                  <a:headEnd type="none" w="med" len="med"/>
+                  <a:tailEnd type="none" w="med" len="med"/>
+                </a:ln>
+              </p:spPr>
+              <p:style>
+                <a:lnRef idx="2">
+                  <a:schemeClr val="accent2"/>
+                </a:lnRef>
+                <a:fillRef idx="1">
+                  <a:schemeClr val="lt1"/>
+                </a:fillRef>
+                <a:effectRef idx="0">
+                  <a:schemeClr val="accent2"/>
+                </a:effectRef>
+                <a:fontRef idx="minor">
+                  <a:schemeClr val="dk1"/>
+                </a:fontRef>
+              </p:style>
+              <p:txBody>
+                <a:bodyPr rot="0" spcFirstLastPara="0" vertOverflow="overflow" horzOverflow="overflow" vert="horz" wrap="square" lIns="182880" tIns="146304" rIns="182880" bIns="146304" numCol="1" spcCol="0" rtlCol="0" fromWordArt="0" anchor="t" anchorCtr="0" forceAA="0" compatLnSpc="1">
+                  <a:prstTxWarp prst="textNoShape">
+                    <a:avLst/>
+                  </a:prstTxWarp>
+                  <a:noAutofit/>
+                </a:bodyPr>
+                <a:lstStyle/>
+                <a:p>
+                  <a:pPr algn="ctr" defTabSz="932472" fontAlgn="base">
+                    <a:lnSpc>
+                      <a:spcPct val="90000"/>
+                    </a:lnSpc>
+                    <a:spcBef>
+                      <a:spcPct val="0"/>
+                    </a:spcBef>
+                    <a:spcAft>
+                      <a:spcPct val="0"/>
+                    </a:spcAft>
+                  </a:pPr>
+                  <a:endParaRPr lang="en-US" sz="2400" dirty="0" err="1">
+                    <a:gradFill>
+                      <a:gsLst>
+                        <a:gs pos="0">
+                          <a:srgbClr val="FFFFFF"/>
+                        </a:gs>
+                        <a:gs pos="100000">
+                          <a:srgbClr val="FFFFFF"/>
+                        </a:gs>
+                      </a:gsLst>
+                      <a:lin ang="5400000" scaled="0"/>
+                    </a:gradFill>
+                    <a:ea typeface="Segoe UI" pitchFamily="34" charset="0"/>
+                    <a:cs typeface="Segoe UI" pitchFamily="34" charset="0"/>
+                  </a:endParaRPr>
+                </a:p>
+              </p:txBody>
+            </p:sp>
+            <p:grpSp>
+              <p:nvGrpSpPr>
+                <p:cNvPr id="132" name="Group 131"/>
+                <p:cNvGrpSpPr/>
+                <p:nvPr/>
+              </p:nvGrpSpPr>
+              <p:grpSpPr>
+                <a:xfrm>
+                  <a:off x="752981" y="5150998"/>
+                  <a:ext cx="1495461" cy="1044650"/>
+                  <a:chOff x="1048762" y="4886049"/>
+                  <a:chExt cx="1495461" cy="1044650"/>
+                </a:xfrm>
+              </p:grpSpPr>
+              <p:pic>
+                <p:nvPicPr>
+                  <p:cNvPr id="91" name="Picture 4"/>
+                  <p:cNvPicPr>
+                    <a:picLocks noChangeAspect="1"/>
+                  </p:cNvPicPr>
+                  <p:nvPr/>
+                </p:nvPicPr>
+                <p:blipFill>
+                  <a:blip r:embed="rId14">
+                    <a:duotone>
+                      <a:schemeClr val="accent4">
+                        <a:shade val="45000"/>
+                        <a:satMod val="135000"/>
+                      </a:schemeClr>
+                      <a:prstClr val="white"/>
+                    </a:duotone>
+                    <a:extLst>
+                      <a:ext uri="{28A0092B-C50C-407E-A947-70E740481C1C}">
+                        <a14:useLocalDpi xmlns:a14="http://schemas.microsoft.com/office/drawing/2010/main" val="0"/>
+                      </a:ext>
+                    </a:extLst>
+                  </a:blip>
+                  <a:srcRect/>
+                  <a:stretch>
+                    <a:fillRect/>
+                  </a:stretch>
+                </p:blipFill>
+                <p:spPr bwMode="auto">
+                  <a:xfrm>
+                    <a:off x="1521855" y="5383011"/>
+                    <a:ext cx="549275" cy="547688"/>
+                  </a:xfrm>
+                  <a:prstGeom prst="rect">
+                    <a:avLst/>
+                  </a:prstGeom>
+                  <a:noFill/>
+                  <a:ln>
+                    <a:noFill/>
+                  </a:ln>
+                  <a:extLst>
+                    <a:ext uri="{909E8E84-426E-40DD-AFC4-6F175D3DCCD1}">
+                      <a14:hiddenFill xmlns:a14="http://schemas.microsoft.com/office/drawing/2010/main">
+                        <a:solidFill>
+                          <a:srgbClr val="FFFFFF"/>
+                        </a:solidFill>
+                      </a14:hiddenFill>
+                    </a:ext>
+                    <a:ext uri="{91240B29-F687-4F45-9708-019B960494DF}">
+                      <a14:hiddenLine xmlns:a14="http://schemas.microsoft.com/office/drawing/2010/main" w="9525">
+                        <a:solidFill>
+                          <a:srgbClr val="000000"/>
+                        </a:solidFill>
+                        <a:miter lim="800000"/>
+                        <a:headEnd/>
+                        <a:tailEnd/>
+                      </a14:hiddenLine>
+                    </a:ext>
+                  </a:extLst>
+                </p:spPr>
+              </p:pic>
+              <p:sp>
+                <p:nvSpPr>
+                  <p:cNvPr id="98" name="TextBox 97"/>
+                  <p:cNvSpPr txBox="1"/>
+                  <p:nvPr/>
+                </p:nvSpPr>
+                <p:spPr>
+                  <a:xfrm>
+                    <a:off x="1048762" y="4886049"/>
+                    <a:ext cx="1495461" cy="369332"/>
+                  </a:xfrm>
+                  <a:prstGeom prst="rect">
+                    <a:avLst/>
+                  </a:prstGeom>
+                  <a:noFill/>
+                </p:spPr>
+                <p:txBody>
+                  <a:bodyPr wrap="square" rtlCol="0">
+                    <a:spAutoFit/>
+                  </a:bodyPr>
+                  <a:lstStyle/>
+                  <a:p>
+                    <a:pPr marL="0" marR="0" lvl="0" indent="0" algn="ctr" defTabSz="914400" eaLnBrk="1" fontAlgn="auto" latinLnBrk="0" hangingPunct="1">
+                      <a:lnSpc>
+                        <a:spcPct val="100000"/>
+                      </a:lnSpc>
+                      <a:spcBef>
+                        <a:spcPts val="0"/>
+                      </a:spcBef>
+                      <a:spcAft>
+                        <a:spcPts val="0"/>
+                      </a:spcAft>
+                      <a:buClrTx/>
+                      <a:buSzTx/>
+                      <a:buFontTx/>
+                      <a:buNone/>
+                      <a:tabLst/>
+                      <a:defRPr/>
+                    </a:pPr>
+                    <a:r>
+                      <a:rPr kumimoji="0" lang="en-US" sz="1800" b="0" i="0" u="none" strike="noStrike" kern="0" cap="none" spc="0" normalizeH="0" baseline="0" noProof="0" dirty="0">
+                        <a:ln>
+                          <a:noFill/>
+                        </a:ln>
+                        <a:solidFill>
+                          <a:schemeClr val="accent1"/>
+                        </a:solidFill>
+                        <a:effectLst/>
+                        <a:uLnTx/>
+                        <a:uFillTx/>
+                        <a:latin typeface="Segoe UI Semibold" panose="020B0702040204020203" pitchFamily="34" charset="0"/>
+                        <a:cs typeface="Segoe UI" panose="020B0502040204020203" pitchFamily="34" charset="0"/>
+                      </a:rPr>
+                      <a:t>AZURE AD</a:t>
+                    </a:r>
+                  </a:p>
+                </p:txBody>
+              </p:sp>
+            </p:grpSp>
+          </p:grpSp>
+          <p:sp>
+            <p:nvSpPr>
+              <p:cNvPr id="54" name="Oval 53"/>
+              <p:cNvSpPr/>
+              <p:nvPr/>
+            </p:nvSpPr>
+            <p:spPr>
+              <a:xfrm>
+                <a:off x="440140" y="4679391"/>
+                <a:ext cx="444097" cy="426129"/>
+              </a:xfrm>
+              <a:prstGeom prst="ellipse">
+                <a:avLst/>
+              </a:prstGeom>
+              <a:solidFill>
+                <a:schemeClr val="tx2"/>
+              </a:solidFill>
+              <a:ln w="25400">
+                <a:noFill/>
+              </a:ln>
+            </p:spPr>
+            <p:style>
+              <a:lnRef idx="2">
+                <a:schemeClr val="accent1">
+                  <a:shade val="50000"/>
+                </a:schemeClr>
+              </a:lnRef>
+              <a:fillRef idx="1">
+                <a:schemeClr val="accent1"/>
+              </a:fillRef>
+              <a:effectRef idx="0">
+                <a:schemeClr val="accent1"/>
+              </a:effectRef>
+              <a:fontRef idx="minor">
+                <a:schemeClr val="lt1"/>
+              </a:fontRef>
+            </p:style>
+            <p:txBody>
+              <a:bodyPr rtlCol="0" anchor="ctr"/>
+              <a:lstStyle/>
+              <a:p>
+                <a:pPr marL="0" marR="0" lvl="0" indent="0" algn="ctr" defTabSz="914400" eaLnBrk="1" fontAlgn="auto" latinLnBrk="0" hangingPunct="1">
+                  <a:lnSpc>
+                    <a:spcPct val="100000"/>
+                  </a:lnSpc>
+                  <a:spcBef>
+                    <a:spcPts val="0"/>
+                  </a:spcBef>
+                  <a:spcAft>
+                    <a:spcPts val="0"/>
+                  </a:spcAft>
+                  <a:buClrTx/>
+                  <a:buSzTx/>
+                  <a:buFontTx/>
+                  <a:buNone/>
+                  <a:tabLst/>
+                  <a:defRPr/>
+                </a:pPr>
+                <a:r>
+                  <a:rPr kumimoji="0" lang="en-US" sz="2000" b="0" i="0" u="none" strike="noStrike" kern="0" cap="none" spc="0" normalizeH="0" baseline="0" noProof="0" dirty="0">
+                    <a:ln>
+                      <a:noFill/>
+                    </a:ln>
+                    <a:solidFill>
+                      <a:schemeClr val="bg1"/>
+                    </a:solidFill>
+                    <a:effectLst/>
+                    <a:uLnTx/>
+                    <a:uFillTx/>
+                    <a:latin typeface="Segoe UI Semibold" panose="020B0702040204020203" pitchFamily="34" charset="0"/>
+                  </a:rPr>
+                  <a:t>2</a:t>
+                </a:r>
+              </a:p>
+            </p:txBody>
+          </p:sp>
           <p:pic>
             <p:nvPicPr>
-              <p:cNvPr id="113" name="Picture 112"/>
+              <p:cNvPr id="71" name="Picture 70"/>
               <p:cNvPicPr>
                 <a:picLocks noChangeAspect="1"/>
               </p:cNvPicPr>
               <p:nvPr/>
             </p:nvPicPr>
             <p:blipFill>
-              <a:blip r:embed="rId8">
-                <a:clrChange>
-                  <a:clrFrom>
-                    <a:srgbClr val="FFFFFF"/>
-                  </a:clrFrom>
-                  <a:clrTo>
-                    <a:srgbClr val="FFFFFF">
-                      <a:alpha val="0"/>
-                    </a:srgbClr>
-                  </a:clrTo>
-                </a:clrChange>
+              <a:blip r:embed="rId15">
                 <a:duotone>
                   <a:schemeClr val="accent4">
                     <a:shade val="45000"/>
@@ -16458,24 +19294,255 @@
             </p:blipFill>
             <p:spPr>
               <a:xfrm>
-                <a:off x="8860376" y="5515383"/>
-                <a:ext cx="927234" cy="865418"/>
+                <a:off x="1577998" y="4497729"/>
+                <a:ext cx="820575" cy="742267"/>
               </a:xfrm>
               <a:prstGeom prst="rect">
                 <a:avLst/>
               </a:prstGeom>
             </p:spPr>
           </p:pic>
+        </p:grpSp>
+      </p:grpSp>
+      <p:grpSp>
+        <p:nvGrpSpPr>
+          <p:cNvPr id="12" name="01-tracker"/>
+          <p:cNvGrpSpPr/>
+          <p:nvPr/>
+        </p:nvGrpSpPr>
+        <p:grpSpPr>
+          <a:xfrm>
+            <a:off x="360828" y="2204519"/>
+            <a:ext cx="1686070" cy="2012211"/>
+            <a:chOff x="360828" y="2204519"/>
+            <a:chExt cx="1686070" cy="2012211"/>
+          </a:xfrm>
+        </p:grpSpPr>
+        <p:grpSp>
+          <p:nvGrpSpPr>
+            <p:cNvPr id="159" name="Group 158"/>
+            <p:cNvGrpSpPr/>
+            <p:nvPr/>
+          </p:nvGrpSpPr>
+          <p:grpSpPr>
+            <a:xfrm>
+              <a:off x="620002" y="2387240"/>
+              <a:ext cx="1426896" cy="1829490"/>
+              <a:chOff x="613668" y="2387240"/>
+              <a:chExt cx="1426896" cy="1829490"/>
+            </a:xfrm>
+          </p:grpSpPr>
+          <p:grpSp>
+            <p:nvGrpSpPr>
+              <p:cNvPr id="158" name="Group 157"/>
+              <p:cNvGrpSpPr/>
+              <p:nvPr/>
+            </p:nvGrpSpPr>
+            <p:grpSpPr>
+              <a:xfrm>
+                <a:off x="641316" y="2387930"/>
+                <a:ext cx="1371600" cy="1828800"/>
+                <a:chOff x="647650" y="2387930"/>
+                <a:chExt cx="1371600" cy="1828800"/>
+              </a:xfrm>
+            </p:grpSpPr>
+            <p:sp>
+              <p:nvSpPr>
+                <p:cNvPr id="59" name="Rectangle: Rounded Corners 58"/>
+                <p:cNvSpPr/>
+                <p:nvPr/>
+              </p:nvSpPr>
+              <p:spPr bwMode="auto">
+                <a:xfrm>
+                  <a:off x="647650" y="2387930"/>
+                  <a:ext cx="1371600" cy="1828800"/>
+                </a:xfrm>
+                <a:prstGeom prst="roundRect">
+                  <a:avLst/>
+                </a:prstGeom>
+                <a:ln>
+                  <a:headEnd type="none" w="med" len="med"/>
+                  <a:tailEnd type="none" w="med" len="med"/>
+                </a:ln>
+              </p:spPr>
+              <p:style>
+                <a:lnRef idx="2">
+                  <a:schemeClr val="accent2"/>
+                </a:lnRef>
+                <a:fillRef idx="1">
+                  <a:schemeClr val="lt1"/>
+                </a:fillRef>
+                <a:effectRef idx="0">
+                  <a:schemeClr val="accent2"/>
+                </a:effectRef>
+                <a:fontRef idx="minor">
+                  <a:schemeClr val="dk1"/>
+                </a:fontRef>
+              </p:style>
+              <p:txBody>
+                <a:bodyPr rot="0" spcFirstLastPara="0" vertOverflow="overflow" horzOverflow="overflow" vert="horz" wrap="square" lIns="182880" tIns="146304" rIns="182880" bIns="146304" numCol="1" spcCol="0" rtlCol="0" fromWordArt="0" anchor="t" anchorCtr="0" forceAA="0" compatLnSpc="1">
+                  <a:prstTxWarp prst="textNoShape">
+                    <a:avLst/>
+                  </a:prstTxWarp>
+                  <a:noAutofit/>
+                </a:bodyPr>
+                <a:lstStyle/>
+                <a:p>
+                  <a:pPr algn="ctr" defTabSz="932472" fontAlgn="base">
+                    <a:lnSpc>
+                      <a:spcPct val="90000"/>
+                    </a:lnSpc>
+                    <a:spcBef>
+                      <a:spcPct val="0"/>
+                    </a:spcBef>
+                    <a:spcAft>
+                      <a:spcPct val="0"/>
+                    </a:spcAft>
+                  </a:pPr>
+                  <a:endParaRPr lang="en-US" sz="2400" dirty="0" err="1">
+                    <a:gradFill>
+                      <a:gsLst>
+                        <a:gs pos="0">
+                          <a:srgbClr val="FFFFFF"/>
+                        </a:gs>
+                        <a:gs pos="100000">
+                          <a:srgbClr val="FFFFFF"/>
+                        </a:gs>
+                      </a:gsLst>
+                      <a:lin ang="5400000" scaled="0"/>
+                    </a:gradFill>
+                    <a:ea typeface="Segoe UI" pitchFamily="34" charset="0"/>
+                    <a:cs typeface="Segoe UI" pitchFamily="34" charset="0"/>
+                  </a:endParaRPr>
+                </a:p>
+              </p:txBody>
+            </p:sp>
+            <p:grpSp>
+              <p:nvGrpSpPr>
+                <p:cNvPr id="157" name="Group 156"/>
+                <p:cNvGrpSpPr/>
+                <p:nvPr/>
+              </p:nvGrpSpPr>
+              <p:grpSpPr>
+                <a:xfrm>
+                  <a:off x="771887" y="2577246"/>
+                  <a:ext cx="1123126" cy="1450169"/>
+                  <a:chOff x="771887" y="2711901"/>
+                  <a:chExt cx="1123126" cy="1450169"/>
+                </a:xfrm>
+              </p:grpSpPr>
+              <p:pic>
+                <p:nvPicPr>
+                  <p:cNvPr id="67" name="Picture 66"/>
+                  <p:cNvPicPr>
+                    <a:picLocks noChangeAspect="1"/>
+                  </p:cNvPicPr>
+                  <p:nvPr/>
+                </p:nvPicPr>
+                <p:blipFill>
+                  <a:blip r:embed="rId16">
+                    <a:clrChange>
+                      <a:clrFrom>
+                        <a:srgbClr val="FFFFFF"/>
+                      </a:clrFrom>
+                      <a:clrTo>
+                        <a:srgbClr val="FFFFFF">
+                          <a:alpha val="0"/>
+                        </a:srgbClr>
+                      </a:clrTo>
+                    </a:clrChange>
+                  </a:blip>
+                  <a:stretch>
+                    <a:fillRect/>
+                  </a:stretch>
+                </p:blipFill>
+                <p:spPr>
+                  <a:xfrm>
+                    <a:off x="860945" y="2711901"/>
+                    <a:ext cx="945010" cy="839520"/>
+                  </a:xfrm>
+                  <a:prstGeom prst="rect">
+                    <a:avLst/>
+                  </a:prstGeom>
+                </p:spPr>
+              </p:pic>
+              <p:sp>
+                <p:nvSpPr>
+                  <p:cNvPr id="86" name="Rectangle 85"/>
+                  <p:cNvSpPr/>
+                  <p:nvPr/>
+                </p:nvSpPr>
+                <p:spPr>
+                  <a:xfrm>
+                    <a:off x="771887" y="3571139"/>
+                    <a:ext cx="1123126" cy="590931"/>
+                  </a:xfrm>
+                  <a:prstGeom prst="rect">
+                    <a:avLst/>
+                  </a:prstGeom>
+                  <a:solidFill>
+                    <a:schemeClr val="accent2"/>
+                  </a:solidFill>
+                  <a:ln>
+                    <a:noFill/>
+                  </a:ln>
+                </p:spPr>
+                <p:style>
+                  <a:lnRef idx="0">
+                    <a:scrgbClr r="0" g="0" b="0"/>
+                  </a:lnRef>
+                  <a:fillRef idx="0">
+                    <a:scrgbClr r="0" g="0" b="0"/>
+                  </a:fillRef>
+                  <a:effectRef idx="0">
+                    <a:scrgbClr r="0" g="0" b="0"/>
+                  </a:effectRef>
+                  <a:fontRef idx="minor">
+                    <a:schemeClr val="lt1"/>
+                  </a:fontRef>
+                </p:style>
+                <p:txBody>
+                  <a:bodyPr wrap="square" rtlCol="0" anchor="ctr">
+                    <a:spAutoFit/>
+                  </a:bodyPr>
+                  <a:lstStyle/>
+                  <a:p>
+                    <a:pPr marL="0" marR="0" lvl="0" indent="0" algn="ctr" defTabSz="914400" eaLnBrk="1" fontAlgn="auto" latinLnBrk="0" hangingPunct="1">
+                      <a:lnSpc>
+                        <a:spcPct val="90000"/>
+                      </a:lnSpc>
+                      <a:spcBef>
+                        <a:spcPts val="0"/>
+                      </a:spcBef>
+                      <a:spcAft>
+                        <a:spcPts val="0"/>
+                      </a:spcAft>
+                      <a:buClrTx/>
+                      <a:buSzTx/>
+                      <a:buFontTx/>
+                      <a:buNone/>
+                      <a:tabLst/>
+                      <a:defRPr/>
+                    </a:pPr>
+                    <a:r>
+                      <a:rPr lang="en-US" dirty="0"/>
+                      <a:t>Incident Tracker</a:t>
+                    </a:r>
+                  </a:p>
+                </p:txBody>
+              </p:sp>
+            </p:grpSp>
+          </p:grpSp>
           <p:sp>
             <p:nvSpPr>
-              <p:cNvPr id="115" name="TextBox 114"/>
+              <p:cNvPr id="89" name="TextBox 88"/>
               <p:cNvSpPr txBox="1"/>
               <p:nvPr/>
             </p:nvSpPr>
             <p:spPr>
               <a:xfrm>
-                <a:off x="8576263" y="4868486"/>
-                <a:ext cx="1495461" cy="646331"/>
+                <a:off x="613668" y="2387240"/>
+                <a:ext cx="1426896" cy="369332"/>
               </a:xfrm>
               <a:prstGeom prst="rect">
                 <a:avLst/>
@@ -16519,2886 +19586,89 @@
                     <a:latin typeface="Segoe UI Semibold" panose="020B0702040204020203" pitchFamily="34" charset="0"/>
                     <a:cs typeface="Segoe UI" panose="020B0502040204020203" pitchFamily="34" charset="0"/>
                   </a:rPr>
-                  <a:t>AZURE QUEUE</a:t>
+                  <a:t>WEB SITE</a:t>
                 </a:r>
               </a:p>
             </p:txBody>
           </p:sp>
         </p:grpSp>
-      </p:grpSp>
-      <p:sp>
-        <p:nvSpPr>
-          <p:cNvPr id="2" name="Title 1"/>
-          <p:cNvSpPr>
-            <a:spLocks noGrp="1"/>
-          </p:cNvSpPr>
-          <p:nvPr>
-            <p:ph type="title"/>
-          </p:nvPr>
-        </p:nvSpPr>
-        <p:spPr/>
-        <p:txBody>
-          <a:bodyPr/>
-          <a:lstStyle/>
-          <a:p>
-            <a:r>
-              <a:rPr lang="en-US" dirty="0"/>
-              <a:t>City Power &amp; Light App Architecture</a:t>
-            </a:r>
-          </a:p>
-        </p:txBody>
-      </p:sp>
-      <p:grpSp>
-        <p:nvGrpSpPr>
-          <p:cNvPr id="127" name="Group 126"/>
-          <p:cNvGrpSpPr/>
-          <p:nvPr/>
-        </p:nvGrpSpPr>
-        <p:grpSpPr>
-          <a:xfrm>
-            <a:off x="5767548" y="4716462"/>
-            <a:ext cx="1474094" cy="1828800"/>
-            <a:chOff x="5767548" y="4721677"/>
-            <a:chExt cx="1474094" cy="1828800"/>
-          </a:xfrm>
-        </p:grpSpPr>
         <p:sp>
           <p:nvSpPr>
-            <p:cNvPr id="51" name="Rectangle: Rounded Corners 50"/>
+            <p:cNvPr id="88" name="Oval 87"/>
             <p:cNvSpPr/>
             <p:nvPr/>
           </p:nvSpPr>
-          <p:spPr bwMode="auto">
+          <p:spPr>
             <a:xfrm>
-              <a:off x="5818795" y="4721677"/>
-              <a:ext cx="1371600" cy="1828800"/>
+              <a:off x="360828" y="2204519"/>
+              <a:ext cx="444097" cy="426129"/>
             </a:xfrm>
-            <a:prstGeom prst="roundRect">
+            <a:prstGeom prst="ellipse">
               <a:avLst/>
             </a:prstGeom>
-            <a:ln>
-              <a:headEnd type="none" w="med" len="med"/>
-              <a:tailEnd type="none" w="med" len="med"/>
+            <a:solidFill>
+              <a:schemeClr val="accent1"/>
+            </a:solidFill>
+            <a:ln w="25400">
+              <a:noFill/>
             </a:ln>
           </p:spPr>
           <p:style>
             <a:lnRef idx="2">
-              <a:schemeClr val="accent2"/>
+              <a:schemeClr val="accent1">
+                <a:shade val="50000"/>
+              </a:schemeClr>
             </a:lnRef>
             <a:fillRef idx="1">
-              <a:schemeClr val="lt1"/>
+              <a:schemeClr val="accent1"/>
             </a:fillRef>
             <a:effectRef idx="0">
-              <a:schemeClr val="accent2"/>
+              <a:schemeClr val="accent1"/>
             </a:effectRef>
             <a:fontRef idx="minor">
-              <a:schemeClr val="dk1"/>
+              <a:schemeClr val="lt1"/>
             </a:fontRef>
           </p:style>
           <p:txBody>
-            <a:bodyPr rot="0" spcFirstLastPara="0" vertOverflow="overflow" horzOverflow="overflow" vert="horz" wrap="square" lIns="182880" tIns="146304" rIns="182880" bIns="146304" numCol="1" spcCol="0" rtlCol="0" fromWordArt="0" anchor="t" anchorCtr="0" forceAA="0" compatLnSpc="1">
-              <a:prstTxWarp prst="textNoShape">
-                <a:avLst/>
-              </a:prstTxWarp>
-              <a:noAutofit/>
-            </a:bodyPr>
+            <a:bodyPr rtlCol="0" anchor="ctr"/>
             <a:lstStyle/>
             <a:p>
-              <a:pPr algn="ctr" defTabSz="932472" fontAlgn="base">
+              <a:pPr marL="0" marR="0" lvl="0" indent="0" algn="ctr" defTabSz="914400" eaLnBrk="1" fontAlgn="auto" latinLnBrk="0" hangingPunct="1">
                 <a:lnSpc>
-                  <a:spcPct val="90000"/>
+                  <a:spcPct val="100000"/>
                 </a:lnSpc>
                 <a:spcBef>
-                  <a:spcPct val="0"/>
+                  <a:spcPts val="0"/>
                 </a:spcBef>
                 <a:spcAft>
-                  <a:spcPct val="0"/>
+                  <a:spcPts val="0"/>
                 </a:spcAft>
+                <a:buClrTx/>
+                <a:buSzTx/>
+                <a:buFontTx/>
+                <a:buNone/>
+                <a:tabLst/>
+                <a:defRPr/>
               </a:pPr>
-              <a:endParaRPr lang="en-US" sz="2400" dirty="0" err="1">
-                <a:gradFill>
-                  <a:gsLst>
-                    <a:gs pos="0">
-                      <a:srgbClr val="FFFFFF"/>
-                    </a:gs>
-                    <a:gs pos="100000">
-                      <a:srgbClr val="FFFFFF"/>
-                    </a:gs>
-                  </a:gsLst>
-                  <a:lin ang="5400000" scaled="0"/>
-                </a:gradFill>
-                <a:ea typeface="Segoe UI" pitchFamily="34" charset="0"/>
-                <a:cs typeface="Segoe UI" pitchFamily="34" charset="0"/>
-              </a:endParaRPr>
-            </a:p>
-          </p:txBody>
-        </p:sp>
-        <p:grpSp>
-          <p:nvGrpSpPr>
-            <p:cNvPr id="126" name="Group 125"/>
-            <p:cNvGrpSpPr/>
-            <p:nvPr/>
-          </p:nvGrpSpPr>
-          <p:grpSpPr>
-            <a:xfrm>
-              <a:off x="5767548" y="4875636"/>
-              <a:ext cx="1474094" cy="1520883"/>
-              <a:chOff x="5774058" y="4832952"/>
-              <a:chExt cx="1474094" cy="1520883"/>
-            </a:xfrm>
-          </p:grpSpPr>
-          <p:pic>
-            <p:nvPicPr>
-              <p:cNvPr id="92" name="Picture 5"/>
-              <p:cNvPicPr>
-                <a:picLocks noChangeAspect="1"/>
-              </p:cNvPicPr>
-              <p:nvPr/>
-            </p:nvPicPr>
-            <p:blipFill>
-              <a:blip r:embed="rId9">
-                <a:duotone>
-                  <a:schemeClr val="accent4">
-                    <a:shade val="45000"/>
-                    <a:satMod val="135000"/>
-                  </a:schemeClr>
-                  <a:prstClr val="white"/>
-                </a:duotone>
-                <a:extLst>
-                  <a:ext uri="{28A0092B-C50C-407E-A947-70E740481C1C}">
-                    <a14:useLocalDpi xmlns:a14="http://schemas.microsoft.com/office/drawing/2010/main" val="0"/>
-                  </a:ext>
-                </a:extLst>
-              </a:blip>
-              <a:srcRect/>
-              <a:stretch>
-                <a:fillRect/>
-              </a:stretch>
-            </p:blipFill>
-            <p:spPr bwMode="auto">
-              <a:xfrm>
-                <a:off x="6208687" y="5825197"/>
-                <a:ext cx="604837" cy="528638"/>
-              </a:xfrm>
-              <a:prstGeom prst="rect">
-                <a:avLst/>
-              </a:prstGeom>
-              <a:noFill/>
-              <a:ln>
-                <a:noFill/>
-              </a:ln>
-              <a:extLst>
-                <a:ext uri="{909E8E84-426E-40DD-AFC4-6F175D3DCCD1}">
-                  <a14:hiddenFill xmlns:a14="http://schemas.microsoft.com/office/drawing/2010/main">
-                    <a:solidFill>
-                      <a:srgbClr val="FFFFFF"/>
-                    </a:solidFill>
-                  </a14:hiddenFill>
-                </a:ext>
-                <a:ext uri="{91240B29-F687-4F45-9708-019B960494DF}">
-                  <a14:hiddenLine xmlns:a14="http://schemas.microsoft.com/office/drawing/2010/main" w="9525">
-                    <a:solidFill>
-                      <a:srgbClr val="000000"/>
-                    </a:solidFill>
-                    <a:miter lim="800000"/>
-                    <a:headEnd/>
-                    <a:tailEnd/>
-                  </a14:hiddenLine>
-                </a:ext>
-              </a:extLst>
-            </p:spPr>
-          </p:pic>
-          <p:sp>
-            <p:nvSpPr>
-              <p:cNvPr id="94" name="TextBox 93"/>
-              <p:cNvSpPr txBox="1"/>
-              <p:nvPr/>
-            </p:nvSpPr>
-            <p:spPr>
-              <a:xfrm>
-                <a:off x="5774058" y="4832952"/>
-                <a:ext cx="1474094" cy="923330"/>
-              </a:xfrm>
-              <a:prstGeom prst="rect">
-                <a:avLst/>
-              </a:prstGeom>
-              <a:noFill/>
-            </p:spPr>
-            <p:txBody>
-              <a:bodyPr wrap="square" rtlCol="0">
-                <a:spAutoFit/>
-              </a:bodyPr>
-              <a:lstStyle/>
-              <a:p>
-                <a:pPr marL="0" marR="0" lvl="0" indent="0" algn="ctr" defTabSz="914400" eaLnBrk="1" fontAlgn="auto" latinLnBrk="0" hangingPunct="1">
-                  <a:lnSpc>
-                    <a:spcPct val="100000"/>
-                  </a:lnSpc>
-                  <a:spcBef>
-                    <a:spcPts val="0"/>
-                  </a:spcBef>
-                  <a:spcAft>
-                    <a:spcPts val="0"/>
-                  </a:spcAft>
-                  <a:buClrTx/>
-                  <a:buSzTx/>
-                  <a:buFontTx/>
-                  <a:buNone/>
-                  <a:tabLst/>
-                  <a:defRPr/>
-                </a:pPr>
-                <a:r>
-                  <a:rPr kumimoji="0" lang="en-US" sz="1800" b="0" i="0" u="none" strike="noStrike" kern="0" cap="none" spc="0" normalizeH="0" baseline="0" noProof="0" dirty="0">
-                    <a:ln>
-                      <a:noFill/>
-                    </a:ln>
-                    <a:solidFill>
-                      <a:schemeClr val="accent1"/>
-                    </a:solidFill>
-                    <a:effectLst/>
-                    <a:uLnTx/>
-                    <a:uFillTx/>
-                    <a:latin typeface="Segoe UI Semibold" panose="020B0702040204020203" pitchFamily="34" charset="0"/>
-                    <a:cs typeface="Segoe UI" panose="020B0502040204020203" pitchFamily="34" charset="0"/>
-                  </a:rPr>
-                  <a:t>AZURE BLOB</a:t>
-                </a:r>
-                <a:r>
-                  <a:rPr kumimoji="0" lang="en-US" sz="1800" b="0" i="0" u="none" strike="noStrike" kern="0" cap="none" spc="0" normalizeH="0" noProof="0" dirty="0">
-                    <a:ln>
-                      <a:noFill/>
-                    </a:ln>
-                    <a:solidFill>
-                      <a:schemeClr val="accent1"/>
-                    </a:solidFill>
-                    <a:effectLst/>
-                    <a:uLnTx/>
-                    <a:uFillTx/>
-                    <a:latin typeface="Segoe UI Semibold" panose="020B0702040204020203" pitchFamily="34" charset="0"/>
-                    <a:cs typeface="Segoe UI" panose="020B0502040204020203" pitchFamily="34" charset="0"/>
-                  </a:rPr>
-                  <a:t> STORAGE</a:t>
-                </a:r>
-                <a:endParaRPr kumimoji="0" lang="en-US" sz="1800" b="0" i="0" u="none" strike="noStrike" kern="0" cap="none" spc="0" normalizeH="0" baseline="0" noProof="0" dirty="0">
+              <a:r>
+                <a:rPr kumimoji="0" lang="en-US" sz="2000" b="0" i="0" u="none" strike="noStrike" kern="0" cap="none" spc="0" normalizeH="0" baseline="0" noProof="0" dirty="0">
                   <a:ln>
                     <a:noFill/>
                   </a:ln>
                   <a:solidFill>
-                    <a:schemeClr val="accent1"/>
+                    <a:schemeClr val="bg1"/>
                   </a:solidFill>
                   <a:effectLst/>
                   <a:uLnTx/>
                   <a:uFillTx/>
                   <a:latin typeface="Segoe UI Semibold" panose="020B0702040204020203" pitchFamily="34" charset="0"/>
-                  <a:cs typeface="Segoe UI" panose="020B0502040204020203" pitchFamily="34" charset="0"/>
-                </a:endParaRPr>
-              </a:p>
-            </p:txBody>
-          </p:sp>
-        </p:grpSp>
-      </p:grpSp>
-      <p:grpSp>
-        <p:nvGrpSpPr>
-          <p:cNvPr id="125" name="Group 124"/>
-          <p:cNvGrpSpPr/>
-          <p:nvPr/>
-        </p:nvGrpSpPr>
-        <p:grpSpPr>
-          <a:xfrm>
-            <a:off x="3754232" y="1168724"/>
-            <a:ext cx="1371600" cy="1828800"/>
-            <a:chOff x="4239095" y="1212849"/>
-            <a:chExt cx="1371600" cy="1828800"/>
-          </a:xfrm>
-        </p:grpSpPr>
-        <p:sp>
-          <p:nvSpPr>
-            <p:cNvPr id="55" name="Rectangle: Rounded Corners 54"/>
-            <p:cNvSpPr/>
-            <p:nvPr/>
-          </p:nvSpPr>
-          <p:spPr bwMode="auto">
-            <a:xfrm>
-              <a:off x="4239095" y="1212849"/>
-              <a:ext cx="1371600" cy="1828800"/>
-            </a:xfrm>
-            <a:prstGeom prst="roundRect">
-              <a:avLst/>
-            </a:prstGeom>
-            <a:ln>
-              <a:headEnd type="none" w="med" len="med"/>
-              <a:tailEnd type="none" w="med" len="med"/>
-            </a:ln>
-          </p:spPr>
-          <p:style>
-            <a:lnRef idx="2">
-              <a:schemeClr val="accent2"/>
-            </a:lnRef>
-            <a:fillRef idx="1">
-              <a:schemeClr val="lt1"/>
-            </a:fillRef>
-            <a:effectRef idx="0">
-              <a:schemeClr val="accent2"/>
-            </a:effectRef>
-            <a:fontRef idx="minor">
-              <a:schemeClr val="dk1"/>
-            </a:fontRef>
-          </p:style>
-          <p:txBody>
-            <a:bodyPr rot="0" spcFirstLastPara="0" vertOverflow="overflow" horzOverflow="overflow" vert="horz" wrap="square" lIns="182880" tIns="146304" rIns="182880" bIns="146304" numCol="1" spcCol="0" rtlCol="0" fromWordArt="0" anchor="t" anchorCtr="0" forceAA="0" compatLnSpc="1">
-              <a:prstTxWarp prst="textNoShape">
-                <a:avLst/>
-              </a:prstTxWarp>
-              <a:noAutofit/>
-            </a:bodyPr>
-            <a:lstStyle/>
-            <a:p>
-              <a:pPr algn="ctr" defTabSz="932472" fontAlgn="base">
-                <a:lnSpc>
-                  <a:spcPct val="90000"/>
-                </a:lnSpc>
-                <a:spcBef>
-                  <a:spcPct val="0"/>
-                </a:spcBef>
-                <a:spcAft>
-                  <a:spcPct val="0"/>
-                </a:spcAft>
-              </a:pPr>
-              <a:endParaRPr lang="en-US" sz="2400" dirty="0" err="1">
-                <a:gradFill>
-                  <a:gsLst>
-                    <a:gs pos="0">
-                      <a:srgbClr val="FFFFFF"/>
-                    </a:gs>
-                    <a:gs pos="100000">
-                      <a:srgbClr val="FFFFFF"/>
-                    </a:gs>
-                  </a:gsLst>
-                  <a:lin ang="5400000" scaled="0"/>
-                </a:gradFill>
-                <a:ea typeface="Segoe UI" pitchFamily="34" charset="0"/>
-                <a:cs typeface="Segoe UI" pitchFamily="34" charset="0"/>
-              </a:endParaRPr>
+                </a:rPr>
+                <a:t>1</a:t>
+              </a:r>
             </a:p>
           </p:txBody>
         </p:sp>
-        <p:grpSp>
-          <p:nvGrpSpPr>
-            <p:cNvPr id="124" name="Group 123"/>
-            <p:cNvGrpSpPr/>
-            <p:nvPr/>
-          </p:nvGrpSpPr>
-          <p:grpSpPr>
-            <a:xfrm>
-              <a:off x="4379653" y="1500023"/>
-              <a:ext cx="1090485" cy="1254453"/>
-              <a:chOff x="4520210" y="1493509"/>
-              <a:chExt cx="1090485" cy="1254453"/>
-            </a:xfrm>
-          </p:grpSpPr>
-          <p:pic>
-            <p:nvPicPr>
-              <p:cNvPr id="90" name="Picture 6"/>
-              <p:cNvPicPr>
-                <a:picLocks noChangeAspect="1"/>
-              </p:cNvPicPr>
-              <p:nvPr/>
-            </p:nvPicPr>
-            <p:blipFill>
-              <a:blip r:embed="rId10">
-                <a:duotone>
-                  <a:schemeClr val="accent4">
-                    <a:shade val="45000"/>
-                    <a:satMod val="135000"/>
-                  </a:schemeClr>
-                  <a:prstClr val="white"/>
-                </a:duotone>
-                <a:extLst>
-                  <a:ext uri="{28A0092B-C50C-407E-A947-70E740481C1C}">
-                    <a14:useLocalDpi xmlns:a14="http://schemas.microsoft.com/office/drawing/2010/main" val="0"/>
-                  </a:ext>
-                </a:extLst>
-              </a:blip>
-              <a:srcRect/>
-              <a:stretch>
-                <a:fillRect/>
-              </a:stretch>
-            </p:blipFill>
-            <p:spPr bwMode="auto">
-              <a:xfrm>
-                <a:off x="4815421" y="2201862"/>
-                <a:ext cx="500062" cy="546100"/>
-              </a:xfrm>
-              <a:prstGeom prst="rect">
-                <a:avLst/>
-              </a:prstGeom>
-              <a:noFill/>
-              <a:ln>
-                <a:noFill/>
-              </a:ln>
-              <a:extLst>
-                <a:ext uri="{909E8E84-426E-40DD-AFC4-6F175D3DCCD1}">
-                  <a14:hiddenFill xmlns:a14="http://schemas.microsoft.com/office/drawing/2010/main">
-                    <a:solidFill>
-                      <a:srgbClr val="FFFFFF"/>
-                    </a:solidFill>
-                  </a14:hiddenFill>
-                </a:ext>
-                <a:ext uri="{91240B29-F687-4F45-9708-019B960494DF}">
-                  <a14:hiddenLine xmlns:a14="http://schemas.microsoft.com/office/drawing/2010/main" w="9525">
-                    <a:solidFill>
-                      <a:srgbClr val="000000"/>
-                    </a:solidFill>
-                    <a:miter lim="800000"/>
-                    <a:headEnd/>
-                    <a:tailEnd/>
-                  </a14:hiddenLine>
-                </a:ext>
-              </a:extLst>
-            </p:spPr>
-          </p:pic>
-          <p:sp>
-            <p:nvSpPr>
-              <p:cNvPr id="96" name="TextBox 95"/>
-              <p:cNvSpPr txBox="1"/>
-              <p:nvPr/>
-            </p:nvSpPr>
-            <p:spPr>
-              <a:xfrm>
-                <a:off x="4520210" y="1493509"/>
-                <a:ext cx="1090485" cy="646331"/>
-              </a:xfrm>
-              <a:prstGeom prst="rect">
-                <a:avLst/>
-              </a:prstGeom>
-              <a:noFill/>
-            </p:spPr>
-            <p:txBody>
-              <a:bodyPr wrap="square" rtlCol="0">
-                <a:spAutoFit/>
-              </a:bodyPr>
-              <a:lstStyle/>
-              <a:p>
-                <a:pPr marL="0" marR="0" lvl="0" indent="0" algn="ctr" defTabSz="914400" eaLnBrk="1" fontAlgn="auto" latinLnBrk="0" hangingPunct="1">
-                  <a:lnSpc>
-                    <a:spcPct val="100000"/>
-                  </a:lnSpc>
-                  <a:spcBef>
-                    <a:spcPts val="0"/>
-                  </a:spcBef>
-                  <a:spcAft>
-                    <a:spcPts val="0"/>
-                  </a:spcAft>
-                  <a:buClrTx/>
-                  <a:buSzTx/>
-                  <a:buFontTx/>
-                  <a:buNone/>
-                  <a:tabLst/>
-                  <a:defRPr/>
-                </a:pPr>
-                <a:r>
-                  <a:rPr kumimoji="0" lang="en-US" sz="1800" b="0" i="0" u="none" strike="noStrike" kern="0" cap="none" spc="0" normalizeH="0" baseline="0" noProof="0" dirty="0">
-                    <a:ln>
-                      <a:noFill/>
-                    </a:ln>
-                    <a:solidFill>
-                      <a:schemeClr val="accent1"/>
-                    </a:solidFill>
-                    <a:effectLst/>
-                    <a:uLnTx/>
-                    <a:uFillTx/>
-                    <a:latin typeface="Segoe UI Semibold" panose="020B0702040204020203" pitchFamily="34" charset="0"/>
-                    <a:cs typeface="Segoe UI" panose="020B0502040204020203" pitchFamily="34" charset="0"/>
-                  </a:rPr>
-                  <a:t>AZURE CACHE</a:t>
-                </a:r>
-              </a:p>
-            </p:txBody>
-          </p:sp>
-        </p:grpSp>
       </p:grpSp>
-      <p:grpSp>
-        <p:nvGrpSpPr>
-          <p:cNvPr id="133" name="Group 132"/>
-          <p:cNvGrpSpPr/>
-          <p:nvPr/>
-        </p:nvGrpSpPr>
-        <p:grpSpPr>
-          <a:xfrm>
-            <a:off x="585720" y="4716462"/>
-            <a:ext cx="1495461" cy="1828800"/>
-            <a:chOff x="752981" y="4758923"/>
-            <a:chExt cx="1495461" cy="1828800"/>
-          </a:xfrm>
-        </p:grpSpPr>
-        <p:sp>
-          <p:nvSpPr>
-            <p:cNvPr id="53" name="Rectangle: Rounded Corners 52"/>
-            <p:cNvSpPr/>
-            <p:nvPr/>
-          </p:nvSpPr>
-          <p:spPr bwMode="auto">
-            <a:xfrm>
-              <a:off x="814911" y="4758923"/>
-              <a:ext cx="1371600" cy="1828800"/>
-            </a:xfrm>
-            <a:prstGeom prst="roundRect">
-              <a:avLst/>
-            </a:prstGeom>
-            <a:ln>
-              <a:headEnd type="none" w="med" len="med"/>
-              <a:tailEnd type="none" w="med" len="med"/>
-            </a:ln>
-          </p:spPr>
-          <p:style>
-            <a:lnRef idx="2">
-              <a:schemeClr val="accent2"/>
-            </a:lnRef>
-            <a:fillRef idx="1">
-              <a:schemeClr val="lt1"/>
-            </a:fillRef>
-            <a:effectRef idx="0">
-              <a:schemeClr val="accent2"/>
-            </a:effectRef>
-            <a:fontRef idx="minor">
-              <a:schemeClr val="dk1"/>
-            </a:fontRef>
-          </p:style>
-          <p:txBody>
-            <a:bodyPr rot="0" spcFirstLastPara="0" vertOverflow="overflow" horzOverflow="overflow" vert="horz" wrap="square" lIns="182880" tIns="146304" rIns="182880" bIns="146304" numCol="1" spcCol="0" rtlCol="0" fromWordArt="0" anchor="t" anchorCtr="0" forceAA="0" compatLnSpc="1">
-              <a:prstTxWarp prst="textNoShape">
-                <a:avLst/>
-              </a:prstTxWarp>
-              <a:noAutofit/>
-            </a:bodyPr>
-            <a:lstStyle/>
-            <a:p>
-              <a:pPr algn="ctr" defTabSz="932472" fontAlgn="base">
-                <a:lnSpc>
-                  <a:spcPct val="90000"/>
-                </a:lnSpc>
-                <a:spcBef>
-                  <a:spcPct val="0"/>
-                </a:spcBef>
-                <a:spcAft>
-                  <a:spcPct val="0"/>
-                </a:spcAft>
-              </a:pPr>
-              <a:endParaRPr lang="en-US" sz="2400" dirty="0" err="1">
-                <a:gradFill>
-                  <a:gsLst>
-                    <a:gs pos="0">
-                      <a:srgbClr val="FFFFFF"/>
-                    </a:gs>
-                    <a:gs pos="100000">
-                      <a:srgbClr val="FFFFFF"/>
-                    </a:gs>
-                  </a:gsLst>
-                  <a:lin ang="5400000" scaled="0"/>
-                </a:gradFill>
-                <a:ea typeface="Segoe UI" pitchFamily="34" charset="0"/>
-                <a:cs typeface="Segoe UI" pitchFamily="34" charset="0"/>
-              </a:endParaRPr>
-            </a:p>
-          </p:txBody>
-        </p:sp>
-        <p:grpSp>
-          <p:nvGrpSpPr>
-            <p:cNvPr id="132" name="Group 131"/>
-            <p:cNvGrpSpPr/>
-            <p:nvPr/>
-          </p:nvGrpSpPr>
-          <p:grpSpPr>
-            <a:xfrm>
-              <a:off x="752981" y="5150998"/>
-              <a:ext cx="1495461" cy="1044650"/>
-              <a:chOff x="1048762" y="4886049"/>
-              <a:chExt cx="1495461" cy="1044650"/>
-            </a:xfrm>
-          </p:grpSpPr>
-          <p:pic>
-            <p:nvPicPr>
-              <p:cNvPr id="91" name="Picture 4"/>
-              <p:cNvPicPr>
-                <a:picLocks noChangeAspect="1"/>
-              </p:cNvPicPr>
-              <p:nvPr/>
-            </p:nvPicPr>
-            <p:blipFill>
-              <a:blip r:embed="rId11">
-                <a:duotone>
-                  <a:schemeClr val="accent4">
-                    <a:shade val="45000"/>
-                    <a:satMod val="135000"/>
-                  </a:schemeClr>
-                  <a:prstClr val="white"/>
-                </a:duotone>
-                <a:extLst>
-                  <a:ext uri="{28A0092B-C50C-407E-A947-70E740481C1C}">
-                    <a14:useLocalDpi xmlns:a14="http://schemas.microsoft.com/office/drawing/2010/main" val="0"/>
-                  </a:ext>
-                </a:extLst>
-              </a:blip>
-              <a:srcRect/>
-              <a:stretch>
-                <a:fillRect/>
-              </a:stretch>
-            </p:blipFill>
-            <p:spPr bwMode="auto">
-              <a:xfrm>
-                <a:off x="1521855" y="5383011"/>
-                <a:ext cx="549275" cy="547688"/>
-              </a:xfrm>
-              <a:prstGeom prst="rect">
-                <a:avLst/>
-              </a:prstGeom>
-              <a:noFill/>
-              <a:ln>
-                <a:noFill/>
-              </a:ln>
-              <a:extLst>
-                <a:ext uri="{909E8E84-426E-40DD-AFC4-6F175D3DCCD1}">
-                  <a14:hiddenFill xmlns:a14="http://schemas.microsoft.com/office/drawing/2010/main">
-                    <a:solidFill>
-                      <a:srgbClr val="FFFFFF"/>
-                    </a:solidFill>
-                  </a14:hiddenFill>
-                </a:ext>
-                <a:ext uri="{91240B29-F687-4F45-9708-019B960494DF}">
-                  <a14:hiddenLine xmlns:a14="http://schemas.microsoft.com/office/drawing/2010/main" w="9525">
-                    <a:solidFill>
-                      <a:srgbClr val="000000"/>
-                    </a:solidFill>
-                    <a:miter lim="800000"/>
-                    <a:headEnd/>
-                    <a:tailEnd/>
-                  </a14:hiddenLine>
-                </a:ext>
-              </a:extLst>
-            </p:spPr>
-          </p:pic>
-          <p:sp>
-            <p:nvSpPr>
-              <p:cNvPr id="98" name="TextBox 97"/>
-              <p:cNvSpPr txBox="1"/>
-              <p:nvPr/>
-            </p:nvSpPr>
-            <p:spPr>
-              <a:xfrm>
-                <a:off x="1048762" y="4886049"/>
-                <a:ext cx="1495461" cy="369332"/>
-              </a:xfrm>
-              <a:prstGeom prst="rect">
-                <a:avLst/>
-              </a:prstGeom>
-              <a:noFill/>
-            </p:spPr>
-            <p:txBody>
-              <a:bodyPr wrap="square" rtlCol="0">
-                <a:spAutoFit/>
-              </a:bodyPr>
-              <a:lstStyle/>
-              <a:p>
-                <a:pPr marL="0" marR="0" lvl="0" indent="0" algn="ctr" defTabSz="914400" eaLnBrk="1" fontAlgn="auto" latinLnBrk="0" hangingPunct="1">
-                  <a:lnSpc>
-                    <a:spcPct val="100000"/>
-                  </a:lnSpc>
-                  <a:spcBef>
-                    <a:spcPts val="0"/>
-                  </a:spcBef>
-                  <a:spcAft>
-                    <a:spcPts val="0"/>
-                  </a:spcAft>
-                  <a:buClrTx/>
-                  <a:buSzTx/>
-                  <a:buFontTx/>
-                  <a:buNone/>
-                  <a:tabLst/>
-                  <a:defRPr/>
-                </a:pPr>
-                <a:r>
-                  <a:rPr kumimoji="0" lang="en-US" sz="1800" b="0" i="0" u="none" strike="noStrike" kern="0" cap="none" spc="0" normalizeH="0" baseline="0" noProof="0" dirty="0">
-                    <a:ln>
-                      <a:noFill/>
-                    </a:ln>
-                    <a:solidFill>
-                      <a:schemeClr val="accent1"/>
-                    </a:solidFill>
-                    <a:effectLst/>
-                    <a:uLnTx/>
-                    <a:uFillTx/>
-                    <a:latin typeface="Segoe UI Semibold" panose="020B0702040204020203" pitchFamily="34" charset="0"/>
-                    <a:cs typeface="Segoe UI" panose="020B0502040204020203" pitchFamily="34" charset="0"/>
-                  </a:rPr>
-                  <a:t>AZURE AD</a:t>
-                </a:r>
-              </a:p>
-            </p:txBody>
-          </p:sp>
-        </p:grpSp>
-      </p:grpSp>
-      <p:grpSp>
-        <p:nvGrpSpPr>
-          <p:cNvPr id="197" name="Group 196"/>
-          <p:cNvGrpSpPr/>
-          <p:nvPr/>
-        </p:nvGrpSpPr>
-        <p:grpSpPr>
-          <a:xfrm>
-            <a:off x="7979819" y="1168724"/>
-            <a:ext cx="1371600" cy="1828800"/>
-            <a:chOff x="7912602" y="1168724"/>
-            <a:chExt cx="1371600" cy="1828800"/>
-          </a:xfrm>
-        </p:grpSpPr>
-        <p:sp>
-          <p:nvSpPr>
-            <p:cNvPr id="49" name="Rectangle: Rounded Corners 48"/>
-            <p:cNvSpPr/>
-            <p:nvPr/>
-          </p:nvSpPr>
-          <p:spPr bwMode="auto">
-            <a:xfrm>
-              <a:off x="7912602" y="1168724"/>
-              <a:ext cx="1371600" cy="1828800"/>
-            </a:xfrm>
-            <a:prstGeom prst="roundRect">
-              <a:avLst/>
-            </a:prstGeom>
-            <a:ln>
-              <a:headEnd type="none" w="med" len="med"/>
-              <a:tailEnd type="none" w="med" len="med"/>
-            </a:ln>
-          </p:spPr>
-          <p:style>
-            <a:lnRef idx="2">
-              <a:schemeClr val="accent2"/>
-            </a:lnRef>
-            <a:fillRef idx="1">
-              <a:schemeClr val="lt1"/>
-            </a:fillRef>
-            <a:effectRef idx="0">
-              <a:schemeClr val="accent2"/>
-            </a:effectRef>
-            <a:fontRef idx="minor">
-              <a:schemeClr val="dk1"/>
-            </a:fontRef>
-          </p:style>
-          <p:txBody>
-            <a:bodyPr rot="0" spcFirstLastPara="0" vertOverflow="overflow" horzOverflow="overflow" vert="horz" wrap="square" lIns="182880" tIns="146304" rIns="182880" bIns="146304" numCol="1" spcCol="0" rtlCol="0" fromWordArt="0" anchor="t" anchorCtr="0" forceAA="0" compatLnSpc="1">
-              <a:prstTxWarp prst="textNoShape">
-                <a:avLst/>
-              </a:prstTxWarp>
-              <a:noAutofit/>
-            </a:bodyPr>
-            <a:lstStyle/>
-            <a:p>
-              <a:pPr algn="ctr" defTabSz="932472" fontAlgn="base">
-                <a:lnSpc>
-                  <a:spcPct val="90000"/>
-                </a:lnSpc>
-                <a:spcBef>
-                  <a:spcPct val="0"/>
-                </a:spcBef>
-                <a:spcAft>
-                  <a:spcPct val="0"/>
-                </a:spcAft>
-              </a:pPr>
-              <a:endParaRPr lang="en-US" sz="2400" dirty="0" err="1">
-                <a:gradFill>
-                  <a:gsLst>
-                    <a:gs pos="0">
-                      <a:srgbClr val="FFFFFF"/>
-                    </a:gs>
-                    <a:gs pos="100000">
-                      <a:srgbClr val="FFFFFF"/>
-                    </a:gs>
-                  </a:gsLst>
-                  <a:lin ang="5400000" scaled="0"/>
-                </a:gradFill>
-                <a:ea typeface="Segoe UI" pitchFamily="34" charset="0"/>
-                <a:cs typeface="Segoe UI" pitchFamily="34" charset="0"/>
-              </a:endParaRPr>
-            </a:p>
-          </p:txBody>
-        </p:sp>
-        <p:grpSp>
-          <p:nvGrpSpPr>
-            <p:cNvPr id="112" name="Group 111"/>
-            <p:cNvGrpSpPr/>
-            <p:nvPr/>
-          </p:nvGrpSpPr>
-          <p:grpSpPr>
-            <a:xfrm>
-              <a:off x="8063789" y="1301878"/>
-              <a:ext cx="1069227" cy="1573585"/>
-              <a:chOff x="7270243" y="1182225"/>
-              <a:chExt cx="1069227" cy="1573585"/>
-            </a:xfrm>
-          </p:grpSpPr>
-          <p:pic>
-            <p:nvPicPr>
-              <p:cNvPr id="5" name="Picture 4"/>
-              <p:cNvPicPr>
-                <a:picLocks noChangeAspect="1"/>
-              </p:cNvPicPr>
-              <p:nvPr/>
-            </p:nvPicPr>
-            <p:blipFill rotWithShape="1">
-              <a:blip r:embed="rId12">
-                <a:duotone>
-                  <a:schemeClr val="accent4">
-                    <a:shade val="45000"/>
-                    <a:satMod val="135000"/>
-                  </a:schemeClr>
-                  <a:prstClr val="white"/>
-                </a:duotone>
-              </a:blip>
-              <a:srcRect b="32219"/>
-              <a:stretch/>
-            </p:blipFill>
-            <p:spPr>
-              <a:xfrm>
-                <a:off x="7270243" y="1897062"/>
-                <a:ext cx="1069227" cy="858748"/>
-              </a:xfrm>
-              <a:prstGeom prst="rect">
-                <a:avLst/>
-              </a:prstGeom>
-            </p:spPr>
-          </p:pic>
-          <p:sp>
-            <p:nvSpPr>
-              <p:cNvPr id="40" name="TextBox 39"/>
-              <p:cNvSpPr txBox="1"/>
-              <p:nvPr/>
-            </p:nvSpPr>
-            <p:spPr>
-              <a:xfrm>
-                <a:off x="7270243" y="1182225"/>
-                <a:ext cx="1069227" cy="646331"/>
-              </a:xfrm>
-              <a:prstGeom prst="rect">
-                <a:avLst/>
-              </a:prstGeom>
-              <a:noFill/>
-            </p:spPr>
-            <p:txBody>
-              <a:bodyPr wrap="square" rtlCol="0">
-                <a:spAutoFit/>
-              </a:bodyPr>
-              <a:lstStyle/>
-              <a:p>
-                <a:pPr marL="0" marR="0" lvl="0" indent="0" algn="ctr" defTabSz="914400" eaLnBrk="1" fontAlgn="auto" latinLnBrk="0" hangingPunct="1">
-                  <a:lnSpc>
-                    <a:spcPct val="100000"/>
-                  </a:lnSpc>
-                  <a:spcBef>
-                    <a:spcPts val="0"/>
-                  </a:spcBef>
-                  <a:spcAft>
-                    <a:spcPts val="0"/>
-                  </a:spcAft>
-                  <a:buClrTx/>
-                  <a:buSzTx/>
-                  <a:buFontTx/>
-                  <a:buNone/>
-                  <a:tabLst/>
-                  <a:defRPr/>
-                </a:pPr>
-                <a:r>
-                  <a:rPr kumimoji="0" lang="en-US" sz="1800" b="0" i="0" u="none" strike="noStrike" kern="0" cap="none" spc="0" normalizeH="0" baseline="0" noProof="0" dirty="0">
-                    <a:ln>
-                      <a:noFill/>
-                    </a:ln>
-                    <a:solidFill>
-                      <a:schemeClr val="accent1"/>
-                    </a:solidFill>
-                    <a:effectLst/>
-                    <a:uLnTx/>
-                    <a:uFillTx/>
-                    <a:latin typeface="Segoe UI Semibold" panose="020B0702040204020203" pitchFamily="34" charset="0"/>
-                    <a:cs typeface="Segoe UI" panose="020B0502040204020203" pitchFamily="34" charset="0"/>
-                  </a:rPr>
-                  <a:t>AZURE API APP</a:t>
-                </a:r>
-              </a:p>
-            </p:txBody>
-          </p:sp>
-        </p:grpSp>
-      </p:grpSp>
-      <p:grpSp>
-        <p:nvGrpSpPr>
-          <p:cNvPr id="111" name="Group 110"/>
-          <p:cNvGrpSpPr/>
-          <p:nvPr/>
-        </p:nvGrpSpPr>
-        <p:grpSpPr>
-          <a:xfrm>
-            <a:off x="10005583" y="1168724"/>
-            <a:ext cx="1371600" cy="1828800"/>
-            <a:chOff x="10005583" y="1188780"/>
-            <a:chExt cx="1371600" cy="1828800"/>
-          </a:xfrm>
-        </p:grpSpPr>
-        <p:sp>
-          <p:nvSpPr>
-            <p:cNvPr id="15" name="Rectangle: Rounded Corners 14"/>
-            <p:cNvSpPr/>
-            <p:nvPr/>
-          </p:nvSpPr>
-          <p:spPr bwMode="auto">
-            <a:xfrm>
-              <a:off x="10005583" y="1188780"/>
-              <a:ext cx="1371600" cy="1828800"/>
-            </a:xfrm>
-            <a:prstGeom prst="roundRect">
-              <a:avLst/>
-            </a:prstGeom>
-            <a:ln>
-              <a:headEnd type="none" w="med" len="med"/>
-              <a:tailEnd type="none" w="med" len="med"/>
-            </a:ln>
-          </p:spPr>
-          <p:style>
-            <a:lnRef idx="2">
-              <a:schemeClr val="accent2"/>
-            </a:lnRef>
-            <a:fillRef idx="1">
-              <a:schemeClr val="lt1"/>
-            </a:fillRef>
-            <a:effectRef idx="0">
-              <a:schemeClr val="accent2"/>
-            </a:effectRef>
-            <a:fontRef idx="minor">
-              <a:schemeClr val="dk1"/>
-            </a:fontRef>
-          </p:style>
-          <p:txBody>
-            <a:bodyPr rot="0" spcFirstLastPara="0" vertOverflow="overflow" horzOverflow="overflow" vert="horz" wrap="square" lIns="182880" tIns="146304" rIns="182880" bIns="146304" numCol="1" spcCol="0" rtlCol="0" fromWordArt="0" anchor="t" anchorCtr="0" forceAA="0" compatLnSpc="1">
-              <a:prstTxWarp prst="textNoShape">
-                <a:avLst/>
-              </a:prstTxWarp>
-              <a:noAutofit/>
-            </a:bodyPr>
-            <a:lstStyle/>
-            <a:p>
-              <a:pPr algn="ctr" defTabSz="932472" fontAlgn="base">
-                <a:lnSpc>
-                  <a:spcPct val="90000"/>
-                </a:lnSpc>
-                <a:spcBef>
-                  <a:spcPct val="0"/>
-                </a:spcBef>
-                <a:spcAft>
-                  <a:spcPct val="0"/>
-                </a:spcAft>
-              </a:pPr>
-              <a:endParaRPr lang="en-US" sz="2400" dirty="0" err="1">
-                <a:gradFill>
-                  <a:gsLst>
-                    <a:gs pos="0">
-                      <a:srgbClr val="FFFFFF"/>
-                    </a:gs>
-                    <a:gs pos="100000">
-                      <a:srgbClr val="FFFFFF"/>
-                    </a:gs>
-                  </a:gsLst>
-                  <a:lin ang="5400000" scaled="0"/>
-                </a:gradFill>
-                <a:ea typeface="Segoe UI" pitchFamily="34" charset="0"/>
-                <a:cs typeface="Segoe UI" pitchFamily="34" charset="0"/>
-              </a:endParaRPr>
-            </a:p>
-          </p:txBody>
-        </p:sp>
-        <p:grpSp>
-          <p:nvGrpSpPr>
-            <p:cNvPr id="108" name="Group 107"/>
-            <p:cNvGrpSpPr/>
-            <p:nvPr/>
-          </p:nvGrpSpPr>
-          <p:grpSpPr>
-            <a:xfrm>
-              <a:off x="10139517" y="1293528"/>
-              <a:ext cx="1103733" cy="1619304"/>
-              <a:chOff x="10115094" y="1395289"/>
-              <a:chExt cx="1103733" cy="1619304"/>
-            </a:xfrm>
-          </p:grpSpPr>
-          <p:pic>
-            <p:nvPicPr>
-              <p:cNvPr id="4" name="Picture 3"/>
-              <p:cNvPicPr>
-                <a:picLocks noChangeAspect="1"/>
-              </p:cNvPicPr>
-              <p:nvPr/>
-            </p:nvPicPr>
-            <p:blipFill>
-              <a:blip r:embed="rId13"/>
-              <a:stretch>
-                <a:fillRect/>
-              </a:stretch>
-            </p:blipFill>
-            <p:spPr>
-              <a:xfrm>
-                <a:off x="10236144" y="2117251"/>
-                <a:ext cx="861633" cy="897342"/>
-              </a:xfrm>
-              <a:prstGeom prst="rect">
-                <a:avLst/>
-              </a:prstGeom>
-            </p:spPr>
-          </p:pic>
-          <p:sp>
-            <p:nvSpPr>
-              <p:cNvPr id="41" name="TextBox 40"/>
-              <p:cNvSpPr txBox="1"/>
-              <p:nvPr/>
-            </p:nvSpPr>
-            <p:spPr>
-              <a:xfrm>
-                <a:off x="10115094" y="1395289"/>
-                <a:ext cx="1103733" cy="646331"/>
-              </a:xfrm>
-              <a:prstGeom prst="rect">
-                <a:avLst/>
-              </a:prstGeom>
-              <a:noFill/>
-            </p:spPr>
-            <p:txBody>
-              <a:bodyPr wrap="square" rtlCol="0">
-                <a:spAutoFit/>
-              </a:bodyPr>
-              <a:lstStyle/>
-              <a:p>
-                <a:pPr marL="0" marR="0" lvl="0" indent="0" algn="ctr" defTabSz="914400" eaLnBrk="1" fontAlgn="auto" latinLnBrk="0" hangingPunct="1">
-                  <a:lnSpc>
-                    <a:spcPct val="100000"/>
-                  </a:lnSpc>
-                  <a:spcBef>
-                    <a:spcPts val="0"/>
-                  </a:spcBef>
-                  <a:spcAft>
-                    <a:spcPts val="0"/>
-                  </a:spcAft>
-                  <a:buClrTx/>
-                  <a:buSzTx/>
-                  <a:buFontTx/>
-                  <a:buNone/>
-                  <a:tabLst/>
-                  <a:defRPr/>
-                </a:pPr>
-                <a:r>
-                  <a:rPr kumimoji="0" lang="en-US" sz="1800" b="0" i="0" u="none" strike="noStrike" kern="0" cap="none" spc="0" normalizeH="0" baseline="0" noProof="0" dirty="0">
-                    <a:ln>
-                      <a:noFill/>
-                    </a:ln>
-                    <a:solidFill>
-                      <a:schemeClr val="accent1"/>
-                    </a:solidFill>
-                    <a:effectLst/>
-                    <a:uLnTx/>
-                    <a:uFillTx/>
-                    <a:latin typeface="Segoe UI Semibold" panose="020B0702040204020203" pitchFamily="34" charset="0"/>
-                    <a:cs typeface="Segoe UI" panose="020B0502040204020203" pitchFamily="34" charset="0"/>
-                  </a:rPr>
-                  <a:t>AZURE DOC</a:t>
-                </a:r>
-                <a:r>
-                  <a:rPr kumimoji="0" lang="en-US" sz="1800" b="0" i="0" u="none" strike="noStrike" kern="0" cap="none" spc="0" normalizeH="0" noProof="0" dirty="0">
-                    <a:ln>
-                      <a:noFill/>
-                    </a:ln>
-                    <a:solidFill>
-                      <a:schemeClr val="accent1"/>
-                    </a:solidFill>
-                    <a:effectLst/>
-                    <a:uLnTx/>
-                    <a:uFillTx/>
-                    <a:latin typeface="Segoe UI Semibold" panose="020B0702040204020203" pitchFamily="34" charset="0"/>
-                    <a:cs typeface="Segoe UI" panose="020B0502040204020203" pitchFamily="34" charset="0"/>
-                  </a:rPr>
-                  <a:t> DB</a:t>
-                </a:r>
-                <a:endParaRPr kumimoji="0" lang="en-US" sz="1800" b="0" i="0" u="none" strike="noStrike" kern="0" cap="none" spc="0" normalizeH="0" baseline="0" noProof="0" dirty="0">
-                  <a:ln>
-                    <a:noFill/>
-                  </a:ln>
-                  <a:solidFill>
-                    <a:schemeClr val="accent1"/>
-                  </a:solidFill>
-                  <a:effectLst/>
-                  <a:uLnTx/>
-                  <a:uFillTx/>
-                  <a:latin typeface="Segoe UI Semibold" panose="020B0702040204020203" pitchFamily="34" charset="0"/>
-                  <a:cs typeface="Segoe UI" panose="020B0502040204020203" pitchFamily="34" charset="0"/>
-                </a:endParaRPr>
-              </a:p>
-            </p:txBody>
-          </p:sp>
-        </p:grpSp>
-      </p:grpSp>
-      <p:cxnSp>
-        <p:nvCxnSpPr>
-          <p:cNvPr id="24" name="Straight Arrow Connector 23"/>
-          <p:cNvCxnSpPr/>
-          <p:nvPr/>
-        </p:nvCxnSpPr>
-        <p:spPr>
-          <a:xfrm>
-            <a:off x="9284202" y="2088670"/>
-            <a:ext cx="721381" cy="0"/>
-          </a:xfrm>
-          <a:prstGeom prst="straightConnector1">
-            <a:avLst/>
-          </a:prstGeom>
-          <a:ln>
-            <a:solidFill>
-              <a:schemeClr val="tx1"/>
-            </a:solidFill>
-            <a:headEnd type="none"/>
-            <a:tailEnd type="triangle"/>
-          </a:ln>
-        </p:spPr>
-        <p:style>
-          <a:lnRef idx="1">
-            <a:schemeClr val="accent1"/>
-          </a:lnRef>
-          <a:fillRef idx="0">
-            <a:schemeClr val="accent1"/>
-          </a:fillRef>
-          <a:effectRef idx="0">
-            <a:schemeClr val="accent1"/>
-          </a:effectRef>
-          <a:fontRef idx="minor">
-            <a:schemeClr val="tx1"/>
-          </a:fontRef>
-        </p:style>
-      </p:cxnSp>
-      <p:cxnSp>
-        <p:nvCxnSpPr>
-          <p:cNvPr id="26" name="Straight Arrow Connector 25"/>
-          <p:cNvCxnSpPr>
-            <a:stCxn id="59" idx="2"/>
-            <a:endCxn id="53" idx="0"/>
-          </p:cNvCxnSpPr>
-          <p:nvPr/>
-        </p:nvCxnSpPr>
-        <p:spPr>
-          <a:xfrm>
-            <a:off x="1333450" y="4216730"/>
-            <a:ext cx="0" cy="499732"/>
-          </a:xfrm>
-          <a:prstGeom prst="straightConnector1">
-            <a:avLst/>
-          </a:prstGeom>
-          <a:ln w="38100">
-            <a:solidFill>
-              <a:schemeClr val="tx1"/>
-            </a:solidFill>
-            <a:headEnd type="triangle" w="med" len="med"/>
-            <a:tailEnd type="triangle" w="med" len="med"/>
-          </a:ln>
-        </p:spPr>
-        <p:style>
-          <a:lnRef idx="1">
-            <a:schemeClr val="accent1"/>
-          </a:lnRef>
-          <a:fillRef idx="0">
-            <a:schemeClr val="accent1"/>
-          </a:fillRef>
-          <a:effectRef idx="0">
-            <a:schemeClr val="accent1"/>
-          </a:effectRef>
-          <a:fontRef idx="minor">
-            <a:schemeClr val="tx1"/>
-          </a:fontRef>
-        </p:style>
-      </p:cxnSp>
-      <p:grpSp>
-        <p:nvGrpSpPr>
-          <p:cNvPr id="81" name="Group 80"/>
-          <p:cNvGrpSpPr/>
-          <p:nvPr/>
-        </p:nvGrpSpPr>
-        <p:grpSpPr>
-          <a:xfrm>
-            <a:off x="10603038" y="4716462"/>
-            <a:ext cx="1495461" cy="1828800"/>
-            <a:chOff x="10603038" y="4721677"/>
-            <a:chExt cx="1495461" cy="1828800"/>
-          </a:xfrm>
-        </p:grpSpPr>
-        <p:sp>
-          <p:nvSpPr>
-            <p:cNvPr id="110" name="Rectangle: Rounded Corners 109"/>
-            <p:cNvSpPr/>
-            <p:nvPr/>
-          </p:nvSpPr>
-          <p:spPr bwMode="auto">
-            <a:xfrm>
-              <a:off x="10638974" y="4721677"/>
-              <a:ext cx="1371600" cy="1828800"/>
-            </a:xfrm>
-            <a:prstGeom prst="roundRect">
-              <a:avLst/>
-            </a:prstGeom>
-            <a:ln>
-              <a:headEnd type="none" w="med" len="med"/>
-              <a:tailEnd type="none" w="med" len="med"/>
-            </a:ln>
-          </p:spPr>
-          <p:style>
-            <a:lnRef idx="2">
-              <a:schemeClr val="accent2"/>
-            </a:lnRef>
-            <a:fillRef idx="1">
-              <a:schemeClr val="lt1"/>
-            </a:fillRef>
-            <a:effectRef idx="0">
-              <a:schemeClr val="accent2"/>
-            </a:effectRef>
-            <a:fontRef idx="minor">
-              <a:schemeClr val="dk1"/>
-            </a:fontRef>
-          </p:style>
-          <p:txBody>
-            <a:bodyPr rot="0" spcFirstLastPara="0" vertOverflow="overflow" horzOverflow="overflow" vert="horz" wrap="square" lIns="182880" tIns="146304" rIns="182880" bIns="146304" numCol="1" spcCol="0" rtlCol="0" fromWordArt="0" anchor="t" anchorCtr="0" forceAA="0" compatLnSpc="1">
-              <a:prstTxWarp prst="textNoShape">
-                <a:avLst/>
-              </a:prstTxWarp>
-              <a:noAutofit/>
-            </a:bodyPr>
-            <a:lstStyle/>
-            <a:p>
-              <a:pPr algn="ctr" defTabSz="932472" fontAlgn="base">
-                <a:lnSpc>
-                  <a:spcPct val="90000"/>
-                </a:lnSpc>
-                <a:spcBef>
-                  <a:spcPct val="0"/>
-                </a:spcBef>
-                <a:spcAft>
-                  <a:spcPct val="0"/>
-                </a:spcAft>
-              </a:pPr>
-              <a:endParaRPr lang="en-US" sz="2400" dirty="0" err="1">
-                <a:gradFill>
-                  <a:gsLst>
-                    <a:gs pos="0">
-                      <a:srgbClr val="FFFFFF"/>
-                    </a:gs>
-                    <a:gs pos="100000">
-                      <a:srgbClr val="FFFFFF"/>
-                    </a:gs>
-                  </a:gsLst>
-                  <a:lin ang="5400000" scaled="0"/>
-                </a:gradFill>
-                <a:ea typeface="Segoe UI" pitchFamily="34" charset="0"/>
-                <a:cs typeface="Segoe UI" pitchFamily="34" charset="0"/>
-              </a:endParaRPr>
-            </a:p>
-          </p:txBody>
-        </p:sp>
-        <p:grpSp>
-          <p:nvGrpSpPr>
-            <p:cNvPr id="80" name="Group 79"/>
-            <p:cNvGrpSpPr/>
-            <p:nvPr/>
-          </p:nvGrpSpPr>
-          <p:grpSpPr>
-            <a:xfrm>
-              <a:off x="10603038" y="4969750"/>
-              <a:ext cx="1495461" cy="1254861"/>
-              <a:chOff x="10603038" y="4985601"/>
-              <a:chExt cx="1495461" cy="1254861"/>
-            </a:xfrm>
-          </p:grpSpPr>
-          <p:sp>
-            <p:nvSpPr>
-              <p:cNvPr id="104" name="TextBox 103"/>
-              <p:cNvSpPr txBox="1"/>
-              <p:nvPr/>
-            </p:nvSpPr>
-            <p:spPr>
-              <a:xfrm>
-                <a:off x="10603038" y="4985601"/>
-                <a:ext cx="1495461" cy="646331"/>
-              </a:xfrm>
-              <a:prstGeom prst="rect">
-                <a:avLst/>
-              </a:prstGeom>
-              <a:noFill/>
-            </p:spPr>
-            <p:txBody>
-              <a:bodyPr wrap="square" rtlCol="0">
-                <a:spAutoFit/>
-              </a:bodyPr>
-              <a:lstStyle/>
-              <a:p>
-                <a:pPr marL="0" marR="0" lvl="0" indent="0" algn="ctr" defTabSz="914400" eaLnBrk="1" fontAlgn="auto" latinLnBrk="0" hangingPunct="1">
-                  <a:lnSpc>
-                    <a:spcPct val="100000"/>
-                  </a:lnSpc>
-                  <a:spcBef>
-                    <a:spcPts val="0"/>
-                  </a:spcBef>
-                  <a:spcAft>
-                    <a:spcPts val="0"/>
-                  </a:spcAft>
-                  <a:buClrTx/>
-                  <a:buSzTx/>
-                  <a:buFontTx/>
-                  <a:buNone/>
-                  <a:tabLst/>
-                  <a:defRPr/>
-                </a:pPr>
-                <a:r>
-                  <a:rPr kumimoji="0" lang="en-US" sz="1800" b="0" i="0" u="none" strike="noStrike" kern="0" cap="none" spc="0" normalizeH="0" baseline="0" noProof="0" dirty="0">
-                    <a:ln>
-                      <a:noFill/>
-                    </a:ln>
-                    <a:solidFill>
-                      <a:schemeClr val="accent1"/>
-                    </a:solidFill>
-                    <a:effectLst/>
-                    <a:uLnTx/>
-                    <a:uFillTx/>
-                    <a:latin typeface="Segoe UI Semibold" panose="020B0702040204020203" pitchFamily="34" charset="0"/>
-                    <a:cs typeface="Segoe UI" panose="020B0502040204020203" pitchFamily="34" charset="0"/>
-                  </a:rPr>
-                  <a:t>AZURE FUNCTION</a:t>
-                </a:r>
-              </a:p>
-            </p:txBody>
-          </p:sp>
-          <p:pic>
-            <p:nvPicPr>
-              <p:cNvPr id="76" name="Picture 75"/>
-              <p:cNvPicPr>
-                <a:picLocks noChangeAspect="1"/>
-              </p:cNvPicPr>
-              <p:nvPr/>
-            </p:nvPicPr>
-            <p:blipFill>
-              <a:blip r:embed="rId14">
-                <a:duotone>
-                  <a:schemeClr val="accent4">
-                    <a:shade val="45000"/>
-                    <a:satMod val="135000"/>
-                  </a:schemeClr>
-                  <a:prstClr val="white"/>
-                </a:duotone>
-              </a:blip>
-              <a:stretch>
-                <a:fillRect/>
-              </a:stretch>
-            </p:blipFill>
-            <p:spPr>
-              <a:xfrm>
-                <a:off x="11087012" y="5742362"/>
-                <a:ext cx="527513" cy="498100"/>
-              </a:xfrm>
-              <a:prstGeom prst="rect">
-                <a:avLst/>
-              </a:prstGeom>
-            </p:spPr>
-          </p:pic>
-        </p:grpSp>
-      </p:grpSp>
-      <p:grpSp>
-        <p:nvGrpSpPr>
-          <p:cNvPr id="131" name="Group 130"/>
-          <p:cNvGrpSpPr/>
-          <p:nvPr/>
-        </p:nvGrpSpPr>
-        <p:grpSpPr>
-          <a:xfrm>
-            <a:off x="3199922" y="4716462"/>
-            <a:ext cx="1474094" cy="1828800"/>
-            <a:chOff x="3199922" y="4758923"/>
-            <a:chExt cx="1474094" cy="1828800"/>
-          </a:xfrm>
-        </p:grpSpPr>
-        <p:sp>
-          <p:nvSpPr>
-            <p:cNvPr id="105" name="Rectangle: Rounded Corners 104"/>
-            <p:cNvSpPr/>
-            <p:nvPr/>
-          </p:nvSpPr>
-          <p:spPr bwMode="auto">
-            <a:xfrm>
-              <a:off x="3251169" y="4758923"/>
-              <a:ext cx="1371600" cy="1828800"/>
-            </a:xfrm>
-            <a:prstGeom prst="roundRect">
-              <a:avLst/>
-            </a:prstGeom>
-            <a:ln>
-              <a:headEnd type="none" w="med" len="med"/>
-              <a:tailEnd type="none" w="med" len="med"/>
-            </a:ln>
-          </p:spPr>
-          <p:style>
-            <a:lnRef idx="2">
-              <a:schemeClr val="accent2"/>
-            </a:lnRef>
-            <a:fillRef idx="1">
-              <a:schemeClr val="lt1"/>
-            </a:fillRef>
-            <a:effectRef idx="0">
-              <a:schemeClr val="accent2"/>
-            </a:effectRef>
-            <a:fontRef idx="minor">
-              <a:schemeClr val="dk1"/>
-            </a:fontRef>
-          </p:style>
-          <p:txBody>
-            <a:bodyPr rot="0" spcFirstLastPara="0" vertOverflow="overflow" horzOverflow="overflow" vert="horz" wrap="square" lIns="182880" tIns="146304" rIns="182880" bIns="146304" numCol="1" spcCol="0" rtlCol="0" fromWordArt="0" anchor="t" anchorCtr="0" forceAA="0" compatLnSpc="1">
-              <a:prstTxWarp prst="textNoShape">
-                <a:avLst/>
-              </a:prstTxWarp>
-              <a:noAutofit/>
-            </a:bodyPr>
-            <a:lstStyle/>
-            <a:p>
-              <a:pPr algn="ctr" defTabSz="932472" fontAlgn="base">
-                <a:lnSpc>
-                  <a:spcPct val="90000"/>
-                </a:lnSpc>
-                <a:spcBef>
-                  <a:spcPct val="0"/>
-                </a:spcBef>
-                <a:spcAft>
-                  <a:spcPct val="0"/>
-                </a:spcAft>
-              </a:pPr>
-              <a:endParaRPr lang="en-US" sz="2400" dirty="0" err="1">
-                <a:gradFill>
-                  <a:gsLst>
-                    <a:gs pos="0">
-                      <a:srgbClr val="FFFFFF"/>
-                    </a:gs>
-                    <a:gs pos="100000">
-                      <a:srgbClr val="FFFFFF"/>
-                    </a:gs>
-                  </a:gsLst>
-                  <a:lin ang="5400000" scaled="0"/>
-                </a:gradFill>
-                <a:ea typeface="Segoe UI" pitchFamily="34" charset="0"/>
-                <a:cs typeface="Segoe UI" pitchFamily="34" charset="0"/>
-              </a:endParaRPr>
-            </a:p>
-          </p:txBody>
-        </p:sp>
-        <p:grpSp>
-          <p:nvGrpSpPr>
-            <p:cNvPr id="130" name="Group 129"/>
-            <p:cNvGrpSpPr/>
-            <p:nvPr/>
-          </p:nvGrpSpPr>
-          <p:grpSpPr>
-            <a:xfrm>
-              <a:off x="3199922" y="5054878"/>
-              <a:ext cx="1474094" cy="1236890"/>
-              <a:chOff x="3369195" y="4829166"/>
-              <a:chExt cx="1474094" cy="1236890"/>
-            </a:xfrm>
-          </p:grpSpPr>
-          <p:pic>
-            <p:nvPicPr>
-              <p:cNvPr id="70" name="Picture 69"/>
-              <p:cNvPicPr>
-                <a:picLocks noChangeAspect="1"/>
-              </p:cNvPicPr>
-              <p:nvPr/>
-            </p:nvPicPr>
-            <p:blipFill>
-              <a:blip r:embed="rId15">
-                <a:duotone>
-                  <a:schemeClr val="accent4">
-                    <a:shade val="45000"/>
-                    <a:satMod val="135000"/>
-                  </a:schemeClr>
-                  <a:prstClr val="white"/>
-                </a:duotone>
-              </a:blip>
-              <a:stretch>
-                <a:fillRect/>
-              </a:stretch>
-            </p:blipFill>
-            <p:spPr>
-              <a:xfrm>
-                <a:off x="3583614" y="5382389"/>
-                <a:ext cx="1045256" cy="683667"/>
-              </a:xfrm>
-              <a:prstGeom prst="rect">
-                <a:avLst/>
-              </a:prstGeom>
-            </p:spPr>
-          </p:pic>
-          <p:sp>
-            <p:nvSpPr>
-              <p:cNvPr id="107" name="TextBox 106"/>
-              <p:cNvSpPr txBox="1"/>
-              <p:nvPr/>
-            </p:nvSpPr>
-            <p:spPr>
-              <a:xfrm>
-                <a:off x="3369195" y="4829166"/>
-                <a:ext cx="1474094" cy="369332"/>
-              </a:xfrm>
-              <a:prstGeom prst="rect">
-                <a:avLst/>
-              </a:prstGeom>
-              <a:noFill/>
-            </p:spPr>
-            <p:txBody>
-              <a:bodyPr wrap="square" rtlCol="0">
-                <a:spAutoFit/>
-              </a:bodyPr>
-              <a:lstStyle/>
-              <a:p>
-                <a:pPr marL="0" marR="0" lvl="0" indent="0" algn="ctr" defTabSz="914400" eaLnBrk="1" fontAlgn="auto" latinLnBrk="0" hangingPunct="1">
-                  <a:lnSpc>
-                    <a:spcPct val="100000"/>
-                  </a:lnSpc>
-                  <a:spcBef>
-                    <a:spcPts val="0"/>
-                  </a:spcBef>
-                  <a:spcAft>
-                    <a:spcPts val="0"/>
-                  </a:spcAft>
-                  <a:buClrTx/>
-                  <a:buSzTx/>
-                  <a:buFontTx/>
-                  <a:buNone/>
-                  <a:tabLst/>
-                  <a:defRPr/>
-                </a:pPr>
-                <a:r>
-                  <a:rPr kumimoji="0" lang="en-US" sz="1800" b="0" i="0" u="none" strike="noStrike" kern="0" cap="none" spc="0" normalizeH="0" baseline="0" noProof="0" dirty="0">
-                    <a:ln>
-                      <a:noFill/>
-                    </a:ln>
-                    <a:solidFill>
-                      <a:schemeClr val="accent1"/>
-                    </a:solidFill>
-                    <a:effectLst/>
-                    <a:uLnTx/>
-                    <a:uFillTx/>
-                    <a:latin typeface="Segoe UI Semibold" panose="020B0702040204020203" pitchFamily="34" charset="0"/>
-                    <a:cs typeface="Segoe UI" panose="020B0502040204020203" pitchFamily="34" charset="0"/>
-                  </a:rPr>
-                  <a:t>O365</a:t>
-                </a:r>
-                <a:r>
-                  <a:rPr kumimoji="0" lang="en-US" sz="1800" b="0" i="0" u="none" strike="noStrike" kern="0" cap="none" spc="0" normalizeH="0" noProof="0" dirty="0">
-                    <a:ln>
-                      <a:noFill/>
-                    </a:ln>
-                    <a:solidFill>
-                      <a:schemeClr val="accent1"/>
-                    </a:solidFill>
-                    <a:effectLst/>
-                    <a:uLnTx/>
-                    <a:uFillTx/>
-                    <a:latin typeface="Segoe UI Semibold" panose="020B0702040204020203" pitchFamily="34" charset="0"/>
-                    <a:cs typeface="Segoe UI" panose="020B0502040204020203" pitchFamily="34" charset="0"/>
-                  </a:rPr>
-                  <a:t> APIs</a:t>
-                </a:r>
-                <a:endParaRPr kumimoji="0" lang="en-US" sz="1800" b="0" i="0" u="none" strike="noStrike" kern="0" cap="none" spc="0" normalizeH="0" baseline="0" noProof="0" dirty="0">
-                  <a:ln>
-                    <a:noFill/>
-                  </a:ln>
-                  <a:solidFill>
-                    <a:schemeClr val="accent1"/>
-                  </a:solidFill>
-                  <a:effectLst/>
-                  <a:uLnTx/>
-                  <a:uFillTx/>
-                  <a:latin typeface="Segoe UI Semibold" panose="020B0702040204020203" pitchFamily="34" charset="0"/>
-                  <a:cs typeface="Segoe UI" panose="020B0502040204020203" pitchFamily="34" charset="0"/>
-                </a:endParaRPr>
-              </a:p>
-            </p:txBody>
-          </p:sp>
-        </p:grpSp>
-      </p:grpSp>
-      <p:sp>
-        <p:nvSpPr>
-          <p:cNvPr id="45" name="Oval 44"/>
-          <p:cNvSpPr/>
-          <p:nvPr/>
-        </p:nvSpPr>
-        <p:spPr>
-          <a:xfrm>
-            <a:off x="9799637" y="1195755"/>
-            <a:ext cx="444097" cy="426129"/>
-          </a:xfrm>
-          <a:prstGeom prst="ellipse">
-            <a:avLst/>
-          </a:prstGeom>
-          <a:solidFill>
-            <a:schemeClr val="tx2"/>
-          </a:solidFill>
-          <a:ln w="25400">
-            <a:noFill/>
-          </a:ln>
-        </p:spPr>
-        <p:style>
-          <a:lnRef idx="2">
-            <a:schemeClr val="accent1">
-              <a:shade val="50000"/>
-            </a:schemeClr>
-          </a:lnRef>
-          <a:fillRef idx="1">
-            <a:schemeClr val="accent1"/>
-          </a:fillRef>
-          <a:effectRef idx="0">
-            <a:schemeClr val="accent1"/>
-          </a:effectRef>
-          <a:fontRef idx="minor">
-            <a:schemeClr val="lt1"/>
-          </a:fontRef>
-        </p:style>
-        <p:txBody>
-          <a:bodyPr rtlCol="0" anchor="ctr"/>
-          <a:lstStyle/>
-          <a:p>
-            <a:pPr marL="0" marR="0" lvl="0" indent="0" algn="ctr" defTabSz="914400" eaLnBrk="1" fontAlgn="auto" latinLnBrk="0" hangingPunct="1">
-              <a:lnSpc>
-                <a:spcPct val="100000"/>
-              </a:lnSpc>
-              <a:spcBef>
-                <a:spcPts val="0"/>
-              </a:spcBef>
-              <a:spcAft>
-                <a:spcPts val="0"/>
-              </a:spcAft>
-              <a:buClrTx/>
-              <a:buSzTx/>
-              <a:buFontTx/>
-              <a:buNone/>
-              <a:tabLst/>
-              <a:defRPr/>
-            </a:pPr>
-            <a:r>
-              <a:rPr kumimoji="0" lang="en-US" sz="2000" b="0" i="0" u="none" strike="noStrike" kern="0" cap="none" spc="0" normalizeH="0" baseline="0" noProof="0" dirty="0">
-                <a:ln>
-                  <a:noFill/>
-                </a:ln>
-                <a:solidFill>
-                  <a:schemeClr val="bg1"/>
-                </a:solidFill>
-                <a:effectLst/>
-                <a:uLnTx/>
-                <a:uFillTx/>
-                <a:latin typeface="Segoe UI Semibold" panose="020B0702040204020203" pitchFamily="34" charset="0"/>
-              </a:rPr>
-              <a:t>4</a:t>
-            </a:r>
-          </a:p>
-        </p:txBody>
-      </p:sp>
-      <p:sp>
-        <p:nvSpPr>
-          <p:cNvPr id="50" name="Oval 49"/>
-          <p:cNvSpPr/>
-          <p:nvPr/>
-        </p:nvSpPr>
-        <p:spPr>
-          <a:xfrm>
-            <a:off x="7767341" y="1195755"/>
-            <a:ext cx="444097" cy="426129"/>
-          </a:xfrm>
-          <a:prstGeom prst="ellipse">
-            <a:avLst/>
-          </a:prstGeom>
-          <a:solidFill>
-            <a:schemeClr val="tx2"/>
-          </a:solidFill>
-          <a:ln w="25400">
-            <a:noFill/>
-          </a:ln>
-        </p:spPr>
-        <p:style>
-          <a:lnRef idx="2">
-            <a:schemeClr val="accent1">
-              <a:shade val="50000"/>
-            </a:schemeClr>
-          </a:lnRef>
-          <a:fillRef idx="1">
-            <a:schemeClr val="accent1"/>
-          </a:fillRef>
-          <a:effectRef idx="0">
-            <a:schemeClr val="accent1"/>
-          </a:effectRef>
-          <a:fontRef idx="minor">
-            <a:schemeClr val="lt1"/>
-          </a:fontRef>
-        </p:style>
-        <p:txBody>
-          <a:bodyPr rtlCol="0" anchor="ctr"/>
-          <a:lstStyle/>
-          <a:p>
-            <a:pPr marL="0" marR="0" lvl="0" indent="0" algn="ctr" defTabSz="914400" eaLnBrk="1" fontAlgn="auto" latinLnBrk="0" hangingPunct="1">
-              <a:lnSpc>
-                <a:spcPct val="100000"/>
-              </a:lnSpc>
-              <a:spcBef>
-                <a:spcPts val="0"/>
-              </a:spcBef>
-              <a:spcAft>
-                <a:spcPts val="0"/>
-              </a:spcAft>
-              <a:buClrTx/>
-              <a:buSzTx/>
-              <a:buFontTx/>
-              <a:buNone/>
-              <a:tabLst/>
-              <a:defRPr/>
-            </a:pPr>
-            <a:r>
-              <a:rPr kumimoji="0" lang="en-US" sz="2000" b="0" i="0" u="none" strike="noStrike" kern="0" cap="none" spc="0" normalizeH="0" baseline="0" noProof="0" dirty="0">
-                <a:ln>
-                  <a:noFill/>
-                </a:ln>
-                <a:solidFill>
-                  <a:schemeClr val="bg1"/>
-                </a:solidFill>
-                <a:effectLst/>
-                <a:uLnTx/>
-                <a:uFillTx/>
-                <a:latin typeface="Segoe UI Semibold" panose="020B0702040204020203" pitchFamily="34" charset="0"/>
-              </a:rPr>
-              <a:t>3</a:t>
-            </a:r>
-          </a:p>
-        </p:txBody>
-      </p:sp>
-      <p:sp>
-        <p:nvSpPr>
-          <p:cNvPr id="52" name="Oval 51"/>
-          <p:cNvSpPr/>
-          <p:nvPr/>
-        </p:nvSpPr>
-        <p:spPr>
-          <a:xfrm>
-            <a:off x="5610016" y="4679391"/>
-            <a:ext cx="444098" cy="426129"/>
-          </a:xfrm>
-          <a:prstGeom prst="ellipse">
-            <a:avLst/>
-          </a:prstGeom>
-          <a:solidFill>
-            <a:schemeClr val="tx2"/>
-          </a:solidFill>
-          <a:ln w="25400">
-            <a:noFill/>
-          </a:ln>
-        </p:spPr>
-        <p:style>
-          <a:lnRef idx="2">
-            <a:schemeClr val="accent1">
-              <a:shade val="50000"/>
-            </a:schemeClr>
-          </a:lnRef>
-          <a:fillRef idx="1">
-            <a:schemeClr val="accent1"/>
-          </a:fillRef>
-          <a:effectRef idx="0">
-            <a:schemeClr val="accent1"/>
-          </a:effectRef>
-          <a:fontRef idx="minor">
-            <a:schemeClr val="lt1"/>
-          </a:fontRef>
-        </p:style>
-        <p:txBody>
-          <a:bodyPr rtlCol="0" anchor="ctr"/>
-          <a:lstStyle/>
-          <a:p>
-            <a:pPr marL="0" marR="0" lvl="0" indent="0" algn="ctr" defTabSz="914400" eaLnBrk="1" fontAlgn="auto" latinLnBrk="0" hangingPunct="1">
-              <a:lnSpc>
-                <a:spcPct val="100000"/>
-              </a:lnSpc>
-              <a:spcBef>
-                <a:spcPts val="0"/>
-              </a:spcBef>
-              <a:spcAft>
-                <a:spcPts val="0"/>
-              </a:spcAft>
-              <a:buClrTx/>
-              <a:buSzTx/>
-              <a:buFontTx/>
-              <a:buNone/>
-              <a:tabLst/>
-              <a:defRPr/>
-            </a:pPr>
-            <a:r>
-              <a:rPr kumimoji="0" lang="en-US" sz="2000" b="0" i="0" u="none" strike="noStrike" kern="0" cap="none" spc="0" normalizeH="0" baseline="0" noProof="0" dirty="0">
-                <a:ln>
-                  <a:noFill/>
-                </a:ln>
-                <a:solidFill>
-                  <a:schemeClr val="bg1"/>
-                </a:solidFill>
-                <a:effectLst/>
-                <a:uLnTx/>
-                <a:uFillTx/>
-                <a:latin typeface="Segoe UI Semibold" panose="020B0702040204020203" pitchFamily="34" charset="0"/>
-              </a:rPr>
-              <a:t>5</a:t>
-            </a:r>
-          </a:p>
-        </p:txBody>
-      </p:sp>
-      <p:sp>
-        <p:nvSpPr>
-          <p:cNvPr id="54" name="Oval 53"/>
-          <p:cNvSpPr/>
-          <p:nvPr/>
-        </p:nvSpPr>
-        <p:spPr>
-          <a:xfrm>
-            <a:off x="440140" y="4679391"/>
-            <a:ext cx="444097" cy="426129"/>
-          </a:xfrm>
-          <a:prstGeom prst="ellipse">
-            <a:avLst/>
-          </a:prstGeom>
-          <a:solidFill>
-            <a:schemeClr val="tx2"/>
-          </a:solidFill>
-          <a:ln w="25400">
-            <a:noFill/>
-          </a:ln>
-        </p:spPr>
-        <p:style>
-          <a:lnRef idx="2">
-            <a:schemeClr val="accent1">
-              <a:shade val="50000"/>
-            </a:schemeClr>
-          </a:lnRef>
-          <a:fillRef idx="1">
-            <a:schemeClr val="accent1"/>
-          </a:fillRef>
-          <a:effectRef idx="0">
-            <a:schemeClr val="accent1"/>
-          </a:effectRef>
-          <a:fontRef idx="minor">
-            <a:schemeClr val="lt1"/>
-          </a:fontRef>
-        </p:style>
-        <p:txBody>
-          <a:bodyPr rtlCol="0" anchor="ctr"/>
-          <a:lstStyle/>
-          <a:p>
-            <a:pPr marL="0" marR="0" lvl="0" indent="0" algn="ctr" defTabSz="914400" eaLnBrk="1" fontAlgn="auto" latinLnBrk="0" hangingPunct="1">
-              <a:lnSpc>
-                <a:spcPct val="100000"/>
-              </a:lnSpc>
-              <a:spcBef>
-                <a:spcPts val="0"/>
-              </a:spcBef>
-              <a:spcAft>
-                <a:spcPts val="0"/>
-              </a:spcAft>
-              <a:buClrTx/>
-              <a:buSzTx/>
-              <a:buFontTx/>
-              <a:buNone/>
-              <a:tabLst/>
-              <a:defRPr/>
-            </a:pPr>
-            <a:r>
-              <a:rPr kumimoji="0" lang="en-US" sz="2000" b="0" i="0" u="none" strike="noStrike" kern="0" cap="none" spc="0" normalizeH="0" baseline="0" noProof="0" dirty="0">
-                <a:ln>
-                  <a:noFill/>
-                </a:ln>
-                <a:solidFill>
-                  <a:schemeClr val="bg1"/>
-                </a:solidFill>
-                <a:effectLst/>
-                <a:uLnTx/>
-                <a:uFillTx/>
-                <a:latin typeface="Segoe UI Semibold" panose="020B0702040204020203" pitchFamily="34" charset="0"/>
-              </a:rPr>
-              <a:t>2</a:t>
-            </a:r>
-          </a:p>
-        </p:txBody>
-      </p:sp>
-      <p:sp>
-        <p:nvSpPr>
-          <p:cNvPr id="56" name="Oval 55"/>
-          <p:cNvSpPr/>
-          <p:nvPr/>
-        </p:nvSpPr>
-        <p:spPr>
-          <a:xfrm>
-            <a:off x="3536677" y="1146084"/>
-            <a:ext cx="444097" cy="426129"/>
-          </a:xfrm>
-          <a:prstGeom prst="ellipse">
-            <a:avLst/>
-          </a:prstGeom>
-          <a:solidFill>
-            <a:schemeClr val="tx2"/>
-          </a:solidFill>
-          <a:ln w="25400">
-            <a:noFill/>
-          </a:ln>
-        </p:spPr>
-        <p:style>
-          <a:lnRef idx="2">
-            <a:schemeClr val="accent1">
-              <a:shade val="50000"/>
-            </a:schemeClr>
-          </a:lnRef>
-          <a:fillRef idx="1">
-            <a:schemeClr val="accent1"/>
-          </a:fillRef>
-          <a:effectRef idx="0">
-            <a:schemeClr val="accent1"/>
-          </a:effectRef>
-          <a:fontRef idx="minor">
-            <a:schemeClr val="lt1"/>
-          </a:fontRef>
-        </p:style>
-        <p:txBody>
-          <a:bodyPr rtlCol="0" anchor="ctr"/>
-          <a:lstStyle/>
-          <a:p>
-            <a:pPr marL="0" marR="0" lvl="0" indent="0" algn="ctr" defTabSz="914400" eaLnBrk="1" fontAlgn="auto" latinLnBrk="0" hangingPunct="1">
-              <a:lnSpc>
-                <a:spcPct val="100000"/>
-              </a:lnSpc>
-              <a:spcBef>
-                <a:spcPts val="0"/>
-              </a:spcBef>
-              <a:spcAft>
-                <a:spcPts val="0"/>
-              </a:spcAft>
-              <a:buClrTx/>
-              <a:buSzTx/>
-              <a:buFontTx/>
-              <a:buNone/>
-              <a:tabLst/>
-              <a:defRPr/>
-            </a:pPr>
-            <a:r>
-              <a:rPr lang="en-US" sz="2000" kern="0" dirty="0">
-                <a:solidFill>
-                  <a:schemeClr val="bg1"/>
-                </a:solidFill>
-                <a:latin typeface="Segoe UI Semibold" panose="020B0702040204020203" pitchFamily="34" charset="0"/>
-              </a:rPr>
-              <a:t>8</a:t>
-            </a:r>
-            <a:endParaRPr kumimoji="0" lang="en-US" sz="2000" b="0" i="0" u="none" strike="noStrike" kern="0" cap="none" spc="0" normalizeH="0" baseline="0" noProof="0" dirty="0">
-              <a:ln>
-                <a:noFill/>
-              </a:ln>
-              <a:solidFill>
-                <a:schemeClr val="bg1"/>
-              </a:solidFill>
-              <a:effectLst/>
-              <a:uLnTx/>
-              <a:uFillTx/>
-              <a:latin typeface="Segoe UI Semibold" panose="020B0702040204020203" pitchFamily="34" charset="0"/>
-            </a:endParaRPr>
-          </a:p>
-        </p:txBody>
-      </p:sp>
-      <p:sp>
-        <p:nvSpPr>
-          <p:cNvPr id="58" name="Oval 57"/>
-          <p:cNvSpPr/>
-          <p:nvPr/>
-        </p:nvSpPr>
-        <p:spPr>
-          <a:xfrm>
-            <a:off x="7742237" y="3627485"/>
-            <a:ext cx="444097" cy="426129"/>
-          </a:xfrm>
-          <a:prstGeom prst="ellipse">
-            <a:avLst/>
-          </a:prstGeom>
-          <a:solidFill>
-            <a:schemeClr val="tx2"/>
-          </a:solidFill>
-          <a:ln w="25400">
-            <a:noFill/>
-          </a:ln>
-        </p:spPr>
-        <p:style>
-          <a:lnRef idx="2">
-            <a:schemeClr val="accent1">
-              <a:shade val="50000"/>
-            </a:schemeClr>
-          </a:lnRef>
-          <a:fillRef idx="1">
-            <a:schemeClr val="accent1"/>
-          </a:fillRef>
-          <a:effectRef idx="0">
-            <a:schemeClr val="accent1"/>
-          </a:effectRef>
-          <a:fontRef idx="minor">
-            <a:schemeClr val="lt1"/>
-          </a:fontRef>
-        </p:style>
-        <p:txBody>
-          <a:bodyPr rtlCol="0" anchor="ctr"/>
-          <a:lstStyle/>
-          <a:p>
-            <a:pPr marL="0" marR="0" lvl="0" indent="0" algn="ctr" defTabSz="914400" eaLnBrk="1" fontAlgn="auto" latinLnBrk="0" hangingPunct="1">
-              <a:lnSpc>
-                <a:spcPct val="100000"/>
-              </a:lnSpc>
-              <a:spcBef>
-                <a:spcPts val="0"/>
-              </a:spcBef>
-              <a:spcAft>
-                <a:spcPts val="0"/>
-              </a:spcAft>
-              <a:buClrTx/>
-              <a:buSzTx/>
-              <a:buFontTx/>
-              <a:buNone/>
-              <a:tabLst/>
-              <a:defRPr/>
-            </a:pPr>
-            <a:r>
-              <a:rPr kumimoji="0" lang="en-US" sz="2000" b="0" i="0" u="none" strike="noStrike" kern="0" cap="none" spc="0" normalizeH="0" baseline="0" noProof="0" dirty="0">
-                <a:ln>
-                  <a:noFill/>
-                </a:ln>
-                <a:solidFill>
-                  <a:schemeClr val="bg1"/>
-                </a:solidFill>
-                <a:effectLst/>
-                <a:uLnTx/>
-                <a:uFillTx/>
-                <a:latin typeface="Segoe UI Semibold" panose="020B0702040204020203" pitchFamily="34" charset="0"/>
-              </a:rPr>
-              <a:t>6</a:t>
-            </a:r>
-          </a:p>
-        </p:txBody>
-      </p:sp>
-      <p:sp>
-        <p:nvSpPr>
-          <p:cNvPr id="106" name="Oval 105"/>
-          <p:cNvSpPr/>
-          <p:nvPr/>
-        </p:nvSpPr>
-        <p:spPr>
-          <a:xfrm>
-            <a:off x="3017837" y="4679391"/>
-            <a:ext cx="444097" cy="426129"/>
-          </a:xfrm>
-          <a:prstGeom prst="ellipse">
-            <a:avLst/>
-          </a:prstGeom>
-          <a:solidFill>
-            <a:schemeClr val="tx2"/>
-          </a:solidFill>
-          <a:ln w="25400">
-            <a:noFill/>
-          </a:ln>
-        </p:spPr>
-        <p:style>
-          <a:lnRef idx="2">
-            <a:schemeClr val="accent1">
-              <a:shade val="50000"/>
-            </a:schemeClr>
-          </a:lnRef>
-          <a:fillRef idx="1">
-            <a:schemeClr val="accent1"/>
-          </a:fillRef>
-          <a:effectRef idx="0">
-            <a:schemeClr val="accent1"/>
-          </a:effectRef>
-          <a:fontRef idx="minor">
-            <a:schemeClr val="lt1"/>
-          </a:fontRef>
-        </p:style>
-        <p:txBody>
-          <a:bodyPr rtlCol="0" anchor="ctr"/>
-          <a:lstStyle/>
-          <a:p>
-            <a:pPr marL="0" marR="0" lvl="0" indent="0" algn="ctr" defTabSz="914400" eaLnBrk="1" fontAlgn="auto" latinLnBrk="0" hangingPunct="1">
-              <a:lnSpc>
-                <a:spcPct val="100000"/>
-              </a:lnSpc>
-              <a:spcBef>
-                <a:spcPts val="0"/>
-              </a:spcBef>
-              <a:spcAft>
-                <a:spcPts val="0"/>
-              </a:spcAft>
-              <a:buClrTx/>
-              <a:buSzTx/>
-              <a:buFontTx/>
-              <a:buNone/>
-              <a:tabLst/>
-              <a:defRPr/>
-            </a:pPr>
-            <a:r>
-              <a:rPr kumimoji="0" lang="en-US" sz="2000" b="0" i="0" u="none" strike="noStrike" kern="0" cap="none" spc="0" normalizeH="0" baseline="0" noProof="0" dirty="0">
-                <a:ln>
-                  <a:noFill/>
-                </a:ln>
-                <a:solidFill>
-                  <a:schemeClr val="bg1"/>
-                </a:solidFill>
-                <a:effectLst/>
-                <a:uLnTx/>
-                <a:uFillTx/>
-                <a:latin typeface="Segoe UI Semibold" panose="020B0702040204020203" pitchFamily="34" charset="0"/>
-              </a:rPr>
-              <a:t>7</a:t>
-            </a:r>
-          </a:p>
-        </p:txBody>
-      </p:sp>
-      <p:cxnSp>
-        <p:nvCxnSpPr>
-          <p:cNvPr id="138" name="Connector: Curved 137"/>
-          <p:cNvCxnSpPr>
-            <a:stCxn id="59" idx="3"/>
-            <a:endCxn id="57" idx="1"/>
-          </p:cNvCxnSpPr>
-          <p:nvPr/>
-        </p:nvCxnSpPr>
-        <p:spPr>
-          <a:xfrm>
-            <a:off x="2019250" y="3302330"/>
-            <a:ext cx="5960569" cy="1261732"/>
-          </a:xfrm>
-          <a:prstGeom prst="curvedConnector3">
-            <a:avLst>
-              <a:gd name="adj1" fmla="val 86582"/>
-            </a:avLst>
-          </a:prstGeom>
-          <a:ln w="38100">
-            <a:solidFill>
-              <a:schemeClr val="tx1"/>
-            </a:solidFill>
-            <a:headEnd type="none" w="med" len="med"/>
-            <a:tailEnd type="arrow" w="med" len="med"/>
-          </a:ln>
-        </p:spPr>
-        <p:style>
-          <a:lnRef idx="1">
-            <a:schemeClr val="accent1"/>
-          </a:lnRef>
-          <a:fillRef idx="0">
-            <a:schemeClr val="accent1"/>
-          </a:fillRef>
-          <a:effectRef idx="0">
-            <a:schemeClr val="accent1"/>
-          </a:effectRef>
-          <a:fontRef idx="minor">
-            <a:schemeClr val="tx1"/>
-          </a:fontRef>
-        </p:style>
-      </p:cxnSp>
-      <p:cxnSp>
-        <p:nvCxnSpPr>
-          <p:cNvPr id="142" name="Connector: Curved 141"/>
-          <p:cNvCxnSpPr>
-            <a:stCxn id="59" idx="3"/>
-            <a:endCxn id="51" idx="0"/>
-          </p:cNvCxnSpPr>
-          <p:nvPr/>
-        </p:nvCxnSpPr>
-        <p:spPr>
-          <a:xfrm>
-            <a:off x="2019250" y="3302330"/>
-            <a:ext cx="4485345" cy="1414132"/>
-          </a:xfrm>
-          <a:prstGeom prst="curvedConnector2">
-            <a:avLst/>
-          </a:prstGeom>
-          <a:ln w="38100">
-            <a:solidFill>
-              <a:schemeClr val="tx1"/>
-            </a:solidFill>
-            <a:headEnd type="none" w="med" len="med"/>
-            <a:tailEnd type="arrow" w="med" len="med"/>
-          </a:ln>
-        </p:spPr>
-        <p:style>
-          <a:lnRef idx="1">
-            <a:schemeClr val="accent1"/>
-          </a:lnRef>
-          <a:fillRef idx="0">
-            <a:schemeClr val="accent1"/>
-          </a:fillRef>
-          <a:effectRef idx="0">
-            <a:schemeClr val="accent1"/>
-          </a:effectRef>
-          <a:fontRef idx="minor">
-            <a:schemeClr val="tx1"/>
-          </a:fontRef>
-        </p:style>
-      </p:cxnSp>
-      <p:cxnSp>
-        <p:nvCxnSpPr>
-          <p:cNvPr id="144" name="Connector: Curved 143"/>
-          <p:cNvCxnSpPr>
-            <a:stCxn id="59" idx="3"/>
-            <a:endCxn id="105" idx="0"/>
-          </p:cNvCxnSpPr>
-          <p:nvPr/>
-        </p:nvCxnSpPr>
-        <p:spPr>
-          <a:xfrm>
-            <a:off x="2019250" y="3302330"/>
-            <a:ext cx="1917719" cy="1414132"/>
-          </a:xfrm>
-          <a:prstGeom prst="curvedConnector2">
-            <a:avLst/>
-          </a:prstGeom>
-          <a:ln w="38100">
-            <a:solidFill>
-              <a:schemeClr val="tx1"/>
-            </a:solidFill>
-            <a:headEnd type="none" w="med" len="med"/>
-            <a:tailEnd type="arrow" w="med" len="med"/>
-          </a:ln>
-        </p:spPr>
-        <p:style>
-          <a:lnRef idx="1">
-            <a:schemeClr val="accent1"/>
-          </a:lnRef>
-          <a:fillRef idx="0">
-            <a:schemeClr val="accent1"/>
-          </a:fillRef>
-          <a:effectRef idx="0">
-            <a:schemeClr val="accent1"/>
-          </a:effectRef>
-          <a:fontRef idx="minor">
-            <a:schemeClr val="tx1"/>
-          </a:fontRef>
-        </p:style>
-      </p:cxnSp>
-      <p:sp>
-        <p:nvSpPr>
-          <p:cNvPr id="109" name="Rectangle 108"/>
-          <p:cNvSpPr/>
-          <p:nvPr/>
-        </p:nvSpPr>
-        <p:spPr>
-          <a:xfrm>
-            <a:off x="5007204" y="3758994"/>
-            <a:ext cx="1280160" cy="457200"/>
-          </a:xfrm>
-          <a:prstGeom prst="rect">
-            <a:avLst/>
-          </a:prstGeom>
-          <a:solidFill>
-            <a:schemeClr val="accent2"/>
-          </a:solidFill>
-          <a:ln>
-            <a:noFill/>
-          </a:ln>
-        </p:spPr>
-        <p:style>
-          <a:lnRef idx="0">
-            <a:scrgbClr r="0" g="0" b="0"/>
-          </a:lnRef>
-          <a:fillRef idx="0">
-            <a:scrgbClr r="0" g="0" b="0"/>
-          </a:fillRef>
-          <a:effectRef idx="0">
-            <a:scrgbClr r="0" g="0" b="0"/>
-          </a:effectRef>
-          <a:fontRef idx="minor">
-            <a:schemeClr val="lt1"/>
-          </a:fontRef>
-        </p:style>
-        <p:txBody>
-          <a:bodyPr wrap="square" rtlCol="0" anchor="ctr">
-            <a:spAutoFit/>
-          </a:bodyPr>
-          <a:lstStyle/>
-          <a:p>
-            <a:pPr marL="0" marR="0" lvl="0" indent="0" algn="ctr" defTabSz="914400" eaLnBrk="1" fontAlgn="auto" latinLnBrk="0" hangingPunct="1">
-              <a:lnSpc>
-                <a:spcPct val="90000"/>
-              </a:lnSpc>
-              <a:spcBef>
-                <a:spcPts val="0"/>
-              </a:spcBef>
-              <a:spcAft>
-                <a:spcPts val="0"/>
-              </a:spcAft>
-              <a:buClrTx/>
-              <a:buSzTx/>
-              <a:buFontTx/>
-              <a:buNone/>
-              <a:tabLst/>
-              <a:defRPr/>
-            </a:pPr>
-            <a:r>
-              <a:rPr lang="en-US" sz="1400" dirty="0"/>
-              <a:t>Images</a:t>
-            </a:r>
-          </a:p>
-        </p:txBody>
-      </p:sp>
-      <p:sp>
-        <p:nvSpPr>
-          <p:cNvPr id="145" name="Rectangle 144"/>
-          <p:cNvSpPr/>
-          <p:nvPr/>
-        </p:nvSpPr>
-        <p:spPr>
-          <a:xfrm>
-            <a:off x="2950712" y="3758994"/>
-            <a:ext cx="1280160" cy="457200"/>
-          </a:xfrm>
-          <a:prstGeom prst="rect">
-            <a:avLst/>
-          </a:prstGeom>
-          <a:solidFill>
-            <a:schemeClr val="accent2"/>
-          </a:solidFill>
-          <a:ln>
-            <a:noFill/>
-          </a:ln>
-        </p:spPr>
-        <p:style>
-          <a:lnRef idx="0">
-            <a:scrgbClr r="0" g="0" b="0"/>
-          </a:lnRef>
-          <a:fillRef idx="0">
-            <a:scrgbClr r="0" g="0" b="0"/>
-          </a:fillRef>
-          <a:effectRef idx="0">
-            <a:scrgbClr r="0" g="0" b="0"/>
-          </a:effectRef>
-          <a:fontRef idx="minor">
-            <a:schemeClr val="lt1"/>
-          </a:fontRef>
-        </p:style>
-        <p:txBody>
-          <a:bodyPr wrap="square" rtlCol="0" anchor="ctr">
-            <a:spAutoFit/>
-          </a:bodyPr>
-          <a:lstStyle/>
-          <a:p>
-            <a:pPr marL="0" marR="0" lvl="0" indent="0" algn="ctr" defTabSz="914400" eaLnBrk="1" fontAlgn="auto" latinLnBrk="0" hangingPunct="1">
-              <a:lnSpc>
-                <a:spcPct val="90000"/>
-              </a:lnSpc>
-              <a:spcBef>
-                <a:spcPts val="0"/>
-              </a:spcBef>
-              <a:spcAft>
-                <a:spcPts val="0"/>
-              </a:spcAft>
-              <a:buClrTx/>
-              <a:buSzTx/>
-              <a:buFontTx/>
-              <a:buNone/>
-              <a:tabLst/>
-              <a:defRPr/>
-            </a:pPr>
-            <a:r>
-              <a:rPr lang="en-US" sz="1400" dirty="0"/>
-              <a:t>Email</a:t>
-            </a:r>
-          </a:p>
-        </p:txBody>
-      </p:sp>
-      <p:sp>
-        <p:nvSpPr>
-          <p:cNvPr id="88" name="Oval 87"/>
-          <p:cNvSpPr/>
-          <p:nvPr/>
-        </p:nvSpPr>
-        <p:spPr>
-          <a:xfrm>
-            <a:off x="360828" y="2204519"/>
-            <a:ext cx="444097" cy="426129"/>
-          </a:xfrm>
-          <a:prstGeom prst="ellipse">
-            <a:avLst/>
-          </a:prstGeom>
-          <a:solidFill>
-            <a:schemeClr val="accent1"/>
-          </a:solidFill>
-          <a:ln w="25400">
-            <a:noFill/>
-          </a:ln>
-        </p:spPr>
-        <p:style>
-          <a:lnRef idx="2">
-            <a:schemeClr val="accent1">
-              <a:shade val="50000"/>
-            </a:schemeClr>
-          </a:lnRef>
-          <a:fillRef idx="1">
-            <a:schemeClr val="accent1"/>
-          </a:fillRef>
-          <a:effectRef idx="0">
-            <a:schemeClr val="accent1"/>
-          </a:effectRef>
-          <a:fontRef idx="minor">
-            <a:schemeClr val="lt1"/>
-          </a:fontRef>
-        </p:style>
-        <p:txBody>
-          <a:bodyPr rtlCol="0" anchor="ctr"/>
-          <a:lstStyle/>
-          <a:p>
-            <a:pPr marL="0" marR="0" lvl="0" indent="0" algn="ctr" defTabSz="914400" eaLnBrk="1" fontAlgn="auto" latinLnBrk="0" hangingPunct="1">
-              <a:lnSpc>
-                <a:spcPct val="100000"/>
-              </a:lnSpc>
-              <a:spcBef>
-                <a:spcPts val="0"/>
-              </a:spcBef>
-              <a:spcAft>
-                <a:spcPts val="0"/>
-              </a:spcAft>
-              <a:buClrTx/>
-              <a:buSzTx/>
-              <a:buFontTx/>
-              <a:buNone/>
-              <a:tabLst/>
-              <a:defRPr/>
-            </a:pPr>
-            <a:r>
-              <a:rPr kumimoji="0" lang="en-US" sz="2000" b="0" i="0" u="none" strike="noStrike" kern="0" cap="none" spc="0" normalizeH="0" baseline="0" noProof="0" dirty="0">
-                <a:ln>
-                  <a:noFill/>
-                </a:ln>
-                <a:solidFill>
-                  <a:schemeClr val="bg1"/>
-                </a:solidFill>
-                <a:effectLst/>
-                <a:uLnTx/>
-                <a:uFillTx/>
-                <a:latin typeface="Segoe UI Semibold" panose="020B0702040204020203" pitchFamily="34" charset="0"/>
-              </a:rPr>
-              <a:t>1</a:t>
-            </a:r>
-          </a:p>
-        </p:txBody>
-      </p:sp>
-      <p:sp>
-        <p:nvSpPr>
-          <p:cNvPr id="163" name="Oval 162"/>
-          <p:cNvSpPr/>
-          <p:nvPr/>
-        </p:nvSpPr>
-        <p:spPr>
-          <a:xfrm>
-            <a:off x="10445888" y="4679391"/>
-            <a:ext cx="444097" cy="426129"/>
-          </a:xfrm>
-          <a:prstGeom prst="ellipse">
-            <a:avLst/>
-          </a:prstGeom>
-          <a:solidFill>
-            <a:schemeClr val="tx2"/>
-          </a:solidFill>
-          <a:ln w="25400">
-            <a:noFill/>
-          </a:ln>
-        </p:spPr>
-        <p:style>
-          <a:lnRef idx="2">
-            <a:schemeClr val="accent1">
-              <a:shade val="50000"/>
-            </a:schemeClr>
-          </a:lnRef>
-          <a:fillRef idx="1">
-            <a:schemeClr val="accent1"/>
-          </a:fillRef>
-          <a:effectRef idx="0">
-            <a:schemeClr val="accent1"/>
-          </a:effectRef>
-          <a:fontRef idx="minor">
-            <a:schemeClr val="lt1"/>
-          </a:fontRef>
-        </p:style>
-        <p:txBody>
-          <a:bodyPr rtlCol="0" anchor="ctr"/>
-          <a:lstStyle/>
-          <a:p>
-            <a:pPr marL="0" marR="0" lvl="0" indent="0" algn="ctr" defTabSz="914400" eaLnBrk="1" fontAlgn="auto" latinLnBrk="0" hangingPunct="1">
-              <a:lnSpc>
-                <a:spcPct val="100000"/>
-              </a:lnSpc>
-              <a:spcBef>
-                <a:spcPts val="0"/>
-              </a:spcBef>
-              <a:spcAft>
-                <a:spcPts val="0"/>
-              </a:spcAft>
-              <a:buClrTx/>
-              <a:buSzTx/>
-              <a:buFontTx/>
-              <a:buNone/>
-              <a:tabLst/>
-              <a:defRPr/>
-            </a:pPr>
-            <a:r>
-              <a:rPr lang="en-US" sz="2000" kern="0" dirty="0">
-                <a:solidFill>
-                  <a:schemeClr val="bg1"/>
-                </a:solidFill>
-                <a:latin typeface="Segoe UI Semibold" panose="020B0702040204020203" pitchFamily="34" charset="0"/>
-              </a:rPr>
-              <a:t>9</a:t>
-            </a:r>
-            <a:endParaRPr kumimoji="0" lang="en-US" sz="2000" b="0" i="0" u="none" strike="noStrike" kern="0" cap="none" spc="0" normalizeH="0" baseline="0" noProof="0" dirty="0">
-              <a:ln>
-                <a:noFill/>
-              </a:ln>
-              <a:solidFill>
-                <a:schemeClr val="bg1"/>
-              </a:solidFill>
-              <a:effectLst/>
-              <a:uLnTx/>
-              <a:uFillTx/>
-              <a:latin typeface="Segoe UI Semibold" panose="020B0702040204020203" pitchFamily="34" charset="0"/>
-            </a:endParaRPr>
-          </a:p>
-        </p:txBody>
-      </p:sp>
-      <p:cxnSp>
-        <p:nvCxnSpPr>
-          <p:cNvPr id="165" name="Connector: Curved 164"/>
-          <p:cNvCxnSpPr>
-            <a:stCxn id="59" idx="3"/>
-            <a:endCxn id="121" idx="1"/>
-          </p:cNvCxnSpPr>
-          <p:nvPr/>
-        </p:nvCxnSpPr>
-        <p:spPr>
-          <a:xfrm flipV="1">
-            <a:off x="2019250" y="2159914"/>
-            <a:ext cx="5532662" cy="1142416"/>
-          </a:xfrm>
-          <a:prstGeom prst="curvedConnector3">
-            <a:avLst>
-              <a:gd name="adj1" fmla="val 84326"/>
-            </a:avLst>
-          </a:prstGeom>
-          <a:ln w="38100">
-            <a:solidFill>
-              <a:schemeClr val="tx1"/>
-            </a:solidFill>
-            <a:headEnd type="none" w="med" len="med"/>
-            <a:tailEnd type="arrow" w="med" len="med"/>
-          </a:ln>
-        </p:spPr>
-        <p:style>
-          <a:lnRef idx="1">
-            <a:schemeClr val="accent1"/>
-          </a:lnRef>
-          <a:fillRef idx="0">
-            <a:schemeClr val="accent1"/>
-          </a:fillRef>
-          <a:effectRef idx="0">
-            <a:schemeClr val="accent1"/>
-          </a:effectRef>
-          <a:fontRef idx="minor">
-            <a:schemeClr val="tx1"/>
-          </a:fontRef>
-        </p:style>
-      </p:cxnSp>
-      <p:sp>
-        <p:nvSpPr>
-          <p:cNvPr id="102" name="Rectangle 101"/>
-          <p:cNvSpPr/>
-          <p:nvPr/>
-        </p:nvSpPr>
-        <p:spPr>
-          <a:xfrm>
-            <a:off x="5978631" y="2499322"/>
-            <a:ext cx="1280160" cy="457200"/>
-          </a:xfrm>
-          <a:prstGeom prst="rect">
-            <a:avLst/>
-          </a:prstGeom>
-          <a:solidFill>
-            <a:schemeClr val="accent2"/>
-          </a:solidFill>
-          <a:ln>
-            <a:noFill/>
-          </a:ln>
-        </p:spPr>
-        <p:style>
-          <a:lnRef idx="0">
-            <a:scrgbClr r="0" g="0" b="0"/>
-          </a:lnRef>
-          <a:fillRef idx="0">
-            <a:scrgbClr r="0" g="0" b="0"/>
-          </a:fillRef>
-          <a:effectRef idx="0">
-            <a:scrgbClr r="0" g="0" b="0"/>
-          </a:effectRef>
-          <a:fontRef idx="minor">
-            <a:schemeClr val="lt1"/>
-          </a:fontRef>
-        </p:style>
-        <p:txBody>
-          <a:bodyPr wrap="square" rtlCol="0" anchor="ctr">
-            <a:spAutoFit/>
-          </a:bodyPr>
-          <a:lstStyle/>
-          <a:p>
-            <a:pPr marL="0" marR="0" lvl="0" indent="0" algn="ctr" defTabSz="914400" eaLnBrk="1" fontAlgn="auto" latinLnBrk="0" hangingPunct="1">
-              <a:lnSpc>
-                <a:spcPct val="90000"/>
-              </a:lnSpc>
-              <a:spcBef>
-                <a:spcPts val="0"/>
-              </a:spcBef>
-              <a:spcAft>
-                <a:spcPts val="0"/>
-              </a:spcAft>
-              <a:buClrTx/>
-              <a:buSzTx/>
-              <a:buFontTx/>
-              <a:buNone/>
-              <a:tabLst/>
-              <a:defRPr/>
-            </a:pPr>
-            <a:r>
-              <a:rPr lang="en-US" sz="1400" dirty="0"/>
-              <a:t>New Incident</a:t>
-            </a:r>
-          </a:p>
-        </p:txBody>
-      </p:sp>
-      <p:cxnSp>
-        <p:nvCxnSpPr>
-          <p:cNvPr id="186" name="Straight Arrow Connector 185"/>
-          <p:cNvCxnSpPr/>
-          <p:nvPr/>
-        </p:nvCxnSpPr>
-        <p:spPr>
-          <a:xfrm>
-            <a:off x="7226331" y="5760234"/>
-            <a:ext cx="3376707" cy="23029"/>
-          </a:xfrm>
-          <a:prstGeom prst="straightConnector1">
-            <a:avLst/>
-          </a:prstGeom>
-          <a:ln w="38100">
-            <a:solidFill>
-              <a:schemeClr val="tx1"/>
-            </a:solidFill>
-            <a:headEnd type="none"/>
-            <a:tailEnd type="triangle"/>
-          </a:ln>
-        </p:spPr>
-        <p:style>
-          <a:lnRef idx="1">
-            <a:schemeClr val="accent1"/>
-          </a:lnRef>
-          <a:fillRef idx="0">
-            <a:schemeClr val="accent1"/>
-          </a:fillRef>
-          <a:effectRef idx="0">
-            <a:schemeClr val="accent1"/>
-          </a:effectRef>
-          <a:fontRef idx="minor">
-            <a:schemeClr val="tx1"/>
-          </a:fontRef>
-        </p:style>
-      </p:cxnSp>
-      <p:cxnSp>
-        <p:nvCxnSpPr>
-          <p:cNvPr id="189" name="Connector: Curved 188"/>
-          <p:cNvCxnSpPr>
-            <a:stCxn id="55" idx="1"/>
-          </p:cNvCxnSpPr>
-          <p:nvPr/>
-        </p:nvCxnSpPr>
-        <p:spPr>
-          <a:xfrm rot="10800000" flipV="1">
-            <a:off x="2019250" y="2083124"/>
-            <a:ext cx="1734982" cy="1033138"/>
-          </a:xfrm>
-          <a:prstGeom prst="curvedConnector3">
-            <a:avLst>
-              <a:gd name="adj1" fmla="val 50000"/>
-            </a:avLst>
-          </a:prstGeom>
-          <a:ln w="38100">
-            <a:solidFill>
-              <a:schemeClr val="tx1"/>
-            </a:solidFill>
-            <a:prstDash val="sysDash"/>
-            <a:headEnd type="none"/>
-            <a:tailEnd type="triangle"/>
-          </a:ln>
-        </p:spPr>
-        <p:style>
-          <a:lnRef idx="1">
-            <a:schemeClr val="accent1"/>
-          </a:lnRef>
-          <a:fillRef idx="0">
-            <a:schemeClr val="accent1"/>
-          </a:fillRef>
-          <a:effectRef idx="0">
-            <a:schemeClr val="accent1"/>
-          </a:effectRef>
-          <a:fontRef idx="minor">
-            <a:schemeClr val="tx1"/>
-          </a:fontRef>
-        </p:style>
-      </p:cxnSp>
-      <p:cxnSp>
-        <p:nvCxnSpPr>
-          <p:cNvPr id="192" name="Straight Arrow Connector 191"/>
-          <p:cNvCxnSpPr>
-            <a:stCxn id="55" idx="3"/>
-            <a:endCxn id="121" idx="1"/>
-          </p:cNvCxnSpPr>
-          <p:nvPr/>
-        </p:nvCxnSpPr>
-        <p:spPr>
-          <a:xfrm>
-            <a:off x="5125832" y="2083124"/>
-            <a:ext cx="2426080" cy="76790"/>
-          </a:xfrm>
-          <a:prstGeom prst="straightConnector1">
-            <a:avLst/>
-          </a:prstGeom>
-          <a:ln w="38100">
-            <a:solidFill>
-              <a:schemeClr val="tx1"/>
-            </a:solidFill>
-            <a:prstDash val="sysDash"/>
-            <a:headEnd type="triangle" w="med" len="med"/>
-            <a:tailEnd type="triangle" w="med" len="med"/>
-          </a:ln>
-        </p:spPr>
-        <p:style>
-          <a:lnRef idx="1">
-            <a:schemeClr val="accent1"/>
-          </a:lnRef>
-          <a:fillRef idx="0">
-            <a:schemeClr val="accent1"/>
-          </a:fillRef>
-          <a:effectRef idx="0">
-            <a:schemeClr val="accent1"/>
-          </a:effectRef>
-          <a:fontRef idx="minor">
-            <a:schemeClr val="tx1"/>
-          </a:fontRef>
-        </p:style>
-      </p:cxnSp>
-      <p:sp>
-        <p:nvSpPr>
-          <p:cNvPr id="103" name="Rectangle 102"/>
-          <p:cNvSpPr/>
-          <p:nvPr/>
-        </p:nvSpPr>
-        <p:spPr>
-          <a:xfrm>
-            <a:off x="2157495" y="2114563"/>
-            <a:ext cx="1280160" cy="457200"/>
-          </a:xfrm>
-          <a:prstGeom prst="rect">
-            <a:avLst/>
-          </a:prstGeom>
-          <a:solidFill>
-            <a:schemeClr val="accent2"/>
-          </a:solidFill>
-          <a:ln>
-            <a:noFill/>
-          </a:ln>
-        </p:spPr>
-        <p:style>
-          <a:lnRef idx="0">
-            <a:scrgbClr r="0" g="0" b="0"/>
-          </a:lnRef>
-          <a:fillRef idx="0">
-            <a:scrgbClr r="0" g="0" b="0"/>
-          </a:fillRef>
-          <a:effectRef idx="0">
-            <a:scrgbClr r="0" g="0" b="0"/>
-          </a:effectRef>
-          <a:fontRef idx="minor">
-            <a:schemeClr val="lt1"/>
-          </a:fontRef>
-        </p:style>
-        <p:txBody>
-          <a:bodyPr wrap="square" rtlCol="0" anchor="ctr">
-            <a:spAutoFit/>
-          </a:bodyPr>
-          <a:lstStyle/>
-          <a:p>
-            <a:pPr marL="0" marR="0" lvl="0" indent="0" algn="ctr" defTabSz="914400" eaLnBrk="1" fontAlgn="auto" latinLnBrk="0" hangingPunct="1">
-              <a:lnSpc>
-                <a:spcPct val="90000"/>
-              </a:lnSpc>
-              <a:spcBef>
-                <a:spcPts val="0"/>
-              </a:spcBef>
-              <a:spcAft>
-                <a:spcPts val="0"/>
-              </a:spcAft>
-              <a:buClrTx/>
-              <a:buSzTx/>
-              <a:buFontTx/>
-              <a:buNone/>
-              <a:tabLst/>
-              <a:defRPr/>
-            </a:pPr>
-            <a:r>
-              <a:rPr lang="en-US" sz="1400" dirty="0"/>
-              <a:t>Dashboard</a:t>
-            </a:r>
-          </a:p>
-        </p:txBody>
-      </p:sp>
-      <p:pic>
-        <p:nvPicPr>
-          <p:cNvPr id="71" name="Picture 70"/>
-          <p:cNvPicPr>
-            <a:picLocks noChangeAspect="1"/>
-          </p:cNvPicPr>
-          <p:nvPr/>
-        </p:nvPicPr>
-        <p:blipFill>
-          <a:blip r:embed="rId16">
-            <a:duotone>
-              <a:schemeClr val="accent4">
-                <a:shade val="45000"/>
-                <a:satMod val="135000"/>
-              </a:schemeClr>
-              <a:prstClr val="white"/>
-            </a:duotone>
-          </a:blip>
-          <a:stretch>
-            <a:fillRect/>
-          </a:stretch>
-        </p:blipFill>
-        <p:spPr>
-          <a:xfrm>
-            <a:off x="1577998" y="4497729"/>
-            <a:ext cx="820575" cy="742267"/>
-          </a:xfrm>
-          <a:prstGeom prst="rect">
-            <a:avLst/>
-          </a:prstGeom>
-        </p:spPr>
-      </p:pic>
     </p:spTree>
     <p:custDataLst>
       <p:tags r:id="rId1"/>
@@ -19414,12 +19684,402 @@
   </p:clrMapOvr>
   <mc:AlternateContent xmlns:mc="http://schemas.openxmlformats.org/markup-compatibility/2006">
     <mc:Choice xmlns:p14="http://schemas.microsoft.com/office/powerpoint/2010/main" Requires="p14">
-      <p:transition p14:dur="0"/>
+      <p:transition p14:dur="10"/>
     </mc:Choice>
     <mc:Fallback>
       <p:transition/>
     </mc:Fallback>
   </mc:AlternateContent>
+  <p:timing>
+    <p:tnLst>
+      <p:par>
+        <p:cTn id="1" dur="indefinite" restart="never" nodeType="tmRoot">
+          <p:childTnLst>
+            <p:seq concurrent="1" nextAc="seek">
+              <p:cTn id="2" dur="indefinite" nodeType="mainSeq">
+                <p:childTnLst>
+                  <p:par>
+                    <p:cTn id="3" fill="hold">
+                      <p:stCondLst>
+                        <p:cond delay="indefinite"/>
+                      </p:stCondLst>
+                      <p:childTnLst>
+                        <p:par>
+                          <p:cTn id="4" fill="hold">
+                            <p:stCondLst>
+                              <p:cond delay="0"/>
+                            </p:stCondLst>
+                            <p:childTnLst>
+                              <p:par>
+                                <p:cTn id="5" presetID="1" presetClass="entr" presetSubtype="0" fill="hold" nodeType="clickEffect">
+                                  <p:stCondLst>
+                                    <p:cond delay="0"/>
+                                  </p:stCondLst>
+                                  <p:childTnLst>
+                                    <p:set>
+                                      <p:cBhvr>
+                                        <p:cTn id="6" dur="1" fill="hold">
+                                          <p:stCondLst>
+                                            <p:cond delay="0"/>
+                                          </p:stCondLst>
+                                        </p:cTn>
+                                        <p:tgtEl>
+                                          <p:spTgt spid="12"/>
+                                        </p:tgtEl>
+                                        <p:attrNameLst>
+                                          <p:attrName>style.visibility</p:attrName>
+                                        </p:attrNameLst>
+                                      </p:cBhvr>
+                                      <p:to>
+                                        <p:strVal val="visible"/>
+                                      </p:to>
+                                    </p:set>
+                                  </p:childTnLst>
+                                </p:cTn>
+                              </p:par>
+                            </p:childTnLst>
+                          </p:cTn>
+                        </p:par>
+                      </p:childTnLst>
+                    </p:cTn>
+                  </p:par>
+                  <p:par>
+                    <p:cTn id="7" fill="hold">
+                      <p:stCondLst>
+                        <p:cond delay="indefinite"/>
+                      </p:stCondLst>
+                      <p:childTnLst>
+                        <p:par>
+                          <p:cTn id="8" fill="hold">
+                            <p:stCondLst>
+                              <p:cond delay="0"/>
+                            </p:stCondLst>
+                            <p:childTnLst>
+                              <p:par>
+                                <p:cTn id="9" presetID="1" presetClass="entr" presetSubtype="0" fill="hold" nodeType="clickEffect">
+                                  <p:stCondLst>
+                                    <p:cond delay="0"/>
+                                  </p:stCondLst>
+                                  <p:childTnLst>
+                                    <p:set>
+                                      <p:cBhvr>
+                                        <p:cTn id="10" dur="1" fill="hold">
+                                          <p:stCondLst>
+                                            <p:cond delay="0"/>
+                                          </p:stCondLst>
+                                        </p:cTn>
+                                        <p:tgtEl>
+                                          <p:spTgt spid="18"/>
+                                        </p:tgtEl>
+                                        <p:attrNameLst>
+                                          <p:attrName>style.visibility</p:attrName>
+                                        </p:attrNameLst>
+                                      </p:cBhvr>
+                                      <p:to>
+                                        <p:strVal val="visible"/>
+                                      </p:to>
+                                    </p:set>
+                                  </p:childTnLst>
+                                </p:cTn>
+                              </p:par>
+                            </p:childTnLst>
+                          </p:cTn>
+                        </p:par>
+                      </p:childTnLst>
+                    </p:cTn>
+                  </p:par>
+                  <p:par>
+                    <p:cTn id="11" fill="hold">
+                      <p:stCondLst>
+                        <p:cond delay="indefinite"/>
+                      </p:stCondLst>
+                      <p:childTnLst>
+                        <p:par>
+                          <p:cTn id="12" fill="hold">
+                            <p:stCondLst>
+                              <p:cond delay="0"/>
+                            </p:stCondLst>
+                            <p:childTnLst>
+                              <p:par>
+                                <p:cTn id="13" presetID="1" presetClass="entr" presetSubtype="0" fill="hold" nodeType="clickEffect">
+                                  <p:stCondLst>
+                                    <p:cond delay="0"/>
+                                  </p:stCondLst>
+                                  <p:childTnLst>
+                                    <p:set>
+                                      <p:cBhvr>
+                                        <p:cTn id="14" dur="1" fill="hold">
+                                          <p:stCondLst>
+                                            <p:cond delay="0"/>
+                                          </p:stCondLst>
+                                        </p:cTn>
+                                        <p:tgtEl>
+                                          <p:spTgt spid="21"/>
+                                        </p:tgtEl>
+                                        <p:attrNameLst>
+                                          <p:attrName>style.visibility</p:attrName>
+                                        </p:attrNameLst>
+                                      </p:cBhvr>
+                                      <p:to>
+                                        <p:strVal val="visible"/>
+                                      </p:to>
+                                    </p:set>
+                                  </p:childTnLst>
+                                </p:cTn>
+                              </p:par>
+                            </p:childTnLst>
+                          </p:cTn>
+                        </p:par>
+                      </p:childTnLst>
+                    </p:cTn>
+                  </p:par>
+                  <p:par>
+                    <p:cTn id="15" fill="hold">
+                      <p:stCondLst>
+                        <p:cond delay="indefinite"/>
+                      </p:stCondLst>
+                      <p:childTnLst>
+                        <p:par>
+                          <p:cTn id="16" fill="hold">
+                            <p:stCondLst>
+                              <p:cond delay="0"/>
+                            </p:stCondLst>
+                            <p:childTnLst>
+                              <p:par>
+                                <p:cTn id="17" presetID="1" presetClass="entr" presetSubtype="0" fill="hold" nodeType="clickEffect">
+                                  <p:stCondLst>
+                                    <p:cond delay="0"/>
+                                  </p:stCondLst>
+                                  <p:childTnLst>
+                                    <p:set>
+                                      <p:cBhvr>
+                                        <p:cTn id="18" dur="1" fill="hold">
+                                          <p:stCondLst>
+                                            <p:cond delay="0"/>
+                                          </p:stCondLst>
+                                        </p:cTn>
+                                        <p:tgtEl>
+                                          <p:spTgt spid="25"/>
+                                        </p:tgtEl>
+                                        <p:attrNameLst>
+                                          <p:attrName>style.visibility</p:attrName>
+                                        </p:attrNameLst>
+                                      </p:cBhvr>
+                                      <p:to>
+                                        <p:strVal val="visible"/>
+                                      </p:to>
+                                    </p:set>
+                                  </p:childTnLst>
+                                </p:cTn>
+                              </p:par>
+                            </p:childTnLst>
+                          </p:cTn>
+                        </p:par>
+                      </p:childTnLst>
+                    </p:cTn>
+                  </p:par>
+                  <p:par>
+                    <p:cTn id="19" fill="hold">
+                      <p:stCondLst>
+                        <p:cond delay="indefinite"/>
+                      </p:stCondLst>
+                      <p:childTnLst>
+                        <p:par>
+                          <p:cTn id="20" fill="hold">
+                            <p:stCondLst>
+                              <p:cond delay="0"/>
+                            </p:stCondLst>
+                            <p:childTnLst>
+                              <p:par>
+                                <p:cTn id="21" presetID="1" presetClass="entr" presetSubtype="0" fill="hold" nodeType="clickEffect">
+                                  <p:stCondLst>
+                                    <p:cond delay="0"/>
+                                  </p:stCondLst>
+                                  <p:childTnLst>
+                                    <p:set>
+                                      <p:cBhvr>
+                                        <p:cTn id="22" dur="1" fill="hold">
+                                          <p:stCondLst>
+                                            <p:cond delay="0"/>
+                                          </p:stCondLst>
+                                        </p:cTn>
+                                        <p:tgtEl>
+                                          <p:spTgt spid="27"/>
+                                        </p:tgtEl>
+                                        <p:attrNameLst>
+                                          <p:attrName>style.visibility</p:attrName>
+                                        </p:attrNameLst>
+                                      </p:cBhvr>
+                                      <p:to>
+                                        <p:strVal val="visible"/>
+                                      </p:to>
+                                    </p:set>
+                                  </p:childTnLst>
+                                </p:cTn>
+                              </p:par>
+                            </p:childTnLst>
+                          </p:cTn>
+                        </p:par>
+                      </p:childTnLst>
+                    </p:cTn>
+                  </p:par>
+                  <p:par>
+                    <p:cTn id="23" fill="hold">
+                      <p:stCondLst>
+                        <p:cond delay="indefinite"/>
+                      </p:stCondLst>
+                      <p:childTnLst>
+                        <p:par>
+                          <p:cTn id="24" fill="hold">
+                            <p:stCondLst>
+                              <p:cond delay="0"/>
+                            </p:stCondLst>
+                            <p:childTnLst>
+                              <p:par>
+                                <p:cTn id="25" presetID="1" presetClass="entr" presetSubtype="0" fill="hold" nodeType="clickEffect">
+                                  <p:stCondLst>
+                                    <p:cond delay="0"/>
+                                  </p:stCondLst>
+                                  <p:childTnLst>
+                                    <p:set>
+                                      <p:cBhvr>
+                                        <p:cTn id="26" dur="1" fill="hold">
+                                          <p:stCondLst>
+                                            <p:cond delay="0"/>
+                                          </p:stCondLst>
+                                        </p:cTn>
+                                        <p:tgtEl>
+                                          <p:spTgt spid="23"/>
+                                        </p:tgtEl>
+                                        <p:attrNameLst>
+                                          <p:attrName>style.visibility</p:attrName>
+                                        </p:attrNameLst>
+                                      </p:cBhvr>
+                                      <p:to>
+                                        <p:strVal val="visible"/>
+                                      </p:to>
+                                    </p:set>
+                                  </p:childTnLst>
+                                </p:cTn>
+                              </p:par>
+                            </p:childTnLst>
+                          </p:cTn>
+                        </p:par>
+                      </p:childTnLst>
+                    </p:cTn>
+                  </p:par>
+                  <p:par>
+                    <p:cTn id="27" fill="hold">
+                      <p:stCondLst>
+                        <p:cond delay="indefinite"/>
+                      </p:stCondLst>
+                      <p:childTnLst>
+                        <p:par>
+                          <p:cTn id="28" fill="hold">
+                            <p:stCondLst>
+                              <p:cond delay="0"/>
+                            </p:stCondLst>
+                            <p:childTnLst>
+                              <p:par>
+                                <p:cTn id="29" presetID="1" presetClass="entr" presetSubtype="0" fill="hold" nodeType="clickEffect">
+                                  <p:stCondLst>
+                                    <p:cond delay="0"/>
+                                  </p:stCondLst>
+                                  <p:childTnLst>
+                                    <p:set>
+                                      <p:cBhvr>
+                                        <p:cTn id="30" dur="1" fill="hold">
+                                          <p:stCondLst>
+                                            <p:cond delay="0"/>
+                                          </p:stCondLst>
+                                        </p:cTn>
+                                        <p:tgtEl>
+                                          <p:spTgt spid="31"/>
+                                        </p:tgtEl>
+                                        <p:attrNameLst>
+                                          <p:attrName>style.visibility</p:attrName>
+                                        </p:attrNameLst>
+                                      </p:cBhvr>
+                                      <p:to>
+                                        <p:strVal val="visible"/>
+                                      </p:to>
+                                    </p:set>
+                                  </p:childTnLst>
+                                </p:cTn>
+                              </p:par>
+                            </p:childTnLst>
+                          </p:cTn>
+                        </p:par>
+                      </p:childTnLst>
+                    </p:cTn>
+                  </p:par>
+                  <p:par>
+                    <p:cTn id="31" fill="hold">
+                      <p:stCondLst>
+                        <p:cond delay="indefinite"/>
+                      </p:stCondLst>
+                      <p:childTnLst>
+                        <p:par>
+                          <p:cTn id="32" fill="hold">
+                            <p:stCondLst>
+                              <p:cond delay="0"/>
+                            </p:stCondLst>
+                            <p:childTnLst>
+                              <p:par>
+                                <p:cTn id="33" presetID="1" presetClass="entr" presetSubtype="0" fill="hold" nodeType="clickEffect">
+                                  <p:stCondLst>
+                                    <p:cond delay="0"/>
+                                  </p:stCondLst>
+                                  <p:childTnLst>
+                                    <p:set>
+                                      <p:cBhvr>
+                                        <p:cTn id="34" dur="1" fill="hold">
+                                          <p:stCondLst>
+                                            <p:cond delay="0"/>
+                                          </p:stCondLst>
+                                        </p:cTn>
+                                        <p:tgtEl>
+                                          <p:spTgt spid="20"/>
+                                        </p:tgtEl>
+                                        <p:attrNameLst>
+                                          <p:attrName>style.visibility</p:attrName>
+                                        </p:attrNameLst>
+                                      </p:cBhvr>
+                                      <p:to>
+                                        <p:strVal val="visible"/>
+                                      </p:to>
+                                    </p:set>
+                                  </p:childTnLst>
+                                </p:cTn>
+                              </p:par>
+                            </p:childTnLst>
+                          </p:cTn>
+                        </p:par>
+                      </p:childTnLst>
+                    </p:cTn>
+                  </p:par>
+                </p:childTnLst>
+              </p:cTn>
+              <p:prevCondLst>
+                <p:cond evt="onPrev" delay="0">
+                  <p:tgtEl>
+                    <p:sldTgt/>
+                  </p:tgtEl>
+                </p:cond>
+              </p:prevCondLst>
+              <p:nextCondLst>
+                <p:cond evt="onNext" delay="0">
+                  <p:tgtEl>
+                    <p:sldTgt/>
+                  </p:tgtEl>
+                </p:cond>
+              </p:nextCondLst>
+            </p:seq>
+          </p:childTnLst>
+        </p:cTn>
+      </p:par>
+    </p:tnLst>
+  </p:timing>
 </p:sld>
 </file>
 
@@ -19625,11 +20285,11 @@
   <p:clrMapOvr>
     <a:masterClrMapping/>
   </p:clrMapOvr>
-  <mc:AlternateContent xmlns:mc="http://schemas.openxmlformats.org/markup-compatibility/2006">
-    <mc:Choice xmlns:p14="http://schemas.microsoft.com/office/powerpoint/2010/main" Requires="p14">
+  <mc:AlternateContent xmlns:mc="http://schemas.openxmlformats.org/markup-compatibility/2006" xmlns:p14="http://schemas.microsoft.com/office/powerpoint/2010/main">
+    <mc:Choice Requires="p14">
       <p:transition p14:dur="0"/>
     </mc:Choice>
-    <mc:Fallback>
+    <mc:Fallback xmlns="">
       <p:transition/>
     </mc:Fallback>
   </mc:AlternateContent>
@@ -19738,11 +20398,11 @@
   <p:clrMapOvr>
     <a:masterClrMapping/>
   </p:clrMapOvr>
-  <mc:AlternateContent xmlns:mc="http://schemas.openxmlformats.org/markup-compatibility/2006">
-    <mc:Choice xmlns:p14="http://schemas.microsoft.com/office/powerpoint/2010/main" Requires="p14">
+  <mc:AlternateContent xmlns:mc="http://schemas.openxmlformats.org/markup-compatibility/2006" xmlns:p14="http://schemas.microsoft.com/office/powerpoint/2010/main">
+    <mc:Choice Requires="p14">
       <p:transition p14:dur="0"/>
     </mc:Choice>
-    <mc:Fallback>
+    <mc:Fallback xmlns="">
       <p:transition/>
     </mc:Fallback>
   </mc:AlternateContent>
@@ -20938,15 +21598,6 @@
 </file>
 
 <file path=customXml/item2.xml><?xml version="1.0" encoding="utf-8"?>
-<?mso-contentType ?>
-<FormTemplates xmlns="http://schemas.microsoft.com/sharepoint/v3/contenttype/forms">
-  <Display>DocumentLibraryForm</Display>
-  <Edit>DocumentLibraryForm</Edit>
-  <New>DocumentLibraryForm</New>
-</FormTemplates>
-</file>
-
-<file path=customXml/item3.xml><?xml version="1.0" encoding="utf-8"?>
 <ct:contentTypeSchema xmlns:ct="http://schemas.microsoft.com/office/2006/metadata/contentType" xmlns:ma="http://schemas.microsoft.com/office/2006/metadata/properties/metaAttributes" ct:_="" ma:_="" ma:contentTypeName="Document" ma:contentTypeID="0x010100A2B0BB5962AB3C45A9A1CE1EC4C4F647" ma:contentTypeVersion="3" ma:contentTypeDescription="Create a new document." ma:contentTypeScope="" ma:versionID="f0876370c90de824ab54c09b0bd2a056">
   <xsd:schema xmlns:xsd="http://www.w3.org/2001/XMLSchema" xmlns:xs="http://www.w3.org/2001/XMLSchema" xmlns:p="http://schemas.microsoft.com/office/2006/metadata/properties" xmlns:ns3="630a2e83-186a-4a0f-ab27-bee8a8096abc" targetNamespace="http://schemas.microsoft.com/office/2006/metadata/properties" ma:root="true" ma:fieldsID="a2a3b5ed8b4accd7c8a398d0cb075271" ns3:_="">
     <xsd:import namespace="630a2e83-186a-4a0f-ab27-bee8a8096abc"/>
@@ -21100,6 +21751,15 @@
 </ct:contentTypeSchema>
 </file>
 
+<file path=customXml/item3.xml><?xml version="1.0" encoding="utf-8"?>
+<?mso-contentType ?>
+<FormTemplates xmlns="http://schemas.microsoft.com/sharepoint/v3/contenttype/forms">
+  <Display>DocumentLibraryForm</Display>
+  <Edit>DocumentLibraryForm</Edit>
+  <New>DocumentLibraryForm</New>
+</FormTemplates>
+</file>
+
 <file path=customXml/itemProps1.xml><?xml version="1.0" encoding="utf-8"?>
 <ds:datastoreItem xmlns:ds="http://schemas.openxmlformats.org/officeDocument/2006/customXml" ds:itemID="{F990F116-B58F-4255-B05B-DA3808E0E5C6}">
   <ds:schemaRefs>
@@ -21117,14 +21777,6 @@
 </file>
 
 <file path=customXml/itemProps2.xml><?xml version="1.0" encoding="utf-8"?>
-<ds:datastoreItem xmlns:ds="http://schemas.openxmlformats.org/officeDocument/2006/customXml" ds:itemID="{758FDAC0-319D-4A54-8D8E-1D42CB1F8004}">
-  <ds:schemaRefs>
-    <ds:schemaRef ds:uri="http://schemas.microsoft.com/sharepoint/v3/contenttype/forms"/>
-  </ds:schemaRefs>
-</ds:datastoreItem>
-</file>
-
-<file path=customXml/itemProps3.xml><?xml version="1.0" encoding="utf-8"?>
 <ds:datastoreItem xmlns:ds="http://schemas.openxmlformats.org/officeDocument/2006/customXml" ds:itemID="{F4553072-E538-48C4-90FC-3653F32D67C5}">
   <ds:schemaRefs>
     <ds:schemaRef ds:uri="http://schemas.microsoft.com/office/2006/metadata/contentType"/>
@@ -21140,4 +21792,12 @@
     <ds:schemaRef ds:uri="http://schemas.microsoft.com/internal/obd"/>
   </ds:schemaRefs>
 </ds:datastoreItem>
+</file>
+
+<file path=customXml/itemProps3.xml><?xml version="1.0" encoding="utf-8"?>
+<ds:datastoreItem xmlns:ds="http://schemas.openxmlformats.org/officeDocument/2006/customXml" ds:itemID="{758FDAC0-319D-4A54-8D8E-1D42CB1F8004}">
+  <ds:schemaRefs>
+    <ds:schemaRef ds:uri="http://schemas.microsoft.com/sharepoint/v3/contenttype/forms"/>
+  </ds:schemaRefs>
+</ds:datastoreItem>
 </file>
--- a/Presentation/Module00-Hols.pptx
+++ b/Presentation/Module00-Hols.pptx
@@ -288,7 +288,7 @@
               <a:rPr lang="en-US" smtClean="0">
                 <a:latin typeface="Segoe UI" pitchFamily="34" charset="0"/>
               </a:rPr>
-              <a:t>10/19/2016 12:12 PM</a:t>
+              <a:t>11/14/2016 9:39 AM</a:t>
             </a:fld>
             <a:endParaRPr lang="en-US" dirty="0">
               <a:latin typeface="Segoe UI" pitchFamily="34" charset="0"/>
@@ -566,7 +566,7 @@
           <a:p>
             <a:fld id="{196BB360-4395-422C-A729-CB974B278917}" type="datetime8">
               <a:rPr lang="en-US" smtClean="0"/>
-              <a:t>10/19/2016 12:11 PM</a:t>
+              <a:t>11/14/2016 9:39 AM</a:t>
             </a:fld>
             <a:endParaRPr lang="en-US" dirty="0"/>
           </a:p>
@@ -895,7 +895,7 @@
           <a:p>
             <a:fld id="{B9E68977-C62F-48C1-B8E5-A952982F1FDC}" type="datetime8">
               <a:rPr lang="en-US" smtClean="0"/>
-              <a:t>10/19/2016 12:11 PM</a:t>
+              <a:t>11/14/2016 9:39 AM</a:t>
             </a:fld>
             <a:endParaRPr lang="en-US" dirty="0"/>
           </a:p>
@@ -1170,7 +1170,7 @@
           <a:p>
             <a:fld id="{196BB360-4395-422C-A729-CB974B278917}" type="datetime8">
               <a:rPr lang="en-US" smtClean="0"/>
-              <a:t>10/19/2016 12:11 PM</a:t>
+              <a:t>11/14/2016 9:39 AM</a:t>
             </a:fld>
             <a:endParaRPr lang="en-US" dirty="0"/>
           </a:p>
@@ -1351,7 +1351,7 @@
           <a:p>
             <a:fld id="{196BB360-4395-422C-A729-CB974B278917}" type="datetime8">
               <a:rPr lang="en-US" smtClean="0"/>
-              <a:t>10/19/2016 12:11 PM</a:t>
+              <a:t>11/14/2016 9:39 AM</a:t>
             </a:fld>
             <a:endParaRPr lang="en-US" dirty="0"/>
           </a:p>
@@ -1532,7 +1532,7 @@
           <a:p>
             <a:fld id="{196BB360-4395-422C-A729-CB974B278917}" type="datetime8">
               <a:rPr lang="en-US" smtClean="0"/>
-              <a:t>10/19/2016 12:11 PM</a:t>
+              <a:t>11/14/2016 9:39 AM</a:t>
             </a:fld>
             <a:endParaRPr lang="en-US" dirty="0"/>
           </a:p>
@@ -15075,36 +15075,54 @@
           <a:bodyPr/>
           <a:lstStyle/>
           <a:p>
+            <a:pPr marL="0" indent="0">
+              <a:buNone/>
+            </a:pPr>
             <a:r>
               <a:rPr lang="en-US" dirty="0"/>
               <a:t>HOL 1 - Tools and Developer Environment Setup</a:t>
             </a:r>
           </a:p>
           <a:p>
+            <a:pPr marL="0" indent="0">
+              <a:buNone/>
+            </a:pPr>
             <a:r>
               <a:rPr lang="en-US" dirty="0"/>
               <a:t>HOL 2 - Modern Cloud Apps</a:t>
             </a:r>
           </a:p>
           <a:p>
+            <a:pPr marL="0" indent="0">
+              <a:buNone/>
+            </a:pPr>
             <a:r>
               <a:rPr lang="en-US" dirty="0"/>
               <a:t>HOL 3 - Identity and Office365 APIs</a:t>
             </a:r>
           </a:p>
           <a:p>
+            <a:pPr marL="0" indent="0">
+              <a:buNone/>
+            </a:pPr>
             <a:r>
               <a:rPr lang="en-US" dirty="0"/>
               <a:t>HOL 4 - DevOps Continuous integration</a:t>
             </a:r>
           </a:p>
           <a:p>
+            <a:pPr marL="0" indent="0">
+              <a:buNone/>
+            </a:pPr>
             <a:r>
               <a:rPr lang="en-US" dirty="0"/>
               <a:t>HOL 5 - Infrastructure as code</a:t>
             </a:r>
           </a:p>
           <a:p>
+            <a:pPr marL="0" indent="0">
+              <a:buNone/>
+            </a:pPr>
             <a:r>
               <a:rPr lang="en-US" dirty="0"/>
               <a:t>HOL 6 - Monitoring</a:t>
@@ -15340,11 +15358,11 @@
   <p:clrMapOvr>
     <a:masterClrMapping/>
   </p:clrMapOvr>
-  <mc:AlternateContent xmlns:mc="http://schemas.openxmlformats.org/markup-compatibility/2006">
-    <mc:Choice xmlns:p14="http://schemas.microsoft.com/office/powerpoint/2010/main" Requires="p14">
+  <mc:AlternateContent xmlns:mc="http://schemas.openxmlformats.org/markup-compatibility/2006" xmlns:p14="http://schemas.microsoft.com/office/powerpoint/2010/main">
+    <mc:Choice Requires="p14">
       <p:transition p14:dur="0"/>
     </mc:Choice>
-    <mc:Fallback>
+    <mc:Fallback xmlns="">
       <p:transition/>
     </mc:Fallback>
   </mc:AlternateContent>
@@ -18054,9 +18072,9 @@
         <p:grpSpPr>
           <a:xfrm>
             <a:off x="2019250" y="1038499"/>
-            <a:ext cx="9747014" cy="2671264"/>
+            <a:ext cx="10294248" cy="3040935"/>
             <a:chOff x="2019250" y="1038499"/>
-            <a:chExt cx="9747014" cy="2671264"/>
+            <a:chExt cx="10294248" cy="3040935"/>
           </a:xfrm>
         </p:grpSpPr>
         <p:grpSp>
@@ -18068,9 +18086,9 @@
           <p:grpSpPr>
             <a:xfrm>
               <a:off x="7551912" y="1038499"/>
-              <a:ext cx="4214352" cy="2671264"/>
+              <a:ext cx="4761586" cy="3040935"/>
               <a:chOff x="7551912" y="1038499"/>
-              <a:chExt cx="4214352" cy="2671264"/>
+              <a:chExt cx="4761586" cy="3040935"/>
             </a:xfrm>
           </p:grpSpPr>
           <p:grpSp>
@@ -18082,9 +18100,9 @@
             <p:grpSpPr>
               <a:xfrm>
                 <a:off x="7551912" y="1038499"/>
-                <a:ext cx="4214352" cy="2671264"/>
+                <a:ext cx="4761586" cy="3040935"/>
                 <a:chOff x="7551912" y="1038499"/>
-                <a:chExt cx="4214352" cy="2671264"/>
+                <a:chExt cx="4761586" cy="3040935"/>
               </a:xfrm>
             </p:grpSpPr>
             <p:sp>
@@ -18182,8 +18200,8 @@
               </p:blipFill>
               <p:spPr>
                 <a:xfrm>
-                  <a:off x="9282991" y="3045630"/>
-                  <a:ext cx="752194" cy="664133"/>
+                  <a:off x="10995581" y="2915808"/>
+                  <a:ext cx="1317917" cy="1163626"/>
                 </a:xfrm>
                 <a:prstGeom prst="rect">
                   <a:avLst/>
@@ -19682,11 +19700,11 @@
   <p:clrMapOvr>
     <a:masterClrMapping/>
   </p:clrMapOvr>
-  <mc:AlternateContent xmlns:mc="http://schemas.openxmlformats.org/markup-compatibility/2006">
-    <mc:Choice xmlns:p14="http://schemas.microsoft.com/office/powerpoint/2010/main" Requires="p14">
+  <mc:AlternateContent xmlns:mc="http://schemas.openxmlformats.org/markup-compatibility/2006" xmlns:p14="http://schemas.microsoft.com/office/powerpoint/2010/main">
+    <mc:Choice Requires="p14">
       <p:transition p14:dur="10"/>
     </mc:Choice>
-    <mc:Fallback>
+    <mc:Fallback xmlns="">
       <p:transition/>
     </mc:Fallback>
   </mc:AlternateContent>
@@ -21592,9 +21610,12 @@
 </file>
 
 <file path=customXml/item1.xml><?xml version="1.0" encoding="utf-8"?>
-<p:properties xmlns:p="http://schemas.microsoft.com/office/2006/metadata/properties" xmlns:xsi="http://www.w3.org/2001/XMLSchema-instance" xmlns:pc="http://schemas.microsoft.com/office/infopath/2007/PartnerControls">
-  <documentManagement/>
-</p:properties>
+<?mso-contentType ?>
+<FormTemplates xmlns="http://schemas.microsoft.com/sharepoint/v3/contenttype/forms">
+  <Display>DocumentLibraryForm</Display>
+  <Edit>DocumentLibraryForm</Edit>
+  <New>DocumentLibraryForm</New>
+</FormTemplates>
 </file>
 
 <file path=customXml/item2.xml><?xml version="1.0" encoding="utf-8"?>
@@ -21752,26 +21773,15 @@
 </file>
 
 <file path=customXml/item3.xml><?xml version="1.0" encoding="utf-8"?>
-<?mso-contentType ?>
-<FormTemplates xmlns="http://schemas.microsoft.com/sharepoint/v3/contenttype/forms">
-  <Display>DocumentLibraryForm</Display>
-  <Edit>DocumentLibraryForm</Edit>
-  <New>DocumentLibraryForm</New>
-</FormTemplates>
+<p:properties xmlns:p="http://schemas.microsoft.com/office/2006/metadata/properties" xmlns:xsi="http://www.w3.org/2001/XMLSchema-instance" xmlns:pc="http://schemas.microsoft.com/office/infopath/2007/PartnerControls">
+  <documentManagement/>
+</p:properties>
 </file>
 
 <file path=customXml/itemProps1.xml><?xml version="1.0" encoding="utf-8"?>
-<ds:datastoreItem xmlns:ds="http://schemas.openxmlformats.org/officeDocument/2006/customXml" ds:itemID="{F990F116-B58F-4255-B05B-DA3808E0E5C6}">
+<ds:datastoreItem xmlns:ds="http://schemas.openxmlformats.org/officeDocument/2006/customXml" ds:itemID="{758FDAC0-319D-4A54-8D8E-1D42CB1F8004}">
   <ds:schemaRefs>
-    <ds:schemaRef ds:uri="http://schemas.openxmlformats.org/package/2006/metadata/core-properties"/>
-    <ds:schemaRef ds:uri="http://schemas.microsoft.com/office/2006/metadata/properties"/>
-    <ds:schemaRef ds:uri="630a2e83-186a-4a0f-ab27-bee8a8096abc"/>
-    <ds:schemaRef ds:uri="http://purl.org/dc/dcmitype/"/>
-    <ds:schemaRef ds:uri="http://www.w3.org/XML/1998/namespace"/>
-    <ds:schemaRef ds:uri="http://purl.org/dc/terms/"/>
-    <ds:schemaRef ds:uri="http://schemas.microsoft.com/office/2006/documentManagement/types"/>
-    <ds:schemaRef ds:uri="http://schemas.microsoft.com/office/infopath/2007/PartnerControls"/>
-    <ds:schemaRef ds:uri="http://purl.org/dc/elements/1.1/"/>
+    <ds:schemaRef ds:uri="http://schemas.microsoft.com/sharepoint/v3/contenttype/forms"/>
   </ds:schemaRefs>
 </ds:datastoreItem>
 </file>
@@ -21795,9 +21805,17 @@
 </file>
 
 <file path=customXml/itemProps3.xml><?xml version="1.0" encoding="utf-8"?>
-<ds:datastoreItem xmlns:ds="http://schemas.openxmlformats.org/officeDocument/2006/customXml" ds:itemID="{758FDAC0-319D-4A54-8D8E-1D42CB1F8004}">
+<ds:datastoreItem xmlns:ds="http://schemas.openxmlformats.org/officeDocument/2006/customXml" ds:itemID="{F990F116-B58F-4255-B05B-DA3808E0E5C6}">
   <ds:schemaRefs>
-    <ds:schemaRef ds:uri="http://schemas.microsoft.com/sharepoint/v3/contenttype/forms"/>
+    <ds:schemaRef ds:uri="http://schemas.openxmlformats.org/package/2006/metadata/core-properties"/>
+    <ds:schemaRef ds:uri="http://schemas.microsoft.com/office/2006/metadata/properties"/>
+    <ds:schemaRef ds:uri="630a2e83-186a-4a0f-ab27-bee8a8096abc"/>
+    <ds:schemaRef ds:uri="http://purl.org/dc/dcmitype/"/>
+    <ds:schemaRef ds:uri="http://www.w3.org/XML/1998/namespace"/>
+    <ds:schemaRef ds:uri="http://purl.org/dc/terms/"/>
+    <ds:schemaRef ds:uri="http://schemas.microsoft.com/office/2006/documentManagement/types"/>
+    <ds:schemaRef ds:uri="http://schemas.microsoft.com/office/infopath/2007/PartnerControls"/>
+    <ds:schemaRef ds:uri="http://purl.org/dc/elements/1.1/"/>
   </ds:schemaRefs>
 </ds:datastoreItem>
 </file>
--- a/Presentation/Module00-Hols.pptx
+++ b/Presentation/Module00-Hols.pptx
@@ -288,7 +288,7 @@
               <a:rPr lang="en-US" smtClean="0">
                 <a:latin typeface="Segoe UI" pitchFamily="34" charset="0"/>
               </a:rPr>
-              <a:t>11/14/2016 9:39 AM</a:t>
+              <a:t>12/6/2016 12:30 PM</a:t>
             </a:fld>
             <a:endParaRPr lang="en-US" dirty="0">
               <a:latin typeface="Segoe UI" pitchFamily="34" charset="0"/>
@@ -566,7 +566,7 @@
           <a:p>
             <a:fld id="{196BB360-4395-422C-A729-CB974B278917}" type="datetime8">
               <a:rPr lang="en-US" smtClean="0"/>
-              <a:t>11/14/2016 9:39 AM</a:t>
+              <a:t>12/6/2016 12:30 PM</a:t>
             </a:fld>
             <a:endParaRPr lang="en-US" dirty="0"/>
           </a:p>
@@ -895,7 +895,7 @@
           <a:p>
             <a:fld id="{B9E68977-C62F-48C1-B8E5-A952982F1FDC}" type="datetime8">
               <a:rPr lang="en-US" smtClean="0"/>
-              <a:t>11/14/2016 9:39 AM</a:t>
+              <a:t>12/6/2016 12:30 PM</a:t>
             </a:fld>
             <a:endParaRPr lang="en-US" dirty="0"/>
           </a:p>
@@ -1170,7 +1170,7 @@
           <a:p>
             <a:fld id="{196BB360-4395-422C-A729-CB974B278917}" type="datetime8">
               <a:rPr lang="en-US" smtClean="0"/>
-              <a:t>11/14/2016 9:39 AM</a:t>
+              <a:t>12/6/2016 12:30 PM</a:t>
             </a:fld>
             <a:endParaRPr lang="en-US" dirty="0"/>
           </a:p>
@@ -1351,7 +1351,7 @@
           <a:p>
             <a:fld id="{196BB360-4395-422C-A729-CB974B278917}" type="datetime8">
               <a:rPr lang="en-US" smtClean="0"/>
-              <a:t>11/14/2016 9:39 AM</a:t>
+              <a:t>12/6/2016 12:30 PM</a:t>
             </a:fld>
             <a:endParaRPr lang="en-US" dirty="0"/>
           </a:p>
@@ -1532,7 +1532,7 @@
           <a:p>
             <a:fld id="{196BB360-4395-422C-A729-CB974B278917}" type="datetime8">
               <a:rPr lang="en-US" smtClean="0"/>
-              <a:t>11/14/2016 9:39 AM</a:t>
+              <a:t>12/6/2016 12:30 PM</a:t>
             </a:fld>
             <a:endParaRPr lang="en-US" dirty="0"/>
           </a:p>
@@ -20176,7 +20176,7 @@
             <a:pPr lvl="1"/>
             <a:r>
               <a:rPr lang="en-US" dirty="0"/>
-              <a:t>Virtual Machines (Windows &amp; Linux)</a:t>
+              <a:t>Virtual Machines (Windows)</a:t>
             </a:r>
           </a:p>
           <a:p>
@@ -20278,7 +20278,7 @@
             <a:pPr lvl="1"/>
             <a:r>
               <a:rPr lang="en-US" dirty="0"/>
-              <a:t>Docker </a:t>
+              <a:t>Docker</a:t>
             </a:r>
           </a:p>
           <a:p>
@@ -20365,14 +20365,14 @@
           <a:p>
             <a:r>
               <a:rPr lang="en-US" dirty="0"/>
-              <a:t>Take prepared image, walk through the tools that are available for your platform</a:t>
+              <a:t>Take prepared image or run locally, walk through the tools that are available for your platform</a:t>
             </a:r>
           </a:p>
           <a:p>
             <a:pPr lvl="1"/>
             <a:r>
               <a:rPr lang="en-US" dirty="0"/>
-              <a:t>.NET, Node.JS, Java | Windows, Linux</a:t>
+              <a:t>.NET, Node.JS, Java | Windows. Mac OSX</a:t>
             </a:r>
           </a:p>
           <a:p>
@@ -21610,12 +21610,9 @@
 </file>
 
 <file path=customXml/item1.xml><?xml version="1.0" encoding="utf-8"?>
-<?mso-contentType ?>
-<FormTemplates xmlns="http://schemas.microsoft.com/sharepoint/v3/contenttype/forms">
-  <Display>DocumentLibraryForm</Display>
-  <Edit>DocumentLibraryForm</Edit>
-  <New>DocumentLibraryForm</New>
-</FormTemplates>
+<p:properties xmlns:p="http://schemas.microsoft.com/office/2006/metadata/properties" xmlns:xsi="http://www.w3.org/2001/XMLSchema-instance" xmlns:pc="http://schemas.microsoft.com/office/infopath/2007/PartnerControls">
+  <documentManagement/>
+</p:properties>
 </file>
 
 <file path=customXml/item2.xml><?xml version="1.0" encoding="utf-8"?>
@@ -21773,15 +21770,26 @@
 </file>
 
 <file path=customXml/item3.xml><?xml version="1.0" encoding="utf-8"?>
-<p:properties xmlns:p="http://schemas.microsoft.com/office/2006/metadata/properties" xmlns:xsi="http://www.w3.org/2001/XMLSchema-instance" xmlns:pc="http://schemas.microsoft.com/office/infopath/2007/PartnerControls">
-  <documentManagement/>
-</p:properties>
+<?mso-contentType ?>
+<FormTemplates xmlns="http://schemas.microsoft.com/sharepoint/v3/contenttype/forms">
+  <Display>DocumentLibraryForm</Display>
+  <Edit>DocumentLibraryForm</Edit>
+  <New>DocumentLibraryForm</New>
+</FormTemplates>
 </file>
 
 <file path=customXml/itemProps1.xml><?xml version="1.0" encoding="utf-8"?>
-<ds:datastoreItem xmlns:ds="http://schemas.openxmlformats.org/officeDocument/2006/customXml" ds:itemID="{758FDAC0-319D-4A54-8D8E-1D42CB1F8004}">
+<ds:datastoreItem xmlns:ds="http://schemas.openxmlformats.org/officeDocument/2006/customXml" ds:itemID="{F990F116-B58F-4255-B05B-DA3808E0E5C6}">
   <ds:schemaRefs>
-    <ds:schemaRef ds:uri="http://schemas.microsoft.com/sharepoint/v3/contenttype/forms"/>
+    <ds:schemaRef ds:uri="http://schemas.openxmlformats.org/package/2006/metadata/core-properties"/>
+    <ds:schemaRef ds:uri="http://schemas.microsoft.com/office/2006/metadata/properties"/>
+    <ds:schemaRef ds:uri="630a2e83-186a-4a0f-ab27-bee8a8096abc"/>
+    <ds:schemaRef ds:uri="http://purl.org/dc/dcmitype/"/>
+    <ds:schemaRef ds:uri="http://www.w3.org/XML/1998/namespace"/>
+    <ds:schemaRef ds:uri="http://purl.org/dc/terms/"/>
+    <ds:schemaRef ds:uri="http://schemas.microsoft.com/office/2006/documentManagement/types"/>
+    <ds:schemaRef ds:uri="http://schemas.microsoft.com/office/infopath/2007/PartnerControls"/>
+    <ds:schemaRef ds:uri="http://purl.org/dc/elements/1.1/"/>
   </ds:schemaRefs>
 </ds:datastoreItem>
 </file>
@@ -21805,17 +21813,9 @@
 </file>
 
 <file path=customXml/itemProps3.xml><?xml version="1.0" encoding="utf-8"?>
-<ds:datastoreItem xmlns:ds="http://schemas.openxmlformats.org/officeDocument/2006/customXml" ds:itemID="{F990F116-B58F-4255-B05B-DA3808E0E5C6}">
+<ds:datastoreItem xmlns:ds="http://schemas.openxmlformats.org/officeDocument/2006/customXml" ds:itemID="{758FDAC0-319D-4A54-8D8E-1D42CB1F8004}">
   <ds:schemaRefs>
-    <ds:schemaRef ds:uri="http://schemas.openxmlformats.org/package/2006/metadata/core-properties"/>
-    <ds:schemaRef ds:uri="http://schemas.microsoft.com/office/2006/metadata/properties"/>
-    <ds:schemaRef ds:uri="630a2e83-186a-4a0f-ab27-bee8a8096abc"/>
-    <ds:schemaRef ds:uri="http://purl.org/dc/dcmitype/"/>
-    <ds:schemaRef ds:uri="http://www.w3.org/XML/1998/namespace"/>
-    <ds:schemaRef ds:uri="http://purl.org/dc/terms/"/>
-    <ds:schemaRef ds:uri="http://schemas.microsoft.com/office/2006/documentManagement/types"/>
-    <ds:schemaRef ds:uri="http://schemas.microsoft.com/office/infopath/2007/PartnerControls"/>
-    <ds:schemaRef ds:uri="http://purl.org/dc/elements/1.1/"/>
+    <ds:schemaRef ds:uri="http://schemas.microsoft.com/sharepoint/v3/contenttype/forms"/>
   </ds:schemaRefs>
 </ds:datastoreItem>
 </file>